--- a/egyeb/DriveUs.pptx
+++ b/egyeb/DriveUs.pptx
@@ -5,15 +5,19 @@
     <p:sldMasterId id="2147483648" r:id="rId4"/>
   </p:sldMasterIdLst>
   <p:notesMasterIdLst>
-    <p:notesMasterId r:id="rId8"/>
+    <p:notesMasterId r:id="rId12"/>
   </p:notesMasterIdLst>
   <p:handoutMasterIdLst>
-    <p:handoutMasterId r:id="rId9"/>
+    <p:handoutMasterId r:id="rId13"/>
   </p:handoutMasterIdLst>
   <p:sldIdLst>
     <p:sldId id="267" r:id="rId5"/>
     <p:sldId id="268" r:id="rId6"/>
-    <p:sldId id="261" r:id="rId7"/>
+    <p:sldId id="269" r:id="rId7"/>
+    <p:sldId id="270" r:id="rId8"/>
+    <p:sldId id="271" r:id="rId9"/>
+    <p:sldId id="272" r:id="rId10"/>
+    <p:sldId id="273" r:id="rId11"/>
   </p:sldIdLst>
   <p:sldSz cx="12192000" cy="6858000"/>
   <p:notesSz cx="6858000" cy="9144000"/>
@@ -123,3799 +127,6 @@
 </p:presentation>
 </file>
 
-<file path=ppt/diagrams/colors1.xml><?xml version="1.0" encoding="utf-8"?>
-<dgm:colorsDef xmlns:dgm="http://schemas.openxmlformats.org/drawingml/2006/diagram" xmlns:a="http://schemas.openxmlformats.org/drawingml/2006/main" uniqueId="urn:microsoft.com/office/officeart/2005/8/colors/accent0_1">
-  <dgm:title val=""/>
-  <dgm:desc val=""/>
-  <dgm:catLst>
-    <dgm:cat type="mainScheme" pri="10100"/>
-  </dgm:catLst>
-  <dgm:styleLbl name="node0">
-    <dgm:fillClrLst meth="repeat">
-      <a:schemeClr val="lt1"/>
-    </dgm:fillClrLst>
-    <dgm:linClrLst meth="repeat">
-      <a:schemeClr val="dk1">
-        <a:shade val="80000"/>
-      </a:schemeClr>
-    </dgm:linClrLst>
-    <dgm:effectClrLst/>
-    <dgm:txLinClrLst/>
-    <dgm:txFillClrLst meth="repeat">
-      <a:schemeClr val="dk1"/>
-    </dgm:txFillClrLst>
-    <dgm:txEffectClrLst/>
-  </dgm:styleLbl>
-  <dgm:styleLbl name="node1">
-    <dgm:fillClrLst meth="repeat">
-      <a:schemeClr val="lt1"/>
-    </dgm:fillClrLst>
-    <dgm:linClrLst meth="repeat">
-      <a:schemeClr val="dk1">
-        <a:shade val="80000"/>
-      </a:schemeClr>
-    </dgm:linClrLst>
-    <dgm:effectClrLst/>
-    <dgm:txLinClrLst/>
-    <dgm:txFillClrLst meth="repeat">
-      <a:schemeClr val="dk1"/>
-    </dgm:txFillClrLst>
-    <dgm:txEffectClrLst/>
-  </dgm:styleLbl>
-  <dgm:styleLbl name="alignNode1">
-    <dgm:fillClrLst meth="repeat">
-      <a:schemeClr val="lt1"/>
-    </dgm:fillClrLst>
-    <dgm:linClrLst meth="repeat">
-      <a:schemeClr val="dk1">
-        <a:shade val="80000"/>
-      </a:schemeClr>
-    </dgm:linClrLst>
-    <dgm:effectClrLst/>
-    <dgm:txLinClrLst/>
-    <dgm:txFillClrLst meth="repeat">
-      <a:schemeClr val="dk1"/>
-    </dgm:txFillClrLst>
-    <dgm:txEffectClrLst/>
-  </dgm:styleLbl>
-  <dgm:styleLbl name="lnNode1">
-    <dgm:fillClrLst meth="repeat">
-      <a:schemeClr val="lt1"/>
-    </dgm:fillClrLst>
-    <dgm:linClrLst meth="repeat">
-      <a:schemeClr val="dk1">
-        <a:shade val="80000"/>
-      </a:schemeClr>
-    </dgm:linClrLst>
-    <dgm:effectClrLst/>
-    <dgm:txLinClrLst/>
-    <dgm:txFillClrLst meth="repeat">
-      <a:schemeClr val="dk1"/>
-    </dgm:txFillClrLst>
-    <dgm:txEffectClrLst/>
-  </dgm:styleLbl>
-  <dgm:styleLbl name="vennNode1">
-    <dgm:fillClrLst meth="repeat">
-      <a:schemeClr val="lt1">
-        <a:alpha val="50000"/>
-      </a:schemeClr>
-    </dgm:fillClrLst>
-    <dgm:linClrLst meth="repeat">
-      <a:schemeClr val="dk1">
-        <a:shade val="80000"/>
-      </a:schemeClr>
-    </dgm:linClrLst>
-    <dgm:effectClrLst/>
-    <dgm:txLinClrLst/>
-    <dgm:txFillClrLst/>
-    <dgm:txEffectClrLst/>
-  </dgm:styleLbl>
-  <dgm:styleLbl name="node2">
-    <dgm:fillClrLst meth="repeat">
-      <a:schemeClr val="lt1"/>
-    </dgm:fillClrLst>
-    <dgm:linClrLst meth="repeat">
-      <a:schemeClr val="dk1">
-        <a:shade val="80000"/>
-      </a:schemeClr>
-    </dgm:linClrLst>
-    <dgm:effectClrLst/>
-    <dgm:txLinClrLst/>
-    <dgm:txFillClrLst meth="repeat">
-      <a:schemeClr val="dk1"/>
-    </dgm:txFillClrLst>
-    <dgm:txEffectClrLst/>
-  </dgm:styleLbl>
-  <dgm:styleLbl name="node3">
-    <dgm:fillClrLst meth="repeat">
-      <a:schemeClr val="lt1"/>
-    </dgm:fillClrLst>
-    <dgm:linClrLst meth="repeat">
-      <a:schemeClr val="dk1">
-        <a:shade val="80000"/>
-      </a:schemeClr>
-    </dgm:linClrLst>
-    <dgm:effectClrLst/>
-    <dgm:txLinClrLst/>
-    <dgm:txFillClrLst meth="repeat">
-      <a:schemeClr val="dk1"/>
-    </dgm:txFillClrLst>
-    <dgm:txEffectClrLst/>
-  </dgm:styleLbl>
-  <dgm:styleLbl name="node4">
-    <dgm:fillClrLst meth="repeat">
-      <a:schemeClr val="lt1"/>
-    </dgm:fillClrLst>
-    <dgm:linClrLst meth="repeat">
-      <a:schemeClr val="dk1">
-        <a:shade val="80000"/>
-      </a:schemeClr>
-    </dgm:linClrLst>
-    <dgm:effectClrLst/>
-    <dgm:txLinClrLst/>
-    <dgm:txFillClrLst meth="repeat">
-      <a:schemeClr val="dk1"/>
-    </dgm:txFillClrLst>
-    <dgm:txEffectClrLst/>
-  </dgm:styleLbl>
-  <dgm:styleLbl name="fgImgPlace1">
-    <dgm:fillClrLst meth="repeat">
-      <a:schemeClr val="dk1">
-        <a:tint val="40000"/>
-      </a:schemeClr>
-    </dgm:fillClrLst>
-    <dgm:linClrLst meth="repeat">
-      <a:schemeClr val="dk1">
-        <a:shade val="80000"/>
-      </a:schemeClr>
-    </dgm:linClrLst>
-    <dgm:effectClrLst/>
-    <dgm:txLinClrLst/>
-    <dgm:txFillClrLst meth="repeat">
-      <a:schemeClr val="lt1"/>
-    </dgm:txFillClrLst>
-    <dgm:txEffectClrLst/>
-  </dgm:styleLbl>
-  <dgm:styleLbl name="alignImgPlace1">
-    <dgm:fillClrLst meth="repeat">
-      <a:schemeClr val="dk1">
-        <a:tint val="40000"/>
-      </a:schemeClr>
-    </dgm:fillClrLst>
-    <dgm:linClrLst meth="repeat">
-      <a:schemeClr val="dk1">
-        <a:shade val="80000"/>
-      </a:schemeClr>
-    </dgm:linClrLst>
-    <dgm:effectClrLst/>
-    <dgm:txLinClrLst/>
-    <dgm:txFillClrLst meth="repeat">
-      <a:schemeClr val="lt1"/>
-    </dgm:txFillClrLst>
-    <dgm:txEffectClrLst/>
-  </dgm:styleLbl>
-  <dgm:styleLbl name="bgImgPlace1">
-    <dgm:fillClrLst meth="repeat">
-      <a:schemeClr val="dk1">
-        <a:tint val="40000"/>
-      </a:schemeClr>
-    </dgm:fillClrLst>
-    <dgm:linClrLst meth="repeat">
-      <a:schemeClr val="dk1">
-        <a:shade val="80000"/>
-      </a:schemeClr>
-    </dgm:linClrLst>
-    <dgm:effectClrLst/>
-    <dgm:txLinClrLst/>
-    <dgm:txFillClrLst meth="repeat">
-      <a:schemeClr val="lt1"/>
-    </dgm:txFillClrLst>
-    <dgm:txEffectClrLst/>
-  </dgm:styleLbl>
-  <dgm:styleLbl name="sibTrans2D1">
-    <dgm:fillClrLst meth="repeat">
-      <a:schemeClr val="dk1">
-        <a:tint val="60000"/>
-      </a:schemeClr>
-    </dgm:fillClrLst>
-    <dgm:linClrLst meth="repeat">
-      <a:schemeClr val="dk1">
-        <a:tint val="60000"/>
-      </a:schemeClr>
-    </dgm:linClrLst>
-    <dgm:effectClrLst/>
-    <dgm:txLinClrLst/>
-    <dgm:txFillClrLst meth="repeat">
-      <a:schemeClr val="dk1"/>
-    </dgm:txFillClrLst>
-    <dgm:txEffectClrLst/>
-  </dgm:styleLbl>
-  <dgm:styleLbl name="fgSibTrans2D1">
-    <dgm:fillClrLst meth="repeat">
-      <a:schemeClr val="dk1">
-        <a:tint val="60000"/>
-      </a:schemeClr>
-    </dgm:fillClrLst>
-    <dgm:linClrLst meth="repeat">
-      <a:schemeClr val="dk1">
-        <a:tint val="60000"/>
-      </a:schemeClr>
-    </dgm:linClrLst>
-    <dgm:effectClrLst/>
-    <dgm:txLinClrLst/>
-    <dgm:txFillClrLst meth="repeat">
-      <a:schemeClr val="dk1"/>
-    </dgm:txFillClrLst>
-    <dgm:txEffectClrLst/>
-  </dgm:styleLbl>
-  <dgm:styleLbl name="bgSibTrans2D1">
-    <dgm:fillClrLst meth="repeat">
-      <a:schemeClr val="dk1">
-        <a:tint val="60000"/>
-      </a:schemeClr>
-    </dgm:fillClrLst>
-    <dgm:linClrLst meth="repeat">
-      <a:schemeClr val="dk1">
-        <a:tint val="60000"/>
-      </a:schemeClr>
-    </dgm:linClrLst>
-    <dgm:effectClrLst/>
-    <dgm:txLinClrLst/>
-    <dgm:txFillClrLst meth="repeat">
-      <a:schemeClr val="dk1"/>
-    </dgm:txFillClrLst>
-    <dgm:txEffectClrLst/>
-  </dgm:styleLbl>
-  <dgm:styleLbl name="sibTrans1D1">
-    <dgm:fillClrLst meth="repeat">
-      <a:schemeClr val="dk1"/>
-    </dgm:fillClrLst>
-    <dgm:linClrLst meth="repeat">
-      <a:schemeClr val="dk1"/>
-    </dgm:linClrLst>
-    <dgm:effectClrLst/>
-    <dgm:txLinClrLst/>
-    <dgm:txFillClrLst meth="repeat">
-      <a:schemeClr val="tx1"/>
-    </dgm:txFillClrLst>
-    <dgm:txEffectClrLst/>
-  </dgm:styleLbl>
-  <dgm:styleLbl name="callout">
-    <dgm:fillClrLst meth="repeat">
-      <a:schemeClr val="dk1"/>
-    </dgm:fillClrLst>
-    <dgm:linClrLst meth="repeat">
-      <a:schemeClr val="dk1"/>
-    </dgm:linClrLst>
-    <dgm:effectClrLst/>
-    <dgm:txLinClrLst/>
-    <dgm:txFillClrLst meth="repeat">
-      <a:schemeClr val="tx1"/>
-    </dgm:txFillClrLst>
-    <dgm:txEffectClrLst/>
-  </dgm:styleLbl>
-  <dgm:styleLbl name="asst0">
-    <dgm:fillClrLst meth="repeat">
-      <a:schemeClr val="lt1"/>
-    </dgm:fillClrLst>
-    <dgm:linClrLst meth="repeat">
-      <a:schemeClr val="dk1">
-        <a:shade val="80000"/>
-      </a:schemeClr>
-    </dgm:linClrLst>
-    <dgm:effectClrLst/>
-    <dgm:txLinClrLst/>
-    <dgm:txFillClrLst meth="repeat">
-      <a:schemeClr val="dk1"/>
-    </dgm:txFillClrLst>
-    <dgm:txEffectClrLst/>
-  </dgm:styleLbl>
-  <dgm:styleLbl name="asst1">
-    <dgm:fillClrLst meth="repeat">
-      <a:schemeClr val="lt1"/>
-    </dgm:fillClrLst>
-    <dgm:linClrLst meth="repeat">
-      <a:schemeClr val="dk1">
-        <a:shade val="80000"/>
-      </a:schemeClr>
-    </dgm:linClrLst>
-    <dgm:effectClrLst/>
-    <dgm:txLinClrLst/>
-    <dgm:txFillClrLst meth="repeat">
-      <a:schemeClr val="dk1"/>
-    </dgm:txFillClrLst>
-    <dgm:txEffectClrLst/>
-  </dgm:styleLbl>
-  <dgm:styleLbl name="asst2">
-    <dgm:fillClrLst meth="repeat">
-      <a:schemeClr val="lt1"/>
-    </dgm:fillClrLst>
-    <dgm:linClrLst meth="repeat">
-      <a:schemeClr val="dk1">
-        <a:shade val="80000"/>
-      </a:schemeClr>
-    </dgm:linClrLst>
-    <dgm:effectClrLst/>
-    <dgm:txLinClrLst/>
-    <dgm:txFillClrLst meth="repeat">
-      <a:schemeClr val="dk1"/>
-    </dgm:txFillClrLst>
-    <dgm:txEffectClrLst/>
-  </dgm:styleLbl>
-  <dgm:styleLbl name="asst3">
-    <dgm:fillClrLst meth="repeat">
-      <a:schemeClr val="lt1"/>
-    </dgm:fillClrLst>
-    <dgm:linClrLst meth="repeat">
-      <a:schemeClr val="dk1">
-        <a:shade val="80000"/>
-      </a:schemeClr>
-    </dgm:linClrLst>
-    <dgm:effectClrLst/>
-    <dgm:txLinClrLst/>
-    <dgm:txFillClrLst meth="repeat">
-      <a:schemeClr val="dk1"/>
-    </dgm:txFillClrLst>
-    <dgm:txEffectClrLst/>
-  </dgm:styleLbl>
-  <dgm:styleLbl name="asst4">
-    <dgm:fillClrLst meth="repeat">
-      <a:schemeClr val="lt1"/>
-    </dgm:fillClrLst>
-    <dgm:linClrLst meth="repeat">
-      <a:schemeClr val="dk1">
-        <a:shade val="80000"/>
-      </a:schemeClr>
-    </dgm:linClrLst>
-    <dgm:effectClrLst/>
-    <dgm:txLinClrLst/>
-    <dgm:txFillClrLst meth="repeat">
-      <a:schemeClr val="dk1"/>
-    </dgm:txFillClrLst>
-    <dgm:txEffectClrLst/>
-  </dgm:styleLbl>
-  <dgm:styleLbl name="parChTrans2D1">
-    <dgm:fillClrLst meth="repeat">
-      <a:schemeClr val="dk1">
-        <a:tint val="60000"/>
-      </a:schemeClr>
-    </dgm:fillClrLst>
-    <dgm:linClrLst meth="repeat">
-      <a:schemeClr val="dk1">
-        <a:tint val="60000"/>
-      </a:schemeClr>
-    </dgm:linClrLst>
-    <dgm:effectClrLst/>
-    <dgm:txLinClrLst/>
-    <dgm:txFillClrLst/>
-    <dgm:txEffectClrLst/>
-  </dgm:styleLbl>
-  <dgm:styleLbl name="parChTrans2D2">
-    <dgm:fillClrLst meth="repeat">
-      <a:schemeClr val="dk1"/>
-    </dgm:fillClrLst>
-    <dgm:linClrLst meth="repeat">
-      <a:schemeClr val="dk1"/>
-    </dgm:linClrLst>
-    <dgm:effectClrLst/>
-    <dgm:txLinClrLst/>
-    <dgm:txFillClrLst/>
-    <dgm:txEffectClrLst/>
-  </dgm:styleLbl>
-  <dgm:styleLbl name="parChTrans2D3">
-    <dgm:fillClrLst meth="repeat">
-      <a:schemeClr val="dk1"/>
-    </dgm:fillClrLst>
-    <dgm:linClrLst meth="repeat">
-      <a:schemeClr val="dk1"/>
-    </dgm:linClrLst>
-    <dgm:effectClrLst/>
-    <dgm:txLinClrLst/>
-    <dgm:txFillClrLst/>
-    <dgm:txEffectClrLst/>
-  </dgm:styleLbl>
-  <dgm:styleLbl name="parChTrans2D4">
-    <dgm:fillClrLst meth="repeat">
-      <a:schemeClr val="dk1"/>
-    </dgm:fillClrLst>
-    <dgm:linClrLst meth="repeat">
-      <a:schemeClr val="dk1"/>
-    </dgm:linClrLst>
-    <dgm:effectClrLst/>
-    <dgm:txLinClrLst/>
-    <dgm:txFillClrLst meth="repeat">
-      <a:schemeClr val="lt1"/>
-    </dgm:txFillClrLst>
-    <dgm:txEffectClrLst/>
-  </dgm:styleLbl>
-  <dgm:styleLbl name="parChTrans1D1">
-    <dgm:fillClrLst meth="repeat">
-      <a:schemeClr val="dk1"/>
-    </dgm:fillClrLst>
-    <dgm:linClrLst meth="repeat">
-      <a:schemeClr val="dk1">
-        <a:shade val="60000"/>
-      </a:schemeClr>
-    </dgm:linClrLst>
-    <dgm:effectClrLst/>
-    <dgm:txLinClrLst/>
-    <dgm:txFillClrLst meth="repeat">
-      <a:schemeClr val="tx1"/>
-    </dgm:txFillClrLst>
-    <dgm:txEffectClrLst/>
-  </dgm:styleLbl>
-  <dgm:styleLbl name="parChTrans1D2">
-    <dgm:fillClrLst meth="repeat">
-      <a:schemeClr val="dk1"/>
-    </dgm:fillClrLst>
-    <dgm:linClrLst meth="repeat">
-      <a:schemeClr val="dk1">
-        <a:shade val="60000"/>
-      </a:schemeClr>
-    </dgm:linClrLst>
-    <dgm:effectClrLst/>
-    <dgm:txLinClrLst/>
-    <dgm:txFillClrLst meth="repeat">
-      <a:schemeClr val="tx1"/>
-    </dgm:txFillClrLst>
-    <dgm:txEffectClrLst/>
-  </dgm:styleLbl>
-  <dgm:styleLbl name="parChTrans1D3">
-    <dgm:fillClrLst meth="repeat">
-      <a:schemeClr val="dk1"/>
-    </dgm:fillClrLst>
-    <dgm:linClrLst meth="repeat">
-      <a:schemeClr val="dk1">
-        <a:shade val="80000"/>
-      </a:schemeClr>
-    </dgm:linClrLst>
-    <dgm:effectClrLst/>
-    <dgm:txLinClrLst/>
-    <dgm:txFillClrLst meth="repeat">
-      <a:schemeClr val="tx1"/>
-    </dgm:txFillClrLst>
-    <dgm:txEffectClrLst/>
-  </dgm:styleLbl>
-  <dgm:styleLbl name="parChTrans1D4">
-    <dgm:fillClrLst meth="repeat">
-      <a:schemeClr val="dk1"/>
-    </dgm:fillClrLst>
-    <dgm:linClrLst meth="repeat">
-      <a:schemeClr val="dk1">
-        <a:shade val="80000"/>
-      </a:schemeClr>
-    </dgm:linClrLst>
-    <dgm:effectClrLst/>
-    <dgm:txLinClrLst/>
-    <dgm:txFillClrLst meth="repeat">
-      <a:schemeClr val="tx1"/>
-    </dgm:txFillClrLst>
-    <dgm:txEffectClrLst/>
-  </dgm:styleLbl>
-  <dgm:styleLbl name="fgAcc1">
-    <dgm:fillClrLst meth="repeat">
-      <a:schemeClr val="dk1">
-        <a:alpha val="90000"/>
-        <a:tint val="40000"/>
-      </a:schemeClr>
-    </dgm:fillClrLst>
-    <dgm:linClrLst meth="repeat">
-      <a:schemeClr val="dk1"/>
-    </dgm:linClrLst>
-    <dgm:effectClrLst/>
-    <dgm:txLinClrLst/>
-    <dgm:txFillClrLst meth="repeat">
-      <a:schemeClr val="dk1"/>
-    </dgm:txFillClrLst>
-    <dgm:txEffectClrLst/>
-  </dgm:styleLbl>
-  <dgm:styleLbl name="conFgAcc1">
-    <dgm:fillClrLst meth="repeat">
-      <a:schemeClr val="dk1">
-        <a:alpha val="90000"/>
-        <a:tint val="40000"/>
-      </a:schemeClr>
-    </dgm:fillClrLst>
-    <dgm:linClrLst meth="repeat">
-      <a:schemeClr val="dk1"/>
-    </dgm:linClrLst>
-    <dgm:effectClrLst/>
-    <dgm:txLinClrLst/>
-    <dgm:txFillClrLst meth="repeat">
-      <a:schemeClr val="dk1"/>
-    </dgm:txFillClrLst>
-    <dgm:txEffectClrLst/>
-  </dgm:styleLbl>
-  <dgm:styleLbl name="alignAcc1">
-    <dgm:fillClrLst meth="repeat">
-      <a:schemeClr val="dk1">
-        <a:alpha val="90000"/>
-        <a:tint val="40000"/>
-      </a:schemeClr>
-    </dgm:fillClrLst>
-    <dgm:linClrLst meth="repeat">
-      <a:schemeClr val="dk1"/>
-    </dgm:linClrLst>
-    <dgm:effectClrLst/>
-    <dgm:txLinClrLst/>
-    <dgm:txFillClrLst meth="repeat">
-      <a:schemeClr val="dk1"/>
-    </dgm:txFillClrLst>
-    <dgm:txEffectClrLst/>
-  </dgm:styleLbl>
-  <dgm:styleLbl name="trAlignAcc1">
-    <dgm:fillClrLst meth="repeat">
-      <a:schemeClr val="dk1">
-        <a:alpha val="40000"/>
-        <a:tint val="40000"/>
-      </a:schemeClr>
-    </dgm:fillClrLst>
-    <dgm:linClrLst meth="repeat">
-      <a:schemeClr val="dk1"/>
-    </dgm:linClrLst>
-    <dgm:effectClrLst/>
-    <dgm:txLinClrLst/>
-    <dgm:txFillClrLst meth="repeat">
-      <a:schemeClr val="dk1"/>
-    </dgm:txFillClrLst>
-    <dgm:txEffectClrLst/>
-  </dgm:styleLbl>
-  <dgm:styleLbl name="bgAcc1">
-    <dgm:fillClrLst meth="repeat">
-      <a:schemeClr val="dk1">
-        <a:alpha val="90000"/>
-        <a:tint val="40000"/>
-      </a:schemeClr>
-    </dgm:fillClrLst>
-    <dgm:linClrLst meth="repeat">
-      <a:schemeClr val="dk1"/>
-    </dgm:linClrLst>
-    <dgm:effectClrLst/>
-    <dgm:txLinClrLst/>
-    <dgm:txFillClrLst meth="repeat">
-      <a:schemeClr val="dk1"/>
-    </dgm:txFillClrLst>
-    <dgm:txEffectClrLst/>
-  </dgm:styleLbl>
-  <dgm:styleLbl name="solidFgAcc1">
-    <dgm:fillClrLst meth="repeat">
-      <a:schemeClr val="lt1"/>
-    </dgm:fillClrLst>
-    <dgm:linClrLst meth="repeat">
-      <a:schemeClr val="dk1"/>
-    </dgm:linClrLst>
-    <dgm:effectClrLst/>
-    <dgm:txLinClrLst/>
-    <dgm:txFillClrLst meth="repeat">
-      <a:schemeClr val="dk1"/>
-    </dgm:txFillClrLst>
-    <dgm:txEffectClrLst/>
-  </dgm:styleLbl>
-  <dgm:styleLbl name="solidAlignAcc1">
-    <dgm:fillClrLst meth="repeat">
-      <a:schemeClr val="lt1"/>
-    </dgm:fillClrLst>
-    <dgm:linClrLst meth="repeat">
-      <a:schemeClr val="dk1"/>
-    </dgm:linClrLst>
-    <dgm:effectClrLst/>
-    <dgm:txLinClrLst/>
-    <dgm:txFillClrLst meth="repeat">
-      <a:schemeClr val="dk1"/>
-    </dgm:txFillClrLst>
-    <dgm:txEffectClrLst/>
-  </dgm:styleLbl>
-  <dgm:styleLbl name="solidBgAcc1">
-    <dgm:fillClrLst meth="repeat">
-      <a:schemeClr val="lt1"/>
-    </dgm:fillClrLst>
-    <dgm:linClrLst meth="repeat">
-      <a:schemeClr val="dk1"/>
-    </dgm:linClrLst>
-    <dgm:effectClrLst/>
-    <dgm:txLinClrLst/>
-    <dgm:txFillClrLst meth="repeat">
-      <a:schemeClr val="dk1"/>
-    </dgm:txFillClrLst>
-    <dgm:txEffectClrLst/>
-  </dgm:styleLbl>
-  <dgm:styleLbl name="fgAccFollowNode1">
-    <dgm:fillClrLst meth="repeat">
-      <a:schemeClr val="lt1">
-        <a:alpha val="90000"/>
-        <a:tint val="40000"/>
-      </a:schemeClr>
-    </dgm:fillClrLst>
-    <dgm:linClrLst meth="repeat">
-      <a:schemeClr val="dk1">
-        <a:alpha val="90000"/>
-      </a:schemeClr>
-    </dgm:linClrLst>
-    <dgm:effectClrLst/>
-    <dgm:txLinClrLst/>
-    <dgm:txFillClrLst meth="repeat">
-      <a:schemeClr val="dk1"/>
-    </dgm:txFillClrLst>
-    <dgm:txEffectClrLst/>
-  </dgm:styleLbl>
-  <dgm:styleLbl name="alignAccFollowNode1">
-    <dgm:fillClrLst meth="repeat">
-      <a:schemeClr val="lt1">
-        <a:alpha val="90000"/>
-        <a:tint val="40000"/>
-      </a:schemeClr>
-    </dgm:fillClrLst>
-    <dgm:linClrLst meth="repeat">
-      <a:schemeClr val="dk1">
-        <a:alpha val="90000"/>
-      </a:schemeClr>
-    </dgm:linClrLst>
-    <dgm:effectClrLst/>
-    <dgm:txLinClrLst/>
-    <dgm:txFillClrLst meth="repeat">
-      <a:schemeClr val="dk1"/>
-    </dgm:txFillClrLst>
-    <dgm:txEffectClrLst/>
-  </dgm:styleLbl>
-  <dgm:styleLbl name="bgAccFollowNode1">
-    <dgm:fillClrLst meth="repeat">
-      <a:schemeClr val="lt1">
-        <a:alpha val="90000"/>
-        <a:tint val="40000"/>
-      </a:schemeClr>
-    </dgm:fillClrLst>
-    <dgm:linClrLst meth="repeat">
-      <a:schemeClr val="dk1">
-        <a:alpha val="90000"/>
-      </a:schemeClr>
-    </dgm:linClrLst>
-    <dgm:effectClrLst/>
-    <dgm:txLinClrLst/>
-    <dgm:txFillClrLst meth="repeat">
-      <a:schemeClr val="dk1"/>
-    </dgm:txFillClrLst>
-    <dgm:txEffectClrLst/>
-  </dgm:styleLbl>
-  <dgm:styleLbl name="fgAcc0">
-    <dgm:fillClrLst meth="repeat">
-      <a:schemeClr val="dk1">
-        <a:alpha val="90000"/>
-        <a:tint val="40000"/>
-      </a:schemeClr>
-    </dgm:fillClrLst>
-    <dgm:linClrLst meth="repeat">
-      <a:schemeClr val="dk1"/>
-    </dgm:linClrLst>
-    <dgm:effectClrLst/>
-    <dgm:txLinClrLst/>
-    <dgm:txFillClrLst meth="repeat">
-      <a:schemeClr val="dk1"/>
-    </dgm:txFillClrLst>
-    <dgm:txEffectClrLst/>
-  </dgm:styleLbl>
-  <dgm:styleLbl name="fgAcc2">
-    <dgm:fillClrLst meth="repeat">
-      <a:schemeClr val="dk1">
-        <a:alpha val="90000"/>
-        <a:tint val="40000"/>
-      </a:schemeClr>
-    </dgm:fillClrLst>
-    <dgm:linClrLst meth="repeat">
-      <a:schemeClr val="dk1"/>
-    </dgm:linClrLst>
-    <dgm:effectClrLst/>
-    <dgm:txLinClrLst/>
-    <dgm:txFillClrLst meth="repeat">
-      <a:schemeClr val="dk1"/>
-    </dgm:txFillClrLst>
-    <dgm:txEffectClrLst/>
-  </dgm:styleLbl>
-  <dgm:styleLbl name="fgAcc3">
-    <dgm:fillClrLst meth="repeat">
-      <a:schemeClr val="dk1">
-        <a:alpha val="90000"/>
-        <a:tint val="40000"/>
-      </a:schemeClr>
-    </dgm:fillClrLst>
-    <dgm:linClrLst meth="repeat">
-      <a:schemeClr val="dk1"/>
-    </dgm:linClrLst>
-    <dgm:effectClrLst/>
-    <dgm:txLinClrLst/>
-    <dgm:txFillClrLst meth="repeat">
-      <a:schemeClr val="dk1"/>
-    </dgm:txFillClrLst>
-    <dgm:txEffectClrLst/>
-  </dgm:styleLbl>
-  <dgm:styleLbl name="fgAcc4">
-    <dgm:fillClrLst meth="repeat">
-      <a:schemeClr val="dk1">
-        <a:alpha val="90000"/>
-        <a:tint val="40000"/>
-      </a:schemeClr>
-    </dgm:fillClrLst>
-    <dgm:linClrLst meth="repeat">
-      <a:schemeClr val="dk1"/>
-    </dgm:linClrLst>
-    <dgm:effectClrLst/>
-    <dgm:txLinClrLst/>
-    <dgm:txFillClrLst meth="repeat">
-      <a:schemeClr val="dk1"/>
-    </dgm:txFillClrLst>
-    <dgm:txEffectClrLst/>
-  </dgm:styleLbl>
-  <dgm:styleLbl name="bgShp">
-    <dgm:fillClrLst meth="repeat">
-      <a:schemeClr val="dk1">
-        <a:tint val="40000"/>
-      </a:schemeClr>
-    </dgm:fillClrLst>
-    <dgm:linClrLst meth="repeat">
-      <a:schemeClr val="dk1"/>
-    </dgm:linClrLst>
-    <dgm:effectClrLst/>
-    <dgm:txLinClrLst/>
-    <dgm:txFillClrLst meth="repeat">
-      <a:schemeClr val="dk1"/>
-    </dgm:txFillClrLst>
-    <dgm:txEffectClrLst/>
-  </dgm:styleLbl>
-  <dgm:styleLbl name="dkBgShp">
-    <dgm:fillClrLst meth="repeat">
-      <a:schemeClr val="dk1">
-        <a:shade val="80000"/>
-      </a:schemeClr>
-    </dgm:fillClrLst>
-    <dgm:linClrLst meth="repeat">
-      <a:schemeClr val="dk1"/>
-    </dgm:linClrLst>
-    <dgm:effectClrLst/>
-    <dgm:txLinClrLst/>
-    <dgm:txFillClrLst meth="repeat">
-      <a:schemeClr val="lt1"/>
-    </dgm:txFillClrLst>
-    <dgm:txEffectClrLst/>
-  </dgm:styleLbl>
-  <dgm:styleLbl name="trBgShp">
-    <dgm:fillClrLst meth="repeat">
-      <a:schemeClr val="dk1">
-        <a:tint val="50000"/>
-        <a:alpha val="40000"/>
-      </a:schemeClr>
-    </dgm:fillClrLst>
-    <dgm:linClrLst meth="repeat">
-      <a:schemeClr val="dk1"/>
-    </dgm:linClrLst>
-    <dgm:effectClrLst/>
-    <dgm:txLinClrLst/>
-    <dgm:txFillClrLst meth="repeat">
-      <a:schemeClr val="lt1"/>
-    </dgm:txFillClrLst>
-    <dgm:txEffectClrLst/>
-  </dgm:styleLbl>
-  <dgm:styleLbl name="fgShp">
-    <dgm:fillClrLst meth="repeat">
-      <a:schemeClr val="dk1">
-        <a:tint val="60000"/>
-      </a:schemeClr>
-    </dgm:fillClrLst>
-    <dgm:linClrLst meth="repeat">
-      <a:schemeClr val="lt1"/>
-    </dgm:linClrLst>
-    <dgm:effectClrLst/>
-    <dgm:txLinClrLst/>
-    <dgm:txFillClrLst meth="repeat">
-      <a:schemeClr val="dk1"/>
-    </dgm:txFillClrLst>
-    <dgm:txEffectClrLst/>
-  </dgm:styleLbl>
-  <dgm:styleLbl name="revTx">
-    <dgm:fillClrLst meth="repeat">
-      <a:schemeClr val="lt1">
-        <a:alpha val="0"/>
-      </a:schemeClr>
-    </dgm:fillClrLst>
-    <dgm:linClrLst meth="repeat">
-      <a:schemeClr val="dk1">
-        <a:alpha val="0"/>
-      </a:schemeClr>
-    </dgm:linClrLst>
-    <dgm:effectClrLst/>
-    <dgm:txLinClrLst/>
-    <dgm:txFillClrLst meth="repeat">
-      <a:schemeClr val="tx1"/>
-    </dgm:txFillClrLst>
-    <dgm:txEffectClrLst/>
-  </dgm:styleLbl>
-</dgm:colorsDef>
-</file>
-
-<file path=ppt/diagrams/data1.xml><?xml version="1.0" encoding="utf-8"?>
-<dgm:dataModel xmlns:dgm="http://schemas.openxmlformats.org/drawingml/2006/diagram" xmlns:a="http://schemas.openxmlformats.org/drawingml/2006/main">
-  <dgm:ptLst>
-    <dgm:pt modelId="{809C88F1-D106-4EFF-AE22-4E80C5687A16}" type="doc">
-      <dgm:prSet loTypeId="urn:microsoft.com/office/officeart/2016/7/layout/RoundedRectangleTimeline" loCatId="process" qsTypeId="urn:microsoft.com/office/officeart/2005/8/quickstyle/simple1" qsCatId="simple" csTypeId="urn:microsoft.com/office/officeart/2005/8/colors/accent0_1" csCatId="mainScheme" phldr="1"/>
-      <dgm:spPr/>
-      <dgm:t>
-        <a:bodyPr rtlCol="0"/>
-        <a:lstStyle/>
-        <a:p>
-          <a:pPr rtl="0"/>
-          <a:endParaRPr lang="en-US"/>
-        </a:p>
-      </dgm:t>
-    </dgm:pt>
-    <dgm:pt modelId="{F9D3BB60-FCE8-47D1-8E35-1FA3BFBFAD0E}">
-      <dgm:prSet/>
-      <dgm:spPr/>
-      <dgm:t>
-        <a:bodyPr rtlCol="0"/>
-        <a:lstStyle/>
-        <a:p>
-          <a:pPr rtl="0"/>
-          <a:r>
-            <a:rPr lang="hu-HU" noProof="0" dirty="0"/>
-            <a:t>2017</a:t>
-          </a:r>
-        </a:p>
-      </dgm:t>
-    </dgm:pt>
-    <dgm:pt modelId="{D29805DD-5F86-446D-A5C7-0618F246E051}" type="parTrans" cxnId="{26BD8E3F-642F-4D3F-9B0D-1AD94E722CBA}">
-      <dgm:prSet/>
-      <dgm:spPr/>
-      <dgm:t>
-        <a:bodyPr rtlCol="0"/>
-        <a:lstStyle/>
-        <a:p>
-          <a:pPr rtl="0"/>
-          <a:endParaRPr lang="hu-HU" noProof="0" dirty="0"/>
-        </a:p>
-      </dgm:t>
-    </dgm:pt>
-    <dgm:pt modelId="{FAC286C4-5EEC-4EB5-9B85-F51803157FEB}" type="sibTrans" cxnId="{26BD8E3F-642F-4D3F-9B0D-1AD94E722CBA}">
-      <dgm:prSet/>
-      <dgm:spPr/>
-      <dgm:t>
-        <a:bodyPr rtlCol="0"/>
-        <a:lstStyle/>
-        <a:p>
-          <a:pPr rtl="0"/>
-          <a:endParaRPr lang="hu-HU" noProof="0" dirty="0"/>
-        </a:p>
-      </dgm:t>
-    </dgm:pt>
-    <dgm:pt modelId="{90E15F73-46B2-46D6-A41B-1DAC5570E59E}">
-      <dgm:prSet/>
-      <dgm:spPr/>
-      <dgm:t>
-        <a:bodyPr rtlCol="0"/>
-        <a:lstStyle/>
-        <a:p>
-          <a:pPr rtl="0"/>
-          <a:r>
-            <a:rPr lang="hu-HU" noProof="0" dirty="0" err="1"/>
-            <a:t>Lorem</a:t>
-          </a:r>
-          <a:r>
-            <a:rPr lang="hu-HU" noProof="0" dirty="0"/>
-            <a:t> </a:t>
-          </a:r>
-          <a:r>
-            <a:rPr lang="hu-HU" noProof="0" dirty="0" err="1"/>
-            <a:t>ipsum</a:t>
-          </a:r>
-          <a:r>
-            <a:rPr lang="hu-HU" noProof="0" dirty="0"/>
-            <a:t> </a:t>
-          </a:r>
-          <a:r>
-            <a:rPr lang="hu-HU" noProof="0" dirty="0" err="1"/>
-            <a:t>dolor</a:t>
-          </a:r>
-          <a:r>
-            <a:rPr lang="hu-HU" noProof="0" dirty="0"/>
-            <a:t> </a:t>
-          </a:r>
-          <a:r>
-            <a:rPr lang="hu-HU" noProof="0" dirty="0" err="1"/>
-            <a:t>sit</a:t>
-          </a:r>
-          <a:r>
-            <a:rPr lang="hu-HU" noProof="0" dirty="0"/>
-            <a:t> </a:t>
-          </a:r>
-          <a:r>
-            <a:rPr lang="hu-HU" noProof="0" dirty="0" err="1"/>
-            <a:t>amet</a:t>
-          </a:r>
-          <a:r>
-            <a:rPr lang="hu-HU" noProof="0" dirty="0"/>
-            <a:t>.</a:t>
-          </a:r>
-        </a:p>
-      </dgm:t>
-    </dgm:pt>
-    <dgm:pt modelId="{445C3625-EA5B-4BD1-95A2-96FF5639D185}" type="parTrans" cxnId="{616BDF65-E35B-4B1A-AFC5-F5DDFAC4A70E}">
-      <dgm:prSet/>
-      <dgm:spPr/>
-      <dgm:t>
-        <a:bodyPr rtlCol="0"/>
-        <a:lstStyle/>
-        <a:p>
-          <a:pPr rtl="0"/>
-          <a:endParaRPr lang="hu-HU" noProof="0" dirty="0"/>
-        </a:p>
-      </dgm:t>
-    </dgm:pt>
-    <dgm:pt modelId="{43EA26E3-2CD3-440D-86EE-9B931EE59956}" type="sibTrans" cxnId="{616BDF65-E35B-4B1A-AFC5-F5DDFAC4A70E}">
-      <dgm:prSet/>
-      <dgm:spPr/>
-      <dgm:t>
-        <a:bodyPr rtlCol="0"/>
-        <a:lstStyle/>
-        <a:p>
-          <a:pPr rtl="0"/>
-          <a:endParaRPr lang="hu-HU" noProof="0" dirty="0"/>
-        </a:p>
-      </dgm:t>
-    </dgm:pt>
-    <dgm:pt modelId="{39DCD80B-8F6E-4420-A15D-2D339B4EB927}">
-      <dgm:prSet/>
-      <dgm:spPr/>
-      <dgm:t>
-        <a:bodyPr rtlCol="0"/>
-        <a:lstStyle/>
-        <a:p>
-          <a:pPr rtl="0"/>
-          <a:r>
-            <a:rPr lang="hu-HU" noProof="0" dirty="0"/>
-            <a:t>2018</a:t>
-          </a:r>
-        </a:p>
-      </dgm:t>
-    </dgm:pt>
-    <dgm:pt modelId="{D95385BB-6A2D-4825-9F29-85C24A32E85D}" type="parTrans" cxnId="{402BFD47-2321-4C66-BF82-EA2D87089052}">
-      <dgm:prSet/>
-      <dgm:spPr/>
-      <dgm:t>
-        <a:bodyPr rtlCol="0"/>
-        <a:lstStyle/>
-        <a:p>
-          <a:pPr rtl="0"/>
-          <a:endParaRPr lang="hu-HU" noProof="0" dirty="0"/>
-        </a:p>
-      </dgm:t>
-    </dgm:pt>
-    <dgm:pt modelId="{4DCFE392-3241-4F93-A27F-F4CBAE60B03B}" type="sibTrans" cxnId="{402BFD47-2321-4C66-BF82-EA2D87089052}">
-      <dgm:prSet/>
-      <dgm:spPr/>
-      <dgm:t>
-        <a:bodyPr rtlCol="0"/>
-        <a:lstStyle/>
-        <a:p>
-          <a:pPr rtl="0"/>
-          <a:endParaRPr lang="hu-HU" noProof="0" dirty="0"/>
-        </a:p>
-      </dgm:t>
-    </dgm:pt>
-    <dgm:pt modelId="{683DF41A-7EC0-485E-8315-77EC616B4241}">
-      <dgm:prSet/>
-      <dgm:spPr/>
-      <dgm:t>
-        <a:bodyPr rtlCol="0"/>
-        <a:lstStyle/>
-        <a:p>
-          <a:pPr rtl="0"/>
-          <a:r>
-            <a:rPr lang="hu-HU" noProof="0" dirty="0" err="1"/>
-            <a:t>Lorem</a:t>
-          </a:r>
-          <a:r>
-            <a:rPr lang="hu-HU" noProof="0" dirty="0"/>
-            <a:t> </a:t>
-          </a:r>
-          <a:r>
-            <a:rPr lang="hu-HU" noProof="0" dirty="0" err="1"/>
-            <a:t>ipsum</a:t>
-          </a:r>
-          <a:r>
-            <a:rPr lang="hu-HU" noProof="0" dirty="0"/>
-            <a:t> </a:t>
-          </a:r>
-          <a:r>
-            <a:rPr lang="hu-HU" noProof="0" dirty="0" err="1"/>
-            <a:t>dolor</a:t>
-          </a:r>
-          <a:r>
-            <a:rPr lang="hu-HU" noProof="0" dirty="0"/>
-            <a:t> </a:t>
-          </a:r>
-          <a:r>
-            <a:rPr lang="hu-HU" noProof="0" dirty="0" err="1"/>
-            <a:t>sit</a:t>
-          </a:r>
-          <a:r>
-            <a:rPr lang="hu-HU" noProof="0" dirty="0"/>
-            <a:t> </a:t>
-          </a:r>
-          <a:r>
-            <a:rPr lang="hu-HU" noProof="0" dirty="0" err="1"/>
-            <a:t>amet</a:t>
-          </a:r>
-          <a:r>
-            <a:rPr lang="hu-HU" noProof="0" dirty="0"/>
-            <a:t>.</a:t>
-          </a:r>
-        </a:p>
-      </dgm:t>
-    </dgm:pt>
-    <dgm:pt modelId="{8BC56139-1BBA-488B-820A-C0DB6A6F0471}" type="parTrans" cxnId="{7A8446CB-2225-4B14-82E1-327035DA275F}">
-      <dgm:prSet/>
-      <dgm:spPr/>
-      <dgm:t>
-        <a:bodyPr rtlCol="0"/>
-        <a:lstStyle/>
-        <a:p>
-          <a:pPr rtl="0"/>
-          <a:endParaRPr lang="hu-HU" noProof="0" dirty="0"/>
-        </a:p>
-      </dgm:t>
-    </dgm:pt>
-    <dgm:pt modelId="{61705962-0636-4754-8B83-D3B5ED2AF98A}" type="sibTrans" cxnId="{7A8446CB-2225-4B14-82E1-327035DA275F}">
-      <dgm:prSet/>
-      <dgm:spPr/>
-      <dgm:t>
-        <a:bodyPr rtlCol="0"/>
-        <a:lstStyle/>
-        <a:p>
-          <a:pPr rtl="0"/>
-          <a:endParaRPr lang="hu-HU" noProof="0" dirty="0"/>
-        </a:p>
-      </dgm:t>
-    </dgm:pt>
-    <dgm:pt modelId="{BF71C84A-B0FB-48FF-B91E-E0876B51353F}">
-      <dgm:prSet/>
-      <dgm:spPr/>
-      <dgm:t>
-        <a:bodyPr rtlCol="0"/>
-        <a:lstStyle/>
-        <a:p>
-          <a:pPr rtl="0"/>
-          <a:r>
-            <a:rPr lang="hu-HU" noProof="0" dirty="0"/>
-            <a:t>2019</a:t>
-          </a:r>
-        </a:p>
-      </dgm:t>
-    </dgm:pt>
-    <dgm:pt modelId="{41334F68-E166-47EB-8962-8656EF5F6414}" type="parTrans" cxnId="{0916F24C-5838-476E-B10E-8246890529BB}">
-      <dgm:prSet/>
-      <dgm:spPr/>
-      <dgm:t>
-        <a:bodyPr rtlCol="0"/>
-        <a:lstStyle/>
-        <a:p>
-          <a:pPr rtl="0"/>
-          <a:endParaRPr lang="hu-HU" noProof="0" dirty="0"/>
-        </a:p>
-      </dgm:t>
-    </dgm:pt>
-    <dgm:pt modelId="{C5F3C6E2-9DFA-4C47-9BAA-A9BC66E0091A}" type="sibTrans" cxnId="{0916F24C-5838-476E-B10E-8246890529BB}">
-      <dgm:prSet/>
-      <dgm:spPr/>
-      <dgm:t>
-        <a:bodyPr rtlCol="0"/>
-        <a:lstStyle/>
-        <a:p>
-          <a:pPr rtl="0"/>
-          <a:endParaRPr lang="hu-HU" noProof="0" dirty="0"/>
-        </a:p>
-      </dgm:t>
-    </dgm:pt>
-    <dgm:pt modelId="{DDF23D30-852C-4017-9748-1AFA2AA28746}">
-      <dgm:prSet/>
-      <dgm:spPr/>
-      <dgm:t>
-        <a:bodyPr rtlCol="0"/>
-        <a:lstStyle/>
-        <a:p>
-          <a:pPr rtl="0"/>
-          <a:r>
-            <a:rPr lang="hu-HU" noProof="0" dirty="0" err="1"/>
-            <a:t>Lorem</a:t>
-          </a:r>
-          <a:r>
-            <a:rPr lang="hu-HU" noProof="0" dirty="0"/>
-            <a:t> </a:t>
-          </a:r>
-          <a:r>
-            <a:rPr lang="hu-HU" noProof="0" dirty="0" err="1"/>
-            <a:t>ipsum</a:t>
-          </a:r>
-          <a:r>
-            <a:rPr lang="hu-HU" noProof="0" dirty="0"/>
-            <a:t> </a:t>
-          </a:r>
-          <a:r>
-            <a:rPr lang="hu-HU" noProof="0" dirty="0" err="1"/>
-            <a:t>dolor</a:t>
-          </a:r>
-          <a:r>
-            <a:rPr lang="hu-HU" noProof="0" dirty="0"/>
-            <a:t> </a:t>
-          </a:r>
-          <a:r>
-            <a:rPr lang="hu-HU" noProof="0" dirty="0" err="1"/>
-            <a:t>sit</a:t>
-          </a:r>
-          <a:r>
-            <a:rPr lang="hu-HU" noProof="0" dirty="0"/>
-            <a:t> </a:t>
-          </a:r>
-          <a:r>
-            <a:rPr lang="hu-HU" noProof="0" dirty="0" err="1"/>
-            <a:t>amet</a:t>
-          </a:r>
-          <a:r>
-            <a:rPr lang="hu-HU" noProof="0" dirty="0"/>
-            <a:t>.</a:t>
-          </a:r>
-        </a:p>
-      </dgm:t>
-    </dgm:pt>
-    <dgm:pt modelId="{1E3D22C3-431E-4A99-9F7E-62E8A888ADA5}" type="parTrans" cxnId="{29513A04-367E-41B4-8671-761FEA22A954}">
-      <dgm:prSet/>
-      <dgm:spPr/>
-      <dgm:t>
-        <a:bodyPr rtlCol="0"/>
-        <a:lstStyle/>
-        <a:p>
-          <a:pPr rtl="0"/>
-          <a:endParaRPr lang="hu-HU" noProof="0" dirty="0"/>
-        </a:p>
-      </dgm:t>
-    </dgm:pt>
-    <dgm:pt modelId="{69FF2938-7A15-4C15-ADD6-EE15EDC0B396}" type="sibTrans" cxnId="{29513A04-367E-41B4-8671-761FEA22A954}">
-      <dgm:prSet/>
-      <dgm:spPr/>
-      <dgm:t>
-        <a:bodyPr rtlCol="0"/>
-        <a:lstStyle/>
-        <a:p>
-          <a:pPr rtl="0"/>
-          <a:endParaRPr lang="hu-HU" noProof="0" dirty="0"/>
-        </a:p>
-      </dgm:t>
-    </dgm:pt>
-    <dgm:pt modelId="{8D3F1B84-38B0-4C90-9D78-82C3462F61D7}" type="pres">
-      <dgm:prSet presAssocID="{809C88F1-D106-4EFF-AE22-4E80C5687A16}" presName="Name0" presStyleCnt="0">
-        <dgm:presLayoutVars>
-          <dgm:chMax/>
-          <dgm:chPref/>
-          <dgm:animLvl val="lvl"/>
-        </dgm:presLayoutVars>
-      </dgm:prSet>
-      <dgm:spPr/>
-    </dgm:pt>
-    <dgm:pt modelId="{669622FF-E8C0-4E7A-8FE1-CBEB62B34607}" type="pres">
-      <dgm:prSet presAssocID="{F9D3BB60-FCE8-47D1-8E35-1FA3BFBFAD0E}" presName="composite1" presStyleCnt="0"/>
-      <dgm:spPr/>
-    </dgm:pt>
-    <dgm:pt modelId="{A373952C-B4DB-42B9-B580-BDCD94523325}" type="pres">
-      <dgm:prSet presAssocID="{F9D3BB60-FCE8-47D1-8E35-1FA3BFBFAD0E}" presName="parent1" presStyleLbl="alignNode1" presStyleIdx="0" presStyleCnt="3">
-        <dgm:presLayoutVars>
-          <dgm:chMax val="1"/>
-          <dgm:chPref val="1"/>
-          <dgm:bulletEnabled val="1"/>
-        </dgm:presLayoutVars>
-      </dgm:prSet>
-      <dgm:spPr/>
-    </dgm:pt>
-    <dgm:pt modelId="{F93AF2B3-B57D-41E1-91AE-927B6EE39C3E}" type="pres">
-      <dgm:prSet presAssocID="{F9D3BB60-FCE8-47D1-8E35-1FA3BFBFAD0E}" presName="Childtext1" presStyleLbl="revTx" presStyleIdx="0" presStyleCnt="3">
-        <dgm:presLayoutVars>
-          <dgm:bulletEnabled val="1"/>
-        </dgm:presLayoutVars>
-      </dgm:prSet>
-      <dgm:spPr/>
-    </dgm:pt>
-    <dgm:pt modelId="{CD0A9EE9-18A7-482A-9A79-27792722F261}" type="pres">
-      <dgm:prSet presAssocID="{F9D3BB60-FCE8-47D1-8E35-1FA3BFBFAD0E}" presName="ConnectLine1" presStyleLbl="sibTrans1D1" presStyleIdx="0" presStyleCnt="3"/>
-      <dgm:spPr>
-        <a:noFill/>
-        <a:ln w="6350" cap="flat" cmpd="sng" algn="in">
-          <a:solidFill>
-            <a:schemeClr val="dk1">
-              <a:hueOff val="0"/>
-              <a:satOff val="0"/>
-              <a:lumOff val="0"/>
-              <a:alphaOff val="0"/>
-            </a:schemeClr>
-          </a:solidFill>
-          <a:prstDash val="dash"/>
-        </a:ln>
-        <a:effectLst/>
-      </dgm:spPr>
-    </dgm:pt>
-    <dgm:pt modelId="{352509EE-65EB-4FC4-BE5F-CCB66A318599}" type="pres">
-      <dgm:prSet presAssocID="{F9D3BB60-FCE8-47D1-8E35-1FA3BFBFAD0E}" presName="ConnectLineEnd1" presStyleLbl="lnNode1" presStyleIdx="0" presStyleCnt="3"/>
-      <dgm:spPr/>
-    </dgm:pt>
-    <dgm:pt modelId="{BEAE05A7-8EB7-411C-9D68-86036D1D2143}" type="pres">
-      <dgm:prSet presAssocID="{F9D3BB60-FCE8-47D1-8E35-1FA3BFBFAD0E}" presName="EmptyPane1" presStyleCnt="0"/>
-      <dgm:spPr/>
-    </dgm:pt>
-    <dgm:pt modelId="{5C33C78D-4A73-46B0-A3AF-8E464C3ACC8E}" type="pres">
-      <dgm:prSet presAssocID="{FAC286C4-5EEC-4EB5-9B85-F51803157FEB}" presName="spaceBetweenRectangles1" presStyleCnt="0"/>
-      <dgm:spPr/>
-    </dgm:pt>
-    <dgm:pt modelId="{B716C1FC-8D36-4248-AF65-72872A396A10}" type="pres">
-      <dgm:prSet presAssocID="{39DCD80B-8F6E-4420-A15D-2D339B4EB927}" presName="composite1" presStyleCnt="0"/>
-      <dgm:spPr/>
-    </dgm:pt>
-    <dgm:pt modelId="{5DB6D439-65C5-474E-931F-1B870CF46FF0}" type="pres">
-      <dgm:prSet presAssocID="{39DCD80B-8F6E-4420-A15D-2D339B4EB927}" presName="parent1" presStyleLbl="alignNode1" presStyleIdx="1" presStyleCnt="3">
-        <dgm:presLayoutVars>
-          <dgm:chMax val="1"/>
-          <dgm:chPref val="1"/>
-          <dgm:bulletEnabled val="1"/>
-        </dgm:presLayoutVars>
-      </dgm:prSet>
-      <dgm:spPr/>
-    </dgm:pt>
-    <dgm:pt modelId="{C01A21E2-E5A4-4E08-95F2-C23625228E1B}" type="pres">
-      <dgm:prSet presAssocID="{39DCD80B-8F6E-4420-A15D-2D339B4EB927}" presName="Childtext1" presStyleLbl="revTx" presStyleIdx="1" presStyleCnt="3">
-        <dgm:presLayoutVars>
-          <dgm:bulletEnabled val="1"/>
-        </dgm:presLayoutVars>
-      </dgm:prSet>
-      <dgm:spPr/>
-    </dgm:pt>
-    <dgm:pt modelId="{0863FB6B-EE61-4A54-88FF-626DD8330A44}" type="pres">
-      <dgm:prSet presAssocID="{39DCD80B-8F6E-4420-A15D-2D339B4EB927}" presName="ConnectLine1" presStyleLbl="sibTrans1D1" presStyleIdx="1" presStyleCnt="3"/>
-      <dgm:spPr>
-        <a:noFill/>
-        <a:ln w="6350" cap="flat" cmpd="sng" algn="in">
-          <a:solidFill>
-            <a:schemeClr val="dk1">
-              <a:hueOff val="0"/>
-              <a:satOff val="0"/>
-              <a:lumOff val="0"/>
-              <a:alphaOff val="0"/>
-            </a:schemeClr>
-          </a:solidFill>
-          <a:prstDash val="dash"/>
-        </a:ln>
-        <a:effectLst/>
-      </dgm:spPr>
-    </dgm:pt>
-    <dgm:pt modelId="{0A15950B-5C48-4FB8-A1C2-D9740CCB73DC}" type="pres">
-      <dgm:prSet presAssocID="{39DCD80B-8F6E-4420-A15D-2D339B4EB927}" presName="ConnectLineEnd1" presStyleLbl="lnNode1" presStyleIdx="1" presStyleCnt="3"/>
-      <dgm:spPr/>
-    </dgm:pt>
-    <dgm:pt modelId="{4976DE4F-596B-4682-8679-46223F40AD14}" type="pres">
-      <dgm:prSet presAssocID="{39DCD80B-8F6E-4420-A15D-2D339B4EB927}" presName="EmptyPane1" presStyleCnt="0"/>
-      <dgm:spPr/>
-    </dgm:pt>
-    <dgm:pt modelId="{BD0B9FC6-7487-4133-8795-260011EAB632}" type="pres">
-      <dgm:prSet presAssocID="{4DCFE392-3241-4F93-A27F-F4CBAE60B03B}" presName="spaceBetweenRectangles1" presStyleCnt="0"/>
-      <dgm:spPr/>
-    </dgm:pt>
-    <dgm:pt modelId="{4DB011E8-856A-4442-B73E-104E8D98F119}" type="pres">
-      <dgm:prSet presAssocID="{BF71C84A-B0FB-48FF-B91E-E0876B51353F}" presName="composite1" presStyleCnt="0"/>
-      <dgm:spPr/>
-    </dgm:pt>
-    <dgm:pt modelId="{CA8D75C5-4FBC-4F02-96E3-12159CC965FC}" type="pres">
-      <dgm:prSet presAssocID="{BF71C84A-B0FB-48FF-B91E-E0876B51353F}" presName="parent1" presStyleLbl="alignNode1" presStyleIdx="2" presStyleCnt="3">
-        <dgm:presLayoutVars>
-          <dgm:chMax val="1"/>
-          <dgm:chPref val="1"/>
-          <dgm:bulletEnabled val="1"/>
-        </dgm:presLayoutVars>
-      </dgm:prSet>
-      <dgm:spPr/>
-    </dgm:pt>
-    <dgm:pt modelId="{F5EBF0E5-C455-4DBA-9DF8-22F971C436CE}" type="pres">
-      <dgm:prSet presAssocID="{BF71C84A-B0FB-48FF-B91E-E0876B51353F}" presName="Childtext1" presStyleLbl="revTx" presStyleIdx="2" presStyleCnt="3">
-        <dgm:presLayoutVars>
-          <dgm:bulletEnabled val="1"/>
-        </dgm:presLayoutVars>
-      </dgm:prSet>
-      <dgm:spPr/>
-    </dgm:pt>
-    <dgm:pt modelId="{1E21CD27-310B-413D-A50B-C503AE6796B8}" type="pres">
-      <dgm:prSet presAssocID="{BF71C84A-B0FB-48FF-B91E-E0876B51353F}" presName="ConnectLine1" presStyleLbl="sibTrans1D1" presStyleIdx="2" presStyleCnt="3"/>
-      <dgm:spPr>
-        <a:noFill/>
-        <a:ln w="6350" cap="flat" cmpd="sng" algn="in">
-          <a:solidFill>
-            <a:schemeClr val="dk1">
-              <a:hueOff val="0"/>
-              <a:satOff val="0"/>
-              <a:lumOff val="0"/>
-              <a:alphaOff val="0"/>
-            </a:schemeClr>
-          </a:solidFill>
-          <a:prstDash val="dash"/>
-        </a:ln>
-        <a:effectLst/>
-      </dgm:spPr>
-    </dgm:pt>
-    <dgm:pt modelId="{7EF9019D-AF49-40E3-830D-921BC9D110F3}" type="pres">
-      <dgm:prSet presAssocID="{BF71C84A-B0FB-48FF-B91E-E0876B51353F}" presName="ConnectLineEnd1" presStyleLbl="lnNode1" presStyleIdx="2" presStyleCnt="3"/>
-      <dgm:spPr/>
-    </dgm:pt>
-    <dgm:pt modelId="{C06CAD5D-1453-4BD5-933C-4C068A422B0D}" type="pres">
-      <dgm:prSet presAssocID="{BF71C84A-B0FB-48FF-B91E-E0876B51353F}" presName="EmptyPane1" presStyleCnt="0"/>
-      <dgm:spPr/>
-    </dgm:pt>
-  </dgm:ptLst>
-  <dgm:cxnLst>
-    <dgm:cxn modelId="{29513A04-367E-41B4-8671-761FEA22A954}" srcId="{BF71C84A-B0FB-48FF-B91E-E0876B51353F}" destId="{DDF23D30-852C-4017-9748-1AFA2AA28746}" srcOrd="0" destOrd="0" parTransId="{1E3D22C3-431E-4A99-9F7E-62E8A888ADA5}" sibTransId="{69FF2938-7A15-4C15-ADD6-EE15EDC0B396}"/>
-    <dgm:cxn modelId="{BD25E520-600C-4915-A8C1-A571B154E3A1}" type="presOf" srcId="{F9D3BB60-FCE8-47D1-8E35-1FA3BFBFAD0E}" destId="{A373952C-B4DB-42B9-B580-BDCD94523325}" srcOrd="0" destOrd="0" presId="urn:microsoft.com/office/officeart/2016/7/layout/RoundedRectangleTimeline"/>
-    <dgm:cxn modelId="{2ACB0D36-572B-4819-B520-442505DC4813}" type="presOf" srcId="{BF71C84A-B0FB-48FF-B91E-E0876B51353F}" destId="{CA8D75C5-4FBC-4F02-96E3-12159CC965FC}" srcOrd="0" destOrd="0" presId="urn:microsoft.com/office/officeart/2016/7/layout/RoundedRectangleTimeline"/>
-    <dgm:cxn modelId="{26BD8E3F-642F-4D3F-9B0D-1AD94E722CBA}" srcId="{809C88F1-D106-4EFF-AE22-4E80C5687A16}" destId="{F9D3BB60-FCE8-47D1-8E35-1FA3BFBFAD0E}" srcOrd="0" destOrd="0" parTransId="{D29805DD-5F86-446D-A5C7-0618F246E051}" sibTransId="{FAC286C4-5EEC-4EB5-9B85-F51803157FEB}"/>
-    <dgm:cxn modelId="{C351AB63-9429-4D57-85A8-35FA10E3020F}" type="presOf" srcId="{90E15F73-46B2-46D6-A41B-1DAC5570E59E}" destId="{F93AF2B3-B57D-41E1-91AE-927B6EE39C3E}" srcOrd="0" destOrd="0" presId="urn:microsoft.com/office/officeart/2016/7/layout/RoundedRectangleTimeline"/>
-    <dgm:cxn modelId="{616BDF65-E35B-4B1A-AFC5-F5DDFAC4A70E}" srcId="{F9D3BB60-FCE8-47D1-8E35-1FA3BFBFAD0E}" destId="{90E15F73-46B2-46D6-A41B-1DAC5570E59E}" srcOrd="0" destOrd="0" parTransId="{445C3625-EA5B-4BD1-95A2-96FF5639D185}" sibTransId="{43EA26E3-2CD3-440D-86EE-9B931EE59956}"/>
-    <dgm:cxn modelId="{402BFD47-2321-4C66-BF82-EA2D87089052}" srcId="{809C88F1-D106-4EFF-AE22-4E80C5687A16}" destId="{39DCD80B-8F6E-4420-A15D-2D339B4EB927}" srcOrd="1" destOrd="0" parTransId="{D95385BB-6A2D-4825-9F29-85C24A32E85D}" sibTransId="{4DCFE392-3241-4F93-A27F-F4CBAE60B03B}"/>
-    <dgm:cxn modelId="{EBBAC86A-A9C5-4EE5-ACA0-2D9B0DC8A546}" type="presOf" srcId="{683DF41A-7EC0-485E-8315-77EC616B4241}" destId="{C01A21E2-E5A4-4E08-95F2-C23625228E1B}" srcOrd="0" destOrd="0" presId="urn:microsoft.com/office/officeart/2016/7/layout/RoundedRectangleTimeline"/>
-    <dgm:cxn modelId="{0916F24C-5838-476E-B10E-8246890529BB}" srcId="{809C88F1-D106-4EFF-AE22-4E80C5687A16}" destId="{BF71C84A-B0FB-48FF-B91E-E0876B51353F}" srcOrd="2" destOrd="0" parTransId="{41334F68-E166-47EB-8962-8656EF5F6414}" sibTransId="{C5F3C6E2-9DFA-4C47-9BAA-A9BC66E0091A}"/>
-    <dgm:cxn modelId="{696B0852-1862-4489-9462-594360AD9648}" type="presOf" srcId="{809C88F1-D106-4EFF-AE22-4E80C5687A16}" destId="{8D3F1B84-38B0-4C90-9D78-82C3462F61D7}" srcOrd="0" destOrd="0" presId="urn:microsoft.com/office/officeart/2016/7/layout/RoundedRectangleTimeline"/>
-    <dgm:cxn modelId="{FDEA0C73-C65A-4B98-B619-3DC17318DC5B}" type="presOf" srcId="{DDF23D30-852C-4017-9748-1AFA2AA28746}" destId="{F5EBF0E5-C455-4DBA-9DF8-22F971C436CE}" srcOrd="0" destOrd="0" presId="urn:microsoft.com/office/officeart/2016/7/layout/RoundedRectangleTimeline"/>
-    <dgm:cxn modelId="{7A8446CB-2225-4B14-82E1-327035DA275F}" srcId="{39DCD80B-8F6E-4420-A15D-2D339B4EB927}" destId="{683DF41A-7EC0-485E-8315-77EC616B4241}" srcOrd="0" destOrd="0" parTransId="{8BC56139-1BBA-488B-820A-C0DB6A6F0471}" sibTransId="{61705962-0636-4754-8B83-D3B5ED2AF98A}"/>
-    <dgm:cxn modelId="{35F9BFD8-E417-4909-8952-1D5E44468FDB}" type="presOf" srcId="{39DCD80B-8F6E-4420-A15D-2D339B4EB927}" destId="{5DB6D439-65C5-474E-931F-1B870CF46FF0}" srcOrd="0" destOrd="0" presId="urn:microsoft.com/office/officeart/2016/7/layout/RoundedRectangleTimeline"/>
-    <dgm:cxn modelId="{0E3972AE-039A-4EF5-96A6-43397800A882}" type="presParOf" srcId="{8D3F1B84-38B0-4C90-9D78-82C3462F61D7}" destId="{669622FF-E8C0-4E7A-8FE1-CBEB62B34607}" srcOrd="0" destOrd="0" presId="urn:microsoft.com/office/officeart/2016/7/layout/RoundedRectangleTimeline"/>
-    <dgm:cxn modelId="{C1149134-E9C4-48FF-99B8-2E155E9D1B48}" type="presParOf" srcId="{669622FF-E8C0-4E7A-8FE1-CBEB62B34607}" destId="{A373952C-B4DB-42B9-B580-BDCD94523325}" srcOrd="0" destOrd="0" presId="urn:microsoft.com/office/officeart/2016/7/layout/RoundedRectangleTimeline"/>
-    <dgm:cxn modelId="{C0CF24C1-D041-496C-8CB4-7C73355D8ABD}" type="presParOf" srcId="{669622FF-E8C0-4E7A-8FE1-CBEB62B34607}" destId="{F93AF2B3-B57D-41E1-91AE-927B6EE39C3E}" srcOrd="1" destOrd="0" presId="urn:microsoft.com/office/officeart/2016/7/layout/RoundedRectangleTimeline"/>
-    <dgm:cxn modelId="{02F5AFEA-9D41-40A1-8399-53216A1428FE}" type="presParOf" srcId="{669622FF-E8C0-4E7A-8FE1-CBEB62B34607}" destId="{CD0A9EE9-18A7-482A-9A79-27792722F261}" srcOrd="2" destOrd="0" presId="urn:microsoft.com/office/officeart/2016/7/layout/RoundedRectangleTimeline"/>
-    <dgm:cxn modelId="{AE99AA97-CB42-4000-98B0-472F8F74D4E3}" type="presParOf" srcId="{669622FF-E8C0-4E7A-8FE1-CBEB62B34607}" destId="{352509EE-65EB-4FC4-BE5F-CCB66A318599}" srcOrd="3" destOrd="0" presId="urn:microsoft.com/office/officeart/2016/7/layout/RoundedRectangleTimeline"/>
-    <dgm:cxn modelId="{40495B30-EA4C-4E00-AF86-F2974E30102E}" type="presParOf" srcId="{669622FF-E8C0-4E7A-8FE1-CBEB62B34607}" destId="{BEAE05A7-8EB7-411C-9D68-86036D1D2143}" srcOrd="4" destOrd="0" presId="urn:microsoft.com/office/officeart/2016/7/layout/RoundedRectangleTimeline"/>
-    <dgm:cxn modelId="{BBC92E44-F36B-48A1-9521-938F8B48BA7C}" type="presParOf" srcId="{8D3F1B84-38B0-4C90-9D78-82C3462F61D7}" destId="{5C33C78D-4A73-46B0-A3AF-8E464C3ACC8E}" srcOrd="1" destOrd="0" presId="urn:microsoft.com/office/officeart/2016/7/layout/RoundedRectangleTimeline"/>
-    <dgm:cxn modelId="{B9F465E6-0D91-4DB1-9DFF-F2B352809E37}" type="presParOf" srcId="{8D3F1B84-38B0-4C90-9D78-82C3462F61D7}" destId="{B716C1FC-8D36-4248-AF65-72872A396A10}" srcOrd="2" destOrd="0" presId="urn:microsoft.com/office/officeart/2016/7/layout/RoundedRectangleTimeline"/>
-    <dgm:cxn modelId="{102AAFDD-AC6F-449D-B5FE-E22A55FCCD1B}" type="presParOf" srcId="{B716C1FC-8D36-4248-AF65-72872A396A10}" destId="{5DB6D439-65C5-474E-931F-1B870CF46FF0}" srcOrd="0" destOrd="0" presId="urn:microsoft.com/office/officeart/2016/7/layout/RoundedRectangleTimeline"/>
-    <dgm:cxn modelId="{B103425F-7731-4E6E-BA12-614F34F32FEE}" type="presParOf" srcId="{B716C1FC-8D36-4248-AF65-72872A396A10}" destId="{C01A21E2-E5A4-4E08-95F2-C23625228E1B}" srcOrd="1" destOrd="0" presId="urn:microsoft.com/office/officeart/2016/7/layout/RoundedRectangleTimeline"/>
-    <dgm:cxn modelId="{FCCC90D0-0D46-43B6-B934-9FD0D67198F7}" type="presParOf" srcId="{B716C1FC-8D36-4248-AF65-72872A396A10}" destId="{0863FB6B-EE61-4A54-88FF-626DD8330A44}" srcOrd="2" destOrd="0" presId="urn:microsoft.com/office/officeart/2016/7/layout/RoundedRectangleTimeline"/>
-    <dgm:cxn modelId="{FE4E2138-766F-4E15-BA73-F9DA52D39FC6}" type="presParOf" srcId="{B716C1FC-8D36-4248-AF65-72872A396A10}" destId="{0A15950B-5C48-4FB8-A1C2-D9740CCB73DC}" srcOrd="3" destOrd="0" presId="urn:microsoft.com/office/officeart/2016/7/layout/RoundedRectangleTimeline"/>
-    <dgm:cxn modelId="{A810F4C8-A044-42BD-AEC1-0029E1225F62}" type="presParOf" srcId="{B716C1FC-8D36-4248-AF65-72872A396A10}" destId="{4976DE4F-596B-4682-8679-46223F40AD14}" srcOrd="4" destOrd="0" presId="urn:microsoft.com/office/officeart/2016/7/layout/RoundedRectangleTimeline"/>
-    <dgm:cxn modelId="{4840454A-C6F4-411F-9E3F-9E78821D4FC1}" type="presParOf" srcId="{8D3F1B84-38B0-4C90-9D78-82C3462F61D7}" destId="{BD0B9FC6-7487-4133-8795-260011EAB632}" srcOrd="3" destOrd="0" presId="urn:microsoft.com/office/officeart/2016/7/layout/RoundedRectangleTimeline"/>
-    <dgm:cxn modelId="{DC88C02C-E877-421F-BE05-41C0164DECA8}" type="presParOf" srcId="{8D3F1B84-38B0-4C90-9D78-82C3462F61D7}" destId="{4DB011E8-856A-4442-B73E-104E8D98F119}" srcOrd="4" destOrd="0" presId="urn:microsoft.com/office/officeart/2016/7/layout/RoundedRectangleTimeline"/>
-    <dgm:cxn modelId="{8251AB55-BF39-4A00-B469-94D661227164}" type="presParOf" srcId="{4DB011E8-856A-4442-B73E-104E8D98F119}" destId="{CA8D75C5-4FBC-4F02-96E3-12159CC965FC}" srcOrd="0" destOrd="0" presId="urn:microsoft.com/office/officeart/2016/7/layout/RoundedRectangleTimeline"/>
-    <dgm:cxn modelId="{6CC50ADD-D9C8-4BE9-ADB0-A6A182AAFC2B}" type="presParOf" srcId="{4DB011E8-856A-4442-B73E-104E8D98F119}" destId="{F5EBF0E5-C455-4DBA-9DF8-22F971C436CE}" srcOrd="1" destOrd="0" presId="urn:microsoft.com/office/officeart/2016/7/layout/RoundedRectangleTimeline"/>
-    <dgm:cxn modelId="{6310546D-2E5B-4EB7-BF32-3DF43AD432D7}" type="presParOf" srcId="{4DB011E8-856A-4442-B73E-104E8D98F119}" destId="{1E21CD27-310B-413D-A50B-C503AE6796B8}" srcOrd="2" destOrd="0" presId="urn:microsoft.com/office/officeart/2016/7/layout/RoundedRectangleTimeline"/>
-    <dgm:cxn modelId="{EE99926B-82E7-47AC-99D4-5A5080F4CC56}" type="presParOf" srcId="{4DB011E8-856A-4442-B73E-104E8D98F119}" destId="{7EF9019D-AF49-40E3-830D-921BC9D110F3}" srcOrd="3" destOrd="0" presId="urn:microsoft.com/office/officeart/2016/7/layout/RoundedRectangleTimeline"/>
-    <dgm:cxn modelId="{5FA2B07C-DC35-45F1-8A77-02E3D32A82E5}" type="presParOf" srcId="{4DB011E8-856A-4442-B73E-104E8D98F119}" destId="{C06CAD5D-1453-4BD5-933C-4C068A422B0D}" srcOrd="4" destOrd="0" presId="urn:microsoft.com/office/officeart/2016/7/layout/RoundedRectangleTimeline"/>
-  </dgm:cxnLst>
-  <dgm:bg/>
-  <dgm:whole/>
-  <dgm:extLst>
-    <a:ext uri="http://schemas.microsoft.com/office/drawing/2008/diagram">
-      <dsp:dataModelExt xmlns:dsp="http://schemas.microsoft.com/office/drawing/2008/diagram" relId="rId7" minVer="http://schemas.openxmlformats.org/drawingml/2006/diagram"/>
-    </a:ext>
-  </dgm:extLst>
-</dgm:dataModel>
-</file>
-
-<file path=ppt/diagrams/drawing1.xml><?xml version="1.0" encoding="utf-8"?>
-<dsp:drawing xmlns:dgm="http://schemas.openxmlformats.org/drawingml/2006/diagram" xmlns:dsp="http://schemas.microsoft.com/office/drawing/2008/diagram" xmlns:a="http://schemas.openxmlformats.org/drawingml/2006/main">
-  <dsp:spTree>
-    <dsp:nvGrpSpPr>
-      <dsp:cNvPr id="0" name=""/>
-      <dsp:cNvGrpSpPr/>
-    </dsp:nvGrpSpPr>
-    <dsp:grpSpPr/>
-    <dsp:sp modelId="{A373952C-B4DB-42B9-B580-BDCD94523325}">
-      <dsp:nvSpPr>
-        <dsp:cNvPr id="0" name=""/>
-        <dsp:cNvSpPr/>
-      </dsp:nvSpPr>
-      <dsp:spPr>
-        <a:xfrm rot="16200000">
-          <a:off x="1156094" y="1927633"/>
-          <a:ext cx="557328" cy="1718016"/>
-        </a:xfrm>
-        <a:prstGeom prst="round2SameRect">
-          <a:avLst/>
-        </a:prstGeom>
-        <a:solidFill>
-          <a:schemeClr val="lt1">
-            <a:hueOff val="0"/>
-            <a:satOff val="0"/>
-            <a:lumOff val="0"/>
-            <a:alphaOff val="0"/>
-          </a:schemeClr>
-        </a:solidFill>
-        <a:ln w="12700" cap="flat" cmpd="sng" algn="in">
-          <a:solidFill>
-            <a:schemeClr val="dk1">
-              <a:shade val="80000"/>
-              <a:hueOff val="0"/>
-              <a:satOff val="0"/>
-              <a:lumOff val="0"/>
-              <a:alphaOff val="0"/>
-            </a:schemeClr>
-          </a:solidFill>
-          <a:prstDash val="solid"/>
-        </a:ln>
-        <a:effectLst/>
-      </dsp:spPr>
-      <dsp:style>
-        <a:lnRef idx="2">
-          <a:scrgbClr r="0" g="0" b="0"/>
-        </a:lnRef>
-        <a:fillRef idx="1">
-          <a:scrgbClr r="0" g="0" b="0"/>
-        </a:fillRef>
-        <a:effectRef idx="0">
-          <a:scrgbClr r="0" g="0" b="0"/>
-        </a:effectRef>
-        <a:fontRef idx="minor">
-          <a:schemeClr val="lt1"/>
-        </a:fontRef>
-      </dsp:style>
-      <dsp:txBody>
-        <a:bodyPr spcFirstLastPara="0" vert="horz" wrap="square" lIns="129540" tIns="129540" rIns="129540" bIns="129540" numCol="1" spcCol="1270" rtlCol="0" anchor="ctr" anchorCtr="1">
-          <a:noAutofit/>
-        </a:bodyPr>
-        <a:lstStyle/>
-        <a:p>
-          <a:pPr marL="0" lvl="0" indent="0" algn="ctr" defTabSz="755650" rtl="0">
-            <a:lnSpc>
-              <a:spcPct val="90000"/>
-            </a:lnSpc>
-            <a:spcBef>
-              <a:spcPct val="0"/>
-            </a:spcBef>
-            <a:spcAft>
-              <a:spcPct val="35000"/>
-            </a:spcAft>
-            <a:buNone/>
-          </a:pPr>
-          <a:r>
-            <a:rPr lang="hu-HU" sz="1700" kern="1200" noProof="0" dirty="0"/>
-            <a:t>2017</a:t>
-          </a:r>
-        </a:p>
-      </dsp:txBody>
-      <dsp:txXfrm rot="5400000">
-        <a:off x="602958" y="2535184"/>
-        <a:ext cx="1690809" cy="502914"/>
-      </dsp:txXfrm>
-    </dsp:sp>
-    <dsp:sp modelId="{F93AF2B3-B57D-41E1-91AE-927B6EE39C3E}">
-      <dsp:nvSpPr>
-        <dsp:cNvPr id="0" name=""/>
-        <dsp:cNvSpPr/>
-      </dsp:nvSpPr>
-      <dsp:spPr>
-        <a:xfrm>
-          <a:off x="3078" y="0"/>
-          <a:ext cx="2863360" cy="1950649"/>
-        </a:xfrm>
-        <a:prstGeom prst="rect">
-          <a:avLst/>
-        </a:prstGeom>
-        <a:noFill/>
-        <a:ln>
-          <a:noFill/>
-        </a:ln>
-        <a:effectLst/>
-      </dsp:spPr>
-      <dsp:style>
-        <a:lnRef idx="0">
-          <a:scrgbClr r="0" g="0" b="0"/>
-        </a:lnRef>
-        <a:fillRef idx="0">
-          <a:scrgbClr r="0" g="0" b="0"/>
-        </a:fillRef>
-        <a:effectRef idx="0">
-          <a:scrgbClr r="0" g="0" b="0"/>
-        </a:effectRef>
-        <a:fontRef idx="minor"/>
-      </dsp:style>
-      <dsp:txBody>
-        <a:bodyPr spcFirstLastPara="0" vert="horz" wrap="square" lIns="0" tIns="0" rIns="0" bIns="129540" numCol="1" spcCol="1270" rtlCol="0" anchor="b" anchorCtr="1">
-          <a:noAutofit/>
-        </a:bodyPr>
-        <a:lstStyle/>
-        <a:p>
-          <a:pPr marL="0" lvl="0" indent="0" algn="ctr" defTabSz="755650" rtl="0">
-            <a:lnSpc>
-              <a:spcPct val="90000"/>
-            </a:lnSpc>
-            <a:spcBef>
-              <a:spcPct val="0"/>
-            </a:spcBef>
-            <a:spcAft>
-              <a:spcPct val="35000"/>
-            </a:spcAft>
-            <a:buNone/>
-          </a:pPr>
-          <a:r>
-            <a:rPr lang="hu-HU" sz="1700" kern="1200" noProof="0" dirty="0" err="1"/>
-            <a:t>Lorem</a:t>
-          </a:r>
-          <a:r>
-            <a:rPr lang="hu-HU" sz="1700" kern="1200" noProof="0" dirty="0"/>
-            <a:t> </a:t>
-          </a:r>
-          <a:r>
-            <a:rPr lang="hu-HU" sz="1700" kern="1200" noProof="0" dirty="0" err="1"/>
-            <a:t>ipsum</a:t>
-          </a:r>
-          <a:r>
-            <a:rPr lang="hu-HU" sz="1700" kern="1200" noProof="0" dirty="0"/>
-            <a:t> </a:t>
-          </a:r>
-          <a:r>
-            <a:rPr lang="hu-HU" sz="1700" kern="1200" noProof="0" dirty="0" err="1"/>
-            <a:t>dolor</a:t>
-          </a:r>
-          <a:r>
-            <a:rPr lang="hu-HU" sz="1700" kern="1200" noProof="0" dirty="0"/>
-            <a:t> </a:t>
-          </a:r>
-          <a:r>
-            <a:rPr lang="hu-HU" sz="1700" kern="1200" noProof="0" dirty="0" err="1"/>
-            <a:t>sit</a:t>
-          </a:r>
-          <a:r>
-            <a:rPr lang="hu-HU" sz="1700" kern="1200" noProof="0" dirty="0"/>
-            <a:t> </a:t>
-          </a:r>
-          <a:r>
-            <a:rPr lang="hu-HU" sz="1700" kern="1200" noProof="0" dirty="0" err="1"/>
-            <a:t>amet</a:t>
-          </a:r>
-          <a:r>
-            <a:rPr lang="hu-HU" sz="1700" kern="1200" noProof="0" dirty="0"/>
-            <a:t>.</a:t>
-          </a:r>
-        </a:p>
-      </dsp:txBody>
-      <dsp:txXfrm>
-        <a:off x="3078" y="0"/>
-        <a:ext cx="2863360" cy="1950649"/>
-      </dsp:txXfrm>
-    </dsp:sp>
-    <dsp:sp modelId="{CD0A9EE9-18A7-482A-9A79-27792722F261}">
-      <dsp:nvSpPr>
-        <dsp:cNvPr id="0" name=""/>
-        <dsp:cNvSpPr/>
-      </dsp:nvSpPr>
-      <dsp:spPr>
-        <a:xfrm>
-          <a:off x="1434758" y="2062115"/>
-          <a:ext cx="0" cy="445862"/>
-        </a:xfrm>
-        <a:prstGeom prst="line">
-          <a:avLst/>
-        </a:prstGeom>
-        <a:noFill/>
-        <a:ln w="6350" cap="flat" cmpd="sng" algn="in">
-          <a:solidFill>
-            <a:schemeClr val="dk1">
-              <a:hueOff val="0"/>
-              <a:satOff val="0"/>
-              <a:lumOff val="0"/>
-              <a:alphaOff val="0"/>
-            </a:schemeClr>
-          </a:solidFill>
-          <a:prstDash val="dash"/>
-        </a:ln>
-        <a:effectLst/>
-      </dsp:spPr>
-      <dsp:style>
-        <a:lnRef idx="1">
-          <a:scrgbClr r="0" g="0" b="0"/>
-        </a:lnRef>
-        <a:fillRef idx="0">
-          <a:scrgbClr r="0" g="0" b="0"/>
-        </a:fillRef>
-        <a:effectRef idx="0">
-          <a:scrgbClr r="0" g="0" b="0"/>
-        </a:effectRef>
-        <a:fontRef idx="minor"/>
-      </dsp:style>
-    </dsp:sp>
-    <dsp:sp modelId="{352509EE-65EB-4FC4-BE5F-CCB66A318599}">
-      <dsp:nvSpPr>
-        <dsp:cNvPr id="0" name=""/>
-        <dsp:cNvSpPr/>
-      </dsp:nvSpPr>
-      <dsp:spPr>
-        <a:xfrm>
-          <a:off x="1379026" y="1950649"/>
-          <a:ext cx="111465" cy="111465"/>
-        </a:xfrm>
-        <a:prstGeom prst="ellipse">
-          <a:avLst/>
-        </a:prstGeom>
-        <a:solidFill>
-          <a:schemeClr val="lt1">
-            <a:hueOff val="0"/>
-            <a:satOff val="0"/>
-            <a:lumOff val="0"/>
-            <a:alphaOff val="0"/>
-          </a:schemeClr>
-        </a:solidFill>
-        <a:ln w="12700" cap="flat" cmpd="sng" algn="in">
-          <a:solidFill>
-            <a:schemeClr val="dk1">
-              <a:shade val="80000"/>
-              <a:hueOff val="0"/>
-              <a:satOff val="0"/>
-              <a:lumOff val="0"/>
-              <a:alphaOff val="0"/>
-            </a:schemeClr>
-          </a:solidFill>
-          <a:prstDash val="solid"/>
-        </a:ln>
-        <a:effectLst/>
-      </dsp:spPr>
-      <dsp:style>
-        <a:lnRef idx="2">
-          <a:scrgbClr r="0" g="0" b="0"/>
-        </a:lnRef>
-        <a:fillRef idx="1">
-          <a:scrgbClr r="0" g="0" b="0"/>
-        </a:fillRef>
-        <a:effectRef idx="0">
-          <a:scrgbClr r="0" g="0" b="0"/>
-        </a:effectRef>
-        <a:fontRef idx="minor">
-          <a:schemeClr val="lt1"/>
-        </a:fontRef>
-      </dsp:style>
-    </dsp:sp>
-    <dsp:sp modelId="{5DB6D439-65C5-474E-931F-1B870CF46FF0}">
-      <dsp:nvSpPr>
-        <dsp:cNvPr id="0" name=""/>
-        <dsp:cNvSpPr/>
-      </dsp:nvSpPr>
-      <dsp:spPr>
-        <a:xfrm>
-          <a:off x="2293766" y="2507977"/>
-          <a:ext cx="1718016" cy="557328"/>
-        </a:xfrm>
-        <a:prstGeom prst="rect">
-          <a:avLst/>
-        </a:prstGeom>
-        <a:solidFill>
-          <a:schemeClr val="lt1">
-            <a:hueOff val="0"/>
-            <a:satOff val="0"/>
-            <a:lumOff val="0"/>
-            <a:alphaOff val="0"/>
-          </a:schemeClr>
-        </a:solidFill>
-        <a:ln w="12700" cap="flat" cmpd="sng" algn="in">
-          <a:solidFill>
-            <a:schemeClr val="dk1">
-              <a:shade val="80000"/>
-              <a:hueOff val="0"/>
-              <a:satOff val="0"/>
-              <a:lumOff val="0"/>
-              <a:alphaOff val="0"/>
-            </a:schemeClr>
-          </a:solidFill>
-          <a:prstDash val="solid"/>
-        </a:ln>
-        <a:effectLst/>
-      </dsp:spPr>
-      <dsp:style>
-        <a:lnRef idx="2">
-          <a:scrgbClr r="0" g="0" b="0"/>
-        </a:lnRef>
-        <a:fillRef idx="1">
-          <a:scrgbClr r="0" g="0" b="0"/>
-        </a:fillRef>
-        <a:effectRef idx="0">
-          <a:scrgbClr r="0" g="0" b="0"/>
-        </a:effectRef>
-        <a:fontRef idx="minor">
-          <a:schemeClr val="lt1"/>
-        </a:fontRef>
-      </dsp:style>
-      <dsp:txBody>
-        <a:bodyPr spcFirstLastPara="0" vert="horz" wrap="square" lIns="129540" tIns="129540" rIns="129540" bIns="129540" numCol="1" spcCol="1270" rtlCol="0" anchor="ctr" anchorCtr="1">
-          <a:noAutofit/>
-        </a:bodyPr>
-        <a:lstStyle/>
-        <a:p>
-          <a:pPr marL="0" lvl="0" indent="0" algn="ctr" defTabSz="755650" rtl="0">
-            <a:lnSpc>
-              <a:spcPct val="90000"/>
-            </a:lnSpc>
-            <a:spcBef>
-              <a:spcPct val="0"/>
-            </a:spcBef>
-            <a:spcAft>
-              <a:spcPct val="35000"/>
-            </a:spcAft>
-            <a:buNone/>
-          </a:pPr>
-          <a:r>
-            <a:rPr lang="hu-HU" sz="1700" kern="1200" noProof="0" dirty="0"/>
-            <a:t>2018</a:t>
-          </a:r>
-        </a:p>
-      </dsp:txBody>
-      <dsp:txXfrm>
-        <a:off x="2293766" y="2507977"/>
-        <a:ext cx="1718016" cy="557328"/>
-      </dsp:txXfrm>
-    </dsp:sp>
-    <dsp:sp modelId="{C01A21E2-E5A4-4E08-95F2-C23625228E1B}">
-      <dsp:nvSpPr>
-        <dsp:cNvPr id="0" name=""/>
-        <dsp:cNvSpPr/>
-      </dsp:nvSpPr>
-      <dsp:spPr>
-        <a:xfrm>
-          <a:off x="1721094" y="3622634"/>
-          <a:ext cx="2863360" cy="1950649"/>
-        </a:xfrm>
-        <a:prstGeom prst="rect">
-          <a:avLst/>
-        </a:prstGeom>
-        <a:noFill/>
-        <a:ln>
-          <a:noFill/>
-        </a:ln>
-        <a:effectLst/>
-      </dsp:spPr>
-      <dsp:style>
-        <a:lnRef idx="0">
-          <a:scrgbClr r="0" g="0" b="0"/>
-        </a:lnRef>
-        <a:fillRef idx="0">
-          <a:scrgbClr r="0" g="0" b="0"/>
-        </a:fillRef>
-        <a:effectRef idx="0">
-          <a:scrgbClr r="0" g="0" b="0"/>
-        </a:effectRef>
-        <a:fontRef idx="minor"/>
-      </dsp:style>
-      <dsp:txBody>
-        <a:bodyPr spcFirstLastPara="0" vert="horz" wrap="square" lIns="0" tIns="129540" rIns="0" bIns="0" numCol="1" spcCol="1270" rtlCol="0" anchor="t" anchorCtr="1">
-          <a:noAutofit/>
-        </a:bodyPr>
-        <a:lstStyle/>
-        <a:p>
-          <a:pPr marL="0" lvl="0" indent="0" algn="ctr" defTabSz="755650" rtl="0">
-            <a:lnSpc>
-              <a:spcPct val="90000"/>
-            </a:lnSpc>
-            <a:spcBef>
-              <a:spcPct val="0"/>
-            </a:spcBef>
-            <a:spcAft>
-              <a:spcPct val="35000"/>
-            </a:spcAft>
-            <a:buNone/>
-          </a:pPr>
-          <a:r>
-            <a:rPr lang="hu-HU" sz="1700" kern="1200" noProof="0" dirty="0" err="1"/>
-            <a:t>Lorem</a:t>
-          </a:r>
-          <a:r>
-            <a:rPr lang="hu-HU" sz="1700" kern="1200" noProof="0" dirty="0"/>
-            <a:t> </a:t>
-          </a:r>
-          <a:r>
-            <a:rPr lang="hu-HU" sz="1700" kern="1200" noProof="0" dirty="0" err="1"/>
-            <a:t>ipsum</a:t>
-          </a:r>
-          <a:r>
-            <a:rPr lang="hu-HU" sz="1700" kern="1200" noProof="0" dirty="0"/>
-            <a:t> </a:t>
-          </a:r>
-          <a:r>
-            <a:rPr lang="hu-HU" sz="1700" kern="1200" noProof="0" dirty="0" err="1"/>
-            <a:t>dolor</a:t>
-          </a:r>
-          <a:r>
-            <a:rPr lang="hu-HU" sz="1700" kern="1200" noProof="0" dirty="0"/>
-            <a:t> </a:t>
-          </a:r>
-          <a:r>
-            <a:rPr lang="hu-HU" sz="1700" kern="1200" noProof="0" dirty="0" err="1"/>
-            <a:t>sit</a:t>
-          </a:r>
-          <a:r>
-            <a:rPr lang="hu-HU" sz="1700" kern="1200" noProof="0" dirty="0"/>
-            <a:t> </a:t>
-          </a:r>
-          <a:r>
-            <a:rPr lang="hu-HU" sz="1700" kern="1200" noProof="0" dirty="0" err="1"/>
-            <a:t>amet</a:t>
-          </a:r>
-          <a:r>
-            <a:rPr lang="hu-HU" sz="1700" kern="1200" noProof="0" dirty="0"/>
-            <a:t>.</a:t>
-          </a:r>
-        </a:p>
-      </dsp:txBody>
-      <dsp:txXfrm>
-        <a:off x="1721094" y="3622634"/>
-        <a:ext cx="2863360" cy="1950649"/>
-      </dsp:txXfrm>
-    </dsp:sp>
-    <dsp:sp modelId="{0863FB6B-EE61-4A54-88FF-626DD8330A44}">
-      <dsp:nvSpPr>
-        <dsp:cNvPr id="0" name=""/>
-        <dsp:cNvSpPr/>
-      </dsp:nvSpPr>
-      <dsp:spPr>
-        <a:xfrm>
-          <a:off x="3152775" y="3065306"/>
-          <a:ext cx="0" cy="445862"/>
-        </a:xfrm>
-        <a:prstGeom prst="line">
-          <a:avLst/>
-        </a:prstGeom>
-        <a:noFill/>
-        <a:ln w="6350" cap="flat" cmpd="sng" algn="in">
-          <a:solidFill>
-            <a:schemeClr val="dk1">
-              <a:hueOff val="0"/>
-              <a:satOff val="0"/>
-              <a:lumOff val="0"/>
-              <a:alphaOff val="0"/>
-            </a:schemeClr>
-          </a:solidFill>
-          <a:prstDash val="dash"/>
-        </a:ln>
-        <a:effectLst/>
-      </dsp:spPr>
-      <dsp:style>
-        <a:lnRef idx="1">
-          <a:scrgbClr r="0" g="0" b="0"/>
-        </a:lnRef>
-        <a:fillRef idx="0">
-          <a:scrgbClr r="0" g="0" b="0"/>
-        </a:fillRef>
-        <a:effectRef idx="0">
-          <a:scrgbClr r="0" g="0" b="0"/>
-        </a:effectRef>
-        <a:fontRef idx="minor"/>
-      </dsp:style>
-    </dsp:sp>
-    <dsp:sp modelId="{0A15950B-5C48-4FB8-A1C2-D9740CCB73DC}">
-      <dsp:nvSpPr>
-        <dsp:cNvPr id="0" name=""/>
-        <dsp:cNvSpPr/>
-      </dsp:nvSpPr>
-      <dsp:spPr>
-        <a:xfrm>
-          <a:off x="3097042" y="3511168"/>
-          <a:ext cx="111465" cy="111465"/>
-        </a:xfrm>
-        <a:prstGeom prst="ellipse">
-          <a:avLst/>
-        </a:prstGeom>
-        <a:solidFill>
-          <a:schemeClr val="lt1">
-            <a:hueOff val="0"/>
-            <a:satOff val="0"/>
-            <a:lumOff val="0"/>
-            <a:alphaOff val="0"/>
-          </a:schemeClr>
-        </a:solidFill>
-        <a:ln w="12700" cap="flat" cmpd="sng" algn="in">
-          <a:solidFill>
-            <a:schemeClr val="dk1">
-              <a:shade val="80000"/>
-              <a:hueOff val="0"/>
-              <a:satOff val="0"/>
-              <a:lumOff val="0"/>
-              <a:alphaOff val="0"/>
-            </a:schemeClr>
-          </a:solidFill>
-          <a:prstDash val="solid"/>
-        </a:ln>
-        <a:effectLst/>
-      </dsp:spPr>
-      <dsp:style>
-        <a:lnRef idx="2">
-          <a:scrgbClr r="0" g="0" b="0"/>
-        </a:lnRef>
-        <a:fillRef idx="1">
-          <a:scrgbClr r="0" g="0" b="0"/>
-        </a:fillRef>
-        <a:effectRef idx="0">
-          <a:scrgbClr r="0" g="0" b="0"/>
-        </a:effectRef>
-        <a:fontRef idx="minor">
-          <a:schemeClr val="lt1"/>
-        </a:fontRef>
-      </dsp:style>
-    </dsp:sp>
-    <dsp:sp modelId="{CA8D75C5-4FBC-4F02-96E3-12159CC965FC}">
-      <dsp:nvSpPr>
-        <dsp:cNvPr id="0" name=""/>
-        <dsp:cNvSpPr/>
-      </dsp:nvSpPr>
-      <dsp:spPr>
-        <a:xfrm rot="5400000">
-          <a:off x="4592126" y="1927633"/>
-          <a:ext cx="557328" cy="1718016"/>
-        </a:xfrm>
-        <a:prstGeom prst="round2SameRect">
-          <a:avLst/>
-        </a:prstGeom>
-        <a:solidFill>
-          <a:schemeClr val="lt1">
-            <a:hueOff val="0"/>
-            <a:satOff val="0"/>
-            <a:lumOff val="0"/>
-            <a:alphaOff val="0"/>
-          </a:schemeClr>
-        </a:solidFill>
-        <a:ln w="12700" cap="flat" cmpd="sng" algn="in">
-          <a:solidFill>
-            <a:schemeClr val="dk1">
-              <a:shade val="80000"/>
-              <a:hueOff val="0"/>
-              <a:satOff val="0"/>
-              <a:lumOff val="0"/>
-              <a:alphaOff val="0"/>
-            </a:schemeClr>
-          </a:solidFill>
-          <a:prstDash val="solid"/>
-        </a:ln>
-        <a:effectLst/>
-      </dsp:spPr>
-      <dsp:style>
-        <a:lnRef idx="2">
-          <a:scrgbClr r="0" g="0" b="0"/>
-        </a:lnRef>
-        <a:fillRef idx="1">
-          <a:scrgbClr r="0" g="0" b="0"/>
-        </a:fillRef>
-        <a:effectRef idx="0">
-          <a:scrgbClr r="0" g="0" b="0"/>
-        </a:effectRef>
-        <a:fontRef idx="minor">
-          <a:schemeClr val="lt1"/>
-        </a:fontRef>
-      </dsp:style>
-      <dsp:txBody>
-        <a:bodyPr spcFirstLastPara="0" vert="horz" wrap="square" lIns="129540" tIns="129540" rIns="129540" bIns="129540" numCol="1" spcCol="1270" rtlCol="0" anchor="ctr" anchorCtr="1">
-          <a:noAutofit/>
-        </a:bodyPr>
-        <a:lstStyle/>
-        <a:p>
-          <a:pPr marL="0" lvl="0" indent="0" algn="ctr" defTabSz="755650" rtl="0">
-            <a:lnSpc>
-              <a:spcPct val="90000"/>
-            </a:lnSpc>
-            <a:spcBef>
-              <a:spcPct val="0"/>
-            </a:spcBef>
-            <a:spcAft>
-              <a:spcPct val="35000"/>
-            </a:spcAft>
-            <a:buNone/>
-          </a:pPr>
-          <a:r>
-            <a:rPr lang="hu-HU" sz="1700" kern="1200" noProof="0" dirty="0"/>
-            <a:t>2019</a:t>
-          </a:r>
-        </a:p>
-      </dsp:txBody>
-      <dsp:txXfrm rot="-5400000">
-        <a:off x="4011783" y="2535184"/>
-        <a:ext cx="1690809" cy="502914"/>
-      </dsp:txXfrm>
-    </dsp:sp>
-    <dsp:sp modelId="{F5EBF0E5-C455-4DBA-9DF8-22F971C436CE}">
-      <dsp:nvSpPr>
-        <dsp:cNvPr id="0" name=""/>
-        <dsp:cNvSpPr/>
-      </dsp:nvSpPr>
-      <dsp:spPr>
-        <a:xfrm>
-          <a:off x="3439111" y="0"/>
-          <a:ext cx="2863360" cy="1950649"/>
-        </a:xfrm>
-        <a:prstGeom prst="rect">
-          <a:avLst/>
-        </a:prstGeom>
-        <a:noFill/>
-        <a:ln>
-          <a:noFill/>
-        </a:ln>
-        <a:effectLst/>
-      </dsp:spPr>
-      <dsp:style>
-        <a:lnRef idx="0">
-          <a:scrgbClr r="0" g="0" b="0"/>
-        </a:lnRef>
-        <a:fillRef idx="0">
-          <a:scrgbClr r="0" g="0" b="0"/>
-        </a:fillRef>
-        <a:effectRef idx="0">
-          <a:scrgbClr r="0" g="0" b="0"/>
-        </a:effectRef>
-        <a:fontRef idx="minor"/>
-      </dsp:style>
-      <dsp:txBody>
-        <a:bodyPr spcFirstLastPara="0" vert="horz" wrap="square" lIns="0" tIns="0" rIns="0" bIns="129540" numCol="1" spcCol="1270" rtlCol="0" anchor="b" anchorCtr="1">
-          <a:noAutofit/>
-        </a:bodyPr>
-        <a:lstStyle/>
-        <a:p>
-          <a:pPr marL="0" lvl="0" indent="0" algn="ctr" defTabSz="755650" rtl="0">
-            <a:lnSpc>
-              <a:spcPct val="90000"/>
-            </a:lnSpc>
-            <a:spcBef>
-              <a:spcPct val="0"/>
-            </a:spcBef>
-            <a:spcAft>
-              <a:spcPct val="35000"/>
-            </a:spcAft>
-            <a:buNone/>
-          </a:pPr>
-          <a:r>
-            <a:rPr lang="hu-HU" sz="1700" kern="1200" noProof="0" dirty="0" err="1"/>
-            <a:t>Lorem</a:t>
-          </a:r>
-          <a:r>
-            <a:rPr lang="hu-HU" sz="1700" kern="1200" noProof="0" dirty="0"/>
-            <a:t> </a:t>
-          </a:r>
-          <a:r>
-            <a:rPr lang="hu-HU" sz="1700" kern="1200" noProof="0" dirty="0" err="1"/>
-            <a:t>ipsum</a:t>
-          </a:r>
-          <a:r>
-            <a:rPr lang="hu-HU" sz="1700" kern="1200" noProof="0" dirty="0"/>
-            <a:t> </a:t>
-          </a:r>
-          <a:r>
-            <a:rPr lang="hu-HU" sz="1700" kern="1200" noProof="0" dirty="0" err="1"/>
-            <a:t>dolor</a:t>
-          </a:r>
-          <a:r>
-            <a:rPr lang="hu-HU" sz="1700" kern="1200" noProof="0" dirty="0"/>
-            <a:t> </a:t>
-          </a:r>
-          <a:r>
-            <a:rPr lang="hu-HU" sz="1700" kern="1200" noProof="0" dirty="0" err="1"/>
-            <a:t>sit</a:t>
-          </a:r>
-          <a:r>
-            <a:rPr lang="hu-HU" sz="1700" kern="1200" noProof="0" dirty="0"/>
-            <a:t> </a:t>
-          </a:r>
-          <a:r>
-            <a:rPr lang="hu-HU" sz="1700" kern="1200" noProof="0" dirty="0" err="1"/>
-            <a:t>amet</a:t>
-          </a:r>
-          <a:r>
-            <a:rPr lang="hu-HU" sz="1700" kern="1200" noProof="0" dirty="0"/>
-            <a:t>.</a:t>
-          </a:r>
-        </a:p>
-      </dsp:txBody>
-      <dsp:txXfrm>
-        <a:off x="3439111" y="0"/>
-        <a:ext cx="2863360" cy="1950649"/>
-      </dsp:txXfrm>
-    </dsp:sp>
-    <dsp:sp modelId="{1E21CD27-310B-413D-A50B-C503AE6796B8}">
-      <dsp:nvSpPr>
-        <dsp:cNvPr id="0" name=""/>
-        <dsp:cNvSpPr/>
-      </dsp:nvSpPr>
-      <dsp:spPr>
-        <a:xfrm>
-          <a:off x="4870791" y="2062115"/>
-          <a:ext cx="0" cy="445862"/>
-        </a:xfrm>
-        <a:prstGeom prst="line">
-          <a:avLst/>
-        </a:prstGeom>
-        <a:noFill/>
-        <a:ln w="6350" cap="flat" cmpd="sng" algn="in">
-          <a:solidFill>
-            <a:schemeClr val="dk1">
-              <a:hueOff val="0"/>
-              <a:satOff val="0"/>
-              <a:lumOff val="0"/>
-              <a:alphaOff val="0"/>
-            </a:schemeClr>
-          </a:solidFill>
-          <a:prstDash val="dash"/>
-        </a:ln>
-        <a:effectLst/>
-      </dsp:spPr>
-      <dsp:style>
-        <a:lnRef idx="1">
-          <a:scrgbClr r="0" g="0" b="0"/>
-        </a:lnRef>
-        <a:fillRef idx="0">
-          <a:scrgbClr r="0" g="0" b="0"/>
-        </a:fillRef>
-        <a:effectRef idx="0">
-          <a:scrgbClr r="0" g="0" b="0"/>
-        </a:effectRef>
-        <a:fontRef idx="minor"/>
-      </dsp:style>
-    </dsp:sp>
-    <dsp:sp modelId="{7EF9019D-AF49-40E3-830D-921BC9D110F3}">
-      <dsp:nvSpPr>
-        <dsp:cNvPr id="0" name=""/>
-        <dsp:cNvSpPr/>
-      </dsp:nvSpPr>
-      <dsp:spPr>
-        <a:xfrm>
-          <a:off x="4815058" y="1950649"/>
-          <a:ext cx="111465" cy="111465"/>
-        </a:xfrm>
-        <a:prstGeom prst="ellipse">
-          <a:avLst/>
-        </a:prstGeom>
-        <a:solidFill>
-          <a:schemeClr val="lt1">
-            <a:hueOff val="0"/>
-            <a:satOff val="0"/>
-            <a:lumOff val="0"/>
-            <a:alphaOff val="0"/>
-          </a:schemeClr>
-        </a:solidFill>
-        <a:ln w="12700" cap="flat" cmpd="sng" algn="in">
-          <a:solidFill>
-            <a:schemeClr val="dk1">
-              <a:shade val="80000"/>
-              <a:hueOff val="0"/>
-              <a:satOff val="0"/>
-              <a:lumOff val="0"/>
-              <a:alphaOff val="0"/>
-            </a:schemeClr>
-          </a:solidFill>
-          <a:prstDash val="solid"/>
-        </a:ln>
-        <a:effectLst/>
-      </dsp:spPr>
-      <dsp:style>
-        <a:lnRef idx="2">
-          <a:scrgbClr r="0" g="0" b="0"/>
-        </a:lnRef>
-        <a:fillRef idx="1">
-          <a:scrgbClr r="0" g="0" b="0"/>
-        </a:fillRef>
-        <a:effectRef idx="0">
-          <a:scrgbClr r="0" g="0" b="0"/>
-        </a:effectRef>
-        <a:fontRef idx="minor">
-          <a:schemeClr val="lt1"/>
-        </a:fontRef>
-      </dsp:style>
-    </dsp:sp>
-  </dsp:spTree>
-</dsp:drawing>
-</file>
-
-<file path=ppt/diagrams/layout1.xml><?xml version="1.0" encoding="utf-8"?>
-<dgm:layoutDef xmlns:dgm="http://schemas.openxmlformats.org/drawingml/2006/diagram" xmlns:a="http://schemas.openxmlformats.org/drawingml/2006/main" uniqueId="urn:microsoft.com/office/officeart/2016/7/layout/RoundedRectangleTimeline">
-  <dgm:title val="Lekerekített téglalap idősor"/>
-  <dgm:desc val="Események időrendi sorrendben történő megjelenítésére használható. A leírás egy láthatatlan dobozban jelenik meg, míg a dátum a téglalapokon belül látható, kivéve az első és utolsó csomópontot, ahol a téglalap sarkai lekerekítettek. Nagy mennyiségű szöveget jeleníthet meg hosszú leíró dátumformátummal."/>
-  <dgm:catLst>
-    <dgm:cat type="timeline" pri="500"/>
-    <dgm:cat type="process" pri="600"/>
-  </dgm:catLst>
-  <dgm:sampData>
-    <dgm:dataModel>
-      <dgm:ptLst>
-        <dgm:pt modelId="0" type="doc"/>
-        <dgm:pt modelId="10">
-          <dgm:prSet phldr="1"/>
-        </dgm:pt>
-        <dgm:pt modelId="11">
-          <dgm:prSet phldr="1"/>
-        </dgm:pt>
-        <dgm:pt modelId="20">
-          <dgm:prSet phldr="1"/>
-        </dgm:pt>
-        <dgm:pt modelId="21">
-          <dgm:prSet phldr="1"/>
-        </dgm:pt>
-        <dgm:pt modelId="30">
-          <dgm:prSet phldr="1"/>
-        </dgm:pt>
-        <dgm:pt modelId="31">
-          <dgm:prSet phldr="1"/>
-        </dgm:pt>
-      </dgm:ptLst>
-      <dgm:cxnLst>
-        <dgm:cxn modelId="40" srcId="0" destId="10" srcOrd="0" destOrd="0"/>
-        <dgm:cxn modelId="12" srcId="10" destId="11" srcOrd="0" destOrd="0"/>
-        <dgm:cxn modelId="50" srcId="0" destId="20" srcOrd="1" destOrd="0"/>
-        <dgm:cxn modelId="22" srcId="20" destId="21" srcOrd="0" destOrd="0"/>
-        <dgm:cxn modelId="60" srcId="0" destId="30" srcOrd="1" destOrd="0"/>
-        <dgm:cxn modelId="32" srcId="30" destId="31" srcOrd="0" destOrd="0"/>
-      </dgm:cxnLst>
-      <dgm:bg/>
-      <dgm:whole/>
-    </dgm:dataModel>
-  </dgm:sampData>
-  <dgm:styleData>
-    <dgm:dataModel>
-      <dgm:ptLst>
-        <dgm:pt modelId="0" type="doc"/>
-        <dgm:pt modelId="10">
-          <dgm:prSet phldr="1"/>
-        </dgm:pt>
-        <dgm:pt modelId="20">
-          <dgm:prSet phldr="1"/>
-        </dgm:pt>
-      </dgm:ptLst>
-      <dgm:cxnLst>
-        <dgm:cxn modelId="60" srcId="0" destId="10" srcOrd="0" destOrd="0"/>
-        <dgm:cxn modelId="70" srcId="0" destId="20" srcOrd="1" destOrd="0"/>
-      </dgm:cxnLst>
-      <dgm:bg/>
-      <dgm:whole/>
-    </dgm:dataModel>
-  </dgm:styleData>
-  <dgm:clrData>
-    <dgm:dataModel>
-      <dgm:ptLst>
-        <dgm:pt modelId="0" type="doc"/>
-        <dgm:pt modelId="10">
-          <dgm:prSet phldr="1"/>
-        </dgm:pt>
-        <dgm:pt modelId="20">
-          <dgm:prSet phldr="1"/>
-        </dgm:pt>
-        <dgm:pt modelId="30">
-          <dgm:prSet phldr="1"/>
-        </dgm:pt>
-        <dgm:pt modelId="40">
-          <dgm:prSet phldr="1"/>
-        </dgm:pt>
-      </dgm:ptLst>
-      <dgm:cxnLst>
-        <dgm:cxn modelId="60" srcId="0" destId="10" srcOrd="0" destOrd="0"/>
-        <dgm:cxn modelId="70" srcId="0" destId="20" srcOrd="1" destOrd="0"/>
-        <dgm:cxn modelId="80" srcId="0" destId="30" srcOrd="2" destOrd="0"/>
-        <dgm:cxn modelId="90" srcId="0" destId="40" srcOrd="3" destOrd="0"/>
-      </dgm:cxnLst>
-      <dgm:bg/>
-      <dgm:whole/>
-    </dgm:dataModel>
-  </dgm:clrData>
-  <dgm:layoutNode name="Name0">
-    <dgm:varLst>
-      <dgm:chMax/>
-      <dgm:chPref/>
-      <dgm:animLvl val="lvl"/>
-    </dgm:varLst>
-    <dgm:choose name="Name1">
-      <dgm:if name="Name2" func="var" arg="dir" op="equ" val="norm">
-        <dgm:alg type="lin"/>
-      </dgm:if>
-      <dgm:else name="Name3">
-        <dgm:alg type="lin">
-          <dgm:param type="linDir" val="fromR"/>
-        </dgm:alg>
-      </dgm:else>
-    </dgm:choose>
-    <dgm:shape xmlns:r="http://schemas.openxmlformats.org/officeDocument/2006/relationships" r:blip="">
-      <dgm:adjLst/>
-    </dgm:shape>
-    <dgm:constrLst>
-      <dgm:constr type="primFontSz" for="des" forName="parent" val="18"/>
-      <dgm:constr type="primFontSz" for="des" forName="Childtext" val="18"/>
-      <dgm:constr type="primFontSz" for="des" forName="Childtext" refType="primFontSz" refFor="des" refForName="parent" op="lte"/>
-      <dgm:constr type="w" for="ch" forName="composite" refType="w"/>
-      <dgm:constr type="h" for="ch" forName="composite" refType="h"/>
-      <dgm:constr type="w" for="ch" forName="spaceBetweenRectangles" refType="w" refFor="ch" refForName="composite" fact="-0.4"/>
-      <dgm:constr type="w" for="ch" ptType="sibTrans" op="equ"/>
-      <dgm:constr type="primFontSz" for="des" forName="parent" op="equ"/>
-      <dgm:constr type="primFontSz" for="des" forName="Childtext" op="equ"/>
-      <dgm:constr type="primFontSz" for="des" forName="parent1" val="18"/>
-      <dgm:constr type="primFontSz" for="des" forName="Childtext1" val="18"/>
-      <dgm:constr type="primFontSz" for="des" forName="Childtext1" refType="primFontSz" refFor="des" refForName="parent1" op="lte"/>
-      <dgm:constr type="w" for="ch" forName="composite1" refType="w"/>
-      <dgm:constr type="h" for="ch" forName="composite1" refType="h"/>
-      <dgm:constr type="w" for="ch" forName="spaceBetweenRectangles1" refType="w" refFor="ch" refForName="composite1" fact="-0.4"/>
-      <dgm:constr type="primFontSz" for="des" forName="parent1" op="equ"/>
-      <dgm:constr type="primFontSz" for="des" forName="Childtext1" op="equ"/>
-    </dgm:constrLst>
-    <dgm:choose name="layoutByNodeCnt">
-      <dgm:if name="twoOrLessNodes" axis="ch" ptType="node" func="cnt" op="lte" val="2">
-        <dgm:forEach name="nodesForEach" axis="ch" ptType="node">
-          <dgm:layoutNode name="composite">
-            <dgm:alg type="composite"/>
-            <dgm:shape xmlns:r="http://schemas.openxmlformats.org/officeDocument/2006/relationships" r:blip="">
-              <dgm:adjLst/>
-            </dgm:shape>
-            <dgm:choose name="casesForFirstAndLastNode1">
-              <dgm:if name="startNode1" axis="self" ptType="node" func="pos" op="equ" val="1">
-                <dgm:choose name="removeLineWhenOnlyOneNode1">
-                  <dgm:if name="ifOnlyOneNode1" axis="followSib" ptType="node" func="cnt" op="equ" val="0">
-                    <dgm:constrLst>
-                      <dgm:constr type="w" for="ch" forName="parent" refType="w" fact="0.95"/>
-                      <dgm:constr type="l" for="ch" forName="parent" refType="w" fact="0.025"/>
-                      <dgm:constr type="t" for="ch" forName="parent" refType="h" fact="0.45"/>
-                      <dgm:constr type="h" for="ch" forName="parent" refType="h" fact="0.1"/>
-                      <dgm:constr type="l" for="ch" forName="Childtext" refType="w" fact="0.025"/>
-                      <dgm:constr type="w" for="ch" forName="Childtext" refType="w" fact="0.95"/>
-                      <dgm:constr type="h" for="ch" forName="Childtext" refType="h" fact="0.35"/>
-                      <dgm:constr type="w" for="ch" forName="ConnectLine"/>
-                      <dgm:constr type="h" for="ch" forName="ConnectLine" refType="h" fact="0.08"/>
-                      <dgm:constr type="t" for="ch" forName="ConnectLine" refType="h" fact="0.37"/>
-                      <dgm:constr type="ctrX" for="ch" forName="ConnectLine" refType="w" fact="0.5"/>
-                      <dgm:constr type="w" for="ch" forName="ConnectLineEnd" refType="h" fact="0.02"/>
-                      <dgm:constr type="h" for="ch" forName="ConnectLineEnd" refType="h" fact="0.02"/>
-                      <dgm:constr type="t" for="ch" forName="ConnectLineEnd" refType="h" fact="0.35"/>
-                      <dgm:constr type="ctrX" for="ch" forName="ConnectLineEnd" refType="w" fact="0.5"/>
-                      <dgm:constr type="w" for="ch" forName="EmptyPane" refType="w"/>
-                      <dgm:constr type="t" for="ch" forName="EmptyPane" refType="h" fact="0.55"/>
-                      <dgm:constr type="h" for="ch" forName="EmptyPane" refType="h" fact="0.45"/>
-                    </dgm:constrLst>
-                  </dgm:if>
-                  <dgm:else name="ifMoreThanOneNode1">
-                    <dgm:constrLst>
-                      <dgm:constr type="w" for="ch" forName="parent" refType="w" fact="0.6"/>
-                      <dgm:constr type="l" for="ch" forName="parent" refType="w" fact="0.2"/>
-                      <dgm:constr type="t" for="ch" forName="parent" refType="h" fact="0.45"/>
-                      <dgm:constr type="h" for="ch" forName="parent" refType="h" fact="0.1"/>
-                      <dgm:constr type="l" for="ch" forName="Childtext" refType="w" fact="0.2"/>
-                      <dgm:constr type="w" for="ch" forName="Childtext" refType="w" fact="0.6"/>
-                      <dgm:constr type="h" for="ch" forName="Childtext" refType="h" fact="0.35"/>
-                      <dgm:constr type="w" for="ch" forName="ConnectLine"/>
-                      <dgm:constr type="h" for="ch" forName="ConnectLine" refType="h" fact="0.08"/>
-                      <dgm:constr type="t" for="ch" forName="ConnectLine" refType="h" fact="0.37"/>
-                      <dgm:constr type="ctrX" for="ch" forName="ConnectLine" refType="w" fact="0.5"/>
-                      <dgm:constr type="w" for="ch" forName="ConnectLineEnd" refType="h" fact="0.02"/>
-                      <dgm:constr type="h" for="ch" forName="ConnectLineEnd" refType="h" fact="0.02"/>
-                      <dgm:constr type="t" for="ch" forName="ConnectLineEnd" refType="h" fact="0.35"/>
-                      <dgm:constr type="ctrX" for="ch" forName="ConnectLineEnd" refType="w" fact="0.5"/>
-                      <dgm:constr type="w" for="ch" forName="EmptyPane" refType="w"/>
-                      <dgm:constr type="t" for="ch" forName="EmptyPane" refType="h" fact="0.55"/>
-                      <dgm:constr type="h" for="ch" forName="EmptyPane" refType="h" fact="0.45"/>
-                    </dgm:constrLst>
-                  </dgm:else>
-                </dgm:choose>
-              </dgm:if>
-              <dgm:else name="notStartNode1">
-                <dgm:constrLst>
-                  <dgm:constr type="w" for="ch" forName="parent" refType="w" fact="0.6"/>
-                  <dgm:constr type="l" for="ch" forName="parent" refType="w" fact="0.2"/>
-                  <dgm:constr type="t" for="ch" forName="parent" refType="h" fact="0.45"/>
-                  <dgm:constr type="h" for="ch" forName="parent" refType="h" fact="0.1"/>
-                  <dgm:constr type="l" for="ch" forName="Childtext" refType="w" fact="0.2"/>
-                  <dgm:constr type="w" for="ch" forName="Childtext" refType="w" fact="0.6"/>
-                  <dgm:constr type="h" for="ch" forName="Childtext" refType="h" fact="0.35"/>
-                  <dgm:constr type="t" for="ch" forName="Childtext" refType="h" fact="0.65"/>
-                  <dgm:constr type="w" for="ch" forName="ConnectLine"/>
-                  <dgm:constr type="h" for="ch" forName="ConnectLine" refType="h" fact="0.08"/>
-                  <dgm:constr type="t" for="ch" forName="ConnectLine" refType="h" fact="0.55"/>
-                  <dgm:constr type="ctrX" for="ch" forName="ConnectLine" refType="w" fact="0.5"/>
-                  <dgm:constr type="w" for="ch" forName="ConnectLineEnd" refType="h" fact="0.02"/>
-                  <dgm:constr type="h" for="ch" forName="ConnectLineEnd" refType="h" fact="0.02"/>
-                  <dgm:constr type="b" for="ch" forName="ConnectLineEnd" refType="h" fact="0.65"/>
-                  <dgm:constr type="ctrX" for="ch" forName="ConnectLineEnd" refType="w" fact="0.5"/>
-                  <dgm:constr type="w" for="ch" forName="EmptyPane" refType="w"/>
-                  <dgm:constr type="h" for="ch" forName="EmptyPane" refType="h" fact="0.45"/>
-                </dgm:constrLst>
-              </dgm:else>
-            </dgm:choose>
-            <dgm:layoutNode name="parent" styleLbl="alignNode1">
-              <dgm:varLst>
-                <dgm:chMax val="1"/>
-                <dgm:chPref val="1"/>
-                <dgm:bulletEnabled val="1"/>
-              </dgm:varLst>
-              <dgm:alg type="tx">
-                <dgm:param type="txAnchorHorz" val="ctr"/>
-                <dgm:param type="txAnchorVert" val="mid"/>
-                <dgm:param type="parTxLTRAlign" val="ctr"/>
-                <dgm:param type="parTxRTLAlign" val="ctr"/>
-              </dgm:alg>
-              <dgm:choose name="casesForFirstAndLastNode">
-                <dgm:if name="startNode" axis="self" ptType="node" func="pos" op="equ" val="1">
-                  <dgm:choose name="removeLineWhenOnlyOneNode">
-                    <dgm:if name="ifOnlyOneNode" axis="followSib" ptType="node" func="cnt" op="equ" val="0">
-                      <dgm:shape xmlns:r="http://schemas.openxmlformats.org/officeDocument/2006/relationships" type="roundRect" r:blip="">
-                        <dgm:adjLst/>
-                      </dgm:shape>
-                    </dgm:if>
-                    <dgm:else name="ifMoreThanOneNode">
-                      <dgm:choose name="Name18">
-                        <dgm:if name="Name19" func="var" arg="dir" op="equ" val="norm">
-                          <dgm:shape xmlns:r="http://schemas.openxmlformats.org/officeDocument/2006/relationships" rot="-90" type="round2SameRect" r:blip="">
-                            <dgm:adjLst/>
-                          </dgm:shape>
-                        </dgm:if>
-                        <dgm:else name="Name20">
-                          <dgm:shape xmlns:r="http://schemas.openxmlformats.org/officeDocument/2006/relationships" rot="90" type="round2SameRect" r:blip="">
-                            <dgm:adjLst/>
-                          </dgm:shape>
-                        </dgm:else>
-                      </dgm:choose>
-                    </dgm:else>
-                  </dgm:choose>
-                </dgm:if>
-                <dgm:else name="notStartNode">
-                  <dgm:choose name="Name22">
-                    <dgm:if name="Name23" axis="self" ptType="node" func="revPos" op="equ" val="1">
-                      <dgm:choose name="Name24">
-                        <dgm:if name="Name25" func="var" arg="dir" op="equ" val="norm">
-                          <dgm:shape xmlns:r="http://schemas.openxmlformats.org/officeDocument/2006/relationships" rot="90" type="round2SameRect" r:blip="">
-                            <dgm:adjLst/>
-                          </dgm:shape>
-                        </dgm:if>
-                        <dgm:else name="Name26">
-                          <dgm:shape xmlns:r="http://schemas.openxmlformats.org/officeDocument/2006/relationships" rot="-90" type="round2SameRect" r:blip="">
-                            <dgm:adjLst/>
-                          </dgm:shape>
-                        </dgm:else>
-                      </dgm:choose>
-                    </dgm:if>
-                    <dgm:else name="Name27">
-                      <dgm:shape xmlns:r="http://schemas.openxmlformats.org/officeDocument/2006/relationships" type="rect" r:blip="">
-                        <dgm:adjLst/>
-                      </dgm:shape>
-                    </dgm:else>
-                  </dgm:choose>
-                </dgm:else>
-              </dgm:choose>
-              <dgm:presOf axis="self" ptType="node"/>
-              <dgm:constrLst>
-                <dgm:constr type="lMarg" refType="primFontSz" fact="0.6"/>
-                <dgm:constr type="rMarg" refType="primFontSz" fact="0.6"/>
-                <dgm:constr type="tMarg" refType="primFontSz" fact="0.6"/>
-                <dgm:constr type="bMarg" refType="primFontSz" fact="0.6"/>
-              </dgm:constrLst>
-              <dgm:ruleLst>
-                <dgm:rule type="primFontSz" val="11" fact="NaN" max="NaN"/>
-              </dgm:ruleLst>
-            </dgm:layoutNode>
-            <dgm:layoutNode name="Childtext" styleLbl="revTx">
-              <dgm:varLst>
-                <dgm:bulletEnabled val="1"/>
-              </dgm:varLst>
-              <dgm:choose name="casesForTxtDirLogic">
-                <dgm:if name="Name77" axis="self" ptType="node" func="posOdd" op="equ" val="1">
-                  <dgm:alg type="tx">
-                    <dgm:param type="txAnchorVert" val="b"/>
-                    <dgm:param type="txAnchorHorz" val="ctr"/>
-                    <dgm:param type="parTxLTRAlign" val="ctr"/>
-                    <dgm:param type="parTxRTLAlign" val="ctr"/>
-                  </dgm:alg>
-                  <dgm:constrLst>
-                    <dgm:constr type="lMarg"/>
-                    <dgm:constr type="rMarg"/>
-                    <dgm:constr type="tMarg"/>
-                    <dgm:constr type="bMarg" refType="primFontSz" fact="0.6"/>
-                  </dgm:constrLst>
-                </dgm:if>
-                <dgm:else name="Name88">
-                  <dgm:alg type="tx">
-                    <dgm:param type="txAnchorVert" val="t"/>
-                    <dgm:param type="txAnchorHorz" val="ctr"/>
-                    <dgm:param type="parTxLTRAlign" val="ctr"/>
-                    <dgm:param type="parTxRTLAlign" val="ctr"/>
-                  </dgm:alg>
-                  <dgm:constrLst>
-                    <dgm:constr type="lMarg"/>
-                    <dgm:constr type="rMarg"/>
-                    <dgm:constr type="tMarg" refType="primFontSz" fact="0.6"/>
-                    <dgm:constr type="bMarg"/>
-                  </dgm:constrLst>
-                </dgm:else>
-              </dgm:choose>
-              <dgm:shape xmlns:r="http://schemas.openxmlformats.org/officeDocument/2006/relationships" type="rect" r:blip="">
-                <dgm:adjLst/>
-              </dgm:shape>
-              <dgm:presOf axis="ch" ptType="node"/>
-              <dgm:ruleLst>
-                <dgm:rule type="primFontSz" val="11" fact="NaN" max="NaN"/>
-              </dgm:ruleLst>
-            </dgm:layoutNode>
-            <dgm:layoutNode name="ConnectLine" styleLbl="sibTrans1D1">
-              <dgm:alg type="sp"/>
-              <dgm:shape xmlns:r="http://schemas.openxmlformats.org/officeDocument/2006/relationships" type="line" r:blip="">
-                <dgm:adjLst/>
-                <dgm:extLst>
-                  <a:ext uri="{B698B0E9-8C71-41B9-8309-B3DCBF30829C}">
-                    <dgm1612:spPr xmlns:dgm1612="http://schemas.microsoft.com/office/drawing/2016/12/diagram">
-                      <a:ln>
-                        <a:prstDash val="dash"/>
-                      </a:ln>
-                    </dgm1612:spPr>
-                  </a:ext>
-                </dgm:extLst>
-              </dgm:shape>
-              <dgm:presOf/>
-              <dgm:constrLst/>
-            </dgm:layoutNode>
-            <dgm:layoutNode name="ConnectLineEnd" styleLbl="lnNode1">
-              <dgm:alg type="sp"/>
-              <dgm:shape xmlns:r="http://schemas.openxmlformats.org/officeDocument/2006/relationships" type="ellipse" r:blip="">
-                <dgm:adjLst/>
-              </dgm:shape>
-              <dgm:presOf/>
-              <dgm:constrLst/>
-            </dgm:layoutNode>
-            <dgm:layoutNode name="EmptyPane">
-              <dgm:alg type="sp"/>
-              <dgm:shape xmlns:r="http://schemas.openxmlformats.org/officeDocument/2006/relationships" r:blip="">
-                <dgm:adjLst/>
-              </dgm:shape>
-              <dgm:presOf/>
-              <dgm:constrLst/>
-            </dgm:layoutNode>
-          </dgm:layoutNode>
-          <dgm:forEach name="Name28" axis="followSib" ptType="sibTrans" cnt="1">
-            <dgm:layoutNode name="spaceBetweenRectangles">
-              <dgm:alg type="sp"/>
-              <dgm:shape xmlns:r="http://schemas.openxmlformats.org/officeDocument/2006/relationships" r:blip="">
-                <dgm:adjLst/>
-              </dgm:shape>
-              <dgm:presOf/>
-              <dgm:constrLst/>
-              <dgm:ruleLst/>
-            </dgm:layoutNode>
-          </dgm:forEach>
-        </dgm:forEach>
-      </dgm:if>
-      <dgm:else name="moreThanTwoNodes">
-        <dgm:forEach name="nodesForEach1" axis="ch" ptType="node">
-          <dgm:layoutNode name="composite1">
-            <dgm:alg type="composite"/>
-            <dgm:shape xmlns:r="http://schemas.openxmlformats.org/officeDocument/2006/relationships" r:blip="">
-              <dgm:adjLst/>
-            </dgm:shape>
-            <dgm:choose name="casesForSnakingLogic21">
-              <dgm:if name="oddNode21" axis="self" ptType="node" func="posOdd" op="equ" val="1">
-                <dgm:constrLst>
-                  <dgm:constr type="w" for="ch" forName="parent1" refType="w" fact="0.6"/>
-                  <dgm:constr type="l" for="ch" forName="parent1" refType="w" fact="0.2"/>
-                  <dgm:constr type="t" for="ch" forName="parent1" refType="h" fact="0.45"/>
-                  <dgm:constr type="h" for="ch" forName="parent1" refType="h" fact="0.1"/>
-                  <dgm:constr type="w" for="ch" forName="Childtext1" refType="w"/>
-                  <dgm:constr type="h" for="ch" forName="Childtext1" refType="h" fact="0.35"/>
-                  <dgm:constr type="w" for="ch" forName="ConnectLine1"/>
-                  <dgm:constr type="h" for="ch" forName="ConnectLine1" refType="h" fact="0.08"/>
-                  <dgm:constr type="t" for="ch" forName="ConnectLine1" refType="h" fact="0.37"/>
-                  <dgm:constr type="ctrX" for="ch" forName="ConnectLine1" refType="w" fact="0.5"/>
-                  <dgm:constr type="w" for="ch" forName="ConnectLineEnd1" refType="h" fact="0.02"/>
-                  <dgm:constr type="h" for="ch" forName="ConnectLineEnd1" refType="h" fact="0.02"/>
-                  <dgm:constr type="t" for="ch" forName="ConnectLineEnd1" refType="h" fact="0.35"/>
-                  <dgm:constr type="ctrX" for="ch" forName="ConnectLineEnd1" refType="w" fact="0.5"/>
-                  <dgm:constr type="w" for="ch" forName="EmptyPane1" refType="w"/>
-                  <dgm:constr type="t" for="ch" forName="EmptyPane1" refType="h" fact="0.55"/>
-                  <dgm:constr type="h" for="ch" forName="EmptyPane1" refType="h" fact="0.45"/>
-                </dgm:constrLst>
-              </dgm:if>
-              <dgm:else name="evenNode2">
-                <dgm:constrLst>
-                  <dgm:constr type="w" for="ch" forName="parent1" refType="w" fact="0.6"/>
-                  <dgm:constr type="l" for="ch" forName="parent1" refType="w" fact="0.2"/>
-                  <dgm:constr type="t" for="ch" forName="parent1" refType="h" fact="0.45"/>
-                  <dgm:constr type="h" for="ch" forName="parent1" refType="h" fact="0.1"/>
-                  <dgm:constr type="w" for="ch" forName="Childtext1" refType="w"/>
-                  <dgm:constr type="h" for="ch" forName="Childtext1" refType="h" fact="0.35"/>
-                  <dgm:constr type="t" for="ch" forName="Childtext1" refType="h" fact="0.65"/>
-                  <dgm:constr type="w" for="ch" forName="ConnectLine1"/>
-                  <dgm:constr type="h" for="ch" forName="ConnectLine1" refType="h" fact="0.08"/>
-                  <dgm:constr type="t" for="ch" forName="ConnectLine1" refType="h" fact="0.55"/>
-                  <dgm:constr type="ctrX" for="ch" forName="ConnectLine1" refType="w" fact="0.5"/>
-                  <dgm:constr type="w" for="ch" forName="ConnectLineEnd1" refType="h" fact="0.02"/>
-                  <dgm:constr type="h" for="ch" forName="ConnectLineEnd1" refType="h" fact="0.02"/>
-                  <dgm:constr type="b" for="ch" forName="ConnectLineEnd1" refType="h" fact="0.65"/>
-                  <dgm:constr type="ctrX" for="ch" forName="ConnectLineEnd1" refType="w" fact="0.5"/>
-                  <dgm:constr type="w" for="ch" forName="EmptyPane1" refType="w"/>
-                  <dgm:constr type="h" for="ch" forName="EmptyPane1" refType="h" fact="0.45"/>
-                </dgm:constrLst>
-              </dgm:else>
-            </dgm:choose>
-            <dgm:layoutNode name="parent1" styleLbl="alignNode1">
-              <dgm:varLst>
-                <dgm:chMax val="1"/>
-                <dgm:chPref val="1"/>
-                <dgm:bulletEnabled val="1"/>
-              </dgm:varLst>
-              <dgm:alg type="tx">
-                <dgm:param type="txAnchorHorz" val="ctr"/>
-                <dgm:param type="txAnchorVert" val="mid"/>
-                <dgm:param type="parTxLTRAlign" val="ctr"/>
-                <dgm:param type="parTxRTLAlign" val="ctr"/>
-              </dgm:alg>
-              <dgm:choose name="casesForFirstAndLastNode12">
-                <dgm:if name="startNode12" axis="self" ptType="node" func="pos" op="equ" val="1">
-                  <dgm:choose name="removeLineWhenOnlyOneNode12">
-                    <dgm:if name="ifOnlyOneNode12" axis="followSib" ptType="node" func="cnt" op="equ" val="0">
-                      <dgm:shape xmlns:r="http://schemas.openxmlformats.org/officeDocument/2006/relationships" type="roundRect" r:blip="">
-                        <dgm:adjLst/>
-                      </dgm:shape>
-                    </dgm:if>
-                    <dgm:else name="ifMoreThanOneNode12">
-                      <dgm:choose name="Name181">
-                        <dgm:if name="Name191" func="var" arg="dir" op="equ" val="norm">
-                          <dgm:shape xmlns:r="http://schemas.openxmlformats.org/officeDocument/2006/relationships" rot="-90" type="round2SameRect" r:blip="">
-                            <dgm:adjLst/>
-                          </dgm:shape>
-                        </dgm:if>
-                        <dgm:else name="Name201">
-                          <dgm:shape xmlns:r="http://schemas.openxmlformats.org/officeDocument/2006/relationships" rot="90" type="round2SameRect" r:blip="">
-                            <dgm:adjLst/>
-                          </dgm:shape>
-                        </dgm:else>
-                      </dgm:choose>
-                    </dgm:else>
-                  </dgm:choose>
-                </dgm:if>
-                <dgm:else name="notStartNode12">
-                  <dgm:choose name="Name221">
-                    <dgm:if name="Name231" axis="self" ptType="node" func="revPos" op="equ" val="1">
-                      <dgm:choose name="Name241">
-                        <dgm:if name="Name251" func="var" arg="dir" op="equ" val="norm">
-                          <dgm:shape xmlns:r="http://schemas.openxmlformats.org/officeDocument/2006/relationships" rot="90" type="round2SameRect" r:blip="">
-                            <dgm:adjLst/>
-                          </dgm:shape>
-                        </dgm:if>
-                        <dgm:else name="Name261">
-                          <dgm:shape xmlns:r="http://schemas.openxmlformats.org/officeDocument/2006/relationships" rot="-90" type="round2SameRect" r:blip="">
-                            <dgm:adjLst/>
-                          </dgm:shape>
-                        </dgm:else>
-                      </dgm:choose>
-                    </dgm:if>
-                    <dgm:else name="Name271">
-                      <dgm:shape xmlns:r="http://schemas.openxmlformats.org/officeDocument/2006/relationships" type="rect" r:blip="">
-                        <dgm:adjLst/>
-                      </dgm:shape>
-                    </dgm:else>
-                  </dgm:choose>
-                </dgm:else>
-              </dgm:choose>
-              <dgm:presOf axis="self" ptType="node"/>
-              <dgm:constrLst>
-                <dgm:constr type="lMarg" refType="primFontSz" fact="0.6"/>
-                <dgm:constr type="rMarg" refType="primFontSz" fact="0.6"/>
-                <dgm:constr type="tMarg" refType="primFontSz" fact="0.6"/>
-                <dgm:constr type="bMarg" refType="primFontSz" fact="0.6"/>
-              </dgm:constrLst>
-              <dgm:ruleLst>
-                <dgm:rule type="primFontSz" val="11" fact="NaN" max="NaN"/>
-              </dgm:ruleLst>
-            </dgm:layoutNode>
-            <dgm:layoutNode name="Childtext1" styleLbl="revTx">
-              <dgm:varLst>
-                <dgm:bulletEnabled val="1"/>
-              </dgm:varLst>
-              <dgm:choose name="casesForTxtDirLogic1">
-                <dgm:if name="Name771" axis="self" ptType="node" func="posOdd" op="equ" val="1">
-                  <dgm:alg type="tx">
-                    <dgm:param type="txAnchorVert" val="b"/>
-                    <dgm:param type="txAnchorHorz" val="ctr"/>
-                    <dgm:param type="parTxLTRAlign" val="ctr"/>
-                    <dgm:param type="parTxRTLAlign" val="ctr"/>
-                  </dgm:alg>
-                  <dgm:constrLst>
-                    <dgm:constr type="lMarg"/>
-                    <dgm:constr type="rMarg"/>
-                    <dgm:constr type="tMarg"/>
-                    <dgm:constr type="bMarg" refType="primFontSz" fact="0.6"/>
-                  </dgm:constrLst>
-                </dgm:if>
-                <dgm:else name="Name881">
-                  <dgm:alg type="tx">
-                    <dgm:param type="txAnchorVert" val="t"/>
-                    <dgm:param type="txAnchorHorz" val="ctr"/>
-                    <dgm:param type="parTxLTRAlign" val="ctr"/>
-                    <dgm:param type="parTxRTLAlign" val="ctr"/>
-                  </dgm:alg>
-                  <dgm:constrLst>
-                    <dgm:constr type="lMarg"/>
-                    <dgm:constr type="rMarg"/>
-                    <dgm:constr type="tMarg" refType="primFontSz" fact="0.6"/>
-                    <dgm:constr type="bMarg"/>
-                  </dgm:constrLst>
-                </dgm:else>
-              </dgm:choose>
-              <dgm:shape xmlns:r="http://schemas.openxmlformats.org/officeDocument/2006/relationships" type="rect" r:blip="">
-                <dgm:adjLst/>
-              </dgm:shape>
-              <dgm:presOf axis="ch" ptType="node"/>
-              <dgm:ruleLst>
-                <dgm:rule type="primFontSz" val="11" fact="NaN" max="NaN"/>
-              </dgm:ruleLst>
-            </dgm:layoutNode>
-            <dgm:layoutNode name="ConnectLine1" styleLbl="sibTrans1D1">
-              <dgm:alg type="sp"/>
-              <dgm:shape xmlns:r="http://schemas.openxmlformats.org/officeDocument/2006/relationships" type="line" r:blip="">
-                <dgm:adjLst/>
-                <dgm:extLst>
-                  <a:ext uri="{B698B0E9-8C71-41B9-8309-B3DCBF30829C}">
-                    <dgm1612:spPr xmlns:dgm1612="http://schemas.microsoft.com/office/drawing/2016/12/diagram">
-                      <a:ln>
-                        <a:prstDash val="dash"/>
-                      </a:ln>
-                    </dgm1612:spPr>
-                  </a:ext>
-                </dgm:extLst>
-              </dgm:shape>
-              <dgm:presOf/>
-              <dgm:constrLst/>
-            </dgm:layoutNode>
-            <dgm:layoutNode name="ConnectLineEnd1" styleLbl="lnNode1">
-              <dgm:alg type="sp"/>
-              <dgm:shape xmlns:r="http://schemas.openxmlformats.org/officeDocument/2006/relationships" type="ellipse" r:blip="">
-                <dgm:adjLst/>
-              </dgm:shape>
-              <dgm:presOf/>
-              <dgm:constrLst/>
-            </dgm:layoutNode>
-            <dgm:layoutNode name="EmptyPane1">
-              <dgm:alg type="sp"/>
-              <dgm:shape xmlns:r="http://schemas.openxmlformats.org/officeDocument/2006/relationships" r:blip="">
-                <dgm:adjLst/>
-              </dgm:shape>
-              <dgm:presOf/>
-              <dgm:constrLst/>
-            </dgm:layoutNode>
-          </dgm:layoutNode>
-          <dgm:forEach name="Name281" axis="followSib" ptType="sibTrans" cnt="1">
-            <dgm:layoutNode name="spaceBetweenRectangles1">
-              <dgm:alg type="sp"/>
-              <dgm:shape xmlns:r="http://schemas.openxmlformats.org/officeDocument/2006/relationships" r:blip="">
-                <dgm:adjLst/>
-              </dgm:shape>
-              <dgm:presOf/>
-              <dgm:constrLst/>
-              <dgm:ruleLst/>
-            </dgm:layoutNode>
-          </dgm:forEach>
-        </dgm:forEach>
-      </dgm:else>
-    </dgm:choose>
-  </dgm:layoutNode>
-</dgm:layoutDef>
-</file>
-
-<file path=ppt/diagrams/quickStyle1.xml><?xml version="1.0" encoding="utf-8"?>
-<dgm:styleDef xmlns:dgm="http://schemas.openxmlformats.org/drawingml/2006/diagram" xmlns:a="http://schemas.openxmlformats.org/drawingml/2006/main" uniqueId="urn:microsoft.com/office/officeart/2005/8/quickstyle/simple1">
-  <dgm:title val=""/>
-  <dgm:desc val=""/>
-  <dgm:catLst>
-    <dgm:cat type="simple" pri="10100"/>
-  </dgm:catLst>
-  <dgm:scene3d>
-    <a:camera prst="orthographicFront"/>
-    <a:lightRig rig="threePt" dir="t"/>
-  </dgm:scene3d>
-  <dgm:styleLbl name="node0">
-    <dgm:scene3d>
-      <a:camera prst="orthographicFront"/>
-      <a:lightRig rig="threePt" dir="t"/>
-    </dgm:scene3d>
-    <dgm:sp3d/>
-    <dgm:txPr/>
-    <dgm:style>
-      <a:lnRef idx="2">
-        <a:scrgbClr r="0" g="0" b="0"/>
-      </a:lnRef>
-      <a:fillRef idx="1">
-        <a:scrgbClr r="0" g="0" b="0"/>
-      </a:fillRef>
-      <a:effectRef idx="0">
-        <a:scrgbClr r="0" g="0" b="0"/>
-      </a:effectRef>
-      <a:fontRef idx="minor">
-        <a:schemeClr val="lt1"/>
-      </a:fontRef>
-    </dgm:style>
-  </dgm:styleLbl>
-  <dgm:styleLbl name="lnNode1">
-    <dgm:scene3d>
-      <a:camera prst="orthographicFront"/>
-      <a:lightRig rig="threePt" dir="t"/>
-    </dgm:scene3d>
-    <dgm:sp3d/>
-    <dgm:txPr/>
-    <dgm:style>
-      <a:lnRef idx="2">
-        <a:scrgbClr r="0" g="0" b="0"/>
-      </a:lnRef>
-      <a:fillRef idx="1">
-        <a:scrgbClr r="0" g="0" b="0"/>
-      </a:fillRef>
-      <a:effectRef idx="0">
-        <a:scrgbClr r="0" g="0" b="0"/>
-      </a:effectRef>
-      <a:fontRef idx="minor">
-        <a:schemeClr val="lt1"/>
-      </a:fontRef>
-    </dgm:style>
-  </dgm:styleLbl>
-  <dgm:styleLbl name="vennNode1">
-    <dgm:scene3d>
-      <a:camera prst="orthographicFront"/>
-      <a:lightRig rig="threePt" dir="t"/>
-    </dgm:scene3d>
-    <dgm:sp3d/>
-    <dgm:txPr/>
-    <dgm:style>
-      <a:lnRef idx="2">
-        <a:scrgbClr r="0" g="0" b="0"/>
-      </a:lnRef>
-      <a:fillRef idx="1">
-        <a:scrgbClr r="0" g="0" b="0"/>
-      </a:fillRef>
-      <a:effectRef idx="0">
-        <a:scrgbClr r="0" g="0" b="0"/>
-      </a:effectRef>
-      <a:fontRef idx="minor">
-        <a:schemeClr val="tx1"/>
-      </a:fontRef>
-    </dgm:style>
-  </dgm:styleLbl>
-  <dgm:styleLbl name="alignNode1">
-    <dgm:scene3d>
-      <a:camera prst="orthographicFront"/>
-      <a:lightRig rig="threePt" dir="t"/>
-    </dgm:scene3d>
-    <dgm:sp3d/>
-    <dgm:txPr/>
-    <dgm:style>
-      <a:lnRef idx="2">
-        <a:scrgbClr r="0" g="0" b="0"/>
-      </a:lnRef>
-      <a:fillRef idx="1">
-        <a:scrgbClr r="0" g="0" b="0"/>
-      </a:fillRef>
-      <a:effectRef idx="0">
-        <a:scrgbClr r="0" g="0" b="0"/>
-      </a:effectRef>
-      <a:fontRef idx="minor">
-        <a:schemeClr val="lt1"/>
-      </a:fontRef>
-    </dgm:style>
-  </dgm:styleLbl>
-  <dgm:styleLbl name="node1">
-    <dgm:scene3d>
-      <a:camera prst="orthographicFront"/>
-      <a:lightRig rig="threePt" dir="t"/>
-    </dgm:scene3d>
-    <dgm:sp3d/>
-    <dgm:txPr/>
-    <dgm:style>
-      <a:lnRef idx="2">
-        <a:scrgbClr r="0" g="0" b="0"/>
-      </a:lnRef>
-      <a:fillRef idx="1">
-        <a:scrgbClr r="0" g="0" b="0"/>
-      </a:fillRef>
-      <a:effectRef idx="0">
-        <a:scrgbClr r="0" g="0" b="0"/>
-      </a:effectRef>
-      <a:fontRef idx="minor">
-        <a:schemeClr val="lt1"/>
-      </a:fontRef>
-    </dgm:style>
-  </dgm:styleLbl>
-  <dgm:styleLbl name="node2">
-    <dgm:scene3d>
-      <a:camera prst="orthographicFront"/>
-      <a:lightRig rig="threePt" dir="t"/>
-    </dgm:scene3d>
-    <dgm:sp3d/>
-    <dgm:txPr/>
-    <dgm:style>
-      <a:lnRef idx="2">
-        <a:scrgbClr r="0" g="0" b="0"/>
-      </a:lnRef>
-      <a:fillRef idx="1">
-        <a:scrgbClr r="0" g="0" b="0"/>
-      </a:fillRef>
-      <a:effectRef idx="0">
-        <a:scrgbClr r="0" g="0" b="0"/>
-      </a:effectRef>
-      <a:fontRef idx="minor">
-        <a:schemeClr val="lt1"/>
-      </a:fontRef>
-    </dgm:style>
-  </dgm:styleLbl>
-  <dgm:styleLbl name="node3">
-    <dgm:scene3d>
-      <a:camera prst="orthographicFront"/>
-      <a:lightRig rig="threePt" dir="t"/>
-    </dgm:scene3d>
-    <dgm:sp3d/>
-    <dgm:txPr/>
-    <dgm:style>
-      <a:lnRef idx="2">
-        <a:scrgbClr r="0" g="0" b="0"/>
-      </a:lnRef>
-      <a:fillRef idx="1">
-        <a:scrgbClr r="0" g="0" b="0"/>
-      </a:fillRef>
-      <a:effectRef idx="0">
-        <a:scrgbClr r="0" g="0" b="0"/>
-      </a:effectRef>
-      <a:fontRef idx="minor">
-        <a:schemeClr val="lt1"/>
-      </a:fontRef>
-    </dgm:style>
-  </dgm:styleLbl>
-  <dgm:styleLbl name="node4">
-    <dgm:scene3d>
-      <a:camera prst="orthographicFront"/>
-      <a:lightRig rig="threePt" dir="t"/>
-    </dgm:scene3d>
-    <dgm:sp3d/>
-    <dgm:txPr/>
-    <dgm:style>
-      <a:lnRef idx="2">
-        <a:scrgbClr r="0" g="0" b="0"/>
-      </a:lnRef>
-      <a:fillRef idx="1">
-        <a:scrgbClr r="0" g="0" b="0"/>
-      </a:fillRef>
-      <a:effectRef idx="0">
-        <a:scrgbClr r="0" g="0" b="0"/>
-      </a:effectRef>
-      <a:fontRef idx="minor">
-        <a:schemeClr val="lt1"/>
-      </a:fontRef>
-    </dgm:style>
-  </dgm:styleLbl>
-  <dgm:styleLbl name="fgImgPlace1">
-    <dgm:scene3d>
-      <a:camera prst="orthographicFront"/>
-      <a:lightRig rig="threePt" dir="t"/>
-    </dgm:scene3d>
-    <dgm:sp3d/>
-    <dgm:txPr/>
-    <dgm:style>
-      <a:lnRef idx="2">
-        <a:scrgbClr r="0" g="0" b="0"/>
-      </a:lnRef>
-      <a:fillRef idx="1">
-        <a:scrgbClr r="0" g="0" b="0"/>
-      </a:fillRef>
-      <a:effectRef idx="0">
-        <a:scrgbClr r="0" g="0" b="0"/>
-      </a:effectRef>
-      <a:fontRef idx="minor"/>
-    </dgm:style>
-  </dgm:styleLbl>
-  <dgm:styleLbl name="alignImgPlace1">
-    <dgm:scene3d>
-      <a:camera prst="orthographicFront"/>
-      <a:lightRig rig="threePt" dir="t"/>
-    </dgm:scene3d>
-    <dgm:sp3d/>
-    <dgm:txPr/>
-    <dgm:style>
-      <a:lnRef idx="2">
-        <a:scrgbClr r="0" g="0" b="0"/>
-      </a:lnRef>
-      <a:fillRef idx="1">
-        <a:scrgbClr r="0" g="0" b="0"/>
-      </a:fillRef>
-      <a:effectRef idx="0">
-        <a:scrgbClr r="0" g="0" b="0"/>
-      </a:effectRef>
-      <a:fontRef idx="minor"/>
-    </dgm:style>
-  </dgm:styleLbl>
-  <dgm:styleLbl name="bgImgPlace1">
-    <dgm:scene3d>
-      <a:camera prst="orthographicFront"/>
-      <a:lightRig rig="threePt" dir="t"/>
-    </dgm:scene3d>
-    <dgm:sp3d/>
-    <dgm:txPr/>
-    <dgm:style>
-      <a:lnRef idx="2">
-        <a:scrgbClr r="0" g="0" b="0"/>
-      </a:lnRef>
-      <a:fillRef idx="1">
-        <a:scrgbClr r="0" g="0" b="0"/>
-      </a:fillRef>
-      <a:effectRef idx="0">
-        <a:scrgbClr r="0" g="0" b="0"/>
-      </a:effectRef>
-      <a:fontRef idx="minor"/>
-    </dgm:style>
-  </dgm:styleLbl>
-  <dgm:styleLbl name="sibTrans2D1">
-    <dgm:scene3d>
-      <a:camera prst="orthographicFront"/>
-      <a:lightRig rig="threePt" dir="t"/>
-    </dgm:scene3d>
-    <dgm:sp3d/>
-    <dgm:txPr/>
-    <dgm:style>
-      <a:lnRef idx="0">
-        <a:scrgbClr r="0" g="0" b="0"/>
-      </a:lnRef>
-      <a:fillRef idx="1">
-        <a:scrgbClr r="0" g="0" b="0"/>
-      </a:fillRef>
-      <a:effectRef idx="0">
-        <a:scrgbClr r="0" g="0" b="0"/>
-      </a:effectRef>
-      <a:fontRef idx="minor">
-        <a:schemeClr val="lt1"/>
-      </a:fontRef>
-    </dgm:style>
-  </dgm:styleLbl>
-  <dgm:styleLbl name="fgSibTrans2D1">
-    <dgm:scene3d>
-      <a:camera prst="orthographicFront"/>
-      <a:lightRig rig="threePt" dir="t"/>
-    </dgm:scene3d>
-    <dgm:sp3d/>
-    <dgm:txPr/>
-    <dgm:style>
-      <a:lnRef idx="0">
-        <a:scrgbClr r="0" g="0" b="0"/>
-      </a:lnRef>
-      <a:fillRef idx="1">
-        <a:scrgbClr r="0" g="0" b="0"/>
-      </a:fillRef>
-      <a:effectRef idx="0">
-        <a:scrgbClr r="0" g="0" b="0"/>
-      </a:effectRef>
-      <a:fontRef idx="minor">
-        <a:schemeClr val="lt1"/>
-      </a:fontRef>
-    </dgm:style>
-  </dgm:styleLbl>
-  <dgm:styleLbl name="bgSibTrans2D1">
-    <dgm:scene3d>
-      <a:camera prst="orthographicFront"/>
-      <a:lightRig rig="threePt" dir="t"/>
-    </dgm:scene3d>
-    <dgm:sp3d/>
-    <dgm:txPr/>
-    <dgm:style>
-      <a:lnRef idx="0">
-        <a:scrgbClr r="0" g="0" b="0"/>
-      </a:lnRef>
-      <a:fillRef idx="1">
-        <a:scrgbClr r="0" g="0" b="0"/>
-      </a:fillRef>
-      <a:effectRef idx="0">
-        <a:scrgbClr r="0" g="0" b="0"/>
-      </a:effectRef>
-      <a:fontRef idx="minor">
-        <a:schemeClr val="lt1"/>
-      </a:fontRef>
-    </dgm:style>
-  </dgm:styleLbl>
-  <dgm:styleLbl name="sibTrans1D1">
-    <dgm:scene3d>
-      <a:camera prst="orthographicFront"/>
-      <a:lightRig rig="threePt" dir="t"/>
-    </dgm:scene3d>
-    <dgm:sp3d/>
-    <dgm:txPr/>
-    <dgm:style>
-      <a:lnRef idx="1">
-        <a:scrgbClr r="0" g="0" b="0"/>
-      </a:lnRef>
-      <a:fillRef idx="0">
-        <a:scrgbClr r="0" g="0" b="0"/>
-      </a:fillRef>
-      <a:effectRef idx="0">
-        <a:scrgbClr r="0" g="0" b="0"/>
-      </a:effectRef>
-      <a:fontRef idx="minor"/>
-    </dgm:style>
-  </dgm:styleLbl>
-  <dgm:styleLbl name="callout">
-    <dgm:scene3d>
-      <a:camera prst="orthographicFront"/>
-      <a:lightRig rig="threePt" dir="t"/>
-    </dgm:scene3d>
-    <dgm:sp3d/>
-    <dgm:txPr/>
-    <dgm:style>
-      <a:lnRef idx="2">
-        <a:scrgbClr r="0" g="0" b="0"/>
-      </a:lnRef>
-      <a:fillRef idx="1">
-        <a:scrgbClr r="0" g="0" b="0"/>
-      </a:fillRef>
-      <a:effectRef idx="0">
-        <a:scrgbClr r="0" g="0" b="0"/>
-      </a:effectRef>
-      <a:fontRef idx="minor"/>
-    </dgm:style>
-  </dgm:styleLbl>
-  <dgm:styleLbl name="asst0">
-    <dgm:scene3d>
-      <a:camera prst="orthographicFront"/>
-      <a:lightRig rig="threePt" dir="t"/>
-    </dgm:scene3d>
-    <dgm:sp3d/>
-    <dgm:txPr/>
-    <dgm:style>
-      <a:lnRef idx="2">
-        <a:scrgbClr r="0" g="0" b="0"/>
-      </a:lnRef>
-      <a:fillRef idx="1">
-        <a:scrgbClr r="0" g="0" b="0"/>
-      </a:fillRef>
-      <a:effectRef idx="0">
-        <a:scrgbClr r="0" g="0" b="0"/>
-      </a:effectRef>
-      <a:fontRef idx="minor">
-        <a:schemeClr val="lt1"/>
-      </a:fontRef>
-    </dgm:style>
-  </dgm:styleLbl>
-  <dgm:styleLbl name="asst1">
-    <dgm:scene3d>
-      <a:camera prst="orthographicFront"/>
-      <a:lightRig rig="threePt" dir="t"/>
-    </dgm:scene3d>
-    <dgm:sp3d/>
-    <dgm:txPr/>
-    <dgm:style>
-      <a:lnRef idx="2">
-        <a:scrgbClr r="0" g="0" b="0"/>
-      </a:lnRef>
-      <a:fillRef idx="1">
-        <a:scrgbClr r="0" g="0" b="0"/>
-      </a:fillRef>
-      <a:effectRef idx="0">
-        <a:scrgbClr r="0" g="0" b="0"/>
-      </a:effectRef>
-      <a:fontRef idx="minor">
-        <a:schemeClr val="lt1"/>
-      </a:fontRef>
-    </dgm:style>
-  </dgm:styleLbl>
-  <dgm:styleLbl name="asst2">
-    <dgm:scene3d>
-      <a:camera prst="orthographicFront"/>
-      <a:lightRig rig="threePt" dir="t"/>
-    </dgm:scene3d>
-    <dgm:sp3d/>
-    <dgm:txPr/>
-    <dgm:style>
-      <a:lnRef idx="2">
-        <a:scrgbClr r="0" g="0" b="0"/>
-      </a:lnRef>
-      <a:fillRef idx="1">
-        <a:scrgbClr r="0" g="0" b="0"/>
-      </a:fillRef>
-      <a:effectRef idx="0">
-        <a:scrgbClr r="0" g="0" b="0"/>
-      </a:effectRef>
-      <a:fontRef idx="minor">
-        <a:schemeClr val="lt1"/>
-      </a:fontRef>
-    </dgm:style>
-  </dgm:styleLbl>
-  <dgm:styleLbl name="asst3">
-    <dgm:scene3d>
-      <a:camera prst="orthographicFront"/>
-      <a:lightRig rig="threePt" dir="t"/>
-    </dgm:scene3d>
-    <dgm:sp3d/>
-    <dgm:txPr/>
-    <dgm:style>
-      <a:lnRef idx="2">
-        <a:scrgbClr r="0" g="0" b="0"/>
-      </a:lnRef>
-      <a:fillRef idx="1">
-        <a:scrgbClr r="0" g="0" b="0"/>
-      </a:fillRef>
-      <a:effectRef idx="0">
-        <a:scrgbClr r="0" g="0" b="0"/>
-      </a:effectRef>
-      <a:fontRef idx="minor">
-        <a:schemeClr val="lt1"/>
-      </a:fontRef>
-    </dgm:style>
-  </dgm:styleLbl>
-  <dgm:styleLbl name="asst4">
-    <dgm:scene3d>
-      <a:camera prst="orthographicFront"/>
-      <a:lightRig rig="threePt" dir="t"/>
-    </dgm:scene3d>
-    <dgm:sp3d/>
-    <dgm:txPr/>
-    <dgm:style>
-      <a:lnRef idx="2">
-        <a:scrgbClr r="0" g="0" b="0"/>
-      </a:lnRef>
-      <a:fillRef idx="1">
-        <a:scrgbClr r="0" g="0" b="0"/>
-      </a:fillRef>
-      <a:effectRef idx="0">
-        <a:scrgbClr r="0" g="0" b="0"/>
-      </a:effectRef>
-      <a:fontRef idx="minor">
-        <a:schemeClr val="lt1"/>
-      </a:fontRef>
-    </dgm:style>
-  </dgm:styleLbl>
-  <dgm:styleLbl name="parChTrans2D1">
-    <dgm:scene3d>
-      <a:camera prst="orthographicFront"/>
-      <a:lightRig rig="threePt" dir="t"/>
-    </dgm:scene3d>
-    <dgm:sp3d/>
-    <dgm:txPr/>
-    <dgm:style>
-      <a:lnRef idx="2">
-        <a:scrgbClr r="0" g="0" b="0"/>
-      </a:lnRef>
-      <a:fillRef idx="1">
-        <a:scrgbClr r="0" g="0" b="0"/>
-      </a:fillRef>
-      <a:effectRef idx="0">
-        <a:scrgbClr r="0" g="0" b="0"/>
-      </a:effectRef>
-      <a:fontRef idx="minor">
-        <a:schemeClr val="lt1"/>
-      </a:fontRef>
-    </dgm:style>
-  </dgm:styleLbl>
-  <dgm:styleLbl name="parChTrans2D2">
-    <dgm:scene3d>
-      <a:camera prst="orthographicFront"/>
-      <a:lightRig rig="threePt" dir="t"/>
-    </dgm:scene3d>
-    <dgm:sp3d/>
-    <dgm:txPr/>
-    <dgm:style>
-      <a:lnRef idx="2">
-        <a:scrgbClr r="0" g="0" b="0"/>
-      </a:lnRef>
-      <a:fillRef idx="1">
-        <a:scrgbClr r="0" g="0" b="0"/>
-      </a:fillRef>
-      <a:effectRef idx="0">
-        <a:scrgbClr r="0" g="0" b="0"/>
-      </a:effectRef>
-      <a:fontRef idx="minor">
-        <a:schemeClr val="lt1"/>
-      </a:fontRef>
-    </dgm:style>
-  </dgm:styleLbl>
-  <dgm:styleLbl name="parChTrans2D3">
-    <dgm:scene3d>
-      <a:camera prst="orthographicFront"/>
-      <a:lightRig rig="threePt" dir="t"/>
-    </dgm:scene3d>
-    <dgm:sp3d/>
-    <dgm:txPr/>
-    <dgm:style>
-      <a:lnRef idx="2">
-        <a:scrgbClr r="0" g="0" b="0"/>
-      </a:lnRef>
-      <a:fillRef idx="1">
-        <a:scrgbClr r="0" g="0" b="0"/>
-      </a:fillRef>
-      <a:effectRef idx="0">
-        <a:scrgbClr r="0" g="0" b="0"/>
-      </a:effectRef>
-      <a:fontRef idx="minor">
-        <a:schemeClr val="lt1"/>
-      </a:fontRef>
-    </dgm:style>
-  </dgm:styleLbl>
-  <dgm:styleLbl name="parChTrans2D4">
-    <dgm:scene3d>
-      <a:camera prst="orthographicFront"/>
-      <a:lightRig rig="threePt" dir="t"/>
-    </dgm:scene3d>
-    <dgm:sp3d/>
-    <dgm:txPr/>
-    <dgm:style>
-      <a:lnRef idx="2">
-        <a:scrgbClr r="0" g="0" b="0"/>
-      </a:lnRef>
-      <a:fillRef idx="1">
-        <a:scrgbClr r="0" g="0" b="0"/>
-      </a:fillRef>
-      <a:effectRef idx="0">
-        <a:scrgbClr r="0" g="0" b="0"/>
-      </a:effectRef>
-      <a:fontRef idx="minor">
-        <a:schemeClr val="lt1"/>
-      </a:fontRef>
-    </dgm:style>
-  </dgm:styleLbl>
-  <dgm:styleLbl name="parChTrans1D1">
-    <dgm:scene3d>
-      <a:camera prst="orthographicFront"/>
-      <a:lightRig rig="threePt" dir="t"/>
-    </dgm:scene3d>
-    <dgm:sp3d/>
-    <dgm:txPr/>
-    <dgm:style>
-      <a:lnRef idx="2">
-        <a:scrgbClr r="0" g="0" b="0"/>
-      </a:lnRef>
-      <a:fillRef idx="0">
-        <a:scrgbClr r="0" g="0" b="0"/>
-      </a:fillRef>
-      <a:effectRef idx="0">
-        <a:scrgbClr r="0" g="0" b="0"/>
-      </a:effectRef>
-      <a:fontRef idx="minor"/>
-    </dgm:style>
-  </dgm:styleLbl>
-  <dgm:styleLbl name="parChTrans1D2">
-    <dgm:scene3d>
-      <a:camera prst="orthographicFront"/>
-      <a:lightRig rig="threePt" dir="t"/>
-    </dgm:scene3d>
-    <dgm:sp3d/>
-    <dgm:txPr/>
-    <dgm:style>
-      <a:lnRef idx="2">
-        <a:scrgbClr r="0" g="0" b="0"/>
-      </a:lnRef>
-      <a:fillRef idx="0">
-        <a:scrgbClr r="0" g="0" b="0"/>
-      </a:fillRef>
-      <a:effectRef idx="0">
-        <a:scrgbClr r="0" g="0" b="0"/>
-      </a:effectRef>
-      <a:fontRef idx="minor"/>
-    </dgm:style>
-  </dgm:styleLbl>
-  <dgm:styleLbl name="parChTrans1D3">
-    <dgm:scene3d>
-      <a:camera prst="orthographicFront"/>
-      <a:lightRig rig="threePt" dir="t"/>
-    </dgm:scene3d>
-    <dgm:sp3d/>
-    <dgm:txPr/>
-    <dgm:style>
-      <a:lnRef idx="2">
-        <a:scrgbClr r="0" g="0" b="0"/>
-      </a:lnRef>
-      <a:fillRef idx="0">
-        <a:scrgbClr r="0" g="0" b="0"/>
-      </a:fillRef>
-      <a:effectRef idx="0">
-        <a:scrgbClr r="0" g="0" b="0"/>
-      </a:effectRef>
-      <a:fontRef idx="minor"/>
-    </dgm:style>
-  </dgm:styleLbl>
-  <dgm:styleLbl name="parChTrans1D4">
-    <dgm:scene3d>
-      <a:camera prst="orthographicFront"/>
-      <a:lightRig rig="threePt" dir="t"/>
-    </dgm:scene3d>
-    <dgm:sp3d/>
-    <dgm:txPr/>
-    <dgm:style>
-      <a:lnRef idx="2">
-        <a:scrgbClr r="0" g="0" b="0"/>
-      </a:lnRef>
-      <a:fillRef idx="0">
-        <a:scrgbClr r="0" g="0" b="0"/>
-      </a:fillRef>
-      <a:effectRef idx="0">
-        <a:scrgbClr r="0" g="0" b="0"/>
-      </a:effectRef>
-      <a:fontRef idx="minor"/>
-    </dgm:style>
-  </dgm:styleLbl>
-  <dgm:styleLbl name="fgAcc1">
-    <dgm:scene3d>
-      <a:camera prst="orthographicFront"/>
-      <a:lightRig rig="threePt" dir="t"/>
-    </dgm:scene3d>
-    <dgm:sp3d/>
-    <dgm:txPr/>
-    <dgm:style>
-      <a:lnRef idx="2">
-        <a:scrgbClr r="0" g="0" b="0"/>
-      </a:lnRef>
-      <a:fillRef idx="1">
-        <a:scrgbClr r="0" g="0" b="0"/>
-      </a:fillRef>
-      <a:effectRef idx="0">
-        <a:scrgbClr r="0" g="0" b="0"/>
-      </a:effectRef>
-      <a:fontRef idx="minor"/>
-    </dgm:style>
-  </dgm:styleLbl>
-  <dgm:styleLbl name="conFgAcc1">
-    <dgm:scene3d>
-      <a:camera prst="orthographicFront"/>
-      <a:lightRig rig="threePt" dir="t"/>
-    </dgm:scene3d>
-    <dgm:sp3d/>
-    <dgm:txPr/>
-    <dgm:style>
-      <a:lnRef idx="2">
-        <a:scrgbClr r="0" g="0" b="0"/>
-      </a:lnRef>
-      <a:fillRef idx="1">
-        <a:scrgbClr r="0" g="0" b="0"/>
-      </a:fillRef>
-      <a:effectRef idx="0">
-        <a:scrgbClr r="0" g="0" b="0"/>
-      </a:effectRef>
-      <a:fontRef idx="minor"/>
-    </dgm:style>
-  </dgm:styleLbl>
-  <dgm:styleLbl name="alignAcc1">
-    <dgm:scene3d>
-      <a:camera prst="orthographicFront"/>
-      <a:lightRig rig="threePt" dir="t"/>
-    </dgm:scene3d>
-    <dgm:sp3d/>
-    <dgm:txPr/>
-    <dgm:style>
-      <a:lnRef idx="2">
-        <a:scrgbClr r="0" g="0" b="0"/>
-      </a:lnRef>
-      <a:fillRef idx="1">
-        <a:scrgbClr r="0" g="0" b="0"/>
-      </a:fillRef>
-      <a:effectRef idx="0">
-        <a:scrgbClr r="0" g="0" b="0"/>
-      </a:effectRef>
-      <a:fontRef idx="minor"/>
-    </dgm:style>
-  </dgm:styleLbl>
-  <dgm:styleLbl name="trAlignAcc1">
-    <dgm:scene3d>
-      <a:camera prst="orthographicFront"/>
-      <a:lightRig rig="threePt" dir="t"/>
-    </dgm:scene3d>
-    <dgm:sp3d/>
-    <dgm:txPr/>
-    <dgm:style>
-      <a:lnRef idx="1">
-        <a:scrgbClr r="0" g="0" b="0"/>
-      </a:lnRef>
-      <a:fillRef idx="1">
-        <a:scrgbClr r="0" g="0" b="0"/>
-      </a:fillRef>
-      <a:effectRef idx="0">
-        <a:scrgbClr r="0" g="0" b="0"/>
-      </a:effectRef>
-      <a:fontRef idx="minor"/>
-    </dgm:style>
-  </dgm:styleLbl>
-  <dgm:styleLbl name="bgAcc1">
-    <dgm:scene3d>
-      <a:camera prst="orthographicFront"/>
-      <a:lightRig rig="threePt" dir="t"/>
-    </dgm:scene3d>
-    <dgm:sp3d/>
-    <dgm:txPr/>
-    <dgm:style>
-      <a:lnRef idx="2">
-        <a:scrgbClr r="0" g="0" b="0"/>
-      </a:lnRef>
-      <a:fillRef idx="1">
-        <a:scrgbClr r="0" g="0" b="0"/>
-      </a:fillRef>
-      <a:effectRef idx="0">
-        <a:scrgbClr r="0" g="0" b="0"/>
-      </a:effectRef>
-      <a:fontRef idx="minor"/>
-    </dgm:style>
-  </dgm:styleLbl>
-  <dgm:styleLbl name="solidFgAcc1">
-    <dgm:scene3d>
-      <a:camera prst="orthographicFront"/>
-      <a:lightRig rig="threePt" dir="t"/>
-    </dgm:scene3d>
-    <dgm:sp3d/>
-    <dgm:txPr/>
-    <dgm:style>
-      <a:lnRef idx="2">
-        <a:scrgbClr r="0" g="0" b="0"/>
-      </a:lnRef>
-      <a:fillRef idx="1">
-        <a:scrgbClr r="0" g="0" b="0"/>
-      </a:fillRef>
-      <a:effectRef idx="0">
-        <a:scrgbClr r="0" g="0" b="0"/>
-      </a:effectRef>
-      <a:fontRef idx="minor"/>
-    </dgm:style>
-  </dgm:styleLbl>
-  <dgm:styleLbl name="solidAlignAcc1">
-    <dgm:scene3d>
-      <a:camera prst="orthographicFront"/>
-      <a:lightRig rig="threePt" dir="t"/>
-    </dgm:scene3d>
-    <dgm:sp3d/>
-    <dgm:txPr/>
-    <dgm:style>
-      <a:lnRef idx="2">
-        <a:scrgbClr r="0" g="0" b="0"/>
-      </a:lnRef>
-      <a:fillRef idx="1">
-        <a:scrgbClr r="0" g="0" b="0"/>
-      </a:fillRef>
-      <a:effectRef idx="0">
-        <a:scrgbClr r="0" g="0" b="0"/>
-      </a:effectRef>
-      <a:fontRef idx="minor"/>
-    </dgm:style>
-  </dgm:styleLbl>
-  <dgm:styleLbl name="solidBgAcc1">
-    <dgm:scene3d>
-      <a:camera prst="orthographicFront"/>
-      <a:lightRig rig="threePt" dir="t"/>
-    </dgm:scene3d>
-    <dgm:sp3d/>
-    <dgm:txPr/>
-    <dgm:style>
-      <a:lnRef idx="2">
-        <a:scrgbClr r="0" g="0" b="0"/>
-      </a:lnRef>
-      <a:fillRef idx="1">
-        <a:scrgbClr r="0" g="0" b="0"/>
-      </a:fillRef>
-      <a:effectRef idx="0">
-        <a:scrgbClr r="0" g="0" b="0"/>
-      </a:effectRef>
-      <a:fontRef idx="minor"/>
-    </dgm:style>
-  </dgm:styleLbl>
-  <dgm:styleLbl name="fgAccFollowNode1">
-    <dgm:scene3d>
-      <a:camera prst="orthographicFront"/>
-      <a:lightRig rig="threePt" dir="t"/>
-    </dgm:scene3d>
-    <dgm:sp3d/>
-    <dgm:txPr/>
-    <dgm:style>
-      <a:lnRef idx="2">
-        <a:scrgbClr r="0" g="0" b="0"/>
-      </a:lnRef>
-      <a:fillRef idx="1">
-        <a:scrgbClr r="0" g="0" b="0"/>
-      </a:fillRef>
-      <a:effectRef idx="0">
-        <a:scrgbClr r="0" g="0" b="0"/>
-      </a:effectRef>
-      <a:fontRef idx="minor"/>
-    </dgm:style>
-  </dgm:styleLbl>
-  <dgm:styleLbl name="alignAccFollowNode1">
-    <dgm:scene3d>
-      <a:camera prst="orthographicFront"/>
-      <a:lightRig rig="threePt" dir="t"/>
-    </dgm:scene3d>
-    <dgm:sp3d/>
-    <dgm:txPr/>
-    <dgm:style>
-      <a:lnRef idx="2">
-        <a:scrgbClr r="0" g="0" b="0"/>
-      </a:lnRef>
-      <a:fillRef idx="1">
-        <a:scrgbClr r="0" g="0" b="0"/>
-      </a:fillRef>
-      <a:effectRef idx="0">
-        <a:scrgbClr r="0" g="0" b="0"/>
-      </a:effectRef>
-      <a:fontRef idx="minor"/>
-    </dgm:style>
-  </dgm:styleLbl>
-  <dgm:styleLbl name="bgAccFollowNode1">
-    <dgm:scene3d>
-      <a:camera prst="orthographicFront"/>
-      <a:lightRig rig="threePt" dir="t"/>
-    </dgm:scene3d>
-    <dgm:sp3d/>
-    <dgm:txPr/>
-    <dgm:style>
-      <a:lnRef idx="2">
-        <a:scrgbClr r="0" g="0" b="0"/>
-      </a:lnRef>
-      <a:fillRef idx="1">
-        <a:scrgbClr r="0" g="0" b="0"/>
-      </a:fillRef>
-      <a:effectRef idx="0">
-        <a:scrgbClr r="0" g="0" b="0"/>
-      </a:effectRef>
-      <a:fontRef idx="minor"/>
-    </dgm:style>
-  </dgm:styleLbl>
-  <dgm:styleLbl name="fgAcc0">
-    <dgm:scene3d>
-      <a:camera prst="orthographicFront"/>
-      <a:lightRig rig="threePt" dir="t"/>
-    </dgm:scene3d>
-    <dgm:sp3d/>
-    <dgm:txPr/>
-    <dgm:style>
-      <a:lnRef idx="2">
-        <a:scrgbClr r="0" g="0" b="0"/>
-      </a:lnRef>
-      <a:fillRef idx="1">
-        <a:scrgbClr r="0" g="0" b="0"/>
-      </a:fillRef>
-      <a:effectRef idx="0">
-        <a:scrgbClr r="0" g="0" b="0"/>
-      </a:effectRef>
-      <a:fontRef idx="minor"/>
-    </dgm:style>
-  </dgm:styleLbl>
-  <dgm:styleLbl name="fgAcc2">
-    <dgm:scene3d>
-      <a:camera prst="orthographicFront"/>
-      <a:lightRig rig="threePt" dir="t"/>
-    </dgm:scene3d>
-    <dgm:sp3d/>
-    <dgm:txPr/>
-    <dgm:style>
-      <a:lnRef idx="2">
-        <a:scrgbClr r="0" g="0" b="0"/>
-      </a:lnRef>
-      <a:fillRef idx="1">
-        <a:scrgbClr r="0" g="0" b="0"/>
-      </a:fillRef>
-      <a:effectRef idx="0">
-        <a:scrgbClr r="0" g="0" b="0"/>
-      </a:effectRef>
-      <a:fontRef idx="minor"/>
-    </dgm:style>
-  </dgm:styleLbl>
-  <dgm:styleLbl name="fgAcc3">
-    <dgm:scene3d>
-      <a:camera prst="orthographicFront"/>
-      <a:lightRig rig="threePt" dir="t"/>
-    </dgm:scene3d>
-    <dgm:sp3d/>
-    <dgm:txPr/>
-    <dgm:style>
-      <a:lnRef idx="2">
-        <a:scrgbClr r="0" g="0" b="0"/>
-      </a:lnRef>
-      <a:fillRef idx="1">
-        <a:scrgbClr r="0" g="0" b="0"/>
-      </a:fillRef>
-      <a:effectRef idx="0">
-        <a:scrgbClr r="0" g="0" b="0"/>
-      </a:effectRef>
-      <a:fontRef idx="minor"/>
-    </dgm:style>
-  </dgm:styleLbl>
-  <dgm:styleLbl name="fgAcc4">
-    <dgm:scene3d>
-      <a:camera prst="orthographicFront"/>
-      <a:lightRig rig="threePt" dir="t"/>
-    </dgm:scene3d>
-    <dgm:sp3d/>
-    <dgm:txPr/>
-    <dgm:style>
-      <a:lnRef idx="2">
-        <a:scrgbClr r="0" g="0" b="0"/>
-      </a:lnRef>
-      <a:fillRef idx="1">
-        <a:scrgbClr r="0" g="0" b="0"/>
-      </a:fillRef>
-      <a:effectRef idx="0">
-        <a:scrgbClr r="0" g="0" b="0"/>
-      </a:effectRef>
-      <a:fontRef idx="minor"/>
-    </dgm:style>
-  </dgm:styleLbl>
-  <dgm:styleLbl name="bgShp">
-    <dgm:scene3d>
-      <a:camera prst="orthographicFront"/>
-      <a:lightRig rig="threePt" dir="t"/>
-    </dgm:scene3d>
-    <dgm:sp3d/>
-    <dgm:txPr/>
-    <dgm:style>
-      <a:lnRef idx="0">
-        <a:scrgbClr r="0" g="0" b="0"/>
-      </a:lnRef>
-      <a:fillRef idx="1">
-        <a:scrgbClr r="0" g="0" b="0"/>
-      </a:fillRef>
-      <a:effectRef idx="0">
-        <a:scrgbClr r="0" g="0" b="0"/>
-      </a:effectRef>
-      <a:fontRef idx="minor"/>
-    </dgm:style>
-  </dgm:styleLbl>
-  <dgm:styleLbl name="dkBgShp">
-    <dgm:scene3d>
-      <a:camera prst="orthographicFront"/>
-      <a:lightRig rig="threePt" dir="t"/>
-    </dgm:scene3d>
-    <dgm:sp3d/>
-    <dgm:txPr/>
-    <dgm:style>
-      <a:lnRef idx="0">
-        <a:scrgbClr r="0" g="0" b="0"/>
-      </a:lnRef>
-      <a:fillRef idx="1">
-        <a:scrgbClr r="0" g="0" b="0"/>
-      </a:fillRef>
-      <a:effectRef idx="0">
-        <a:scrgbClr r="0" g="0" b="0"/>
-      </a:effectRef>
-      <a:fontRef idx="minor"/>
-    </dgm:style>
-  </dgm:styleLbl>
-  <dgm:styleLbl name="trBgShp">
-    <dgm:scene3d>
-      <a:camera prst="orthographicFront"/>
-      <a:lightRig rig="threePt" dir="t"/>
-    </dgm:scene3d>
-    <dgm:sp3d/>
-    <dgm:txPr/>
-    <dgm:style>
-      <a:lnRef idx="0">
-        <a:scrgbClr r="0" g="0" b="0"/>
-      </a:lnRef>
-      <a:fillRef idx="1">
-        <a:scrgbClr r="0" g="0" b="0"/>
-      </a:fillRef>
-      <a:effectRef idx="0">
-        <a:scrgbClr r="0" g="0" b="0"/>
-      </a:effectRef>
-      <a:fontRef idx="minor"/>
-    </dgm:style>
-  </dgm:styleLbl>
-  <dgm:styleLbl name="fgShp">
-    <dgm:scene3d>
-      <a:camera prst="orthographicFront"/>
-      <a:lightRig rig="threePt" dir="t"/>
-    </dgm:scene3d>
-    <dgm:sp3d/>
-    <dgm:txPr/>
-    <dgm:style>
-      <a:lnRef idx="2">
-        <a:scrgbClr r="0" g="0" b="0"/>
-      </a:lnRef>
-      <a:fillRef idx="1">
-        <a:scrgbClr r="0" g="0" b="0"/>
-      </a:fillRef>
-      <a:effectRef idx="0">
-        <a:scrgbClr r="0" g="0" b="0"/>
-      </a:effectRef>
-      <a:fontRef idx="minor"/>
-    </dgm:style>
-  </dgm:styleLbl>
-  <dgm:styleLbl name="revTx">
-    <dgm:scene3d>
-      <a:camera prst="orthographicFront"/>
-      <a:lightRig rig="threePt" dir="t"/>
-    </dgm:scene3d>
-    <dgm:sp3d/>
-    <dgm:txPr/>
-    <dgm:style>
-      <a:lnRef idx="0">
-        <a:scrgbClr r="0" g="0" b="0"/>
-      </a:lnRef>
-      <a:fillRef idx="0">
-        <a:scrgbClr r="0" g="0" b="0"/>
-      </a:fillRef>
-      <a:effectRef idx="0">
-        <a:scrgbClr r="0" g="0" b="0"/>
-      </a:effectRef>
-      <a:fontRef idx="minor"/>
-    </dgm:style>
-  </dgm:styleLbl>
-</dgm:styleDef>
-</file>
-
 <file path=ppt/handoutMasters/handoutMaster1.xml><?xml version="1.0" encoding="utf-8"?>
 <p:handoutMaster xmlns:a="http://schemas.openxmlformats.org/drawingml/2006/main" xmlns:r="http://schemas.openxmlformats.org/officeDocument/2006/relationships" xmlns:p="http://schemas.openxmlformats.org/presentationml/2006/main">
   <p:cSld>
@@ -4000,7 +211,7 @@
             <a:pPr rtl="0"/>
             <a:fld id="{681418C4-22FD-4352-8451-6B7EEE2AD120}" type="datetime1">
               <a:rPr lang="hu-HU" smtClean="0"/>
-              <a:t>2025. 03. 28.</a:t>
+              <a:t>2025. 03. 31.</a:t>
             </a:fld>
             <a:endParaRPr lang="hu-HU" dirty="0"/>
           </a:p>
@@ -4169,7 +380,7 @@
             <a:fld id="{9679C38C-46A1-49BC-A836-83A1BCB4B54C}" type="datetime1">
               <a:rPr lang="hu-HU" smtClean="0"/>
               <a:pPr/>
-              <a:t>2025. 03. 28.</a:t>
+              <a:t>2025. 03. 31.</a:t>
             </a:fld>
             <a:endParaRPr lang="hu-HU" dirty="0"/>
           </a:p>
@@ -4611,92 +822,6 @@
 </p:notes>
 </file>
 
-<file path=ppt/notesSlides/notesSlide3.xml><?xml version="1.0" encoding="utf-8"?>
-<p:notes xmlns:a="http://schemas.openxmlformats.org/drawingml/2006/main" xmlns:r="http://schemas.openxmlformats.org/officeDocument/2006/relationships" xmlns:p="http://schemas.openxmlformats.org/presentationml/2006/main">
-  <p:cSld>
-    <p:spTree>
-      <p:nvGrpSpPr>
-        <p:cNvPr id="1" name=""/>
-        <p:cNvGrpSpPr/>
-        <p:nvPr/>
-      </p:nvGrpSpPr>
-      <p:grpSpPr>
-        <a:xfrm>
-          <a:off x="0" y="0"/>
-          <a:ext cx="0" cy="0"/>
-          <a:chOff x="0" y="0"/>
-          <a:chExt cx="0" cy="0"/>
-        </a:xfrm>
-      </p:grpSpPr>
-      <p:sp>
-        <p:nvSpPr>
-          <p:cNvPr id="2" name="Diakép helye 1"/>
-          <p:cNvSpPr>
-            <a:spLocks noGrp="1" noRot="1" noChangeAspect="1"/>
-          </p:cNvSpPr>
-          <p:nvPr>
-            <p:ph type="sldImg"/>
-          </p:nvPr>
-        </p:nvSpPr>
-        <p:spPr/>
-      </p:sp>
-      <p:sp>
-        <p:nvSpPr>
-          <p:cNvPr id="3" name="Jegyzetek helye 2"/>
-          <p:cNvSpPr>
-            <a:spLocks noGrp="1"/>
-          </p:cNvSpPr>
-          <p:nvPr>
-            <p:ph type="body" idx="1"/>
-          </p:nvPr>
-        </p:nvSpPr>
-        <p:spPr/>
-        <p:txBody>
-          <a:bodyPr rtlCol="0"/>
-          <a:lstStyle/>
-          <a:p>
-            <a:pPr rtl="0"/>
-            <a:endParaRPr lang="hu-HU" dirty="0"/>
-          </a:p>
-        </p:txBody>
-      </p:sp>
-      <p:sp>
-        <p:nvSpPr>
-          <p:cNvPr id="4" name="Dia számának helye 3"/>
-          <p:cNvSpPr>
-            <a:spLocks noGrp="1"/>
-          </p:cNvSpPr>
-          <p:nvPr>
-            <p:ph type="sldNum" sz="quarter" idx="10"/>
-          </p:nvPr>
-        </p:nvSpPr>
-        <p:spPr/>
-        <p:txBody>
-          <a:bodyPr rtlCol="0"/>
-          <a:lstStyle/>
-          <a:p>
-            <a:pPr rtl="0"/>
-            <a:fld id="{62B46F2B-1084-40BA-9F0A-B1F6847335C5}" type="slidenum">
-              <a:rPr lang="hu-HU" smtClean="0"/>
-              <a:t>3</a:t>
-            </a:fld>
-            <a:endParaRPr lang="hu-HU" dirty="0"/>
-          </a:p>
-        </p:txBody>
-      </p:sp>
-    </p:spTree>
-    <p:extLst>
-      <p:ext uri="{BB962C8B-B14F-4D97-AF65-F5344CB8AC3E}">
-        <p14:creationId xmlns:p14="http://schemas.microsoft.com/office/powerpoint/2010/main" val="701556785"/>
-      </p:ext>
-    </p:extLst>
-  </p:cSld>
-  <p:clrMapOvr>
-    <a:masterClrMapping/>
-  </p:clrMapOvr>
-</p:notes>
-</file>
-
 <file path=ppt/slideLayouts/slideLayout1.xml><?xml version="1.0" encoding="utf-8"?>
 <p:sldLayout xmlns:a="http://schemas.openxmlformats.org/drawingml/2006/main" xmlns:r="http://schemas.openxmlformats.org/officeDocument/2006/relationships" xmlns:p="http://schemas.openxmlformats.org/presentationml/2006/main" showMasterSp="0" type="title" preserve="1">
   <p:cSld name="Címdia">
@@ -5911,7 +2036,7 @@
             <a:pPr rtl="0"/>
             <a:fld id="{26B3AEB3-8840-4374-BE55-BA5D38482A5F}" type="datetime1">
               <a:rPr lang="hu-HU" noProof="0" smtClean="0"/>
-              <a:t>2025. 03. 28.</a:t>
+              <a:t>2025. 03. 31.</a:t>
             </a:fld>
             <a:endParaRPr lang="hu-HU" noProof="0" dirty="0"/>
           </a:p>
@@ -6149,7 +2274,7 @@
             <a:pPr rtl="0"/>
             <a:fld id="{2707B076-7D47-417E-A212-16720A39AA90}" type="datetime1">
               <a:rPr lang="hu-HU" noProof="0" smtClean="0"/>
-              <a:t>2025. 03. 28.</a:t>
+              <a:t>2025. 03. 31.</a:t>
             </a:fld>
             <a:endParaRPr lang="hu-HU" noProof="0" dirty="0"/>
           </a:p>
@@ -6328,7 +2453,7 @@
             <a:pPr rtl="0"/>
             <a:fld id="{985697C2-C046-40CE-A31F-19ECB12C351B}" type="datetime1">
               <a:rPr lang="hu-HU" noProof="0" smtClean="0"/>
-              <a:t>2025. 03. 28.</a:t>
+              <a:t>2025. 03. 31.</a:t>
             </a:fld>
             <a:endParaRPr lang="hu-HU" noProof="0" dirty="0"/>
           </a:p>
@@ -6497,7 +2622,7 @@
             <a:pPr rtl="0"/>
             <a:fld id="{ABBCB8F4-51B1-4DFA-8560-A375567797EC}" type="datetime1">
               <a:rPr lang="hu-HU" noProof="0" smtClean="0"/>
-              <a:t>2025. 03. 28.</a:t>
+              <a:t>2025. 03. 31.</a:t>
             </a:fld>
             <a:endParaRPr lang="hu-HU" noProof="0" dirty="0"/>
           </a:p>
@@ -6772,7 +2897,7 @@
             <a:pPr rtl="0"/>
             <a:fld id="{86EC440D-8A93-4033-A0F0-612FDCD702A2}" type="datetime1">
               <a:rPr lang="hu-HU" noProof="0" smtClean="0"/>
-              <a:t>2025. 03. 28.</a:t>
+              <a:t>2025. 03. 31.</a:t>
             </a:fld>
             <a:endParaRPr lang="hu-HU" noProof="0" dirty="0"/>
           </a:p>
@@ -7973,7 +4098,7 @@
             <a:pPr rtl="0"/>
             <a:fld id="{191B6BC6-FB12-4482-ACA7-06A24FCED2F6}" type="datetime1">
               <a:rPr lang="hu-HU" noProof="0" smtClean="0"/>
-              <a:t>2025. 03. 28.</a:t>
+              <a:t>2025. 03. 31.</a:t>
             </a:fld>
             <a:endParaRPr lang="hu-HU" noProof="0" dirty="0"/>
           </a:p>
@@ -8362,7 +4487,7 @@
             <a:pPr rtl="0"/>
             <a:fld id="{A905903E-2028-4856-AD81-3E94D03924A9}" type="datetime1">
               <a:rPr lang="hu-HU" noProof="0" smtClean="0"/>
-              <a:t>2025. 03. 28.</a:t>
+              <a:t>2025. 03. 31.</a:t>
             </a:fld>
             <a:endParaRPr lang="hu-HU" noProof="0" dirty="0"/>
           </a:p>
@@ -8484,7 +4609,7 @@
             <a:pPr rtl="0"/>
             <a:fld id="{B3E9701F-A3ED-4423-B1E8-3C4DBBD212D0}" type="datetime1">
               <a:rPr lang="hu-HU" noProof="0" smtClean="0"/>
-              <a:t>2025. 03. 28.</a:t>
+              <a:t>2025. 03. 31.</a:t>
             </a:fld>
             <a:endParaRPr lang="hu-HU" noProof="0" dirty="0"/>
           </a:p>
@@ -8577,7 +4702,7 @@
             <a:pPr rtl="0"/>
             <a:fld id="{4DDC0063-A2D4-4262-B24C-21A1809BBDEE}" type="datetime1">
               <a:rPr lang="hu-HU" noProof="0" smtClean="0"/>
-              <a:t>2025. 03. 28.</a:t>
+              <a:t>2025. 03. 31.</a:t>
             </a:fld>
             <a:endParaRPr lang="hu-HU" noProof="0" dirty="0"/>
           </a:p>
@@ -9339,7 +5464,7 @@
             <a:pPr rtl="0"/>
             <a:fld id="{C8F29687-3339-422A-AC2E-4FEB21647174}" type="datetime1">
               <a:rPr lang="hu-HU" noProof="0" smtClean="0"/>
-              <a:t>2025. 03. 28.</a:t>
+              <a:t>2025. 03. 31.</a:t>
             </a:fld>
             <a:endParaRPr lang="hu-HU" noProof="0" dirty="0"/>
           </a:p>
@@ -10179,7 +6304,7 @@
             <a:pPr rtl="0"/>
             <a:fld id="{652E0B18-67A6-4160-900D-A2BA740807C9}" type="datetime1">
               <a:rPr lang="hu-HU" noProof="0" smtClean="0"/>
-              <a:t>2025. 03. 28.</a:t>
+              <a:t>2025. 03. 31.</a:t>
             </a:fld>
             <a:endParaRPr lang="hu-HU" noProof="0" dirty="0"/>
           </a:p>
@@ -10403,7 +6528,7 @@
             <a:pPr rtl="0"/>
             <a:fld id="{8C86BE91-3060-4B4A-BA02-98FAA90B9ADE}" type="datetime1">
               <a:rPr lang="hu-HU" noProof="0" smtClean="0"/>
-              <a:t>2025. 03. 28.</a:t>
+              <a:t>2025. 03. 31.</a:t>
             </a:fld>
             <a:endParaRPr lang="hu-HU" noProof="0" dirty="0"/>
           </a:p>
@@ -13558,8 +9683,8 @@
         </p:nvSpPr>
         <p:spPr>
           <a:xfrm>
-            <a:off x="644003" y="954923"/>
-            <a:ext cx="5875694" cy="4504620"/>
+            <a:off x="488571" y="2378530"/>
+            <a:ext cx="6102775" cy="2750601"/>
           </a:xfrm>
         </p:spPr>
         <p:txBody>
@@ -15164,6 +11289,164 @@
           </a:p>
         </p:txBody>
       </p:sp>
+      <p:sp>
+        <p:nvSpPr>
+          <p:cNvPr id="6" name="Téglalap 5">
+            <a:extLst>
+              <a:ext uri="{FF2B5EF4-FFF2-40B4-BE49-F238E27FC236}">
+                <a16:creationId xmlns:a16="http://schemas.microsoft.com/office/drawing/2014/main" id="{327146B0-17CC-4684-94A1-F964AE6B01D3}"/>
+              </a:ext>
+            </a:extLst>
+          </p:cNvPr>
+          <p:cNvSpPr/>
+          <p:nvPr/>
+        </p:nvSpPr>
+        <p:spPr>
+          <a:xfrm>
+            <a:off x="814082" y="909115"/>
+            <a:ext cx="5535535" cy="2585323"/>
+          </a:xfrm>
+          <a:prstGeom prst="rect">
+            <a:avLst/>
+          </a:prstGeom>
+          <a:noFill/>
+        </p:spPr>
+        <p:txBody>
+          <a:bodyPr wrap="square" lIns="91440" tIns="45720" rIns="91440" bIns="45720">
+            <a:spAutoFit/>
+          </a:bodyPr>
+          <a:lstStyle/>
+          <a:p>
+            <a:pPr algn="ctr"/>
+            <a:r>
+              <a:rPr lang="hu-HU" b="1" dirty="0"/>
+              <a:t>Budapesti Gazdasági Szakképzési Centrum Pestszentlőrinci Technikum</a:t>
+            </a:r>
+          </a:p>
+          <a:p>
+            <a:pPr algn="ctr"/>
+            <a:endParaRPr lang="hu-HU" b="1" dirty="0"/>
+          </a:p>
+          <a:p>
+            <a:pPr algn="ctr"/>
+            <a:r>
+              <a:rPr lang="nb-NO" dirty="0"/>
+              <a:t> 1184 Budapest Hengersor u. 34.</a:t>
+            </a:r>
+            <a:endParaRPr lang="hu-HU" dirty="0"/>
+          </a:p>
+          <a:p>
+            <a:pPr algn="ctr"/>
+            <a:endParaRPr lang="hu-HU" dirty="0"/>
+          </a:p>
+          <a:p>
+            <a:endParaRPr lang="hu-HU" dirty="0"/>
+          </a:p>
+          <a:p>
+            <a:pPr algn="ctr"/>
+            <a:endParaRPr lang="hu-HU" sz="5400" b="1" cap="none" spc="0" dirty="0">
+              <a:ln/>
+              <a:pattFill prst="dkUpDiag">
+                <a:fgClr>
+                  <a:schemeClr val="bg1">
+                    <a:lumMod val="50000"/>
+                  </a:schemeClr>
+                </a:fgClr>
+                <a:bgClr>
+                  <a:schemeClr val="tx1">
+                    <a:lumMod val="75000"/>
+                    <a:lumOff val="25000"/>
+                  </a:schemeClr>
+                </a:bgClr>
+              </a:pattFill>
+              <a:effectLst>
+                <a:outerShdw blurRad="38100" dist="19050" dir="2700000" algn="tl" rotWithShape="0">
+                  <a:schemeClr val="dk1">
+                    <a:lumMod val="50000"/>
+                    <a:alpha val="40000"/>
+                  </a:schemeClr>
+                </a:outerShdw>
+              </a:effectLst>
+            </a:endParaRPr>
+          </a:p>
+        </p:txBody>
+      </p:sp>
+      <p:sp>
+        <p:nvSpPr>
+          <p:cNvPr id="7" name="Téglalap 6">
+            <a:extLst>
+              <a:ext uri="{FF2B5EF4-FFF2-40B4-BE49-F238E27FC236}">
+                <a16:creationId xmlns:a16="http://schemas.microsoft.com/office/drawing/2014/main" id="{556B3311-B190-4294-B92D-4F27FA6188B9}"/>
+              </a:ext>
+            </a:extLst>
+          </p:cNvPr>
+          <p:cNvSpPr/>
+          <p:nvPr/>
+        </p:nvSpPr>
+        <p:spPr>
+          <a:xfrm>
+            <a:off x="-44615" y="-1152"/>
+            <a:ext cx="5316147" cy="1569660"/>
+          </a:xfrm>
+          <a:prstGeom prst="rect">
+            <a:avLst/>
+          </a:prstGeom>
+          <a:noFill/>
+        </p:spPr>
+        <p:txBody>
+          <a:bodyPr wrap="square" lIns="91440" tIns="45720" rIns="91440" bIns="45720">
+            <a:spAutoFit/>
+          </a:bodyPr>
+          <a:lstStyle/>
+          <a:p>
+            <a:r>
+              <a:rPr lang="hu-HU" sz="1050" dirty="0"/>
+              <a:t>OM kód: 203061/012</a:t>
+            </a:r>
+          </a:p>
+          <a:p>
+            <a:r>
+              <a:rPr lang="hu-HU" sz="1050" dirty="0"/>
+              <a:t>E-mail cím: </a:t>
+            </a:r>
+            <a:r>
+              <a:rPr lang="hu-HU" sz="1050" dirty="0">
+                <a:hlinkClick r:id="rId5"/>
+              </a:rPr>
+              <a:t>titkar@hengersor.hu</a:t>
+            </a:r>
+            <a:endParaRPr lang="hu-HU" sz="1050" dirty="0"/>
+          </a:p>
+          <a:p>
+            <a:r>
+              <a:rPr lang="nb-NO" sz="1050" dirty="0"/>
+              <a:t>Telefon:</a:t>
+            </a:r>
+          </a:p>
+          <a:p>
+            <a:r>
+              <a:rPr lang="nb-NO" sz="1050" dirty="0"/>
+              <a:t>Telefon: +36 30 369 7855</a:t>
+            </a:r>
+          </a:p>
+          <a:p>
+            <a:pPr algn="ctr"/>
+            <a:endParaRPr lang="hu-HU" sz="5400" b="0" cap="none" spc="0" dirty="0">
+              <a:ln w="0"/>
+              <a:solidFill>
+                <a:schemeClr val="tx1"/>
+              </a:solidFill>
+              <a:effectLst>
+                <a:outerShdw blurRad="38100" dist="19050" dir="2700000" algn="tl" rotWithShape="0">
+                  <a:schemeClr val="dk1">
+                    <a:alpha val="40000"/>
+                  </a:schemeClr>
+                </a:outerShdw>
+              </a:effectLst>
+            </a:endParaRPr>
+          </a:p>
+        </p:txBody>
+      </p:sp>
     </p:spTree>
     <p:extLst>
       <p:ext uri="{BB962C8B-B14F-4D97-AF65-F5344CB8AC3E}">
@@ -15180,14 +11463,6 @@
 <file path=ppt/slides/slide3.xml><?xml version="1.0" encoding="utf-8"?>
 <p:sld xmlns:a="http://schemas.openxmlformats.org/drawingml/2006/main" xmlns:r="http://schemas.openxmlformats.org/officeDocument/2006/relationships" xmlns:p="http://schemas.openxmlformats.org/presentationml/2006/main">
   <p:cSld>
-    <p:bg>
-      <p:bgPr>
-        <a:solidFill>
-          <a:schemeClr val="bg2"/>
-        </a:solidFill>
-        <a:effectLst/>
-      </p:bgPr>
-    </p:bg>
     <p:spTree>
       <p:nvGrpSpPr>
         <p:cNvPr id="1" name=""/>
@@ -15202,1449 +11477,12 @@
           <a:chExt cx="0" cy="0"/>
         </a:xfrm>
       </p:grpSpPr>
-      <p:sp useBgFill="1">
-        <p:nvSpPr>
-          <p:cNvPr id="16" name="Téglalap 9">
-            <a:extLst>
-              <a:ext uri="{FF2B5EF4-FFF2-40B4-BE49-F238E27FC236}">
-                <a16:creationId xmlns:a16="http://schemas.microsoft.com/office/drawing/2014/main" id="{022C3B48-99E5-4B5C-8E49-15C2A9552F4B}"/>
-              </a:ext>
-              <a:ext uri="{C183D7F6-B498-43B3-948B-1728B52AA6E4}">
-                <adec:decorative xmlns:adec="http://schemas.microsoft.com/office/drawing/2017/decorative" val="1"/>
-              </a:ext>
-            </a:extLst>
-          </p:cNvPr>
-          <p:cNvSpPr>
-            <a:spLocks noGrp="1" noRot="1" noChangeAspect="1" noMove="1" noResize="1" noEditPoints="1" noAdjustHandles="1" noChangeArrowheads="1" noChangeShapeType="1" noTextEdit="1"/>
-          </p:cNvSpPr>
-          <p:nvPr>
-            <p:extLst>
-              <p:ext uri="{386F3935-93C4-4BCD-93E2-E3B085C9AB24}">
-                <p16:designElem xmlns:p16="http://schemas.microsoft.com/office/powerpoint/2015/main" val="1"/>
-              </p:ext>
-            </p:extLst>
-          </p:nvPr>
-        </p:nvSpPr>
-        <p:spPr bwMode="white">
-          <a:xfrm>
-            <a:off x="0" y="0"/>
-            <a:ext cx="12192000" cy="6858000"/>
-          </a:xfrm>
-          <a:prstGeom prst="rect">
-            <a:avLst/>
-          </a:prstGeom>
-          <a:ln>
-            <a:noFill/>
-          </a:ln>
-        </p:spPr>
-        <p:style>
-          <a:lnRef idx="2">
-            <a:schemeClr val="accent1">
-              <a:shade val="50000"/>
-            </a:schemeClr>
-          </a:lnRef>
-          <a:fillRef idx="1">
-            <a:schemeClr val="accent1"/>
-          </a:fillRef>
-          <a:effectRef idx="0">
-            <a:schemeClr val="accent1"/>
-          </a:effectRef>
-          <a:fontRef idx="minor">
-            <a:schemeClr val="lt1"/>
-          </a:fontRef>
-        </p:style>
-        <p:txBody>
-          <a:bodyPr rot="0" spcFirstLastPara="0" vert="horz" wrap="square" lIns="91440" tIns="45720" rIns="91440" bIns="45720" numCol="1" spcCol="0" rtlCol="0" fromWordArt="0" anchor="ctr" anchorCtr="0" forceAA="0" compatLnSpc="1">
-            <a:prstTxWarp prst="textNoShape">
-              <a:avLst/>
-            </a:prstTxWarp>
-            <a:noAutofit/>
-          </a:bodyPr>
-          <a:lstStyle>
-            <a:defPPr>
-              <a:defRPr lang="en-US"/>
-            </a:defPPr>
-            <a:lvl1pPr marL="0" algn="l" defTabSz="914400" rtl="0" eaLnBrk="1" latinLnBrk="0" hangingPunct="1">
-              <a:defRPr sz="1800" kern="1200">
-                <a:solidFill>
-                  <a:schemeClr val="lt1"/>
-                </a:solidFill>
-                <a:latin typeface="+mn-lt"/>
-                <a:ea typeface="+mn-ea"/>
-                <a:cs typeface="+mn-cs"/>
-              </a:defRPr>
-            </a:lvl1pPr>
-            <a:lvl2pPr marL="457200" algn="l" defTabSz="914400" rtl="0" eaLnBrk="1" latinLnBrk="0" hangingPunct="1">
-              <a:defRPr sz="1800" kern="1200">
-                <a:solidFill>
-                  <a:schemeClr val="lt1"/>
-                </a:solidFill>
-                <a:latin typeface="+mn-lt"/>
-                <a:ea typeface="+mn-ea"/>
-                <a:cs typeface="+mn-cs"/>
-              </a:defRPr>
-            </a:lvl2pPr>
-            <a:lvl3pPr marL="914400" algn="l" defTabSz="914400" rtl="0" eaLnBrk="1" latinLnBrk="0" hangingPunct="1">
-              <a:defRPr sz="1800" kern="1200">
-                <a:solidFill>
-                  <a:schemeClr val="lt1"/>
-                </a:solidFill>
-                <a:latin typeface="+mn-lt"/>
-                <a:ea typeface="+mn-ea"/>
-                <a:cs typeface="+mn-cs"/>
-              </a:defRPr>
-            </a:lvl3pPr>
-            <a:lvl4pPr marL="1371600" algn="l" defTabSz="914400" rtl="0" eaLnBrk="1" latinLnBrk="0" hangingPunct="1">
-              <a:defRPr sz="1800" kern="1200">
-                <a:solidFill>
-                  <a:schemeClr val="lt1"/>
-                </a:solidFill>
-                <a:latin typeface="+mn-lt"/>
-                <a:ea typeface="+mn-ea"/>
-                <a:cs typeface="+mn-cs"/>
-              </a:defRPr>
-            </a:lvl4pPr>
-            <a:lvl5pPr marL="1828800" algn="l" defTabSz="914400" rtl="0" eaLnBrk="1" latinLnBrk="0" hangingPunct="1">
-              <a:defRPr sz="1800" kern="1200">
-                <a:solidFill>
-                  <a:schemeClr val="lt1"/>
-                </a:solidFill>
-                <a:latin typeface="+mn-lt"/>
-                <a:ea typeface="+mn-ea"/>
-                <a:cs typeface="+mn-cs"/>
-              </a:defRPr>
-            </a:lvl5pPr>
-            <a:lvl6pPr marL="2286000" algn="l" defTabSz="914400" rtl="0" eaLnBrk="1" latinLnBrk="0" hangingPunct="1">
-              <a:defRPr sz="1800" kern="1200">
-                <a:solidFill>
-                  <a:schemeClr val="lt1"/>
-                </a:solidFill>
-                <a:latin typeface="+mn-lt"/>
-                <a:ea typeface="+mn-ea"/>
-                <a:cs typeface="+mn-cs"/>
-              </a:defRPr>
-            </a:lvl6pPr>
-            <a:lvl7pPr marL="2743200" algn="l" defTabSz="914400" rtl="0" eaLnBrk="1" latinLnBrk="0" hangingPunct="1">
-              <a:defRPr sz="1800" kern="1200">
-                <a:solidFill>
-                  <a:schemeClr val="lt1"/>
-                </a:solidFill>
-                <a:latin typeface="+mn-lt"/>
-                <a:ea typeface="+mn-ea"/>
-                <a:cs typeface="+mn-cs"/>
-              </a:defRPr>
-            </a:lvl7pPr>
-            <a:lvl8pPr marL="3200400" algn="l" defTabSz="914400" rtl="0" eaLnBrk="1" latinLnBrk="0" hangingPunct="1">
-              <a:defRPr sz="1800" kern="1200">
-                <a:solidFill>
-                  <a:schemeClr val="lt1"/>
-                </a:solidFill>
-                <a:latin typeface="+mn-lt"/>
-                <a:ea typeface="+mn-ea"/>
-                <a:cs typeface="+mn-cs"/>
-              </a:defRPr>
-            </a:lvl8pPr>
-            <a:lvl9pPr marL="3657600" algn="l" defTabSz="914400" rtl="0" eaLnBrk="1" latinLnBrk="0" hangingPunct="1">
-              <a:defRPr sz="1800" kern="1200">
-                <a:solidFill>
-                  <a:schemeClr val="lt1"/>
-                </a:solidFill>
-                <a:latin typeface="+mn-lt"/>
-                <a:ea typeface="+mn-ea"/>
-                <a:cs typeface="+mn-cs"/>
-              </a:defRPr>
-            </a:lvl9pPr>
-          </a:lstStyle>
-          <a:p>
-            <a:pPr algn="ctr" rtl="0"/>
-            <a:endParaRPr lang="hu-HU" dirty="0"/>
-          </a:p>
-        </p:txBody>
-      </p:sp>
-      <p:sp>
-        <p:nvSpPr>
-          <p:cNvPr id="17" name="Szabadkézi sokszög 10">
-            <a:extLst>
-              <a:ext uri="{FF2B5EF4-FFF2-40B4-BE49-F238E27FC236}">
-                <a16:creationId xmlns:a16="http://schemas.microsoft.com/office/drawing/2014/main" id="{C67B4E51-3288-4A1F-A92C-87C9401EDE72}"/>
-              </a:ext>
-              <a:ext uri="{C183D7F6-B498-43B3-948B-1728B52AA6E4}">
-                <adec:decorative xmlns:adec="http://schemas.microsoft.com/office/drawing/2017/decorative" val="1"/>
-              </a:ext>
-            </a:extLst>
-          </p:cNvPr>
-          <p:cNvSpPr>
-            <a:spLocks noGrp="1" noRot="1" noChangeAspect="1" noMove="1" noResize="1" noEditPoints="1" noAdjustHandles="1" noChangeArrowheads="1" noChangeShapeType="1" noTextEdit="1"/>
-          </p:cNvSpPr>
-          <p:nvPr>
-            <p:extLst>
-              <p:ext uri="{386F3935-93C4-4BCD-93E2-E3B085C9AB24}">
-                <p16:designElem xmlns:p16="http://schemas.microsoft.com/office/powerpoint/2015/main" val="1"/>
-              </p:ext>
-            </p:extLst>
-          </p:nvPr>
-        </p:nvSpPr>
-        <p:spPr bwMode="ltGray">
-          <a:xfrm>
-            <a:off x="0" y="0"/>
-            <a:ext cx="7569200" cy="6858000"/>
-          </a:xfrm>
-          <a:custGeom>
-            <a:avLst/>
-            <a:gdLst>
-              <a:gd name="connsiteX0" fmla="*/ 0 w 7569200"/>
-              <a:gd name="connsiteY0" fmla="*/ 0 h 6858000"/>
-              <a:gd name="connsiteX1" fmla="*/ 7389812 w 7569200"/>
-              <a:gd name="connsiteY1" fmla="*/ 0 h 6858000"/>
-              <a:gd name="connsiteX2" fmla="*/ 7394575 w 7569200"/>
-              <a:gd name="connsiteY2" fmla="*/ 66675 h 6858000"/>
-              <a:gd name="connsiteX3" fmla="*/ 7402512 w 7569200"/>
-              <a:gd name="connsiteY3" fmla="*/ 122237 h 6858000"/>
-              <a:gd name="connsiteX4" fmla="*/ 7412037 w 7569200"/>
-              <a:gd name="connsiteY4" fmla="*/ 174625 h 6858000"/>
-              <a:gd name="connsiteX5" fmla="*/ 7427912 w 7569200"/>
-              <a:gd name="connsiteY5" fmla="*/ 217487 h 6858000"/>
-              <a:gd name="connsiteX6" fmla="*/ 7443787 w 7569200"/>
-              <a:gd name="connsiteY6" fmla="*/ 260350 h 6858000"/>
-              <a:gd name="connsiteX7" fmla="*/ 7462837 w 7569200"/>
-              <a:gd name="connsiteY7" fmla="*/ 296862 h 6858000"/>
-              <a:gd name="connsiteX8" fmla="*/ 7481887 w 7569200"/>
-              <a:gd name="connsiteY8" fmla="*/ 334962 h 6858000"/>
-              <a:gd name="connsiteX9" fmla="*/ 7499350 w 7569200"/>
-              <a:gd name="connsiteY9" fmla="*/ 369887 h 6858000"/>
-              <a:gd name="connsiteX10" fmla="*/ 7516812 w 7569200"/>
-              <a:gd name="connsiteY10" fmla="*/ 409575 h 6858000"/>
-              <a:gd name="connsiteX11" fmla="*/ 7532687 w 7569200"/>
-              <a:gd name="connsiteY11" fmla="*/ 450850 h 6858000"/>
-              <a:gd name="connsiteX12" fmla="*/ 7546975 w 7569200"/>
-              <a:gd name="connsiteY12" fmla="*/ 496887 h 6858000"/>
-              <a:gd name="connsiteX13" fmla="*/ 7558087 w 7569200"/>
-              <a:gd name="connsiteY13" fmla="*/ 546100 h 6858000"/>
-              <a:gd name="connsiteX14" fmla="*/ 7566025 w 7569200"/>
-              <a:gd name="connsiteY14" fmla="*/ 606425 h 6858000"/>
-              <a:gd name="connsiteX15" fmla="*/ 7569200 w 7569200"/>
-              <a:gd name="connsiteY15" fmla="*/ 673100 h 6858000"/>
-              <a:gd name="connsiteX16" fmla="*/ 7566025 w 7569200"/>
-              <a:gd name="connsiteY16" fmla="*/ 744537 h 6858000"/>
-              <a:gd name="connsiteX17" fmla="*/ 7558087 w 7569200"/>
-              <a:gd name="connsiteY17" fmla="*/ 801687 h 6858000"/>
-              <a:gd name="connsiteX18" fmla="*/ 7546975 w 7569200"/>
-              <a:gd name="connsiteY18" fmla="*/ 854075 h 6858000"/>
-              <a:gd name="connsiteX19" fmla="*/ 7532687 w 7569200"/>
-              <a:gd name="connsiteY19" fmla="*/ 901700 h 6858000"/>
-              <a:gd name="connsiteX20" fmla="*/ 7516812 w 7569200"/>
-              <a:gd name="connsiteY20" fmla="*/ 942975 h 6858000"/>
-              <a:gd name="connsiteX21" fmla="*/ 7497762 w 7569200"/>
-              <a:gd name="connsiteY21" fmla="*/ 981075 h 6858000"/>
-              <a:gd name="connsiteX22" fmla="*/ 7478712 w 7569200"/>
-              <a:gd name="connsiteY22" fmla="*/ 1017587 h 6858000"/>
-              <a:gd name="connsiteX23" fmla="*/ 7459662 w 7569200"/>
-              <a:gd name="connsiteY23" fmla="*/ 1055687 h 6858000"/>
-              <a:gd name="connsiteX24" fmla="*/ 7442200 w 7569200"/>
-              <a:gd name="connsiteY24" fmla="*/ 1095375 h 6858000"/>
-              <a:gd name="connsiteX25" fmla="*/ 7424737 w 7569200"/>
-              <a:gd name="connsiteY25" fmla="*/ 1136650 h 6858000"/>
-              <a:gd name="connsiteX26" fmla="*/ 7410450 w 7569200"/>
-              <a:gd name="connsiteY26" fmla="*/ 1182687 h 6858000"/>
-              <a:gd name="connsiteX27" fmla="*/ 7400925 w 7569200"/>
-              <a:gd name="connsiteY27" fmla="*/ 1235075 h 6858000"/>
-              <a:gd name="connsiteX28" fmla="*/ 7391400 w 7569200"/>
-              <a:gd name="connsiteY28" fmla="*/ 1295400 h 6858000"/>
-              <a:gd name="connsiteX29" fmla="*/ 7389812 w 7569200"/>
-              <a:gd name="connsiteY29" fmla="*/ 1363662 h 6858000"/>
-              <a:gd name="connsiteX30" fmla="*/ 7391400 w 7569200"/>
-              <a:gd name="connsiteY30" fmla="*/ 1431925 h 6858000"/>
-              <a:gd name="connsiteX31" fmla="*/ 7400925 w 7569200"/>
-              <a:gd name="connsiteY31" fmla="*/ 1492250 h 6858000"/>
-              <a:gd name="connsiteX32" fmla="*/ 7410450 w 7569200"/>
-              <a:gd name="connsiteY32" fmla="*/ 1544637 h 6858000"/>
-              <a:gd name="connsiteX33" fmla="*/ 7424737 w 7569200"/>
-              <a:gd name="connsiteY33" fmla="*/ 1589087 h 6858000"/>
-              <a:gd name="connsiteX34" fmla="*/ 7442200 w 7569200"/>
-              <a:gd name="connsiteY34" fmla="*/ 1631950 h 6858000"/>
-              <a:gd name="connsiteX35" fmla="*/ 7459662 w 7569200"/>
-              <a:gd name="connsiteY35" fmla="*/ 1671637 h 6858000"/>
-              <a:gd name="connsiteX36" fmla="*/ 7478712 w 7569200"/>
-              <a:gd name="connsiteY36" fmla="*/ 1708150 h 6858000"/>
-              <a:gd name="connsiteX37" fmla="*/ 7497762 w 7569200"/>
-              <a:gd name="connsiteY37" fmla="*/ 1743075 h 6858000"/>
-              <a:gd name="connsiteX38" fmla="*/ 7516812 w 7569200"/>
-              <a:gd name="connsiteY38" fmla="*/ 1782762 h 6858000"/>
-              <a:gd name="connsiteX39" fmla="*/ 7532687 w 7569200"/>
-              <a:gd name="connsiteY39" fmla="*/ 1824037 h 6858000"/>
-              <a:gd name="connsiteX40" fmla="*/ 7546975 w 7569200"/>
-              <a:gd name="connsiteY40" fmla="*/ 1870075 h 6858000"/>
-              <a:gd name="connsiteX41" fmla="*/ 7558087 w 7569200"/>
-              <a:gd name="connsiteY41" fmla="*/ 1922462 h 6858000"/>
-              <a:gd name="connsiteX42" fmla="*/ 7566025 w 7569200"/>
-              <a:gd name="connsiteY42" fmla="*/ 1982787 h 6858000"/>
-              <a:gd name="connsiteX43" fmla="*/ 7569200 w 7569200"/>
-              <a:gd name="connsiteY43" fmla="*/ 2051050 h 6858000"/>
-              <a:gd name="connsiteX44" fmla="*/ 7566025 w 7569200"/>
-              <a:gd name="connsiteY44" fmla="*/ 2119312 h 6858000"/>
-              <a:gd name="connsiteX45" fmla="*/ 7558087 w 7569200"/>
-              <a:gd name="connsiteY45" fmla="*/ 2179637 h 6858000"/>
-              <a:gd name="connsiteX46" fmla="*/ 7546975 w 7569200"/>
-              <a:gd name="connsiteY46" fmla="*/ 2232025 h 6858000"/>
-              <a:gd name="connsiteX47" fmla="*/ 7532687 w 7569200"/>
-              <a:gd name="connsiteY47" fmla="*/ 2278062 h 6858000"/>
-              <a:gd name="connsiteX48" fmla="*/ 7516812 w 7569200"/>
-              <a:gd name="connsiteY48" fmla="*/ 2319337 h 6858000"/>
-              <a:gd name="connsiteX49" fmla="*/ 7497762 w 7569200"/>
-              <a:gd name="connsiteY49" fmla="*/ 2359025 h 6858000"/>
-              <a:gd name="connsiteX50" fmla="*/ 7478712 w 7569200"/>
-              <a:gd name="connsiteY50" fmla="*/ 2395537 h 6858000"/>
-              <a:gd name="connsiteX51" fmla="*/ 7459662 w 7569200"/>
-              <a:gd name="connsiteY51" fmla="*/ 2433637 h 6858000"/>
-              <a:gd name="connsiteX52" fmla="*/ 7442200 w 7569200"/>
-              <a:gd name="connsiteY52" fmla="*/ 2471737 h 6858000"/>
-              <a:gd name="connsiteX53" fmla="*/ 7424737 w 7569200"/>
-              <a:gd name="connsiteY53" fmla="*/ 2513012 h 6858000"/>
-              <a:gd name="connsiteX54" fmla="*/ 7410450 w 7569200"/>
-              <a:gd name="connsiteY54" fmla="*/ 2560637 h 6858000"/>
-              <a:gd name="connsiteX55" fmla="*/ 7400925 w 7569200"/>
-              <a:gd name="connsiteY55" fmla="*/ 2613025 h 6858000"/>
-              <a:gd name="connsiteX56" fmla="*/ 7391400 w 7569200"/>
-              <a:gd name="connsiteY56" fmla="*/ 2671762 h 6858000"/>
-              <a:gd name="connsiteX57" fmla="*/ 7389812 w 7569200"/>
-              <a:gd name="connsiteY57" fmla="*/ 2741612 h 6858000"/>
-              <a:gd name="connsiteX58" fmla="*/ 7391400 w 7569200"/>
-              <a:gd name="connsiteY58" fmla="*/ 2809875 h 6858000"/>
-              <a:gd name="connsiteX59" fmla="*/ 7400925 w 7569200"/>
-              <a:gd name="connsiteY59" fmla="*/ 2868612 h 6858000"/>
-              <a:gd name="connsiteX60" fmla="*/ 7410450 w 7569200"/>
-              <a:gd name="connsiteY60" fmla="*/ 2922587 h 6858000"/>
-              <a:gd name="connsiteX61" fmla="*/ 7424737 w 7569200"/>
-              <a:gd name="connsiteY61" fmla="*/ 2967037 h 6858000"/>
-              <a:gd name="connsiteX62" fmla="*/ 7442200 w 7569200"/>
-              <a:gd name="connsiteY62" fmla="*/ 3009900 h 6858000"/>
-              <a:gd name="connsiteX63" fmla="*/ 7459662 w 7569200"/>
-              <a:gd name="connsiteY63" fmla="*/ 3046412 h 6858000"/>
-              <a:gd name="connsiteX64" fmla="*/ 7478712 w 7569200"/>
-              <a:gd name="connsiteY64" fmla="*/ 3084512 h 6858000"/>
-              <a:gd name="connsiteX65" fmla="*/ 7497762 w 7569200"/>
-              <a:gd name="connsiteY65" fmla="*/ 3121025 h 6858000"/>
-              <a:gd name="connsiteX66" fmla="*/ 7516812 w 7569200"/>
-              <a:gd name="connsiteY66" fmla="*/ 3160712 h 6858000"/>
-              <a:gd name="connsiteX67" fmla="*/ 7532687 w 7569200"/>
-              <a:gd name="connsiteY67" fmla="*/ 3201987 h 6858000"/>
-              <a:gd name="connsiteX68" fmla="*/ 7546975 w 7569200"/>
-              <a:gd name="connsiteY68" fmla="*/ 3248025 h 6858000"/>
-              <a:gd name="connsiteX69" fmla="*/ 7558087 w 7569200"/>
-              <a:gd name="connsiteY69" fmla="*/ 3300412 h 6858000"/>
-              <a:gd name="connsiteX70" fmla="*/ 7566025 w 7569200"/>
-              <a:gd name="connsiteY70" fmla="*/ 3360737 h 6858000"/>
-              <a:gd name="connsiteX71" fmla="*/ 7569200 w 7569200"/>
-              <a:gd name="connsiteY71" fmla="*/ 3427412 h 6858000"/>
-              <a:gd name="connsiteX72" fmla="*/ 7566025 w 7569200"/>
-              <a:gd name="connsiteY72" fmla="*/ 3497262 h 6858000"/>
-              <a:gd name="connsiteX73" fmla="*/ 7558087 w 7569200"/>
-              <a:gd name="connsiteY73" fmla="*/ 3557587 h 6858000"/>
-              <a:gd name="connsiteX74" fmla="*/ 7546975 w 7569200"/>
-              <a:gd name="connsiteY74" fmla="*/ 3609975 h 6858000"/>
-              <a:gd name="connsiteX75" fmla="*/ 7532687 w 7569200"/>
-              <a:gd name="connsiteY75" fmla="*/ 3656012 h 6858000"/>
-              <a:gd name="connsiteX76" fmla="*/ 7516812 w 7569200"/>
-              <a:gd name="connsiteY76" fmla="*/ 3697287 h 6858000"/>
-              <a:gd name="connsiteX77" fmla="*/ 7497762 w 7569200"/>
-              <a:gd name="connsiteY77" fmla="*/ 3736975 h 6858000"/>
-              <a:gd name="connsiteX78" fmla="*/ 7459662 w 7569200"/>
-              <a:gd name="connsiteY78" fmla="*/ 3811587 h 6858000"/>
-              <a:gd name="connsiteX79" fmla="*/ 7442200 w 7569200"/>
-              <a:gd name="connsiteY79" fmla="*/ 3848100 h 6858000"/>
-              <a:gd name="connsiteX80" fmla="*/ 7424737 w 7569200"/>
-              <a:gd name="connsiteY80" fmla="*/ 3890962 h 6858000"/>
-              <a:gd name="connsiteX81" fmla="*/ 7410450 w 7569200"/>
-              <a:gd name="connsiteY81" fmla="*/ 3935412 h 6858000"/>
-              <a:gd name="connsiteX82" fmla="*/ 7400925 w 7569200"/>
-              <a:gd name="connsiteY82" fmla="*/ 3987800 h 6858000"/>
-              <a:gd name="connsiteX83" fmla="*/ 7391400 w 7569200"/>
-              <a:gd name="connsiteY83" fmla="*/ 4048125 h 6858000"/>
-              <a:gd name="connsiteX84" fmla="*/ 7389812 w 7569200"/>
-              <a:gd name="connsiteY84" fmla="*/ 4116387 h 6858000"/>
-              <a:gd name="connsiteX85" fmla="*/ 7391400 w 7569200"/>
-              <a:gd name="connsiteY85" fmla="*/ 4186237 h 6858000"/>
-              <a:gd name="connsiteX86" fmla="*/ 7400925 w 7569200"/>
-              <a:gd name="connsiteY86" fmla="*/ 4244975 h 6858000"/>
-              <a:gd name="connsiteX87" fmla="*/ 7410450 w 7569200"/>
-              <a:gd name="connsiteY87" fmla="*/ 4297362 h 6858000"/>
-              <a:gd name="connsiteX88" fmla="*/ 7424737 w 7569200"/>
-              <a:gd name="connsiteY88" fmla="*/ 4343400 h 6858000"/>
-              <a:gd name="connsiteX89" fmla="*/ 7442200 w 7569200"/>
-              <a:gd name="connsiteY89" fmla="*/ 4386262 h 6858000"/>
-              <a:gd name="connsiteX90" fmla="*/ 7459662 w 7569200"/>
-              <a:gd name="connsiteY90" fmla="*/ 4424362 h 6858000"/>
-              <a:gd name="connsiteX91" fmla="*/ 7497762 w 7569200"/>
-              <a:gd name="connsiteY91" fmla="*/ 4498975 h 6858000"/>
-              <a:gd name="connsiteX92" fmla="*/ 7516812 w 7569200"/>
-              <a:gd name="connsiteY92" fmla="*/ 4537075 h 6858000"/>
-              <a:gd name="connsiteX93" fmla="*/ 7532687 w 7569200"/>
-              <a:gd name="connsiteY93" fmla="*/ 4579937 h 6858000"/>
-              <a:gd name="connsiteX94" fmla="*/ 7546975 w 7569200"/>
-              <a:gd name="connsiteY94" fmla="*/ 4625975 h 6858000"/>
-              <a:gd name="connsiteX95" fmla="*/ 7558087 w 7569200"/>
-              <a:gd name="connsiteY95" fmla="*/ 4678362 h 6858000"/>
-              <a:gd name="connsiteX96" fmla="*/ 7566025 w 7569200"/>
-              <a:gd name="connsiteY96" fmla="*/ 4738687 h 6858000"/>
-              <a:gd name="connsiteX97" fmla="*/ 7569200 w 7569200"/>
-              <a:gd name="connsiteY97" fmla="*/ 4806950 h 6858000"/>
-              <a:gd name="connsiteX98" fmla="*/ 7566025 w 7569200"/>
-              <a:gd name="connsiteY98" fmla="*/ 4875212 h 6858000"/>
-              <a:gd name="connsiteX99" fmla="*/ 7558087 w 7569200"/>
-              <a:gd name="connsiteY99" fmla="*/ 4935537 h 6858000"/>
-              <a:gd name="connsiteX100" fmla="*/ 7546975 w 7569200"/>
-              <a:gd name="connsiteY100" fmla="*/ 4987925 h 6858000"/>
-              <a:gd name="connsiteX101" fmla="*/ 7532687 w 7569200"/>
-              <a:gd name="connsiteY101" fmla="*/ 5033962 h 6858000"/>
-              <a:gd name="connsiteX102" fmla="*/ 7516812 w 7569200"/>
-              <a:gd name="connsiteY102" fmla="*/ 5075237 h 6858000"/>
-              <a:gd name="connsiteX103" fmla="*/ 7497762 w 7569200"/>
-              <a:gd name="connsiteY103" fmla="*/ 5114925 h 6858000"/>
-              <a:gd name="connsiteX104" fmla="*/ 7478712 w 7569200"/>
-              <a:gd name="connsiteY104" fmla="*/ 5149850 h 6858000"/>
-              <a:gd name="connsiteX105" fmla="*/ 7459662 w 7569200"/>
-              <a:gd name="connsiteY105" fmla="*/ 5186362 h 6858000"/>
-              <a:gd name="connsiteX106" fmla="*/ 7442200 w 7569200"/>
-              <a:gd name="connsiteY106" fmla="*/ 5226050 h 6858000"/>
-              <a:gd name="connsiteX107" fmla="*/ 7424737 w 7569200"/>
-              <a:gd name="connsiteY107" fmla="*/ 5268912 h 6858000"/>
-              <a:gd name="connsiteX108" fmla="*/ 7410450 w 7569200"/>
-              <a:gd name="connsiteY108" fmla="*/ 5313362 h 6858000"/>
-              <a:gd name="connsiteX109" fmla="*/ 7400925 w 7569200"/>
-              <a:gd name="connsiteY109" fmla="*/ 5365750 h 6858000"/>
-              <a:gd name="connsiteX110" fmla="*/ 7391400 w 7569200"/>
-              <a:gd name="connsiteY110" fmla="*/ 5426075 h 6858000"/>
-              <a:gd name="connsiteX111" fmla="*/ 7389812 w 7569200"/>
-              <a:gd name="connsiteY111" fmla="*/ 5494337 h 6858000"/>
-              <a:gd name="connsiteX112" fmla="*/ 7391400 w 7569200"/>
-              <a:gd name="connsiteY112" fmla="*/ 5562600 h 6858000"/>
-              <a:gd name="connsiteX113" fmla="*/ 7400925 w 7569200"/>
-              <a:gd name="connsiteY113" fmla="*/ 5622925 h 6858000"/>
-              <a:gd name="connsiteX114" fmla="*/ 7410450 w 7569200"/>
-              <a:gd name="connsiteY114" fmla="*/ 5675312 h 6858000"/>
-              <a:gd name="connsiteX115" fmla="*/ 7424737 w 7569200"/>
-              <a:gd name="connsiteY115" fmla="*/ 5721350 h 6858000"/>
-              <a:gd name="connsiteX116" fmla="*/ 7442200 w 7569200"/>
-              <a:gd name="connsiteY116" fmla="*/ 5762625 h 6858000"/>
-              <a:gd name="connsiteX117" fmla="*/ 7459662 w 7569200"/>
-              <a:gd name="connsiteY117" fmla="*/ 5802312 h 6858000"/>
-              <a:gd name="connsiteX118" fmla="*/ 7478712 w 7569200"/>
-              <a:gd name="connsiteY118" fmla="*/ 5840412 h 6858000"/>
-              <a:gd name="connsiteX119" fmla="*/ 7497762 w 7569200"/>
-              <a:gd name="connsiteY119" fmla="*/ 5876925 h 6858000"/>
-              <a:gd name="connsiteX120" fmla="*/ 7516812 w 7569200"/>
-              <a:gd name="connsiteY120" fmla="*/ 5915025 h 6858000"/>
-              <a:gd name="connsiteX121" fmla="*/ 7532687 w 7569200"/>
-              <a:gd name="connsiteY121" fmla="*/ 5956300 h 6858000"/>
-              <a:gd name="connsiteX122" fmla="*/ 7546975 w 7569200"/>
-              <a:gd name="connsiteY122" fmla="*/ 6003925 h 6858000"/>
-              <a:gd name="connsiteX123" fmla="*/ 7558087 w 7569200"/>
-              <a:gd name="connsiteY123" fmla="*/ 6056312 h 6858000"/>
-              <a:gd name="connsiteX124" fmla="*/ 7566025 w 7569200"/>
-              <a:gd name="connsiteY124" fmla="*/ 6113462 h 6858000"/>
-              <a:gd name="connsiteX125" fmla="*/ 7569200 w 7569200"/>
-              <a:gd name="connsiteY125" fmla="*/ 6183312 h 6858000"/>
-              <a:gd name="connsiteX126" fmla="*/ 7566025 w 7569200"/>
-              <a:gd name="connsiteY126" fmla="*/ 6251575 h 6858000"/>
-              <a:gd name="connsiteX127" fmla="*/ 7558087 w 7569200"/>
-              <a:gd name="connsiteY127" fmla="*/ 6311900 h 6858000"/>
-              <a:gd name="connsiteX128" fmla="*/ 7546975 w 7569200"/>
-              <a:gd name="connsiteY128" fmla="*/ 6361112 h 6858000"/>
-              <a:gd name="connsiteX129" fmla="*/ 7532687 w 7569200"/>
-              <a:gd name="connsiteY129" fmla="*/ 6407150 h 6858000"/>
-              <a:gd name="connsiteX130" fmla="*/ 7516812 w 7569200"/>
-              <a:gd name="connsiteY130" fmla="*/ 6448425 h 6858000"/>
-              <a:gd name="connsiteX131" fmla="*/ 7499350 w 7569200"/>
-              <a:gd name="connsiteY131" fmla="*/ 6488112 h 6858000"/>
-              <a:gd name="connsiteX132" fmla="*/ 7481887 w 7569200"/>
-              <a:gd name="connsiteY132" fmla="*/ 6523037 h 6858000"/>
-              <a:gd name="connsiteX133" fmla="*/ 7462837 w 7569200"/>
-              <a:gd name="connsiteY133" fmla="*/ 6561137 h 6858000"/>
-              <a:gd name="connsiteX134" fmla="*/ 7443787 w 7569200"/>
-              <a:gd name="connsiteY134" fmla="*/ 6597650 h 6858000"/>
-              <a:gd name="connsiteX135" fmla="*/ 7427912 w 7569200"/>
-              <a:gd name="connsiteY135" fmla="*/ 6640512 h 6858000"/>
-              <a:gd name="connsiteX136" fmla="*/ 7412037 w 7569200"/>
-              <a:gd name="connsiteY136" fmla="*/ 6683375 h 6858000"/>
-              <a:gd name="connsiteX137" fmla="*/ 7402512 w 7569200"/>
-              <a:gd name="connsiteY137" fmla="*/ 6735762 h 6858000"/>
-              <a:gd name="connsiteX138" fmla="*/ 7394575 w 7569200"/>
-              <a:gd name="connsiteY138" fmla="*/ 6791325 h 6858000"/>
-              <a:gd name="connsiteX139" fmla="*/ 7389812 w 7569200"/>
-              <a:gd name="connsiteY139" fmla="*/ 6858000 h 6858000"/>
-              <a:gd name="connsiteX140" fmla="*/ 0 w 7569200"/>
-              <a:gd name="connsiteY140" fmla="*/ 6858000 h 6858000"/>
-              <a:gd name="connsiteX141" fmla="*/ 0 w 7569200"/>
-              <a:gd name="connsiteY141" fmla="*/ 0 h 6858000"/>
-            </a:gdLst>
-            <a:ahLst/>
-            <a:cxnLst>
-              <a:cxn ang="0">
-                <a:pos x="connsiteX0" y="connsiteY0"/>
-              </a:cxn>
-              <a:cxn ang="0">
-                <a:pos x="connsiteX1" y="connsiteY1"/>
-              </a:cxn>
-              <a:cxn ang="0">
-                <a:pos x="connsiteX2" y="connsiteY2"/>
-              </a:cxn>
-              <a:cxn ang="0">
-                <a:pos x="connsiteX3" y="connsiteY3"/>
-              </a:cxn>
-              <a:cxn ang="0">
-                <a:pos x="connsiteX4" y="connsiteY4"/>
-              </a:cxn>
-              <a:cxn ang="0">
-                <a:pos x="connsiteX5" y="connsiteY5"/>
-              </a:cxn>
-              <a:cxn ang="0">
-                <a:pos x="connsiteX6" y="connsiteY6"/>
-              </a:cxn>
-              <a:cxn ang="0">
-                <a:pos x="connsiteX7" y="connsiteY7"/>
-              </a:cxn>
-              <a:cxn ang="0">
-                <a:pos x="connsiteX8" y="connsiteY8"/>
-              </a:cxn>
-              <a:cxn ang="0">
-                <a:pos x="connsiteX9" y="connsiteY9"/>
-              </a:cxn>
-              <a:cxn ang="0">
-                <a:pos x="connsiteX10" y="connsiteY10"/>
-              </a:cxn>
-              <a:cxn ang="0">
-                <a:pos x="connsiteX11" y="connsiteY11"/>
-              </a:cxn>
-              <a:cxn ang="0">
-                <a:pos x="connsiteX12" y="connsiteY12"/>
-              </a:cxn>
-              <a:cxn ang="0">
-                <a:pos x="connsiteX13" y="connsiteY13"/>
-              </a:cxn>
-              <a:cxn ang="0">
-                <a:pos x="connsiteX14" y="connsiteY14"/>
-              </a:cxn>
-              <a:cxn ang="0">
-                <a:pos x="connsiteX15" y="connsiteY15"/>
-              </a:cxn>
-              <a:cxn ang="0">
-                <a:pos x="connsiteX16" y="connsiteY16"/>
-              </a:cxn>
-              <a:cxn ang="0">
-                <a:pos x="connsiteX17" y="connsiteY17"/>
-              </a:cxn>
-              <a:cxn ang="0">
-                <a:pos x="connsiteX18" y="connsiteY18"/>
-              </a:cxn>
-              <a:cxn ang="0">
-                <a:pos x="connsiteX19" y="connsiteY19"/>
-              </a:cxn>
-              <a:cxn ang="0">
-                <a:pos x="connsiteX20" y="connsiteY20"/>
-              </a:cxn>
-              <a:cxn ang="0">
-                <a:pos x="connsiteX21" y="connsiteY21"/>
-              </a:cxn>
-              <a:cxn ang="0">
-                <a:pos x="connsiteX22" y="connsiteY22"/>
-              </a:cxn>
-              <a:cxn ang="0">
-                <a:pos x="connsiteX23" y="connsiteY23"/>
-              </a:cxn>
-              <a:cxn ang="0">
-                <a:pos x="connsiteX24" y="connsiteY24"/>
-              </a:cxn>
-              <a:cxn ang="0">
-                <a:pos x="connsiteX25" y="connsiteY25"/>
-              </a:cxn>
-              <a:cxn ang="0">
-                <a:pos x="connsiteX26" y="connsiteY26"/>
-              </a:cxn>
-              <a:cxn ang="0">
-                <a:pos x="connsiteX27" y="connsiteY27"/>
-              </a:cxn>
-              <a:cxn ang="0">
-                <a:pos x="connsiteX28" y="connsiteY28"/>
-              </a:cxn>
-              <a:cxn ang="0">
-                <a:pos x="connsiteX29" y="connsiteY29"/>
-              </a:cxn>
-              <a:cxn ang="0">
-                <a:pos x="connsiteX30" y="connsiteY30"/>
-              </a:cxn>
-              <a:cxn ang="0">
-                <a:pos x="connsiteX31" y="connsiteY31"/>
-              </a:cxn>
-              <a:cxn ang="0">
-                <a:pos x="connsiteX32" y="connsiteY32"/>
-              </a:cxn>
-              <a:cxn ang="0">
-                <a:pos x="connsiteX33" y="connsiteY33"/>
-              </a:cxn>
-              <a:cxn ang="0">
-                <a:pos x="connsiteX34" y="connsiteY34"/>
-              </a:cxn>
-              <a:cxn ang="0">
-                <a:pos x="connsiteX35" y="connsiteY35"/>
-              </a:cxn>
-              <a:cxn ang="0">
-                <a:pos x="connsiteX36" y="connsiteY36"/>
-              </a:cxn>
-              <a:cxn ang="0">
-                <a:pos x="connsiteX37" y="connsiteY37"/>
-              </a:cxn>
-              <a:cxn ang="0">
-                <a:pos x="connsiteX38" y="connsiteY38"/>
-              </a:cxn>
-              <a:cxn ang="0">
-                <a:pos x="connsiteX39" y="connsiteY39"/>
-              </a:cxn>
-              <a:cxn ang="0">
-                <a:pos x="connsiteX40" y="connsiteY40"/>
-              </a:cxn>
-              <a:cxn ang="0">
-                <a:pos x="connsiteX41" y="connsiteY41"/>
-              </a:cxn>
-              <a:cxn ang="0">
-                <a:pos x="connsiteX42" y="connsiteY42"/>
-              </a:cxn>
-              <a:cxn ang="0">
-                <a:pos x="connsiteX43" y="connsiteY43"/>
-              </a:cxn>
-              <a:cxn ang="0">
-                <a:pos x="connsiteX44" y="connsiteY44"/>
-              </a:cxn>
-              <a:cxn ang="0">
-                <a:pos x="connsiteX45" y="connsiteY45"/>
-              </a:cxn>
-              <a:cxn ang="0">
-                <a:pos x="connsiteX46" y="connsiteY46"/>
-              </a:cxn>
-              <a:cxn ang="0">
-                <a:pos x="connsiteX47" y="connsiteY47"/>
-              </a:cxn>
-              <a:cxn ang="0">
-                <a:pos x="connsiteX48" y="connsiteY48"/>
-              </a:cxn>
-              <a:cxn ang="0">
-                <a:pos x="connsiteX49" y="connsiteY49"/>
-              </a:cxn>
-              <a:cxn ang="0">
-                <a:pos x="connsiteX50" y="connsiteY50"/>
-              </a:cxn>
-              <a:cxn ang="0">
-                <a:pos x="connsiteX51" y="connsiteY51"/>
-              </a:cxn>
-              <a:cxn ang="0">
-                <a:pos x="connsiteX52" y="connsiteY52"/>
-              </a:cxn>
-              <a:cxn ang="0">
-                <a:pos x="connsiteX53" y="connsiteY53"/>
-              </a:cxn>
-              <a:cxn ang="0">
-                <a:pos x="connsiteX54" y="connsiteY54"/>
-              </a:cxn>
-              <a:cxn ang="0">
-                <a:pos x="connsiteX55" y="connsiteY55"/>
-              </a:cxn>
-              <a:cxn ang="0">
-                <a:pos x="connsiteX56" y="connsiteY56"/>
-              </a:cxn>
-              <a:cxn ang="0">
-                <a:pos x="connsiteX57" y="connsiteY57"/>
-              </a:cxn>
-              <a:cxn ang="0">
-                <a:pos x="connsiteX58" y="connsiteY58"/>
-              </a:cxn>
-              <a:cxn ang="0">
-                <a:pos x="connsiteX59" y="connsiteY59"/>
-              </a:cxn>
-              <a:cxn ang="0">
-                <a:pos x="connsiteX60" y="connsiteY60"/>
-              </a:cxn>
-              <a:cxn ang="0">
-                <a:pos x="connsiteX61" y="connsiteY61"/>
-              </a:cxn>
-              <a:cxn ang="0">
-                <a:pos x="connsiteX62" y="connsiteY62"/>
-              </a:cxn>
-              <a:cxn ang="0">
-                <a:pos x="connsiteX63" y="connsiteY63"/>
-              </a:cxn>
-              <a:cxn ang="0">
-                <a:pos x="connsiteX64" y="connsiteY64"/>
-              </a:cxn>
-              <a:cxn ang="0">
-                <a:pos x="connsiteX65" y="connsiteY65"/>
-              </a:cxn>
-              <a:cxn ang="0">
-                <a:pos x="connsiteX66" y="connsiteY66"/>
-              </a:cxn>
-              <a:cxn ang="0">
-                <a:pos x="connsiteX67" y="connsiteY67"/>
-              </a:cxn>
-              <a:cxn ang="0">
-                <a:pos x="connsiteX68" y="connsiteY68"/>
-              </a:cxn>
-              <a:cxn ang="0">
-                <a:pos x="connsiteX69" y="connsiteY69"/>
-              </a:cxn>
-              <a:cxn ang="0">
-                <a:pos x="connsiteX70" y="connsiteY70"/>
-              </a:cxn>
-              <a:cxn ang="0">
-                <a:pos x="connsiteX71" y="connsiteY71"/>
-              </a:cxn>
-              <a:cxn ang="0">
-                <a:pos x="connsiteX72" y="connsiteY72"/>
-              </a:cxn>
-              <a:cxn ang="0">
-                <a:pos x="connsiteX73" y="connsiteY73"/>
-              </a:cxn>
-              <a:cxn ang="0">
-                <a:pos x="connsiteX74" y="connsiteY74"/>
-              </a:cxn>
-              <a:cxn ang="0">
-                <a:pos x="connsiteX75" y="connsiteY75"/>
-              </a:cxn>
-              <a:cxn ang="0">
-                <a:pos x="connsiteX76" y="connsiteY76"/>
-              </a:cxn>
-              <a:cxn ang="0">
-                <a:pos x="connsiteX77" y="connsiteY77"/>
-              </a:cxn>
-              <a:cxn ang="0">
-                <a:pos x="connsiteX78" y="connsiteY78"/>
-              </a:cxn>
-              <a:cxn ang="0">
-                <a:pos x="connsiteX79" y="connsiteY79"/>
-              </a:cxn>
-              <a:cxn ang="0">
-                <a:pos x="connsiteX80" y="connsiteY80"/>
-              </a:cxn>
-              <a:cxn ang="0">
-                <a:pos x="connsiteX81" y="connsiteY81"/>
-              </a:cxn>
-              <a:cxn ang="0">
-                <a:pos x="connsiteX82" y="connsiteY82"/>
-              </a:cxn>
-              <a:cxn ang="0">
-                <a:pos x="connsiteX83" y="connsiteY83"/>
-              </a:cxn>
-              <a:cxn ang="0">
-                <a:pos x="connsiteX84" y="connsiteY84"/>
-              </a:cxn>
-              <a:cxn ang="0">
-                <a:pos x="connsiteX85" y="connsiteY85"/>
-              </a:cxn>
-              <a:cxn ang="0">
-                <a:pos x="connsiteX86" y="connsiteY86"/>
-              </a:cxn>
-              <a:cxn ang="0">
-                <a:pos x="connsiteX87" y="connsiteY87"/>
-              </a:cxn>
-              <a:cxn ang="0">
-                <a:pos x="connsiteX88" y="connsiteY88"/>
-              </a:cxn>
-              <a:cxn ang="0">
-                <a:pos x="connsiteX89" y="connsiteY89"/>
-              </a:cxn>
-              <a:cxn ang="0">
-                <a:pos x="connsiteX90" y="connsiteY90"/>
-              </a:cxn>
-              <a:cxn ang="0">
-                <a:pos x="connsiteX91" y="connsiteY91"/>
-              </a:cxn>
-              <a:cxn ang="0">
-                <a:pos x="connsiteX92" y="connsiteY92"/>
-              </a:cxn>
-              <a:cxn ang="0">
-                <a:pos x="connsiteX93" y="connsiteY93"/>
-              </a:cxn>
-              <a:cxn ang="0">
-                <a:pos x="connsiteX94" y="connsiteY94"/>
-              </a:cxn>
-              <a:cxn ang="0">
-                <a:pos x="connsiteX95" y="connsiteY95"/>
-              </a:cxn>
-              <a:cxn ang="0">
-                <a:pos x="connsiteX96" y="connsiteY96"/>
-              </a:cxn>
-              <a:cxn ang="0">
-                <a:pos x="connsiteX97" y="connsiteY97"/>
-              </a:cxn>
-              <a:cxn ang="0">
-                <a:pos x="connsiteX98" y="connsiteY98"/>
-              </a:cxn>
-              <a:cxn ang="0">
-                <a:pos x="connsiteX99" y="connsiteY99"/>
-              </a:cxn>
-              <a:cxn ang="0">
-                <a:pos x="connsiteX100" y="connsiteY100"/>
-              </a:cxn>
-              <a:cxn ang="0">
-                <a:pos x="connsiteX101" y="connsiteY101"/>
-              </a:cxn>
-              <a:cxn ang="0">
-                <a:pos x="connsiteX102" y="connsiteY102"/>
-              </a:cxn>
-              <a:cxn ang="0">
-                <a:pos x="connsiteX103" y="connsiteY103"/>
-              </a:cxn>
-              <a:cxn ang="0">
-                <a:pos x="connsiteX104" y="connsiteY104"/>
-              </a:cxn>
-              <a:cxn ang="0">
-                <a:pos x="connsiteX105" y="connsiteY105"/>
-              </a:cxn>
-              <a:cxn ang="0">
-                <a:pos x="connsiteX106" y="connsiteY106"/>
-              </a:cxn>
-              <a:cxn ang="0">
-                <a:pos x="connsiteX107" y="connsiteY107"/>
-              </a:cxn>
-              <a:cxn ang="0">
-                <a:pos x="connsiteX108" y="connsiteY108"/>
-              </a:cxn>
-              <a:cxn ang="0">
-                <a:pos x="connsiteX109" y="connsiteY109"/>
-              </a:cxn>
-              <a:cxn ang="0">
-                <a:pos x="connsiteX110" y="connsiteY110"/>
-              </a:cxn>
-              <a:cxn ang="0">
-                <a:pos x="connsiteX111" y="connsiteY111"/>
-              </a:cxn>
-              <a:cxn ang="0">
-                <a:pos x="connsiteX112" y="connsiteY112"/>
-              </a:cxn>
-              <a:cxn ang="0">
-                <a:pos x="connsiteX113" y="connsiteY113"/>
-              </a:cxn>
-              <a:cxn ang="0">
-                <a:pos x="connsiteX114" y="connsiteY114"/>
-              </a:cxn>
-              <a:cxn ang="0">
-                <a:pos x="connsiteX115" y="connsiteY115"/>
-              </a:cxn>
-              <a:cxn ang="0">
-                <a:pos x="connsiteX116" y="connsiteY116"/>
-              </a:cxn>
-              <a:cxn ang="0">
-                <a:pos x="connsiteX117" y="connsiteY117"/>
-              </a:cxn>
-              <a:cxn ang="0">
-                <a:pos x="connsiteX118" y="connsiteY118"/>
-              </a:cxn>
-              <a:cxn ang="0">
-                <a:pos x="connsiteX119" y="connsiteY119"/>
-              </a:cxn>
-              <a:cxn ang="0">
-                <a:pos x="connsiteX120" y="connsiteY120"/>
-              </a:cxn>
-              <a:cxn ang="0">
-                <a:pos x="connsiteX121" y="connsiteY121"/>
-              </a:cxn>
-              <a:cxn ang="0">
-                <a:pos x="connsiteX122" y="connsiteY122"/>
-              </a:cxn>
-              <a:cxn ang="0">
-                <a:pos x="connsiteX123" y="connsiteY123"/>
-              </a:cxn>
-              <a:cxn ang="0">
-                <a:pos x="connsiteX124" y="connsiteY124"/>
-              </a:cxn>
-              <a:cxn ang="0">
-                <a:pos x="connsiteX125" y="connsiteY125"/>
-              </a:cxn>
-              <a:cxn ang="0">
-                <a:pos x="connsiteX126" y="connsiteY126"/>
-              </a:cxn>
-              <a:cxn ang="0">
-                <a:pos x="connsiteX127" y="connsiteY127"/>
-              </a:cxn>
-              <a:cxn ang="0">
-                <a:pos x="connsiteX128" y="connsiteY128"/>
-              </a:cxn>
-              <a:cxn ang="0">
-                <a:pos x="connsiteX129" y="connsiteY129"/>
-              </a:cxn>
-              <a:cxn ang="0">
-                <a:pos x="connsiteX130" y="connsiteY130"/>
-              </a:cxn>
-              <a:cxn ang="0">
-                <a:pos x="connsiteX131" y="connsiteY131"/>
-              </a:cxn>
-              <a:cxn ang="0">
-                <a:pos x="connsiteX132" y="connsiteY132"/>
-              </a:cxn>
-              <a:cxn ang="0">
-                <a:pos x="connsiteX133" y="connsiteY133"/>
-              </a:cxn>
-              <a:cxn ang="0">
-                <a:pos x="connsiteX134" y="connsiteY134"/>
-              </a:cxn>
-              <a:cxn ang="0">
-                <a:pos x="connsiteX135" y="connsiteY135"/>
-              </a:cxn>
-              <a:cxn ang="0">
-                <a:pos x="connsiteX136" y="connsiteY136"/>
-              </a:cxn>
-              <a:cxn ang="0">
-                <a:pos x="connsiteX137" y="connsiteY137"/>
-              </a:cxn>
-              <a:cxn ang="0">
-                <a:pos x="connsiteX138" y="connsiteY138"/>
-              </a:cxn>
-              <a:cxn ang="0">
-                <a:pos x="connsiteX139" y="connsiteY139"/>
-              </a:cxn>
-              <a:cxn ang="0">
-                <a:pos x="connsiteX140" y="connsiteY140"/>
-              </a:cxn>
-              <a:cxn ang="0">
-                <a:pos x="connsiteX141" y="connsiteY141"/>
-              </a:cxn>
-            </a:cxnLst>
-            <a:rect l="l" t="t" r="r" b="b"/>
-            <a:pathLst>
-              <a:path w="7569200" h="6858000">
-                <a:moveTo>
-                  <a:pt x="0" y="0"/>
-                </a:moveTo>
-                <a:lnTo>
-                  <a:pt x="7389812" y="0"/>
-                </a:lnTo>
-                <a:lnTo>
-                  <a:pt x="7394575" y="66675"/>
-                </a:lnTo>
-                <a:lnTo>
-                  <a:pt x="7402512" y="122237"/>
-                </a:lnTo>
-                <a:lnTo>
-                  <a:pt x="7412037" y="174625"/>
-                </a:lnTo>
-                <a:lnTo>
-                  <a:pt x="7427912" y="217487"/>
-                </a:lnTo>
-                <a:lnTo>
-                  <a:pt x="7443787" y="260350"/>
-                </a:lnTo>
-                <a:lnTo>
-                  <a:pt x="7462837" y="296862"/>
-                </a:lnTo>
-                <a:lnTo>
-                  <a:pt x="7481887" y="334962"/>
-                </a:lnTo>
-                <a:lnTo>
-                  <a:pt x="7499350" y="369887"/>
-                </a:lnTo>
-                <a:lnTo>
-                  <a:pt x="7516812" y="409575"/>
-                </a:lnTo>
-                <a:lnTo>
-                  <a:pt x="7532687" y="450850"/>
-                </a:lnTo>
-                <a:lnTo>
-                  <a:pt x="7546975" y="496887"/>
-                </a:lnTo>
-                <a:lnTo>
-                  <a:pt x="7558087" y="546100"/>
-                </a:lnTo>
-                <a:lnTo>
-                  <a:pt x="7566025" y="606425"/>
-                </a:lnTo>
-                <a:lnTo>
-                  <a:pt x="7569200" y="673100"/>
-                </a:lnTo>
-                <a:lnTo>
-                  <a:pt x="7566025" y="744537"/>
-                </a:lnTo>
-                <a:lnTo>
-                  <a:pt x="7558087" y="801687"/>
-                </a:lnTo>
-                <a:lnTo>
-                  <a:pt x="7546975" y="854075"/>
-                </a:lnTo>
-                <a:lnTo>
-                  <a:pt x="7532687" y="901700"/>
-                </a:lnTo>
-                <a:lnTo>
-                  <a:pt x="7516812" y="942975"/>
-                </a:lnTo>
-                <a:lnTo>
-                  <a:pt x="7497762" y="981075"/>
-                </a:lnTo>
-                <a:lnTo>
-                  <a:pt x="7478712" y="1017587"/>
-                </a:lnTo>
-                <a:lnTo>
-                  <a:pt x="7459662" y="1055687"/>
-                </a:lnTo>
-                <a:lnTo>
-                  <a:pt x="7442200" y="1095375"/>
-                </a:lnTo>
-                <a:lnTo>
-                  <a:pt x="7424737" y="1136650"/>
-                </a:lnTo>
-                <a:lnTo>
-                  <a:pt x="7410450" y="1182687"/>
-                </a:lnTo>
-                <a:lnTo>
-                  <a:pt x="7400925" y="1235075"/>
-                </a:lnTo>
-                <a:lnTo>
-                  <a:pt x="7391400" y="1295400"/>
-                </a:lnTo>
-                <a:lnTo>
-                  <a:pt x="7389812" y="1363662"/>
-                </a:lnTo>
-                <a:lnTo>
-                  <a:pt x="7391400" y="1431925"/>
-                </a:lnTo>
-                <a:lnTo>
-                  <a:pt x="7400925" y="1492250"/>
-                </a:lnTo>
-                <a:lnTo>
-                  <a:pt x="7410450" y="1544637"/>
-                </a:lnTo>
-                <a:lnTo>
-                  <a:pt x="7424737" y="1589087"/>
-                </a:lnTo>
-                <a:lnTo>
-                  <a:pt x="7442200" y="1631950"/>
-                </a:lnTo>
-                <a:lnTo>
-                  <a:pt x="7459662" y="1671637"/>
-                </a:lnTo>
-                <a:lnTo>
-                  <a:pt x="7478712" y="1708150"/>
-                </a:lnTo>
-                <a:lnTo>
-                  <a:pt x="7497762" y="1743075"/>
-                </a:lnTo>
-                <a:lnTo>
-                  <a:pt x="7516812" y="1782762"/>
-                </a:lnTo>
-                <a:lnTo>
-                  <a:pt x="7532687" y="1824037"/>
-                </a:lnTo>
-                <a:lnTo>
-                  <a:pt x="7546975" y="1870075"/>
-                </a:lnTo>
-                <a:lnTo>
-                  <a:pt x="7558087" y="1922462"/>
-                </a:lnTo>
-                <a:lnTo>
-                  <a:pt x="7566025" y="1982787"/>
-                </a:lnTo>
-                <a:lnTo>
-                  <a:pt x="7569200" y="2051050"/>
-                </a:lnTo>
-                <a:lnTo>
-                  <a:pt x="7566025" y="2119312"/>
-                </a:lnTo>
-                <a:lnTo>
-                  <a:pt x="7558087" y="2179637"/>
-                </a:lnTo>
-                <a:lnTo>
-                  <a:pt x="7546975" y="2232025"/>
-                </a:lnTo>
-                <a:lnTo>
-                  <a:pt x="7532687" y="2278062"/>
-                </a:lnTo>
-                <a:lnTo>
-                  <a:pt x="7516812" y="2319337"/>
-                </a:lnTo>
-                <a:lnTo>
-                  <a:pt x="7497762" y="2359025"/>
-                </a:lnTo>
-                <a:lnTo>
-                  <a:pt x="7478712" y="2395537"/>
-                </a:lnTo>
-                <a:lnTo>
-                  <a:pt x="7459662" y="2433637"/>
-                </a:lnTo>
-                <a:lnTo>
-                  <a:pt x="7442200" y="2471737"/>
-                </a:lnTo>
-                <a:lnTo>
-                  <a:pt x="7424737" y="2513012"/>
-                </a:lnTo>
-                <a:lnTo>
-                  <a:pt x="7410450" y="2560637"/>
-                </a:lnTo>
-                <a:lnTo>
-                  <a:pt x="7400925" y="2613025"/>
-                </a:lnTo>
-                <a:lnTo>
-                  <a:pt x="7391400" y="2671762"/>
-                </a:lnTo>
-                <a:lnTo>
-                  <a:pt x="7389812" y="2741612"/>
-                </a:lnTo>
-                <a:lnTo>
-                  <a:pt x="7391400" y="2809875"/>
-                </a:lnTo>
-                <a:lnTo>
-                  <a:pt x="7400925" y="2868612"/>
-                </a:lnTo>
-                <a:lnTo>
-                  <a:pt x="7410450" y="2922587"/>
-                </a:lnTo>
-                <a:lnTo>
-                  <a:pt x="7424737" y="2967037"/>
-                </a:lnTo>
-                <a:lnTo>
-                  <a:pt x="7442200" y="3009900"/>
-                </a:lnTo>
-                <a:lnTo>
-                  <a:pt x="7459662" y="3046412"/>
-                </a:lnTo>
-                <a:lnTo>
-                  <a:pt x="7478712" y="3084512"/>
-                </a:lnTo>
-                <a:lnTo>
-                  <a:pt x="7497762" y="3121025"/>
-                </a:lnTo>
-                <a:lnTo>
-                  <a:pt x="7516812" y="3160712"/>
-                </a:lnTo>
-                <a:lnTo>
-                  <a:pt x="7532687" y="3201987"/>
-                </a:lnTo>
-                <a:lnTo>
-                  <a:pt x="7546975" y="3248025"/>
-                </a:lnTo>
-                <a:lnTo>
-                  <a:pt x="7558087" y="3300412"/>
-                </a:lnTo>
-                <a:lnTo>
-                  <a:pt x="7566025" y="3360737"/>
-                </a:lnTo>
-                <a:lnTo>
-                  <a:pt x="7569200" y="3427412"/>
-                </a:lnTo>
-                <a:lnTo>
-                  <a:pt x="7566025" y="3497262"/>
-                </a:lnTo>
-                <a:lnTo>
-                  <a:pt x="7558087" y="3557587"/>
-                </a:lnTo>
-                <a:lnTo>
-                  <a:pt x="7546975" y="3609975"/>
-                </a:lnTo>
-                <a:lnTo>
-                  <a:pt x="7532687" y="3656012"/>
-                </a:lnTo>
-                <a:lnTo>
-                  <a:pt x="7516812" y="3697287"/>
-                </a:lnTo>
-                <a:lnTo>
-                  <a:pt x="7497762" y="3736975"/>
-                </a:lnTo>
-                <a:lnTo>
-                  <a:pt x="7459662" y="3811587"/>
-                </a:lnTo>
-                <a:lnTo>
-                  <a:pt x="7442200" y="3848100"/>
-                </a:lnTo>
-                <a:lnTo>
-                  <a:pt x="7424737" y="3890962"/>
-                </a:lnTo>
-                <a:lnTo>
-                  <a:pt x="7410450" y="3935412"/>
-                </a:lnTo>
-                <a:lnTo>
-                  <a:pt x="7400925" y="3987800"/>
-                </a:lnTo>
-                <a:lnTo>
-                  <a:pt x="7391400" y="4048125"/>
-                </a:lnTo>
-                <a:lnTo>
-                  <a:pt x="7389812" y="4116387"/>
-                </a:lnTo>
-                <a:lnTo>
-                  <a:pt x="7391400" y="4186237"/>
-                </a:lnTo>
-                <a:lnTo>
-                  <a:pt x="7400925" y="4244975"/>
-                </a:lnTo>
-                <a:lnTo>
-                  <a:pt x="7410450" y="4297362"/>
-                </a:lnTo>
-                <a:lnTo>
-                  <a:pt x="7424737" y="4343400"/>
-                </a:lnTo>
-                <a:lnTo>
-                  <a:pt x="7442200" y="4386262"/>
-                </a:lnTo>
-                <a:lnTo>
-                  <a:pt x="7459662" y="4424362"/>
-                </a:lnTo>
-                <a:lnTo>
-                  <a:pt x="7497762" y="4498975"/>
-                </a:lnTo>
-                <a:lnTo>
-                  <a:pt x="7516812" y="4537075"/>
-                </a:lnTo>
-                <a:lnTo>
-                  <a:pt x="7532687" y="4579937"/>
-                </a:lnTo>
-                <a:lnTo>
-                  <a:pt x="7546975" y="4625975"/>
-                </a:lnTo>
-                <a:lnTo>
-                  <a:pt x="7558087" y="4678362"/>
-                </a:lnTo>
-                <a:lnTo>
-                  <a:pt x="7566025" y="4738687"/>
-                </a:lnTo>
-                <a:lnTo>
-                  <a:pt x="7569200" y="4806950"/>
-                </a:lnTo>
-                <a:lnTo>
-                  <a:pt x="7566025" y="4875212"/>
-                </a:lnTo>
-                <a:lnTo>
-                  <a:pt x="7558087" y="4935537"/>
-                </a:lnTo>
-                <a:lnTo>
-                  <a:pt x="7546975" y="4987925"/>
-                </a:lnTo>
-                <a:lnTo>
-                  <a:pt x="7532687" y="5033962"/>
-                </a:lnTo>
-                <a:lnTo>
-                  <a:pt x="7516812" y="5075237"/>
-                </a:lnTo>
-                <a:lnTo>
-                  <a:pt x="7497762" y="5114925"/>
-                </a:lnTo>
-                <a:lnTo>
-                  <a:pt x="7478712" y="5149850"/>
-                </a:lnTo>
-                <a:lnTo>
-                  <a:pt x="7459662" y="5186362"/>
-                </a:lnTo>
-                <a:lnTo>
-                  <a:pt x="7442200" y="5226050"/>
-                </a:lnTo>
-                <a:lnTo>
-                  <a:pt x="7424737" y="5268912"/>
-                </a:lnTo>
-                <a:lnTo>
-                  <a:pt x="7410450" y="5313362"/>
-                </a:lnTo>
-                <a:lnTo>
-                  <a:pt x="7400925" y="5365750"/>
-                </a:lnTo>
-                <a:lnTo>
-                  <a:pt x="7391400" y="5426075"/>
-                </a:lnTo>
-                <a:lnTo>
-                  <a:pt x="7389812" y="5494337"/>
-                </a:lnTo>
-                <a:lnTo>
-                  <a:pt x="7391400" y="5562600"/>
-                </a:lnTo>
-                <a:lnTo>
-                  <a:pt x="7400925" y="5622925"/>
-                </a:lnTo>
-                <a:lnTo>
-                  <a:pt x="7410450" y="5675312"/>
-                </a:lnTo>
-                <a:lnTo>
-                  <a:pt x="7424737" y="5721350"/>
-                </a:lnTo>
-                <a:lnTo>
-                  <a:pt x="7442200" y="5762625"/>
-                </a:lnTo>
-                <a:lnTo>
-                  <a:pt x="7459662" y="5802312"/>
-                </a:lnTo>
-                <a:lnTo>
-                  <a:pt x="7478712" y="5840412"/>
-                </a:lnTo>
-                <a:lnTo>
-                  <a:pt x="7497762" y="5876925"/>
-                </a:lnTo>
-                <a:lnTo>
-                  <a:pt x="7516812" y="5915025"/>
-                </a:lnTo>
-                <a:lnTo>
-                  <a:pt x="7532687" y="5956300"/>
-                </a:lnTo>
-                <a:lnTo>
-                  <a:pt x="7546975" y="6003925"/>
-                </a:lnTo>
-                <a:lnTo>
-                  <a:pt x="7558087" y="6056312"/>
-                </a:lnTo>
-                <a:lnTo>
-                  <a:pt x="7566025" y="6113462"/>
-                </a:lnTo>
-                <a:lnTo>
-                  <a:pt x="7569200" y="6183312"/>
-                </a:lnTo>
-                <a:lnTo>
-                  <a:pt x="7566025" y="6251575"/>
-                </a:lnTo>
-                <a:lnTo>
-                  <a:pt x="7558087" y="6311900"/>
-                </a:lnTo>
-                <a:lnTo>
-                  <a:pt x="7546975" y="6361112"/>
-                </a:lnTo>
-                <a:lnTo>
-                  <a:pt x="7532687" y="6407150"/>
-                </a:lnTo>
-                <a:lnTo>
-                  <a:pt x="7516812" y="6448425"/>
-                </a:lnTo>
-                <a:lnTo>
-                  <a:pt x="7499350" y="6488112"/>
-                </a:lnTo>
-                <a:lnTo>
-                  <a:pt x="7481887" y="6523037"/>
-                </a:lnTo>
-                <a:lnTo>
-                  <a:pt x="7462837" y="6561137"/>
-                </a:lnTo>
-                <a:lnTo>
-                  <a:pt x="7443787" y="6597650"/>
-                </a:lnTo>
-                <a:lnTo>
-                  <a:pt x="7427912" y="6640512"/>
-                </a:lnTo>
-                <a:lnTo>
-                  <a:pt x="7412037" y="6683375"/>
-                </a:lnTo>
-                <a:lnTo>
-                  <a:pt x="7402512" y="6735762"/>
-                </a:lnTo>
-                <a:lnTo>
-                  <a:pt x="7394575" y="6791325"/>
-                </a:lnTo>
-                <a:lnTo>
-                  <a:pt x="7389812" y="6858000"/>
-                </a:lnTo>
-                <a:lnTo>
-                  <a:pt x="0" y="6858000"/>
-                </a:lnTo>
-                <a:lnTo>
-                  <a:pt x="0" y="0"/>
-                </a:lnTo>
-                <a:close/>
-              </a:path>
-            </a:pathLst>
-          </a:custGeom>
-          <a:solidFill>
-            <a:schemeClr val="bg2">
-              <a:lumMod val="90000"/>
-            </a:schemeClr>
-          </a:solidFill>
-          <a:ln w="0">
-            <a:noFill/>
-            <a:prstDash val="solid"/>
-            <a:round/>
-            <a:headEnd/>
-            <a:tailEnd/>
-          </a:ln>
-        </p:spPr>
-      </p:sp>
-      <p:sp>
-        <p:nvSpPr>
-          <p:cNvPr id="18" name="Téglalap 13">
-            <a:extLst>
-              <a:ext uri="{FF2B5EF4-FFF2-40B4-BE49-F238E27FC236}">
-                <a16:creationId xmlns:a16="http://schemas.microsoft.com/office/drawing/2014/main" id="{D3E95A6B-F840-413C-9E78-C33C02FFA468}"/>
-              </a:ext>
-              <a:ext uri="{C183D7F6-B498-43B3-948B-1728B52AA6E4}">
-                <adec:decorative xmlns:adec="http://schemas.microsoft.com/office/drawing/2017/decorative" val="1"/>
-              </a:ext>
-            </a:extLst>
-          </p:cNvPr>
-          <p:cNvSpPr>
-            <a:spLocks noGrp="1" noRot="1" noChangeAspect="1" noMove="1" noResize="1" noEditPoints="1" noAdjustHandles="1" noChangeArrowheads="1" noChangeShapeType="1" noTextEdit="1"/>
-          </p:cNvSpPr>
-          <p:nvPr>
-            <p:extLst>
-              <p:ext uri="{386F3935-93C4-4BCD-93E2-E3B085C9AB24}">
-                <p16:designElem xmlns:p16="http://schemas.microsoft.com/office/powerpoint/2015/main" val="1"/>
-              </p:ext>
-            </p:extLst>
-          </p:nvPr>
-        </p:nvSpPr>
-        <p:spPr>
-          <a:xfrm>
-            <a:off x="0" y="0"/>
-            <a:ext cx="283464" cy="6858000"/>
-          </a:xfrm>
-          <a:prstGeom prst="rect">
-            <a:avLst/>
-          </a:prstGeom>
-          <a:solidFill>
-            <a:schemeClr val="accent1"/>
-          </a:solidFill>
-          <a:ln>
-            <a:noFill/>
-          </a:ln>
-        </p:spPr>
-        <p:style>
-          <a:lnRef idx="2">
-            <a:schemeClr val="accent1">
-              <a:shade val="50000"/>
-            </a:schemeClr>
-          </a:lnRef>
-          <a:fillRef idx="1">
-            <a:schemeClr val="accent1"/>
-          </a:fillRef>
-          <a:effectRef idx="0">
-            <a:schemeClr val="accent1"/>
-          </a:effectRef>
-          <a:fontRef idx="minor">
-            <a:schemeClr val="lt1"/>
-          </a:fontRef>
-        </p:style>
-      </p:sp>
-      <p:graphicFrame>
-        <p:nvGraphicFramePr>
-          <p:cNvPr id="19" name="Tartalom helye 2" descr="SmartArt idővonal helykitöltő">
-            <a:extLst>
-              <a:ext uri="{FF2B5EF4-FFF2-40B4-BE49-F238E27FC236}">
-                <a16:creationId xmlns:a16="http://schemas.microsoft.com/office/drawing/2014/main" id="{93C3D81C-D261-4493-942F-A53CECB4AAB1}"/>
-              </a:ext>
-            </a:extLst>
-          </p:cNvPr>
-          <p:cNvGraphicFramePr>
-            <a:graphicFrameLocks noGrp="1"/>
-          </p:cNvGraphicFramePr>
-          <p:nvPr>
-            <p:ph idx="1"/>
-            <p:extLst>
-              <p:ext uri="{D42A27DB-BD31-4B8C-83A1-F6EECF244321}">
-                <p14:modId xmlns:p14="http://schemas.microsoft.com/office/powerpoint/2010/main" val="1333630337"/>
-              </p:ext>
-            </p:extLst>
-          </p:nvPr>
-        </p:nvGraphicFramePr>
-        <p:xfrm>
-          <a:off x="765175" y="481013"/>
-          <a:ext cx="6305550" cy="5573284"/>
-        </p:xfrm>
-        <a:graphic>
-          <a:graphicData uri="http://schemas.openxmlformats.org/drawingml/2006/diagram">
-            <dgm:relIds xmlns:dgm="http://schemas.openxmlformats.org/drawingml/2006/diagram" xmlns:r="http://schemas.openxmlformats.org/officeDocument/2006/relationships" r:dm="rId3" r:lo="rId4" r:qs="rId5" r:cs="rId6"/>
-          </a:graphicData>
-        </a:graphic>
-      </p:graphicFrame>
       <p:sp>
         <p:nvSpPr>
           <p:cNvPr id="2" name="Cím 1">
             <a:extLst>
               <a:ext uri="{FF2B5EF4-FFF2-40B4-BE49-F238E27FC236}">
-                <a16:creationId xmlns:a16="http://schemas.microsoft.com/office/drawing/2014/main" id="{784806D2-3CDF-4070-AF3B-DC017A5A0A83}"/>
+                <a16:creationId xmlns:a16="http://schemas.microsoft.com/office/drawing/2014/main" id="{87933A0E-9625-4A4D-99E1-05AC1A667EA4}"/>
               </a:ext>
             </a:extLst>
           </p:cNvPr>
@@ -16657,24 +11495,101 @@
         </p:nvSpPr>
         <p:spPr>
           <a:xfrm>
-            <a:off x="8050787" y="482321"/>
-            <a:ext cx="3656581" cy="5571625"/>
+            <a:off x="4423033" y="524073"/>
+            <a:ext cx="10172700" cy="1493517"/>
           </a:xfrm>
         </p:spPr>
         <p:txBody>
-          <a:bodyPr rtlCol="0" anchor="ctr">
+          <a:bodyPr>
             <a:normAutofit/>
           </a:bodyPr>
           <a:lstStyle/>
           <a:p>
-            <a:pPr rtl="0"/>
-            <a:r>
-              <a:rPr lang="hu-HU" dirty="0"/>
-              <a:t>Cím </a:t>
-            </a:r>
+            <a:r>
+              <a:rPr lang="hu-HU" sz="9600" dirty="0" err="1">
+                <a:latin typeface="Bodoni MT Condensed" panose="02070606080606020203" pitchFamily="18" charset="0"/>
+              </a:rPr>
+              <a:t>DRIVEus</a:t>
+            </a:r>
+            <a:endParaRPr lang="hu-HU" sz="9600" dirty="0">
+              <a:latin typeface="Bodoni MT Condensed" panose="02070606080606020203" pitchFamily="18" charset="0"/>
+            </a:endParaRPr>
+          </a:p>
+        </p:txBody>
+      </p:sp>
+      <p:sp>
+        <p:nvSpPr>
+          <p:cNvPr id="3" name="Szöveg helye 2">
+            <a:extLst>
+              <a:ext uri="{FF2B5EF4-FFF2-40B4-BE49-F238E27FC236}">
+                <a16:creationId xmlns:a16="http://schemas.microsoft.com/office/drawing/2014/main" id="{2A066B12-822F-4795-829B-C76A5792BC42}"/>
+              </a:ext>
+            </a:extLst>
+          </p:cNvPr>
+          <p:cNvSpPr>
+            <a:spLocks noGrp="1"/>
+          </p:cNvSpPr>
+          <p:nvPr>
+            <p:ph type="body" idx="1"/>
+          </p:nvPr>
+        </p:nvSpPr>
+        <p:spPr>
+          <a:xfrm>
+            <a:off x="1542471" y="2290790"/>
+            <a:ext cx="4800600" cy="632529"/>
+          </a:xfrm>
+        </p:spPr>
+        <p:txBody>
+          <a:bodyPr/>
+          <a:lstStyle/>
+          <a:p>
+            <a:r>
+              <a:rPr lang="hu-HU" sz="2800" dirty="0">
+                <a:latin typeface="Bodoni MT Condensed" panose="02070606080606020203" pitchFamily="18" charset="0"/>
+              </a:rPr>
+              <a:t>The </a:t>
+            </a:r>
+            <a:r>
+              <a:rPr lang="hu-HU" sz="2800" dirty="0" err="1">
+                <a:latin typeface="Bodoni MT Condensed" panose="02070606080606020203" pitchFamily="18" charset="0"/>
+              </a:rPr>
+              <a:t>probelem</a:t>
+            </a:r>
+            <a:endParaRPr lang="hu-HU" sz="2800" dirty="0">
+              <a:latin typeface="Bodoni MT Condensed" panose="02070606080606020203" pitchFamily="18" charset="0"/>
+            </a:endParaRPr>
+          </a:p>
+        </p:txBody>
+      </p:sp>
+      <p:sp>
+        <p:nvSpPr>
+          <p:cNvPr id="4" name="Tartalom helye 3">
+            <a:extLst>
+              <a:ext uri="{FF2B5EF4-FFF2-40B4-BE49-F238E27FC236}">
+                <a16:creationId xmlns:a16="http://schemas.microsoft.com/office/drawing/2014/main" id="{9EA5D02B-5ABA-4969-A302-4A2A9EAD84A0}"/>
+              </a:ext>
+            </a:extLst>
+          </p:cNvPr>
+          <p:cNvSpPr>
+            <a:spLocks noGrp="1"/>
+          </p:cNvSpPr>
+          <p:nvPr>
+            <p:ph sz="half" idx="2"/>
+          </p:nvPr>
+        </p:nvSpPr>
+        <p:spPr>
+          <a:xfrm>
+            <a:off x="1295400" y="3467739"/>
+            <a:ext cx="4800600" cy="2996398"/>
+          </a:xfrm>
+        </p:spPr>
+        <p:txBody>
+          <a:bodyPr/>
+          <a:lstStyle/>
+          <a:p>
             <a:r>
               <a:rPr lang="hu-HU" dirty="0" err="1"/>
-              <a:t>Ipsum</a:t>
+              <a:t>Only</a:t>
             </a:r>
             <a:r>
               <a:rPr lang="hu-HU" dirty="0"/>
@@ -16682,7 +11597,7 @@
             </a:r>
             <a:r>
               <a:rPr lang="hu-HU" dirty="0" err="1"/>
-              <a:t>dolor</a:t>
+              <a:t>call</a:t>
             </a:r>
             <a:r>
               <a:rPr lang="hu-HU" dirty="0"/>
@@ -16690,8 +11605,260 @@
             </a:r>
             <a:r>
               <a:rPr lang="hu-HU" dirty="0" err="1"/>
-              <a:t>sit</a:t>
-            </a:r>
+              <a:t>based</a:t>
+            </a:r>
+            <a:r>
+              <a:rPr lang="hu-HU" dirty="0"/>
+              <a:t> </a:t>
+            </a:r>
+            <a:r>
+              <a:rPr lang="hu-HU" dirty="0" err="1"/>
+              <a:t>reservations</a:t>
+            </a:r>
+            <a:endParaRPr lang="hu-HU" dirty="0"/>
+          </a:p>
+          <a:p>
+            <a:r>
+              <a:rPr lang="hu-HU" dirty="0"/>
+              <a:t>The </a:t>
+            </a:r>
+            <a:r>
+              <a:rPr lang="hu-HU" dirty="0" err="1"/>
+              <a:t>quality</a:t>
+            </a:r>
+            <a:r>
+              <a:rPr lang="hu-HU" dirty="0"/>
+              <a:t> of </a:t>
+            </a:r>
+            <a:r>
+              <a:rPr lang="hu-HU" dirty="0" err="1"/>
+              <a:t>the</a:t>
+            </a:r>
+            <a:r>
+              <a:rPr lang="hu-HU" dirty="0"/>
+              <a:t> </a:t>
+            </a:r>
+            <a:r>
+              <a:rPr lang="hu-HU" dirty="0" err="1"/>
+              <a:t>cars</a:t>
+            </a:r>
+            <a:endParaRPr lang="hu-HU" dirty="0"/>
+          </a:p>
+          <a:p>
+            <a:r>
+              <a:rPr lang="hu-HU" dirty="0"/>
+              <a:t>No platform </a:t>
+            </a:r>
+            <a:r>
+              <a:rPr lang="hu-HU" dirty="0" err="1"/>
+              <a:t>for</a:t>
+            </a:r>
+            <a:r>
+              <a:rPr lang="hu-HU" dirty="0"/>
+              <a:t> </a:t>
+            </a:r>
+            <a:r>
+              <a:rPr lang="hu-HU" dirty="0" err="1"/>
+              <a:t>the</a:t>
+            </a:r>
+            <a:r>
+              <a:rPr lang="hu-HU" dirty="0"/>
+              <a:t> </a:t>
+            </a:r>
+            <a:r>
+              <a:rPr lang="hu-HU" dirty="0" err="1"/>
+              <a:t>renting</a:t>
+            </a:r>
+            <a:r>
+              <a:rPr lang="hu-HU" dirty="0"/>
+              <a:t> </a:t>
+            </a:r>
+            <a:r>
+              <a:rPr lang="hu-HU" dirty="0" err="1"/>
+              <a:t>informations</a:t>
+            </a:r>
+            <a:endParaRPr lang="hu-HU" dirty="0"/>
+          </a:p>
+          <a:p>
+            <a:endParaRPr lang="hu-HU" dirty="0"/>
+          </a:p>
+        </p:txBody>
+      </p:sp>
+      <p:sp>
+        <p:nvSpPr>
+          <p:cNvPr id="5" name="Szöveg helye 4">
+            <a:extLst>
+              <a:ext uri="{FF2B5EF4-FFF2-40B4-BE49-F238E27FC236}">
+                <a16:creationId xmlns:a16="http://schemas.microsoft.com/office/drawing/2014/main" id="{F1DA47AF-91B2-4DE7-BC82-8611434C7D85}"/>
+              </a:ext>
+            </a:extLst>
+          </p:cNvPr>
+          <p:cNvSpPr>
+            <a:spLocks noGrp="1"/>
+          </p:cNvSpPr>
+          <p:nvPr>
+            <p:ph type="body" sz="quarter" idx="3"/>
+          </p:nvPr>
+        </p:nvSpPr>
+        <p:spPr>
+          <a:xfrm>
+            <a:off x="6661296" y="2290789"/>
+            <a:ext cx="4800600" cy="632529"/>
+          </a:xfrm>
+        </p:spPr>
+        <p:txBody>
+          <a:bodyPr/>
+          <a:lstStyle/>
+          <a:p>
+            <a:r>
+              <a:rPr lang="hu-HU" sz="2800" dirty="0">
+                <a:latin typeface="Bodoni MT Condensed" panose="02070606080606020203" pitchFamily="18" charset="0"/>
+              </a:rPr>
+              <a:t>The </a:t>
+            </a:r>
+            <a:r>
+              <a:rPr lang="hu-HU" sz="2800" dirty="0" err="1">
+                <a:latin typeface="Bodoni MT Condensed" panose="02070606080606020203" pitchFamily="18" charset="0"/>
+              </a:rPr>
+              <a:t>solution</a:t>
+            </a:r>
+            <a:endParaRPr lang="hu-HU" sz="2800" dirty="0">
+              <a:latin typeface="Bodoni MT Condensed" panose="02070606080606020203" pitchFamily="18" charset="0"/>
+            </a:endParaRPr>
+          </a:p>
+        </p:txBody>
+      </p:sp>
+      <p:sp>
+        <p:nvSpPr>
+          <p:cNvPr id="6" name="Tartalom helye 5">
+            <a:extLst>
+              <a:ext uri="{FF2B5EF4-FFF2-40B4-BE49-F238E27FC236}">
+                <a16:creationId xmlns:a16="http://schemas.microsoft.com/office/drawing/2014/main" id="{CF66838F-02F9-413B-B369-8985BC063E7A}"/>
+              </a:ext>
+            </a:extLst>
+          </p:cNvPr>
+          <p:cNvSpPr>
+            <a:spLocks noGrp="1"/>
+          </p:cNvSpPr>
+          <p:nvPr>
+            <p:ph sz="quarter" idx="4"/>
+          </p:nvPr>
+        </p:nvSpPr>
+        <p:spPr>
+          <a:xfrm>
+            <a:off x="6505848" y="3196517"/>
+            <a:ext cx="4800600" cy="2996398"/>
+          </a:xfrm>
+        </p:spPr>
+        <p:txBody>
+          <a:bodyPr/>
+          <a:lstStyle/>
+          <a:p>
+            <a:r>
+              <a:rPr lang="hu-HU" dirty="0" err="1"/>
+              <a:t>DriveUs</a:t>
+            </a:r>
+            <a:endParaRPr lang="hu-HU" dirty="0"/>
+          </a:p>
+          <a:p>
+            <a:r>
+              <a:rPr lang="hu-HU" dirty="0" err="1"/>
+              <a:t>Available</a:t>
+            </a:r>
+            <a:r>
+              <a:rPr lang="hu-HU" dirty="0"/>
+              <a:t> </a:t>
+            </a:r>
+            <a:r>
+              <a:rPr lang="hu-HU" dirty="0" err="1"/>
+              <a:t>for</a:t>
+            </a:r>
+            <a:r>
+              <a:rPr lang="hu-HU" dirty="0"/>
+              <a:t> </a:t>
+            </a:r>
+            <a:r>
+              <a:rPr lang="hu-HU" dirty="0" err="1"/>
+              <a:t>anyone</a:t>
+            </a:r>
+            <a:r>
+              <a:rPr lang="hu-HU" dirty="0"/>
+              <a:t> </a:t>
+            </a:r>
+            <a:r>
+              <a:rPr lang="hu-HU" dirty="0" err="1"/>
+              <a:t>anywhere</a:t>
+            </a:r>
+            <a:r>
+              <a:rPr lang="hu-HU" dirty="0"/>
+              <a:t> and </a:t>
+            </a:r>
+            <a:r>
+              <a:rPr lang="hu-HU" dirty="0" err="1"/>
+              <a:t>anytime</a:t>
+            </a:r>
+            <a:endParaRPr lang="hu-HU" dirty="0"/>
+          </a:p>
+          <a:p>
+            <a:r>
+              <a:rPr lang="hu-HU" dirty="0" err="1"/>
+              <a:t>Easy</a:t>
+            </a:r>
+            <a:r>
+              <a:rPr lang="hu-HU" dirty="0"/>
+              <a:t> </a:t>
+            </a:r>
+            <a:r>
+              <a:rPr lang="hu-HU" dirty="0" err="1"/>
+              <a:t>communicaton</a:t>
+            </a:r>
+            <a:r>
+              <a:rPr lang="hu-HU" dirty="0"/>
+              <a:t> over </a:t>
+            </a:r>
+            <a:r>
+              <a:rPr lang="hu-HU" dirty="0" err="1"/>
+              <a:t>the</a:t>
+            </a:r>
+            <a:r>
+              <a:rPr lang="hu-HU" dirty="0"/>
+              <a:t> platform</a:t>
+            </a:r>
+          </a:p>
+          <a:p>
+            <a:r>
+              <a:rPr lang="hu-HU" dirty="0" err="1"/>
+              <a:t>Information</a:t>
+            </a:r>
+            <a:r>
+              <a:rPr lang="hu-HU" dirty="0"/>
+              <a:t> </a:t>
+            </a:r>
+            <a:r>
+              <a:rPr lang="hu-HU" dirty="0" err="1"/>
+              <a:t>pages</a:t>
+            </a:r>
+            <a:r>
+              <a:rPr lang="hu-HU" dirty="0"/>
+              <a:t> </a:t>
+            </a:r>
+          </a:p>
+          <a:p>
+            <a:r>
+              <a:rPr lang="en-US" dirty="0"/>
+              <a:t>Intuitive and easy to use</a:t>
+            </a:r>
+            <a:r>
+              <a:rPr lang="hu-HU" dirty="0"/>
+              <a:t> and </a:t>
+            </a:r>
+            <a:r>
+              <a:rPr lang="hu-HU" dirty="0" err="1"/>
+              <a:t>user-friendly</a:t>
+            </a:r>
+            <a:endParaRPr lang="hu-HU" dirty="0"/>
+          </a:p>
+          <a:p>
             <a:endParaRPr lang="hu-HU" dirty="0"/>
           </a:p>
         </p:txBody>
@@ -16699,7 +11866,738 @@
     </p:spTree>
     <p:extLst>
       <p:ext uri="{BB962C8B-B14F-4D97-AF65-F5344CB8AC3E}">
-        <p14:creationId xmlns:p14="http://schemas.microsoft.com/office/powerpoint/2010/main" val="1788787915"/>
+        <p14:creationId xmlns:p14="http://schemas.microsoft.com/office/powerpoint/2010/main" val="1063989718"/>
+      </p:ext>
+    </p:extLst>
+  </p:cSld>
+  <p:clrMapOvr>
+    <a:masterClrMapping/>
+  </p:clrMapOvr>
+</p:sld>
+</file>
+
+<file path=ppt/slides/slide4.xml><?xml version="1.0" encoding="utf-8"?>
+<p:sld xmlns:a="http://schemas.openxmlformats.org/drawingml/2006/main" xmlns:r="http://schemas.openxmlformats.org/officeDocument/2006/relationships" xmlns:p="http://schemas.openxmlformats.org/presentationml/2006/main">
+  <p:cSld>
+    <p:spTree>
+      <p:nvGrpSpPr>
+        <p:cNvPr id="1" name=""/>
+        <p:cNvGrpSpPr/>
+        <p:nvPr/>
+      </p:nvGrpSpPr>
+      <p:grpSpPr>
+        <a:xfrm>
+          <a:off x="0" y="0"/>
+          <a:ext cx="0" cy="0"/>
+          <a:chOff x="0" y="0"/>
+          <a:chExt cx="0" cy="0"/>
+        </a:xfrm>
+      </p:grpSpPr>
+      <p:sp>
+        <p:nvSpPr>
+          <p:cNvPr id="2" name="Cím 1">
+            <a:extLst>
+              <a:ext uri="{FF2B5EF4-FFF2-40B4-BE49-F238E27FC236}">
+                <a16:creationId xmlns:a16="http://schemas.microsoft.com/office/drawing/2014/main" id="{87933A0E-9625-4A4D-99E1-05AC1A667EA4}"/>
+              </a:ext>
+            </a:extLst>
+          </p:cNvPr>
+          <p:cNvSpPr>
+            <a:spLocks noGrp="1"/>
+          </p:cNvSpPr>
+          <p:nvPr>
+            <p:ph type="title"/>
+          </p:nvPr>
+        </p:nvSpPr>
+        <p:spPr>
+          <a:xfrm>
+            <a:off x="1009650" y="-7770"/>
+            <a:ext cx="10172700" cy="1493517"/>
+          </a:xfrm>
+        </p:spPr>
+        <p:txBody>
+          <a:bodyPr>
+            <a:normAutofit/>
+          </a:bodyPr>
+          <a:lstStyle/>
+          <a:p>
+            <a:r>
+              <a:rPr lang="hu-HU" sz="9600" dirty="0" err="1">
+                <a:latin typeface="Bodoni MT Condensed" panose="02070606080606020203" pitchFamily="18" charset="0"/>
+              </a:rPr>
+              <a:t>DRIVEus</a:t>
+            </a:r>
+            <a:endParaRPr lang="hu-HU" sz="9600" dirty="0">
+              <a:latin typeface="Bodoni MT Condensed" panose="02070606080606020203" pitchFamily="18" charset="0"/>
+            </a:endParaRPr>
+          </a:p>
+        </p:txBody>
+      </p:sp>
+      <p:sp>
+        <p:nvSpPr>
+          <p:cNvPr id="3" name="Szöveg helye 2">
+            <a:extLst>
+              <a:ext uri="{FF2B5EF4-FFF2-40B4-BE49-F238E27FC236}">
+                <a16:creationId xmlns:a16="http://schemas.microsoft.com/office/drawing/2014/main" id="{2A066B12-822F-4795-829B-C76A5792BC42}"/>
+              </a:ext>
+            </a:extLst>
+          </p:cNvPr>
+          <p:cNvSpPr>
+            <a:spLocks noGrp="1"/>
+          </p:cNvSpPr>
+          <p:nvPr>
+            <p:ph type="body" idx="1"/>
+          </p:nvPr>
+        </p:nvSpPr>
+        <p:spPr>
+          <a:xfrm>
+            <a:off x="4807481" y="245465"/>
+            <a:ext cx="4800600" cy="632529"/>
+          </a:xfrm>
+        </p:spPr>
+        <p:txBody>
+          <a:bodyPr/>
+          <a:lstStyle/>
+          <a:p>
+            <a:r>
+              <a:rPr lang="hu-HU" sz="2800" dirty="0" err="1">
+                <a:latin typeface="Bodoni MT Condensed" panose="02070606080606020203" pitchFamily="18" charset="0"/>
+              </a:rPr>
+              <a:t>Functions</a:t>
+            </a:r>
+            <a:r>
+              <a:rPr lang="hu-HU" sz="2800" dirty="0">
+                <a:latin typeface="Bodoni MT Condensed" panose="02070606080606020203" pitchFamily="18" charset="0"/>
+              </a:rPr>
+              <a:t> of </a:t>
+            </a:r>
+            <a:r>
+              <a:rPr lang="hu-HU" sz="2800" dirty="0" err="1">
+                <a:latin typeface="Bodoni MT Condensed" panose="02070606080606020203" pitchFamily="18" charset="0"/>
+              </a:rPr>
+              <a:t>the</a:t>
+            </a:r>
+            <a:r>
+              <a:rPr lang="hu-HU" sz="2800" dirty="0">
+                <a:latin typeface="Bodoni MT Condensed" panose="02070606080606020203" pitchFamily="18" charset="0"/>
+              </a:rPr>
+              <a:t> program</a:t>
+            </a:r>
+          </a:p>
+        </p:txBody>
+      </p:sp>
+      <p:sp>
+        <p:nvSpPr>
+          <p:cNvPr id="4" name="Tartalom helye 3">
+            <a:extLst>
+              <a:ext uri="{FF2B5EF4-FFF2-40B4-BE49-F238E27FC236}">
+                <a16:creationId xmlns:a16="http://schemas.microsoft.com/office/drawing/2014/main" id="{9EA5D02B-5ABA-4969-A302-4A2A9EAD84A0}"/>
+              </a:ext>
+            </a:extLst>
+          </p:cNvPr>
+          <p:cNvSpPr>
+            <a:spLocks noGrp="1"/>
+          </p:cNvSpPr>
+          <p:nvPr>
+            <p:ph sz="half" idx="2"/>
+          </p:nvPr>
+        </p:nvSpPr>
+        <p:spPr>
+          <a:xfrm>
+            <a:off x="4807481" y="2363680"/>
+            <a:ext cx="4800600" cy="3317962"/>
+          </a:xfrm>
+        </p:spPr>
+        <p:txBody>
+          <a:bodyPr/>
+          <a:lstStyle/>
+          <a:p>
+            <a:r>
+              <a:rPr lang="hu-HU" dirty="0" err="1"/>
+              <a:t>Registraton</a:t>
+            </a:r>
+            <a:endParaRPr lang="hu-HU" dirty="0"/>
+          </a:p>
+          <a:p>
+            <a:r>
+              <a:rPr lang="hu-HU" dirty="0"/>
+              <a:t>Login</a:t>
+            </a:r>
+          </a:p>
+          <a:p>
+            <a:r>
+              <a:rPr lang="hu-HU" dirty="0" err="1"/>
+              <a:t>Profile</a:t>
+            </a:r>
+            <a:r>
+              <a:rPr lang="hu-HU" dirty="0"/>
+              <a:t> </a:t>
+            </a:r>
+            <a:r>
+              <a:rPr lang="hu-HU" dirty="0" err="1"/>
+              <a:t>editing</a:t>
+            </a:r>
+            <a:endParaRPr lang="hu-HU" dirty="0"/>
+          </a:p>
+          <a:p>
+            <a:r>
+              <a:rPr lang="hu-HU" dirty="0" err="1"/>
+              <a:t>Search</a:t>
+            </a:r>
+            <a:r>
+              <a:rPr lang="hu-HU" dirty="0"/>
+              <a:t>, </a:t>
+            </a:r>
+            <a:r>
+              <a:rPr lang="hu-HU" dirty="0" err="1"/>
+              <a:t>browse</a:t>
+            </a:r>
+            <a:endParaRPr lang="hu-HU" dirty="0"/>
+          </a:p>
+          <a:p>
+            <a:r>
+              <a:rPr lang="hu-HU" dirty="0" err="1"/>
+              <a:t>Making</a:t>
+            </a:r>
+            <a:r>
+              <a:rPr lang="hu-HU" dirty="0"/>
+              <a:t> a </a:t>
+            </a:r>
+            <a:r>
+              <a:rPr lang="hu-HU" dirty="0" err="1"/>
+              <a:t>reservation</a:t>
+            </a:r>
+            <a:endParaRPr lang="hu-HU" dirty="0"/>
+          </a:p>
+          <a:p>
+            <a:r>
+              <a:rPr lang="hu-HU" dirty="0"/>
+              <a:t>Surfing </a:t>
+            </a:r>
+            <a:r>
+              <a:rPr lang="hu-HU" dirty="0" err="1"/>
+              <a:t>through</a:t>
+            </a:r>
+            <a:r>
+              <a:rPr lang="hu-HU" dirty="0"/>
+              <a:t> </a:t>
+            </a:r>
+            <a:r>
+              <a:rPr lang="hu-HU" dirty="0" err="1"/>
+              <a:t>previous</a:t>
+            </a:r>
+            <a:r>
+              <a:rPr lang="hu-HU" dirty="0"/>
+              <a:t> </a:t>
+            </a:r>
+            <a:r>
+              <a:rPr lang="hu-HU" dirty="0" err="1"/>
+              <a:t>reservations</a:t>
+            </a:r>
+            <a:endParaRPr lang="hu-HU" dirty="0"/>
+          </a:p>
+        </p:txBody>
+      </p:sp>
+    </p:spTree>
+    <p:extLst>
+      <p:ext uri="{BB962C8B-B14F-4D97-AF65-F5344CB8AC3E}">
+        <p14:creationId xmlns:p14="http://schemas.microsoft.com/office/powerpoint/2010/main" val="3563470976"/>
+      </p:ext>
+    </p:extLst>
+  </p:cSld>
+  <p:clrMapOvr>
+    <a:masterClrMapping/>
+  </p:clrMapOvr>
+</p:sld>
+</file>
+
+<file path=ppt/slides/slide5.xml><?xml version="1.0" encoding="utf-8"?>
+<p:sld xmlns:a="http://schemas.openxmlformats.org/drawingml/2006/main" xmlns:r="http://schemas.openxmlformats.org/officeDocument/2006/relationships" xmlns:p="http://schemas.openxmlformats.org/presentationml/2006/main">
+  <p:cSld>
+    <p:spTree>
+      <p:nvGrpSpPr>
+        <p:cNvPr id="1" name=""/>
+        <p:cNvGrpSpPr/>
+        <p:nvPr/>
+      </p:nvGrpSpPr>
+      <p:grpSpPr>
+        <a:xfrm>
+          <a:off x="0" y="0"/>
+          <a:ext cx="0" cy="0"/>
+          <a:chOff x="0" y="0"/>
+          <a:chExt cx="0" cy="0"/>
+        </a:xfrm>
+      </p:grpSpPr>
+      <p:sp>
+        <p:nvSpPr>
+          <p:cNvPr id="2" name="Cím 1">
+            <a:extLst>
+              <a:ext uri="{FF2B5EF4-FFF2-40B4-BE49-F238E27FC236}">
+                <a16:creationId xmlns:a16="http://schemas.microsoft.com/office/drawing/2014/main" id="{87933A0E-9625-4A4D-99E1-05AC1A667EA4}"/>
+              </a:ext>
+            </a:extLst>
+          </p:cNvPr>
+          <p:cNvSpPr>
+            <a:spLocks noGrp="1"/>
+          </p:cNvSpPr>
+          <p:nvPr>
+            <p:ph type="title"/>
+          </p:nvPr>
+        </p:nvSpPr>
+        <p:spPr>
+          <a:xfrm>
+            <a:off x="1009650" y="57224"/>
+            <a:ext cx="10172700" cy="1493517"/>
+          </a:xfrm>
+        </p:spPr>
+        <p:txBody>
+          <a:bodyPr>
+            <a:normAutofit/>
+          </a:bodyPr>
+          <a:lstStyle/>
+          <a:p>
+            <a:r>
+              <a:rPr lang="hu-HU" sz="9600" dirty="0" err="1">
+                <a:latin typeface="Bodoni MT Condensed" panose="02070606080606020203" pitchFamily="18" charset="0"/>
+              </a:rPr>
+              <a:t>DRIVEus</a:t>
+            </a:r>
+            <a:endParaRPr lang="hu-HU" sz="9600" dirty="0">
+              <a:latin typeface="Bodoni MT Condensed" panose="02070606080606020203" pitchFamily="18" charset="0"/>
+            </a:endParaRPr>
+          </a:p>
+        </p:txBody>
+      </p:sp>
+      <p:sp>
+        <p:nvSpPr>
+          <p:cNvPr id="3" name="Szöveg helye 2">
+            <a:extLst>
+              <a:ext uri="{FF2B5EF4-FFF2-40B4-BE49-F238E27FC236}">
+                <a16:creationId xmlns:a16="http://schemas.microsoft.com/office/drawing/2014/main" id="{2A066B12-822F-4795-829B-C76A5792BC42}"/>
+              </a:ext>
+            </a:extLst>
+          </p:cNvPr>
+          <p:cNvSpPr>
+            <a:spLocks noGrp="1"/>
+          </p:cNvSpPr>
+          <p:nvPr>
+            <p:ph type="body" idx="1"/>
+          </p:nvPr>
+        </p:nvSpPr>
+        <p:spPr>
+          <a:xfrm>
+            <a:off x="5104260" y="329270"/>
+            <a:ext cx="4800600" cy="632529"/>
+          </a:xfrm>
+        </p:spPr>
+        <p:txBody>
+          <a:bodyPr/>
+          <a:lstStyle/>
+          <a:p>
+            <a:r>
+              <a:rPr lang="hu-HU" sz="2800" dirty="0">
+                <a:latin typeface="Bodoni MT Condensed" panose="02070606080606020203" pitchFamily="18" charset="0"/>
+              </a:rPr>
+              <a:t>The program</a:t>
+            </a:r>
+          </a:p>
+        </p:txBody>
+      </p:sp>
+      <p:sp>
+        <p:nvSpPr>
+          <p:cNvPr id="4" name="Tartalom helye 3">
+            <a:extLst>
+              <a:ext uri="{FF2B5EF4-FFF2-40B4-BE49-F238E27FC236}">
+                <a16:creationId xmlns:a16="http://schemas.microsoft.com/office/drawing/2014/main" id="{9EA5D02B-5ABA-4969-A302-4A2A9EAD84A0}"/>
+              </a:ext>
+            </a:extLst>
+          </p:cNvPr>
+          <p:cNvSpPr>
+            <a:spLocks noGrp="1"/>
+          </p:cNvSpPr>
+          <p:nvPr>
+            <p:ph sz="half" idx="2"/>
+          </p:nvPr>
+        </p:nvSpPr>
+        <p:spPr>
+          <a:xfrm>
+            <a:off x="5104260" y="2234954"/>
+            <a:ext cx="4800600" cy="3317962"/>
+          </a:xfrm>
+        </p:spPr>
+        <p:txBody>
+          <a:bodyPr>
+            <a:normAutofit fontScale="92500" lnSpcReduction="20000"/>
+          </a:bodyPr>
+          <a:lstStyle/>
+          <a:p>
+            <a:r>
+              <a:rPr lang="hu-HU" dirty="0"/>
+              <a:t>Backend – PHP</a:t>
+            </a:r>
+          </a:p>
+          <a:p>
+            <a:pPr marL="0" indent="0">
+              <a:buNone/>
+            </a:pPr>
+            <a:r>
+              <a:rPr lang="hu-HU" dirty="0"/>
+              <a:t>Node.js</a:t>
+            </a:r>
+          </a:p>
+          <a:p>
+            <a:r>
+              <a:rPr lang="hu-HU" dirty="0"/>
+              <a:t>Frontend - PHP</a:t>
+            </a:r>
+          </a:p>
+          <a:p>
+            <a:pPr marL="0" indent="0">
+              <a:buNone/>
+            </a:pPr>
+            <a:r>
+              <a:rPr lang="hu-HU" dirty="0"/>
+              <a:t>HTML</a:t>
+            </a:r>
+          </a:p>
+          <a:p>
+            <a:pPr marL="0" indent="0">
+              <a:buNone/>
+            </a:pPr>
+            <a:r>
+              <a:rPr lang="hu-HU" dirty="0"/>
+              <a:t>CSS</a:t>
+            </a:r>
+          </a:p>
+          <a:p>
+            <a:pPr marL="0" indent="0">
+              <a:buNone/>
+            </a:pPr>
+            <a:r>
+              <a:rPr lang="hu-HU" dirty="0"/>
+              <a:t>JavaScript</a:t>
+            </a:r>
+          </a:p>
+          <a:p>
+            <a:pPr marL="0" indent="0">
+              <a:buNone/>
+            </a:pPr>
+            <a:r>
+              <a:rPr lang="hu-HU" dirty="0" err="1"/>
+              <a:t>Bootstrap</a:t>
+            </a:r>
+            <a:endParaRPr lang="hu-HU" dirty="0"/>
+          </a:p>
+          <a:p>
+            <a:r>
+              <a:rPr lang="hu-HU" dirty="0" err="1"/>
+              <a:t>Database</a:t>
+            </a:r>
+            <a:r>
+              <a:rPr lang="hu-HU" dirty="0"/>
+              <a:t> – </a:t>
+            </a:r>
+            <a:r>
+              <a:rPr lang="hu-HU" dirty="0" err="1"/>
+              <a:t>MySQL</a:t>
+            </a:r>
+            <a:endParaRPr lang="hu-HU" dirty="0"/>
+          </a:p>
+          <a:p>
+            <a:pPr marL="0" indent="0">
+              <a:buNone/>
+            </a:pPr>
+            <a:r>
+              <a:rPr lang="hu-HU" dirty="0" err="1"/>
+              <a:t>PhpMyAdmin</a:t>
+            </a:r>
+            <a:endParaRPr lang="hu-HU" dirty="0"/>
+          </a:p>
+          <a:p>
+            <a:endParaRPr lang="hu-HU" dirty="0"/>
+          </a:p>
+        </p:txBody>
+      </p:sp>
+    </p:spTree>
+    <p:extLst>
+      <p:ext uri="{BB962C8B-B14F-4D97-AF65-F5344CB8AC3E}">
+        <p14:creationId xmlns:p14="http://schemas.microsoft.com/office/powerpoint/2010/main" val="322858684"/>
+      </p:ext>
+    </p:extLst>
+  </p:cSld>
+  <p:clrMapOvr>
+    <a:masterClrMapping/>
+  </p:clrMapOvr>
+</p:sld>
+</file>
+
+<file path=ppt/slides/slide6.xml><?xml version="1.0" encoding="utf-8"?>
+<p:sld xmlns:a="http://schemas.openxmlformats.org/drawingml/2006/main" xmlns:r="http://schemas.openxmlformats.org/officeDocument/2006/relationships" xmlns:p="http://schemas.openxmlformats.org/presentationml/2006/main">
+  <p:cSld>
+    <p:spTree>
+      <p:nvGrpSpPr>
+        <p:cNvPr id="1" name=""/>
+        <p:cNvGrpSpPr/>
+        <p:nvPr/>
+      </p:nvGrpSpPr>
+      <p:grpSpPr>
+        <a:xfrm>
+          <a:off x="0" y="0"/>
+          <a:ext cx="0" cy="0"/>
+          <a:chOff x="0" y="0"/>
+          <a:chExt cx="0" cy="0"/>
+        </a:xfrm>
+      </p:grpSpPr>
+      <p:sp>
+        <p:nvSpPr>
+          <p:cNvPr id="2" name="Cím 1">
+            <a:extLst>
+              <a:ext uri="{FF2B5EF4-FFF2-40B4-BE49-F238E27FC236}">
+                <a16:creationId xmlns:a16="http://schemas.microsoft.com/office/drawing/2014/main" id="{87933A0E-9625-4A4D-99E1-05AC1A667EA4}"/>
+              </a:ext>
+            </a:extLst>
+          </p:cNvPr>
+          <p:cNvSpPr>
+            <a:spLocks noGrp="1"/>
+          </p:cNvSpPr>
+          <p:nvPr>
+            <p:ph type="title"/>
+          </p:nvPr>
+        </p:nvSpPr>
+        <p:spPr>
+          <a:xfrm>
+            <a:off x="1009650" y="0"/>
+            <a:ext cx="10172700" cy="1493517"/>
+          </a:xfrm>
+        </p:spPr>
+        <p:txBody>
+          <a:bodyPr>
+            <a:normAutofit/>
+          </a:bodyPr>
+          <a:lstStyle/>
+          <a:p>
+            <a:r>
+              <a:rPr lang="hu-HU" sz="9600" dirty="0" err="1">
+                <a:latin typeface="Bodoni MT Condensed" panose="02070606080606020203" pitchFamily="18" charset="0"/>
+              </a:rPr>
+              <a:t>DRIVEus</a:t>
+            </a:r>
+            <a:endParaRPr lang="hu-HU" sz="9600" dirty="0">
+              <a:latin typeface="Bodoni MT Condensed" panose="02070606080606020203" pitchFamily="18" charset="0"/>
+            </a:endParaRPr>
+          </a:p>
+        </p:txBody>
+      </p:sp>
+      <p:sp>
+        <p:nvSpPr>
+          <p:cNvPr id="3" name="Szöveg helye 2">
+            <a:extLst>
+              <a:ext uri="{FF2B5EF4-FFF2-40B4-BE49-F238E27FC236}">
+                <a16:creationId xmlns:a16="http://schemas.microsoft.com/office/drawing/2014/main" id="{2A066B12-822F-4795-829B-C76A5792BC42}"/>
+              </a:ext>
+            </a:extLst>
+          </p:cNvPr>
+          <p:cNvSpPr>
+            <a:spLocks noGrp="1"/>
+          </p:cNvSpPr>
+          <p:nvPr>
+            <p:ph type="body" idx="1"/>
+          </p:nvPr>
+        </p:nvSpPr>
+        <p:spPr>
+          <a:xfrm>
+            <a:off x="5627703" y="69270"/>
+            <a:ext cx="4800600" cy="632529"/>
+          </a:xfrm>
+        </p:spPr>
+        <p:txBody>
+          <a:bodyPr/>
+          <a:lstStyle/>
+          <a:p>
+            <a:r>
+              <a:rPr lang="hu-HU" sz="2800" dirty="0">
+                <a:latin typeface="Bodoni MT Condensed" panose="02070606080606020203" pitchFamily="18" charset="0"/>
+              </a:rPr>
+              <a:t>Backend</a:t>
+            </a:r>
+          </a:p>
+        </p:txBody>
+      </p:sp>
+      <p:sp>
+        <p:nvSpPr>
+          <p:cNvPr id="4" name="Tartalom helye 3">
+            <a:extLst>
+              <a:ext uri="{FF2B5EF4-FFF2-40B4-BE49-F238E27FC236}">
+                <a16:creationId xmlns:a16="http://schemas.microsoft.com/office/drawing/2014/main" id="{9EA5D02B-5ABA-4969-A302-4A2A9EAD84A0}"/>
+              </a:ext>
+            </a:extLst>
+          </p:cNvPr>
+          <p:cNvSpPr>
+            <a:spLocks noGrp="1"/>
+          </p:cNvSpPr>
+          <p:nvPr>
+            <p:ph sz="half" idx="2"/>
+          </p:nvPr>
+        </p:nvSpPr>
+        <p:spPr>
+          <a:xfrm>
+            <a:off x="3936492" y="3154503"/>
+            <a:ext cx="4800600" cy="3317962"/>
+          </a:xfrm>
+        </p:spPr>
+        <p:txBody>
+          <a:bodyPr/>
+          <a:lstStyle/>
+          <a:p>
+            <a:pPr marL="1828800" lvl="4" indent="0">
+              <a:buNone/>
+            </a:pPr>
+            <a:endParaRPr lang="hu-HU" dirty="0"/>
+          </a:p>
+        </p:txBody>
+      </p:sp>
+    </p:spTree>
+    <p:extLst>
+      <p:ext uri="{BB962C8B-B14F-4D97-AF65-F5344CB8AC3E}">
+        <p14:creationId xmlns:p14="http://schemas.microsoft.com/office/powerpoint/2010/main" val="1831108010"/>
+      </p:ext>
+    </p:extLst>
+  </p:cSld>
+  <p:clrMapOvr>
+    <a:masterClrMapping/>
+  </p:clrMapOvr>
+</p:sld>
+</file>
+
+<file path=ppt/slides/slide7.xml><?xml version="1.0" encoding="utf-8"?>
+<p:sld xmlns:a="http://schemas.openxmlformats.org/drawingml/2006/main" xmlns:r="http://schemas.openxmlformats.org/officeDocument/2006/relationships" xmlns:p="http://schemas.openxmlformats.org/presentationml/2006/main">
+  <p:cSld>
+    <p:spTree>
+      <p:nvGrpSpPr>
+        <p:cNvPr id="1" name=""/>
+        <p:cNvGrpSpPr/>
+        <p:nvPr/>
+      </p:nvGrpSpPr>
+      <p:grpSpPr>
+        <a:xfrm>
+          <a:off x="0" y="0"/>
+          <a:ext cx="0" cy="0"/>
+          <a:chOff x="0" y="0"/>
+          <a:chExt cx="0" cy="0"/>
+        </a:xfrm>
+      </p:grpSpPr>
+      <p:sp>
+        <p:nvSpPr>
+          <p:cNvPr id="2" name="Cím 1">
+            <a:extLst>
+              <a:ext uri="{FF2B5EF4-FFF2-40B4-BE49-F238E27FC236}">
+                <a16:creationId xmlns:a16="http://schemas.microsoft.com/office/drawing/2014/main" id="{87933A0E-9625-4A4D-99E1-05AC1A667EA4}"/>
+              </a:ext>
+            </a:extLst>
+          </p:cNvPr>
+          <p:cNvSpPr>
+            <a:spLocks noGrp="1"/>
+          </p:cNvSpPr>
+          <p:nvPr>
+            <p:ph type="title"/>
+          </p:nvPr>
+        </p:nvSpPr>
+        <p:spPr>
+          <a:xfrm>
+            <a:off x="1009650" y="0"/>
+            <a:ext cx="10172700" cy="1493517"/>
+          </a:xfrm>
+        </p:spPr>
+        <p:txBody>
+          <a:bodyPr>
+            <a:normAutofit/>
+          </a:bodyPr>
+          <a:lstStyle/>
+          <a:p>
+            <a:r>
+              <a:rPr lang="hu-HU" sz="9600" dirty="0" err="1">
+                <a:latin typeface="Bodoni MT Condensed" panose="02070606080606020203" pitchFamily="18" charset="0"/>
+              </a:rPr>
+              <a:t>DRIVEus</a:t>
+            </a:r>
+            <a:endParaRPr lang="hu-HU" sz="9600" dirty="0">
+              <a:latin typeface="Bodoni MT Condensed" panose="02070606080606020203" pitchFamily="18" charset="0"/>
+            </a:endParaRPr>
+          </a:p>
+        </p:txBody>
+      </p:sp>
+      <p:sp>
+        <p:nvSpPr>
+          <p:cNvPr id="3" name="Szöveg helye 2">
+            <a:extLst>
+              <a:ext uri="{FF2B5EF4-FFF2-40B4-BE49-F238E27FC236}">
+                <a16:creationId xmlns:a16="http://schemas.microsoft.com/office/drawing/2014/main" id="{2A066B12-822F-4795-829B-C76A5792BC42}"/>
+              </a:ext>
+            </a:extLst>
+          </p:cNvPr>
+          <p:cNvSpPr>
+            <a:spLocks noGrp="1"/>
+          </p:cNvSpPr>
+          <p:nvPr>
+            <p:ph type="body" idx="1"/>
+          </p:nvPr>
+        </p:nvSpPr>
+        <p:spPr>
+          <a:xfrm>
+            <a:off x="5627703" y="69270"/>
+            <a:ext cx="4800600" cy="632529"/>
+          </a:xfrm>
+        </p:spPr>
+        <p:txBody>
+          <a:bodyPr/>
+          <a:lstStyle/>
+          <a:p>
+            <a:r>
+              <a:rPr lang="hu-HU" sz="2800" dirty="0">
+                <a:latin typeface="Bodoni MT Condensed" panose="02070606080606020203" pitchFamily="18" charset="0"/>
+              </a:rPr>
+              <a:t>Backend</a:t>
+            </a:r>
+          </a:p>
+        </p:txBody>
+      </p:sp>
+      <p:sp>
+        <p:nvSpPr>
+          <p:cNvPr id="4" name="Tartalom helye 3">
+            <a:extLst>
+              <a:ext uri="{FF2B5EF4-FFF2-40B4-BE49-F238E27FC236}">
+                <a16:creationId xmlns:a16="http://schemas.microsoft.com/office/drawing/2014/main" id="{9EA5D02B-5ABA-4969-A302-4A2A9EAD84A0}"/>
+              </a:ext>
+            </a:extLst>
+          </p:cNvPr>
+          <p:cNvSpPr>
+            <a:spLocks noGrp="1"/>
+          </p:cNvSpPr>
+          <p:nvPr>
+            <p:ph sz="half" idx="2"/>
+          </p:nvPr>
+        </p:nvSpPr>
+        <p:spPr>
+          <a:xfrm>
+            <a:off x="3936492" y="3154503"/>
+            <a:ext cx="4800600" cy="3317962"/>
+          </a:xfrm>
+        </p:spPr>
+        <p:txBody>
+          <a:bodyPr/>
+          <a:lstStyle/>
+          <a:p>
+            <a:pPr marL="1828800" lvl="4" indent="0">
+              <a:buNone/>
+            </a:pPr>
+            <a:endParaRPr lang="hu-HU" dirty="0"/>
+          </a:p>
+        </p:txBody>
+      </p:sp>
+    </p:spTree>
+    <p:extLst>
+      <p:ext uri="{BB962C8B-B14F-4D97-AF65-F5344CB8AC3E}">
+        <p14:creationId xmlns:p14="http://schemas.microsoft.com/office/powerpoint/2010/main" val="395487620"/>
       </p:ext>
     </p:extLst>
   </p:cSld>
@@ -17526,11 +13424,12 @@
 </file>
 
 <file path=customXml/item1.xml><?xml version="1.0" encoding="utf-8"?>
-<p:properties xmlns:p="http://schemas.microsoft.com/office/2006/metadata/properties" xmlns:xsi="http://www.w3.org/2001/XMLSchema-instance" xmlns:pc="http://schemas.microsoft.com/office/infopath/2007/PartnerControls">
-  <documentManagement>
-    <MediaServiceKeyPoints xmlns="71af3243-3dd4-4a8d-8c0d-dd76da1f02a5" xsi:nil="true"/>
-  </documentManagement>
-</p:properties>
+<?mso-contentType ?>
+<FormTemplates xmlns="http://schemas.microsoft.com/sharepoint/v3/contenttype/forms">
+  <Display>DocumentLibraryForm</Display>
+  <Edit>DocumentLibraryForm</Edit>
+  <New>DocumentLibraryForm</New>
+</FormTemplates>
 </file>
 
 <file path=customXml/item2.xml><?xml version="1.0" encoding="utf-8"?>
@@ -17745,27 +13644,17 @@
 </file>
 
 <file path=customXml/item3.xml><?xml version="1.0" encoding="utf-8"?>
-<?mso-contentType ?>
-<FormTemplates xmlns="http://schemas.microsoft.com/sharepoint/v3/contenttype/forms">
-  <Display>DocumentLibraryForm</Display>
-  <Edit>DocumentLibraryForm</Edit>
-  <New>DocumentLibraryForm</New>
-</FormTemplates>
+<p:properties xmlns:p="http://schemas.microsoft.com/office/2006/metadata/properties" xmlns:xsi="http://www.w3.org/2001/XMLSchema-instance" xmlns:pc="http://schemas.microsoft.com/office/infopath/2007/PartnerControls">
+  <documentManagement>
+    <MediaServiceKeyPoints xmlns="71af3243-3dd4-4a8d-8c0d-dd76da1f02a5" xsi:nil="true"/>
+  </documentManagement>
+</p:properties>
 </file>
 
 <file path=customXml/itemProps1.xml><?xml version="1.0" encoding="utf-8"?>
-<ds:datastoreItem xmlns:ds="http://schemas.openxmlformats.org/officeDocument/2006/customXml" ds:itemID="{055D5C12-9048-448D-A69C-F00736C0732E}">
+<ds:datastoreItem xmlns:ds="http://schemas.openxmlformats.org/officeDocument/2006/customXml" ds:itemID="{032C9D10-CA80-4BC9-9D59-B4B9486E9328}">
   <ds:schemaRefs>
-    <ds:schemaRef ds:uri="http://purl.org/dc/elements/1.1/"/>
-    <ds:schemaRef ds:uri="http://purl.org/dc/dcmitype/"/>
-    <ds:schemaRef ds:uri="http://www.w3.org/XML/1998/namespace"/>
-    <ds:schemaRef ds:uri="16c05727-aa75-4e4a-9b5f-8a80a1165891"/>
-    <ds:schemaRef ds:uri="http://schemas.microsoft.com/office/2006/metadata/properties"/>
-    <ds:schemaRef ds:uri="http://schemas.microsoft.com/office/2006/documentManagement/types"/>
-    <ds:schemaRef ds:uri="http://purl.org/dc/terms/"/>
-    <ds:schemaRef ds:uri="http://schemas.microsoft.com/office/infopath/2007/PartnerControls"/>
-    <ds:schemaRef ds:uri="http://schemas.openxmlformats.org/package/2006/metadata/core-properties"/>
-    <ds:schemaRef ds:uri="71af3243-3dd4-4a8d-8c0d-dd76da1f02a5"/>
+    <ds:schemaRef ds:uri="http://schemas.microsoft.com/sharepoint/v3/contenttype/forms"/>
   </ds:schemaRefs>
 </ds:datastoreItem>
 </file>
@@ -17790,9 +13679,18 @@
 </file>
 
 <file path=customXml/itemProps3.xml><?xml version="1.0" encoding="utf-8"?>
-<ds:datastoreItem xmlns:ds="http://schemas.openxmlformats.org/officeDocument/2006/customXml" ds:itemID="{032C9D10-CA80-4BC9-9D59-B4B9486E9328}">
+<ds:datastoreItem xmlns:ds="http://schemas.openxmlformats.org/officeDocument/2006/customXml" ds:itemID="{055D5C12-9048-448D-A69C-F00736C0732E}">
   <ds:schemaRefs>
-    <ds:schemaRef ds:uri="http://schemas.microsoft.com/sharepoint/v3/contenttype/forms"/>
+    <ds:schemaRef ds:uri="http://purl.org/dc/elements/1.1/"/>
+    <ds:schemaRef ds:uri="http://purl.org/dc/dcmitype/"/>
+    <ds:schemaRef ds:uri="http://www.w3.org/XML/1998/namespace"/>
+    <ds:schemaRef ds:uri="16c05727-aa75-4e4a-9b5f-8a80a1165891"/>
+    <ds:schemaRef ds:uri="http://schemas.microsoft.com/office/2006/metadata/properties"/>
+    <ds:schemaRef ds:uri="http://schemas.microsoft.com/office/2006/documentManagement/types"/>
+    <ds:schemaRef ds:uri="http://purl.org/dc/terms/"/>
+    <ds:schemaRef ds:uri="http://schemas.microsoft.com/office/infopath/2007/PartnerControls"/>
+    <ds:schemaRef ds:uri="http://schemas.openxmlformats.org/package/2006/metadata/core-properties"/>
+    <ds:schemaRef ds:uri="71af3243-3dd4-4a8d-8c0d-dd76da1f02a5"/>
   </ds:schemaRefs>
 </ds:datastoreItem>
 </file>
--- a/egyeb/DriveUs.pptx
+++ b/egyeb/DriveUs.pptx
@@ -5,10 +5,10 @@
     <p:sldMasterId id="2147483648" r:id="rId4"/>
   </p:sldMasterIdLst>
   <p:notesMasterIdLst>
-    <p:notesMasterId r:id="rId12"/>
+    <p:notesMasterId r:id="rId15"/>
   </p:notesMasterIdLst>
   <p:handoutMasterIdLst>
-    <p:handoutMasterId r:id="rId13"/>
+    <p:handoutMasterId r:id="rId16"/>
   </p:handoutMasterIdLst>
   <p:sldIdLst>
     <p:sldId id="267" r:id="rId5"/>
@@ -18,6 +18,9 @@
     <p:sldId id="271" r:id="rId9"/>
     <p:sldId id="272" r:id="rId10"/>
     <p:sldId id="273" r:id="rId11"/>
+    <p:sldId id="274" r:id="rId12"/>
+    <p:sldId id="275" r:id="rId13"/>
+    <p:sldId id="276" r:id="rId14"/>
   </p:sldIdLst>
   <p:sldSz cx="12192000" cy="6858000"/>
   <p:notesSz cx="6858000" cy="9144000"/>
@@ -9577,6 +9580,139 @@
 </p:sld>
 </file>
 
+<file path=ppt/slides/slide10.xml><?xml version="1.0" encoding="utf-8"?>
+<p:sld xmlns:a="http://schemas.openxmlformats.org/drawingml/2006/main" xmlns:r="http://schemas.openxmlformats.org/officeDocument/2006/relationships" xmlns:p="http://schemas.openxmlformats.org/presentationml/2006/main">
+  <p:cSld>
+    <p:spTree>
+      <p:nvGrpSpPr>
+        <p:cNvPr id="1" name=""/>
+        <p:cNvGrpSpPr/>
+        <p:nvPr/>
+      </p:nvGrpSpPr>
+      <p:grpSpPr>
+        <a:xfrm>
+          <a:off x="0" y="0"/>
+          <a:ext cx="0" cy="0"/>
+          <a:chOff x="0" y="0"/>
+          <a:chExt cx="0" cy="0"/>
+        </a:xfrm>
+      </p:grpSpPr>
+      <p:sp>
+        <p:nvSpPr>
+          <p:cNvPr id="2" name="Cím 1">
+            <a:extLst>
+              <a:ext uri="{FF2B5EF4-FFF2-40B4-BE49-F238E27FC236}">
+                <a16:creationId xmlns:a16="http://schemas.microsoft.com/office/drawing/2014/main" id="{87933A0E-9625-4A4D-99E1-05AC1A667EA4}"/>
+              </a:ext>
+            </a:extLst>
+          </p:cNvPr>
+          <p:cNvSpPr>
+            <a:spLocks noGrp="1"/>
+          </p:cNvSpPr>
+          <p:nvPr>
+            <p:ph type="title"/>
+          </p:nvPr>
+        </p:nvSpPr>
+        <p:spPr>
+          <a:xfrm>
+            <a:off x="1009650" y="0"/>
+            <a:ext cx="10172700" cy="1493517"/>
+          </a:xfrm>
+        </p:spPr>
+        <p:txBody>
+          <a:bodyPr>
+            <a:normAutofit/>
+          </a:bodyPr>
+          <a:lstStyle/>
+          <a:p>
+            <a:r>
+              <a:rPr lang="hu-HU" sz="9600" dirty="0" err="1">
+                <a:latin typeface="Bodoni MT Condensed" panose="02070606080606020203" pitchFamily="18" charset="0"/>
+              </a:rPr>
+              <a:t>DRIVEus</a:t>
+            </a:r>
+            <a:endParaRPr lang="hu-HU" sz="9600" dirty="0">
+              <a:latin typeface="Bodoni MT Condensed" panose="02070606080606020203" pitchFamily="18" charset="0"/>
+            </a:endParaRPr>
+          </a:p>
+        </p:txBody>
+      </p:sp>
+      <p:sp>
+        <p:nvSpPr>
+          <p:cNvPr id="3" name="Szöveg helye 2">
+            <a:extLst>
+              <a:ext uri="{FF2B5EF4-FFF2-40B4-BE49-F238E27FC236}">
+                <a16:creationId xmlns:a16="http://schemas.microsoft.com/office/drawing/2014/main" id="{2A066B12-822F-4795-829B-C76A5792BC42}"/>
+              </a:ext>
+            </a:extLst>
+          </p:cNvPr>
+          <p:cNvSpPr>
+            <a:spLocks noGrp="1"/>
+          </p:cNvSpPr>
+          <p:nvPr>
+            <p:ph type="body" idx="1"/>
+          </p:nvPr>
+        </p:nvSpPr>
+        <p:spPr>
+          <a:xfrm>
+            <a:off x="5618826" y="368424"/>
+            <a:ext cx="4800600" cy="632529"/>
+          </a:xfrm>
+        </p:spPr>
+        <p:txBody>
+          <a:bodyPr/>
+          <a:lstStyle/>
+          <a:p>
+            <a:r>
+              <a:rPr lang="hu-HU" sz="2800" dirty="0" err="1">
+                <a:latin typeface="Bodoni MT Condensed" panose="02070606080606020203" pitchFamily="18" charset="0"/>
+              </a:rPr>
+              <a:t>responsivity</a:t>
+            </a:r>
+            <a:endParaRPr lang="hu-HU" sz="2800" dirty="0">
+              <a:latin typeface="Bodoni MT Condensed" panose="02070606080606020203" pitchFamily="18" charset="0"/>
+            </a:endParaRPr>
+          </a:p>
+        </p:txBody>
+      </p:sp>
+      <p:sp>
+        <p:nvSpPr>
+          <p:cNvPr id="4" name="Tartalom helye 3">
+            <a:extLst>
+              <a:ext uri="{FF2B5EF4-FFF2-40B4-BE49-F238E27FC236}">
+                <a16:creationId xmlns:a16="http://schemas.microsoft.com/office/drawing/2014/main" id="{D18C14D4-8A23-4E37-99B2-24E9029DCB16}"/>
+              </a:ext>
+            </a:extLst>
+          </p:cNvPr>
+          <p:cNvSpPr>
+            <a:spLocks noGrp="1"/>
+          </p:cNvSpPr>
+          <p:nvPr>
+            <p:ph sz="half" idx="2"/>
+          </p:nvPr>
+        </p:nvSpPr>
+        <p:spPr/>
+        <p:txBody>
+          <a:bodyPr/>
+          <a:lstStyle/>
+          <a:p>
+            <a:endParaRPr lang="hu-HU"/>
+          </a:p>
+        </p:txBody>
+      </p:sp>
+    </p:spTree>
+    <p:extLst>
+      <p:ext uri="{BB962C8B-B14F-4D97-AF65-F5344CB8AC3E}">
+        <p14:creationId xmlns:p14="http://schemas.microsoft.com/office/powerpoint/2010/main" val="3425129537"/>
+      </p:ext>
+    </p:extLst>
+  </p:cSld>
+  <p:clrMapOvr>
+    <a:masterClrMapping/>
+  </p:clrMapOvr>
+</p:sld>
+</file>
+
 <file path=ppt/slides/slide2.xml><?xml version="1.0" encoding="utf-8"?>
 <p:sld xmlns:a="http://schemas.openxmlformats.org/drawingml/2006/main" xmlns:r="http://schemas.openxmlformats.org/officeDocument/2006/relationships" xmlns:p="http://schemas.openxmlformats.org/presentationml/2006/main">
   <p:cSld>
@@ -11951,7 +12087,7 @@
         </p:nvSpPr>
         <p:spPr>
           <a:xfrm>
-            <a:off x="4807481" y="245465"/>
+            <a:off x="4896257" y="543829"/>
             <a:ext cx="4800600" cy="632529"/>
           </a:xfrm>
         </p:spPr>
@@ -12186,7 +12322,7 @@
         </p:nvSpPr>
         <p:spPr>
           <a:xfrm>
-            <a:off x="5104260" y="329270"/>
+            <a:off x="5228548" y="487717"/>
             <a:ext cx="4800600" cy="632529"/>
           </a:xfrm>
         </p:spPr>
@@ -12406,7 +12542,7 @@
         </p:nvSpPr>
         <p:spPr>
           <a:xfrm>
-            <a:off x="5627703" y="69270"/>
+            <a:off x="5760869" y="385535"/>
             <a:ext cx="4800600" cy="632529"/>
           </a:xfrm>
         </p:spPr>
@@ -12544,7 +12680,7 @@
         </p:nvSpPr>
         <p:spPr>
           <a:xfrm>
-            <a:off x="5627703" y="69270"/>
+            <a:off x="5672091" y="385535"/>
             <a:ext cx="4800600" cy="632529"/>
           </a:xfrm>
         </p:spPr>
@@ -12556,7 +12692,7 @@
               <a:rPr lang="hu-HU" sz="2800" dirty="0">
                 <a:latin typeface="Bodoni MT Condensed" panose="02070606080606020203" pitchFamily="18" charset="0"/>
               </a:rPr>
-              <a:t>Backend</a:t>
+              <a:t>frontend</a:t>
             </a:r>
           </a:p>
         </p:txBody>
@@ -12598,6 +12734,316 @@
     <p:extLst>
       <p:ext uri="{BB962C8B-B14F-4D97-AF65-F5344CB8AC3E}">
         <p14:creationId xmlns:p14="http://schemas.microsoft.com/office/powerpoint/2010/main" val="395487620"/>
+      </p:ext>
+    </p:extLst>
+  </p:cSld>
+  <p:clrMapOvr>
+    <a:masterClrMapping/>
+  </p:clrMapOvr>
+</p:sld>
+</file>
+
+<file path=ppt/slides/slide8.xml><?xml version="1.0" encoding="utf-8"?>
+<p:sld xmlns:a="http://schemas.openxmlformats.org/drawingml/2006/main" xmlns:r="http://schemas.openxmlformats.org/officeDocument/2006/relationships" xmlns:p="http://schemas.openxmlformats.org/presentationml/2006/main">
+  <p:cSld>
+    <p:spTree>
+      <p:nvGrpSpPr>
+        <p:cNvPr id="1" name=""/>
+        <p:cNvGrpSpPr/>
+        <p:nvPr/>
+      </p:nvGrpSpPr>
+      <p:grpSpPr>
+        <a:xfrm>
+          <a:off x="0" y="0"/>
+          <a:ext cx="0" cy="0"/>
+          <a:chOff x="0" y="0"/>
+          <a:chExt cx="0" cy="0"/>
+        </a:xfrm>
+      </p:grpSpPr>
+      <p:sp>
+        <p:nvSpPr>
+          <p:cNvPr id="2" name="Cím 1">
+            <a:extLst>
+              <a:ext uri="{FF2B5EF4-FFF2-40B4-BE49-F238E27FC236}">
+                <a16:creationId xmlns:a16="http://schemas.microsoft.com/office/drawing/2014/main" id="{87933A0E-9625-4A4D-99E1-05AC1A667EA4}"/>
+              </a:ext>
+            </a:extLst>
+          </p:cNvPr>
+          <p:cNvSpPr>
+            <a:spLocks noGrp="1"/>
+          </p:cNvSpPr>
+          <p:nvPr>
+            <p:ph type="title"/>
+          </p:nvPr>
+        </p:nvSpPr>
+        <p:spPr>
+          <a:xfrm>
+            <a:off x="1009650" y="0"/>
+            <a:ext cx="10172700" cy="1493517"/>
+          </a:xfrm>
+        </p:spPr>
+        <p:txBody>
+          <a:bodyPr>
+            <a:normAutofit/>
+          </a:bodyPr>
+          <a:lstStyle/>
+          <a:p>
+            <a:r>
+              <a:rPr lang="hu-HU" sz="9600" dirty="0" err="1">
+                <a:latin typeface="Bodoni MT Condensed" panose="02070606080606020203" pitchFamily="18" charset="0"/>
+              </a:rPr>
+              <a:t>DRIVEus</a:t>
+            </a:r>
+            <a:endParaRPr lang="hu-HU" sz="9600" dirty="0">
+              <a:latin typeface="Bodoni MT Condensed" panose="02070606080606020203" pitchFamily="18" charset="0"/>
+            </a:endParaRPr>
+          </a:p>
+        </p:txBody>
+      </p:sp>
+      <p:sp>
+        <p:nvSpPr>
+          <p:cNvPr id="3" name="Szöveg helye 2">
+            <a:extLst>
+              <a:ext uri="{FF2B5EF4-FFF2-40B4-BE49-F238E27FC236}">
+                <a16:creationId xmlns:a16="http://schemas.microsoft.com/office/drawing/2014/main" id="{2A066B12-822F-4795-829B-C76A5792BC42}"/>
+              </a:ext>
+            </a:extLst>
+          </p:cNvPr>
+          <p:cNvSpPr>
+            <a:spLocks noGrp="1"/>
+          </p:cNvSpPr>
+          <p:nvPr>
+            <p:ph type="body" idx="1"/>
+          </p:nvPr>
+        </p:nvSpPr>
+        <p:spPr>
+          <a:xfrm>
+            <a:off x="5618826" y="368424"/>
+            <a:ext cx="4800600" cy="632529"/>
+          </a:xfrm>
+        </p:spPr>
+        <p:txBody>
+          <a:bodyPr/>
+          <a:lstStyle/>
+          <a:p>
+            <a:r>
+              <a:rPr lang="hu-HU" sz="2800" dirty="0" err="1">
+                <a:latin typeface="Bodoni MT Condensed" panose="02070606080606020203" pitchFamily="18" charset="0"/>
+              </a:rPr>
+              <a:t>database</a:t>
+            </a:r>
+            <a:endParaRPr lang="hu-HU" sz="2800" dirty="0">
+              <a:latin typeface="Bodoni MT Condensed" panose="02070606080606020203" pitchFamily="18" charset="0"/>
+            </a:endParaRPr>
+          </a:p>
+        </p:txBody>
+      </p:sp>
+      <p:pic>
+        <p:nvPicPr>
+          <p:cNvPr id="5" name="Tartalom helye 4">
+            <a:extLst>
+              <a:ext uri="{FF2B5EF4-FFF2-40B4-BE49-F238E27FC236}">
+                <a16:creationId xmlns:a16="http://schemas.microsoft.com/office/drawing/2014/main" id="{4A74BC3A-293A-47F5-9FE9-1D98EE515B82}"/>
+              </a:ext>
+            </a:extLst>
+          </p:cNvPr>
+          <p:cNvPicPr>
+            <a:picLocks noGrp="1" noChangeAspect="1"/>
+          </p:cNvPicPr>
+          <p:nvPr>
+            <p:ph sz="half" idx="2"/>
+          </p:nvPr>
+        </p:nvPicPr>
+        <p:blipFill>
+          <a:blip r:embed="rId2"/>
+          <a:stretch>
+            <a:fillRect/>
+          </a:stretch>
+        </p:blipFill>
+        <p:spPr>
+          <a:xfrm>
+            <a:off x="1009650" y="1493517"/>
+            <a:ext cx="10584101" cy="4996059"/>
+          </a:xfrm>
+          <a:prstGeom prst="rect">
+            <a:avLst/>
+          </a:prstGeom>
+        </p:spPr>
+      </p:pic>
+    </p:spTree>
+    <p:extLst>
+      <p:ext uri="{BB962C8B-B14F-4D97-AF65-F5344CB8AC3E}">
+        <p14:creationId xmlns:p14="http://schemas.microsoft.com/office/powerpoint/2010/main" val="3609012417"/>
+      </p:ext>
+    </p:extLst>
+  </p:cSld>
+  <p:clrMapOvr>
+    <a:masterClrMapping/>
+  </p:clrMapOvr>
+</p:sld>
+</file>
+
+<file path=ppt/slides/slide9.xml><?xml version="1.0" encoding="utf-8"?>
+<p:sld xmlns:a="http://schemas.openxmlformats.org/drawingml/2006/main" xmlns:r="http://schemas.openxmlformats.org/officeDocument/2006/relationships" xmlns:p="http://schemas.openxmlformats.org/presentationml/2006/main">
+  <p:cSld>
+    <p:spTree>
+      <p:nvGrpSpPr>
+        <p:cNvPr id="1" name=""/>
+        <p:cNvGrpSpPr/>
+        <p:nvPr/>
+      </p:nvGrpSpPr>
+      <p:grpSpPr>
+        <a:xfrm>
+          <a:off x="0" y="0"/>
+          <a:ext cx="0" cy="0"/>
+          <a:chOff x="0" y="0"/>
+          <a:chExt cx="0" cy="0"/>
+        </a:xfrm>
+      </p:grpSpPr>
+      <p:sp>
+        <p:nvSpPr>
+          <p:cNvPr id="2" name="Cím 1">
+            <a:extLst>
+              <a:ext uri="{FF2B5EF4-FFF2-40B4-BE49-F238E27FC236}">
+                <a16:creationId xmlns:a16="http://schemas.microsoft.com/office/drawing/2014/main" id="{87933A0E-9625-4A4D-99E1-05AC1A667EA4}"/>
+              </a:ext>
+            </a:extLst>
+          </p:cNvPr>
+          <p:cNvSpPr>
+            <a:spLocks noGrp="1"/>
+          </p:cNvSpPr>
+          <p:nvPr>
+            <p:ph type="title"/>
+          </p:nvPr>
+        </p:nvSpPr>
+        <p:spPr>
+          <a:xfrm>
+            <a:off x="1009650" y="0"/>
+            <a:ext cx="10172700" cy="1493517"/>
+          </a:xfrm>
+        </p:spPr>
+        <p:txBody>
+          <a:bodyPr>
+            <a:normAutofit/>
+          </a:bodyPr>
+          <a:lstStyle/>
+          <a:p>
+            <a:r>
+              <a:rPr lang="hu-HU" sz="9600" dirty="0" err="1">
+                <a:latin typeface="Bodoni MT Condensed" panose="02070606080606020203" pitchFamily="18" charset="0"/>
+              </a:rPr>
+              <a:t>DRIVEus</a:t>
+            </a:r>
+            <a:endParaRPr lang="hu-HU" sz="9600" dirty="0">
+              <a:latin typeface="Bodoni MT Condensed" panose="02070606080606020203" pitchFamily="18" charset="0"/>
+            </a:endParaRPr>
+          </a:p>
+        </p:txBody>
+      </p:sp>
+      <p:sp>
+        <p:nvSpPr>
+          <p:cNvPr id="3" name="Szöveg helye 2">
+            <a:extLst>
+              <a:ext uri="{FF2B5EF4-FFF2-40B4-BE49-F238E27FC236}">
+                <a16:creationId xmlns:a16="http://schemas.microsoft.com/office/drawing/2014/main" id="{2A066B12-822F-4795-829B-C76A5792BC42}"/>
+              </a:ext>
+            </a:extLst>
+          </p:cNvPr>
+          <p:cNvSpPr>
+            <a:spLocks noGrp="1"/>
+          </p:cNvSpPr>
+          <p:nvPr>
+            <p:ph type="body" idx="1"/>
+          </p:nvPr>
+        </p:nvSpPr>
+        <p:spPr>
+          <a:xfrm>
+            <a:off x="5618826" y="368424"/>
+            <a:ext cx="4800600" cy="632529"/>
+          </a:xfrm>
+        </p:spPr>
+        <p:txBody>
+          <a:bodyPr/>
+          <a:lstStyle/>
+          <a:p>
+            <a:r>
+              <a:rPr lang="hu-HU" sz="2800" dirty="0" err="1">
+                <a:latin typeface="Bodoni MT Condensed" panose="02070606080606020203" pitchFamily="18" charset="0"/>
+              </a:rPr>
+              <a:t>responsivity</a:t>
+            </a:r>
+            <a:endParaRPr lang="hu-HU" sz="2800" dirty="0">
+              <a:latin typeface="Bodoni MT Condensed" panose="02070606080606020203" pitchFamily="18" charset="0"/>
+            </a:endParaRPr>
+          </a:p>
+        </p:txBody>
+      </p:sp>
+      <p:pic>
+        <p:nvPicPr>
+          <p:cNvPr id="6" name="Tartalom helye 5">
+            <a:extLst>
+              <a:ext uri="{FF2B5EF4-FFF2-40B4-BE49-F238E27FC236}">
+                <a16:creationId xmlns:a16="http://schemas.microsoft.com/office/drawing/2014/main" id="{7829CE67-0CC2-4B4F-9B06-A4AD865C8E33}"/>
+              </a:ext>
+            </a:extLst>
+          </p:cNvPr>
+          <p:cNvPicPr>
+            <a:picLocks noGrp="1" noChangeAspect="1"/>
+          </p:cNvPicPr>
+          <p:nvPr>
+            <p:ph sz="half" idx="2"/>
+          </p:nvPr>
+        </p:nvPicPr>
+        <p:blipFill>
+          <a:blip r:embed="rId2"/>
+          <a:stretch>
+            <a:fillRect/>
+          </a:stretch>
+        </p:blipFill>
+        <p:spPr>
+          <a:xfrm>
+            <a:off x="1908843" y="1431163"/>
+            <a:ext cx="3709983" cy="4964605"/>
+          </a:xfrm>
+          <a:prstGeom prst="rect">
+            <a:avLst/>
+          </a:prstGeom>
+        </p:spPr>
+      </p:pic>
+      <p:pic>
+        <p:nvPicPr>
+          <p:cNvPr id="7" name="Kép 6">
+            <a:extLst>
+              <a:ext uri="{FF2B5EF4-FFF2-40B4-BE49-F238E27FC236}">
+                <a16:creationId xmlns:a16="http://schemas.microsoft.com/office/drawing/2014/main" id="{EB3363C9-D96E-4B70-8FBC-D05C0FC59293}"/>
+              </a:ext>
+            </a:extLst>
+          </p:cNvPr>
+          <p:cNvPicPr>
+            <a:picLocks noChangeAspect="1"/>
+          </p:cNvPicPr>
+          <p:nvPr/>
+        </p:nvPicPr>
+        <p:blipFill>
+          <a:blip r:embed="rId3"/>
+          <a:stretch>
+            <a:fillRect/>
+          </a:stretch>
+        </p:blipFill>
+        <p:spPr>
+          <a:xfrm>
+            <a:off x="6318269" y="1420484"/>
+            <a:ext cx="3709984" cy="4975284"/>
+          </a:xfrm>
+          <a:prstGeom prst="rect">
+            <a:avLst/>
+          </a:prstGeom>
+        </p:spPr>
+      </p:pic>
+    </p:spTree>
+    <p:extLst>
+      <p:ext uri="{BB962C8B-B14F-4D97-AF65-F5344CB8AC3E}">
+        <p14:creationId xmlns:p14="http://schemas.microsoft.com/office/powerpoint/2010/main" val="3957017547"/>
       </p:ext>
     </p:extLst>
   </p:cSld>
@@ -13424,12 +13870,11 @@
 </file>
 
 <file path=customXml/item1.xml><?xml version="1.0" encoding="utf-8"?>
-<?mso-contentType ?>
-<FormTemplates xmlns="http://schemas.microsoft.com/sharepoint/v3/contenttype/forms">
-  <Display>DocumentLibraryForm</Display>
-  <Edit>DocumentLibraryForm</Edit>
-  <New>DocumentLibraryForm</New>
-</FormTemplates>
+<p:properties xmlns:p="http://schemas.microsoft.com/office/2006/metadata/properties" xmlns:xsi="http://www.w3.org/2001/XMLSchema-instance" xmlns:pc="http://schemas.microsoft.com/office/infopath/2007/PartnerControls">
+  <documentManagement>
+    <MediaServiceKeyPoints xmlns="71af3243-3dd4-4a8d-8c0d-dd76da1f02a5" xsi:nil="true"/>
+  </documentManagement>
+</p:properties>
 </file>
 
 <file path=customXml/item2.xml><?xml version="1.0" encoding="utf-8"?>
@@ -13644,17 +14089,27 @@
 </file>
 
 <file path=customXml/item3.xml><?xml version="1.0" encoding="utf-8"?>
-<p:properties xmlns:p="http://schemas.microsoft.com/office/2006/metadata/properties" xmlns:xsi="http://www.w3.org/2001/XMLSchema-instance" xmlns:pc="http://schemas.microsoft.com/office/infopath/2007/PartnerControls">
-  <documentManagement>
-    <MediaServiceKeyPoints xmlns="71af3243-3dd4-4a8d-8c0d-dd76da1f02a5" xsi:nil="true"/>
-  </documentManagement>
-</p:properties>
+<?mso-contentType ?>
+<FormTemplates xmlns="http://schemas.microsoft.com/sharepoint/v3/contenttype/forms">
+  <Display>DocumentLibraryForm</Display>
+  <Edit>DocumentLibraryForm</Edit>
+  <New>DocumentLibraryForm</New>
+</FormTemplates>
 </file>
 
 <file path=customXml/itemProps1.xml><?xml version="1.0" encoding="utf-8"?>
-<ds:datastoreItem xmlns:ds="http://schemas.openxmlformats.org/officeDocument/2006/customXml" ds:itemID="{032C9D10-CA80-4BC9-9D59-B4B9486E9328}">
+<ds:datastoreItem xmlns:ds="http://schemas.openxmlformats.org/officeDocument/2006/customXml" ds:itemID="{055D5C12-9048-448D-A69C-F00736C0732E}">
   <ds:schemaRefs>
-    <ds:schemaRef ds:uri="http://schemas.microsoft.com/sharepoint/v3/contenttype/forms"/>
+    <ds:schemaRef ds:uri="http://purl.org/dc/elements/1.1/"/>
+    <ds:schemaRef ds:uri="http://purl.org/dc/dcmitype/"/>
+    <ds:schemaRef ds:uri="http://www.w3.org/XML/1998/namespace"/>
+    <ds:schemaRef ds:uri="16c05727-aa75-4e4a-9b5f-8a80a1165891"/>
+    <ds:schemaRef ds:uri="http://schemas.microsoft.com/office/2006/metadata/properties"/>
+    <ds:schemaRef ds:uri="http://schemas.microsoft.com/office/2006/documentManagement/types"/>
+    <ds:schemaRef ds:uri="http://purl.org/dc/terms/"/>
+    <ds:schemaRef ds:uri="http://schemas.microsoft.com/office/infopath/2007/PartnerControls"/>
+    <ds:schemaRef ds:uri="http://schemas.openxmlformats.org/package/2006/metadata/core-properties"/>
+    <ds:schemaRef ds:uri="71af3243-3dd4-4a8d-8c0d-dd76da1f02a5"/>
   </ds:schemaRefs>
 </ds:datastoreItem>
 </file>
@@ -13679,18 +14134,9 @@
 </file>
 
 <file path=customXml/itemProps3.xml><?xml version="1.0" encoding="utf-8"?>
-<ds:datastoreItem xmlns:ds="http://schemas.openxmlformats.org/officeDocument/2006/customXml" ds:itemID="{055D5C12-9048-448D-A69C-F00736C0732E}">
+<ds:datastoreItem xmlns:ds="http://schemas.openxmlformats.org/officeDocument/2006/customXml" ds:itemID="{032C9D10-CA80-4BC9-9D59-B4B9486E9328}">
   <ds:schemaRefs>
-    <ds:schemaRef ds:uri="http://purl.org/dc/elements/1.1/"/>
-    <ds:schemaRef ds:uri="http://purl.org/dc/dcmitype/"/>
-    <ds:schemaRef ds:uri="http://www.w3.org/XML/1998/namespace"/>
-    <ds:schemaRef ds:uri="16c05727-aa75-4e4a-9b5f-8a80a1165891"/>
-    <ds:schemaRef ds:uri="http://schemas.microsoft.com/office/2006/metadata/properties"/>
-    <ds:schemaRef ds:uri="http://schemas.microsoft.com/office/2006/documentManagement/types"/>
-    <ds:schemaRef ds:uri="http://purl.org/dc/terms/"/>
-    <ds:schemaRef ds:uri="http://schemas.microsoft.com/office/infopath/2007/PartnerControls"/>
-    <ds:schemaRef ds:uri="http://schemas.openxmlformats.org/package/2006/metadata/core-properties"/>
-    <ds:schemaRef ds:uri="71af3243-3dd4-4a8d-8c0d-dd76da1f02a5"/>
+    <ds:schemaRef ds:uri="http://schemas.microsoft.com/sharepoint/v3/contenttype/forms"/>
   </ds:schemaRefs>
 </ds:datastoreItem>
 </file>
--- a/egyeb/DriveUs.pptx
+++ b/egyeb/DriveUs.pptx
@@ -5,10 +5,10 @@
     <p:sldMasterId id="2147483648" r:id="rId4"/>
   </p:sldMasterIdLst>
   <p:notesMasterIdLst>
-    <p:notesMasterId r:id="rId15"/>
+    <p:notesMasterId r:id="rId25"/>
   </p:notesMasterIdLst>
   <p:handoutMasterIdLst>
-    <p:handoutMasterId r:id="rId16"/>
+    <p:handoutMasterId r:id="rId26"/>
   </p:handoutMasterIdLst>
   <p:sldIdLst>
     <p:sldId id="267" r:id="rId5"/>
@@ -17,10 +17,20 @@
     <p:sldId id="270" r:id="rId8"/>
     <p:sldId id="271" r:id="rId9"/>
     <p:sldId id="272" r:id="rId10"/>
-    <p:sldId id="273" r:id="rId11"/>
-    <p:sldId id="274" r:id="rId12"/>
-    <p:sldId id="275" r:id="rId13"/>
-    <p:sldId id="276" r:id="rId14"/>
+    <p:sldId id="278" r:id="rId11"/>
+    <p:sldId id="279" r:id="rId12"/>
+    <p:sldId id="273" r:id="rId13"/>
+    <p:sldId id="280" r:id="rId14"/>
+    <p:sldId id="274" r:id="rId15"/>
+    <p:sldId id="276" r:id="rId16"/>
+    <p:sldId id="275" r:id="rId17"/>
+    <p:sldId id="281" r:id="rId18"/>
+    <p:sldId id="282" r:id="rId19"/>
+    <p:sldId id="283" r:id="rId20"/>
+    <p:sldId id="284" r:id="rId21"/>
+    <p:sldId id="285" r:id="rId22"/>
+    <p:sldId id="286" r:id="rId23"/>
+    <p:sldId id="277" r:id="rId24"/>
   </p:sldIdLst>
   <p:sldSz cx="12192000" cy="6858000"/>
   <p:notesSz cx="6858000" cy="9144000"/>
@@ -214,7 +224,7 @@
             <a:pPr rtl="0"/>
             <a:fld id="{681418C4-22FD-4352-8451-6B7EEE2AD120}" type="datetime1">
               <a:rPr lang="hu-HU" smtClean="0"/>
-              <a:t>2025. 03. 31.</a:t>
+              <a:t>2025. 04. 01.</a:t>
             </a:fld>
             <a:endParaRPr lang="hu-HU" dirty="0"/>
           </a:p>
@@ -383,7 +393,7 @@
             <a:fld id="{9679C38C-46A1-49BC-A836-83A1BCB4B54C}" type="datetime1">
               <a:rPr lang="hu-HU" smtClean="0"/>
               <a:pPr/>
-              <a:t>2025. 03. 31.</a:t>
+              <a:t>2025. 04. 01.</a:t>
             </a:fld>
             <a:endParaRPr lang="hu-HU" dirty="0"/>
           </a:p>
@@ -2039,7 +2049,7 @@
             <a:pPr rtl="0"/>
             <a:fld id="{26B3AEB3-8840-4374-BE55-BA5D38482A5F}" type="datetime1">
               <a:rPr lang="hu-HU" noProof="0" smtClean="0"/>
-              <a:t>2025. 03. 31.</a:t>
+              <a:t>2025. 04. 01.</a:t>
             </a:fld>
             <a:endParaRPr lang="hu-HU" noProof="0" dirty="0"/>
           </a:p>
@@ -2277,7 +2287,7 @@
             <a:pPr rtl="0"/>
             <a:fld id="{2707B076-7D47-417E-A212-16720A39AA90}" type="datetime1">
               <a:rPr lang="hu-HU" noProof="0" smtClean="0"/>
-              <a:t>2025. 03. 31.</a:t>
+              <a:t>2025. 04. 01.</a:t>
             </a:fld>
             <a:endParaRPr lang="hu-HU" noProof="0" dirty="0"/>
           </a:p>
@@ -2456,7 +2466,7 @@
             <a:pPr rtl="0"/>
             <a:fld id="{985697C2-C046-40CE-A31F-19ECB12C351B}" type="datetime1">
               <a:rPr lang="hu-HU" noProof="0" smtClean="0"/>
-              <a:t>2025. 03. 31.</a:t>
+              <a:t>2025. 04. 01.</a:t>
             </a:fld>
             <a:endParaRPr lang="hu-HU" noProof="0" dirty="0"/>
           </a:p>
@@ -2625,7 +2635,7 @@
             <a:pPr rtl="0"/>
             <a:fld id="{ABBCB8F4-51B1-4DFA-8560-A375567797EC}" type="datetime1">
               <a:rPr lang="hu-HU" noProof="0" smtClean="0"/>
-              <a:t>2025. 03. 31.</a:t>
+              <a:t>2025. 04. 01.</a:t>
             </a:fld>
             <a:endParaRPr lang="hu-HU" noProof="0" dirty="0"/>
           </a:p>
@@ -2900,7 +2910,7 @@
             <a:pPr rtl="0"/>
             <a:fld id="{86EC440D-8A93-4033-A0F0-612FDCD702A2}" type="datetime1">
               <a:rPr lang="hu-HU" noProof="0" smtClean="0"/>
-              <a:t>2025. 03. 31.</a:t>
+              <a:t>2025. 04. 01.</a:t>
             </a:fld>
             <a:endParaRPr lang="hu-HU" noProof="0" dirty="0"/>
           </a:p>
@@ -4101,7 +4111,7 @@
             <a:pPr rtl="0"/>
             <a:fld id="{191B6BC6-FB12-4482-ACA7-06A24FCED2F6}" type="datetime1">
               <a:rPr lang="hu-HU" noProof="0" smtClean="0"/>
-              <a:t>2025. 03. 31.</a:t>
+              <a:t>2025. 04. 01.</a:t>
             </a:fld>
             <a:endParaRPr lang="hu-HU" noProof="0" dirty="0"/>
           </a:p>
@@ -4490,7 +4500,7 @@
             <a:pPr rtl="0"/>
             <a:fld id="{A905903E-2028-4856-AD81-3E94D03924A9}" type="datetime1">
               <a:rPr lang="hu-HU" noProof="0" smtClean="0"/>
-              <a:t>2025. 03. 31.</a:t>
+              <a:t>2025. 04. 01.</a:t>
             </a:fld>
             <a:endParaRPr lang="hu-HU" noProof="0" dirty="0"/>
           </a:p>
@@ -4612,7 +4622,7 @@
             <a:pPr rtl="0"/>
             <a:fld id="{B3E9701F-A3ED-4423-B1E8-3C4DBBD212D0}" type="datetime1">
               <a:rPr lang="hu-HU" noProof="0" smtClean="0"/>
-              <a:t>2025. 03. 31.</a:t>
+              <a:t>2025. 04. 01.</a:t>
             </a:fld>
             <a:endParaRPr lang="hu-HU" noProof="0" dirty="0"/>
           </a:p>
@@ -4705,7 +4715,7 @@
             <a:pPr rtl="0"/>
             <a:fld id="{4DDC0063-A2D4-4262-B24C-21A1809BBDEE}" type="datetime1">
               <a:rPr lang="hu-HU" noProof="0" smtClean="0"/>
-              <a:t>2025. 03. 31.</a:t>
+              <a:t>2025. 04. 01.</a:t>
             </a:fld>
             <a:endParaRPr lang="hu-HU" noProof="0" dirty="0"/>
           </a:p>
@@ -5467,7 +5477,7 @@
             <a:pPr rtl="0"/>
             <a:fld id="{C8F29687-3339-422A-AC2E-4FEB21647174}" type="datetime1">
               <a:rPr lang="hu-HU" noProof="0" smtClean="0"/>
-              <a:t>2025. 03. 31.</a:t>
+              <a:t>2025. 04. 01.</a:t>
             </a:fld>
             <a:endParaRPr lang="hu-HU" noProof="0" dirty="0"/>
           </a:p>
@@ -6307,7 +6317,7 @@
             <a:pPr rtl="0"/>
             <a:fld id="{652E0B18-67A6-4160-900D-A2BA740807C9}" type="datetime1">
               <a:rPr lang="hu-HU" noProof="0" smtClean="0"/>
-              <a:t>2025. 03. 31.</a:t>
+              <a:t>2025. 04. 01.</a:t>
             </a:fld>
             <a:endParaRPr lang="hu-HU" noProof="0" dirty="0"/>
           </a:p>
@@ -6531,7 +6541,7 @@
             <a:pPr rtl="0"/>
             <a:fld id="{8C86BE91-3060-4B4A-BA02-98FAA90B9ADE}" type="datetime1">
               <a:rPr lang="hu-HU" noProof="0" smtClean="0"/>
-              <a:t>2025. 03. 31.</a:t>
+              <a:t>2025. 04. 01.</a:t>
             </a:fld>
             <a:endParaRPr lang="hu-HU" noProof="0" dirty="0"/>
           </a:p>
@@ -9160,7 +9170,7 @@
         </p:nvSpPr>
         <p:spPr>
           <a:xfrm rot="17125943">
-            <a:off x="6463258" y="2447595"/>
+            <a:off x="6377160" y="2556867"/>
             <a:ext cx="982979" cy="663752"/>
           </a:xfrm>
           <a:prstGeom prst="flowChartPunchedTape">
@@ -9434,7 +9444,7 @@
         </p:nvSpPr>
         <p:spPr>
           <a:xfrm rot="2763978">
-            <a:off x="6924625" y="2081527"/>
+            <a:off x="6683415" y="1933173"/>
             <a:ext cx="1390860" cy="1431175"/>
           </a:xfrm>
           <a:prstGeom prst="cloud">
@@ -9564,6 +9574,180 @@
           <a:p>
             <a:pPr algn="ctr"/>
             <a:endParaRPr lang="hu-HU"/>
+          </a:p>
+        </p:txBody>
+      </p:sp>
+      <p:sp>
+        <p:nvSpPr>
+          <p:cNvPr id="4" name="Téglalap 3">
+            <a:extLst>
+              <a:ext uri="{FF2B5EF4-FFF2-40B4-BE49-F238E27FC236}">
+                <a16:creationId xmlns:a16="http://schemas.microsoft.com/office/drawing/2014/main" id="{23862014-F6CF-4D28-AD5C-0264EBE56E63}"/>
+              </a:ext>
+            </a:extLst>
+          </p:cNvPr>
+          <p:cNvSpPr/>
+          <p:nvPr/>
+        </p:nvSpPr>
+        <p:spPr>
+          <a:xfrm>
+            <a:off x="-70575" y="-35559"/>
+            <a:ext cx="6080733" cy="1569660"/>
+          </a:xfrm>
+          <a:prstGeom prst="rect">
+            <a:avLst/>
+          </a:prstGeom>
+          <a:noFill/>
+        </p:spPr>
+        <p:txBody>
+          <a:bodyPr wrap="square" lIns="91440" tIns="45720" rIns="91440" bIns="45720">
+            <a:spAutoFit/>
+          </a:bodyPr>
+          <a:lstStyle/>
+          <a:p>
+            <a:r>
+              <a:rPr lang="hu-HU" sz="1050" dirty="0"/>
+              <a:t>OM kód: 203061/012</a:t>
+            </a:r>
+          </a:p>
+          <a:p>
+            <a:r>
+              <a:rPr lang="hu-HU" sz="1050" dirty="0"/>
+              <a:t>E-mail cím: </a:t>
+            </a:r>
+            <a:r>
+              <a:rPr lang="hu-HU" sz="1050" dirty="0">
+                <a:hlinkClick r:id="rId5"/>
+              </a:rPr>
+              <a:t>titkar@hengersor.hu</a:t>
+            </a:r>
+            <a:endParaRPr lang="hu-HU" sz="1050" dirty="0"/>
+          </a:p>
+          <a:p>
+            <a:r>
+              <a:rPr lang="nb-NO" sz="1050" dirty="0"/>
+              <a:t>Telefon:</a:t>
+            </a:r>
+          </a:p>
+          <a:p>
+            <a:r>
+              <a:rPr lang="nb-NO" sz="1050" dirty="0"/>
+              <a:t>Telefon: +36 30 369 7855</a:t>
+            </a:r>
+          </a:p>
+          <a:p>
+            <a:pPr algn="ctr"/>
+            <a:endParaRPr lang="hu-HU" sz="5400" b="0" cap="none" spc="0" dirty="0">
+              <a:ln w="0"/>
+              <a:solidFill>
+                <a:schemeClr val="tx1"/>
+              </a:solidFill>
+              <a:effectLst>
+                <a:outerShdw blurRad="38100" dist="19050" dir="2700000" algn="tl" rotWithShape="0">
+                  <a:schemeClr val="dk1">
+                    <a:alpha val="40000"/>
+                  </a:schemeClr>
+                </a:outerShdw>
+              </a:effectLst>
+            </a:endParaRPr>
+          </a:p>
+        </p:txBody>
+      </p:sp>
+      <p:sp>
+        <p:nvSpPr>
+          <p:cNvPr id="6" name="Téglalap 5">
+            <a:extLst>
+              <a:ext uri="{FF2B5EF4-FFF2-40B4-BE49-F238E27FC236}">
+                <a16:creationId xmlns:a16="http://schemas.microsoft.com/office/drawing/2014/main" id="{0FBD528B-4355-4866-8037-3408CD22D7AE}"/>
+              </a:ext>
+            </a:extLst>
+          </p:cNvPr>
+          <p:cNvSpPr/>
+          <p:nvPr/>
+        </p:nvSpPr>
+        <p:spPr>
+          <a:xfrm>
+            <a:off x="-3565973" y="1293504"/>
+            <a:ext cx="14295645" cy="1384995"/>
+          </a:xfrm>
+          <a:prstGeom prst="rect">
+            <a:avLst/>
+          </a:prstGeom>
+          <a:noFill/>
+        </p:spPr>
+        <p:txBody>
+          <a:bodyPr wrap="none" lIns="91440" tIns="45720" rIns="91440" bIns="45720">
+            <a:spAutoFit/>
+          </a:bodyPr>
+          <a:lstStyle/>
+          <a:p>
+            <a:pPr algn="ctr"/>
+            <a:r>
+              <a:rPr lang="hu-HU" sz="1200" b="1" dirty="0"/>
+              <a:t>Budapesti Gazdasági Szakképzési Centrum Pestszentlőrinci Technikum</a:t>
+            </a:r>
+          </a:p>
+          <a:p>
+            <a:pPr algn="ctr"/>
+            <a:endParaRPr lang="hu-HU" sz="1200" b="1" dirty="0"/>
+          </a:p>
+          <a:p>
+            <a:pPr algn="ctr"/>
+            <a:r>
+              <a:rPr lang="nb-NO" sz="1200" dirty="0"/>
+              <a:t> 1184 Budapest Hengersor u. 34.</a:t>
+            </a:r>
+            <a:endParaRPr lang="hu-HU" sz="1200" dirty="0"/>
+          </a:p>
+          <a:p>
+            <a:pPr algn="ctr"/>
+            <a:endParaRPr lang="hu-HU" sz="1200" dirty="0"/>
+          </a:p>
+          <a:p>
+            <a:endParaRPr lang="hu-HU" sz="1200" dirty="0"/>
+          </a:p>
+          <a:p>
+            <a:pPr algn="ctr"/>
+            <a:endParaRPr lang="hu-HU" sz="1200" b="1" dirty="0">
+              <a:ln/>
+              <a:pattFill prst="dkUpDiag">
+                <a:fgClr>
+                  <a:schemeClr val="bg1">
+                    <a:lumMod val="50000"/>
+                  </a:schemeClr>
+                </a:fgClr>
+                <a:bgClr>
+                  <a:schemeClr val="tx1">
+                    <a:lumMod val="75000"/>
+                    <a:lumOff val="25000"/>
+                  </a:schemeClr>
+                </a:bgClr>
+              </a:pattFill>
+              <a:effectLst>
+                <a:outerShdw blurRad="38100" dist="19050" dir="2700000" algn="tl" rotWithShape="0">
+                  <a:schemeClr val="dk1">
+                    <a:lumMod val="50000"/>
+                    <a:alpha val="40000"/>
+                  </a:schemeClr>
+                </a:outerShdw>
+              </a:effectLst>
+            </a:endParaRPr>
+          </a:p>
+          <a:p>
+            <a:pPr algn="ctr"/>
+            <a:endParaRPr lang="hu-HU" sz="1200" b="0" cap="none" spc="0" dirty="0">
+              <a:ln w="0"/>
+              <a:solidFill>
+                <a:schemeClr val="tx1"/>
+              </a:solidFill>
+              <a:effectLst>
+                <a:outerShdw blurRad="38100" dist="19050" dir="2700000" algn="tl" rotWithShape="0">
+                  <a:schemeClr val="dk1">
+                    <a:alpha val="40000"/>
+                  </a:schemeClr>
+                </a:outerShdw>
+              </a:effectLst>
+            </a:endParaRPr>
           </a:p>
         </p:txBody>
       </p:sp>
@@ -9655,7 +9839,7 @@
         </p:nvSpPr>
         <p:spPr>
           <a:xfrm>
-            <a:off x="5618826" y="368424"/>
+            <a:off x="5672091" y="385535"/>
             <a:ext cx="4800600" cy="632529"/>
           </a:xfrm>
         </p:spPr>
@@ -9667,7 +9851,7 @@
               <a:rPr lang="hu-HU" sz="2800" dirty="0" err="1">
                 <a:latin typeface="Bodoni MT Condensed" panose="02070606080606020203" pitchFamily="18" charset="0"/>
               </a:rPr>
-              <a:t>responsivity</a:t>
+              <a:t>database</a:t>
             </a:r>
             <a:endParaRPr lang="hu-HU" sz="2800" dirty="0">
               <a:latin typeface="Bodoni MT Condensed" panose="02070606080606020203" pitchFamily="18" charset="0"/>
@@ -9680,7 +9864,7 @@
           <p:cNvPr id="4" name="Tartalom helye 3">
             <a:extLst>
               <a:ext uri="{FF2B5EF4-FFF2-40B4-BE49-F238E27FC236}">
-                <a16:creationId xmlns:a16="http://schemas.microsoft.com/office/drawing/2014/main" id="{D18C14D4-8A23-4E37-99B2-24E9029DCB16}"/>
+                <a16:creationId xmlns:a16="http://schemas.microsoft.com/office/drawing/2014/main" id="{9EA5D02B-5ABA-4969-A302-4A2A9EAD84A0}"/>
               </a:ext>
             </a:extLst>
           </p:cNvPr>
@@ -9691,19 +9875,2457 @@
             <p:ph sz="half" idx="2"/>
           </p:nvPr>
         </p:nvSpPr>
-        <p:spPr/>
+        <p:spPr>
+          <a:xfrm>
+            <a:off x="3936492" y="3154503"/>
+            <a:ext cx="4800600" cy="3317962"/>
+          </a:xfrm>
+        </p:spPr>
         <p:txBody>
           <a:bodyPr/>
           <a:lstStyle/>
           <a:p>
-            <a:endParaRPr lang="hu-HU"/>
-          </a:p>
-        </p:txBody>
-      </p:sp>
+            <a:pPr marL="1828800" lvl="4" indent="0">
+              <a:buNone/>
+            </a:pPr>
+            <a:endParaRPr lang="hu-HU" dirty="0"/>
+          </a:p>
+        </p:txBody>
+      </p:sp>
+    </p:spTree>
+    <p:extLst>
+      <p:ext uri="{BB962C8B-B14F-4D97-AF65-F5344CB8AC3E}">
+        <p14:creationId xmlns:p14="http://schemas.microsoft.com/office/powerpoint/2010/main" val="2163119197"/>
+      </p:ext>
+    </p:extLst>
+  </p:cSld>
+  <p:clrMapOvr>
+    <a:masterClrMapping/>
+  </p:clrMapOvr>
+</p:sld>
+</file>
+
+<file path=ppt/slides/slide11.xml><?xml version="1.0" encoding="utf-8"?>
+<p:sld xmlns:a="http://schemas.openxmlformats.org/drawingml/2006/main" xmlns:r="http://schemas.openxmlformats.org/officeDocument/2006/relationships" xmlns:p="http://schemas.openxmlformats.org/presentationml/2006/main">
+  <p:cSld>
+    <p:spTree>
+      <p:nvGrpSpPr>
+        <p:cNvPr id="1" name=""/>
+        <p:cNvGrpSpPr/>
+        <p:nvPr/>
+      </p:nvGrpSpPr>
+      <p:grpSpPr>
+        <a:xfrm>
+          <a:off x="0" y="0"/>
+          <a:ext cx="0" cy="0"/>
+          <a:chOff x="0" y="0"/>
+          <a:chExt cx="0" cy="0"/>
+        </a:xfrm>
+      </p:grpSpPr>
+      <p:sp>
+        <p:nvSpPr>
+          <p:cNvPr id="2" name="Cím 1">
+            <a:extLst>
+              <a:ext uri="{FF2B5EF4-FFF2-40B4-BE49-F238E27FC236}">
+                <a16:creationId xmlns:a16="http://schemas.microsoft.com/office/drawing/2014/main" id="{87933A0E-9625-4A4D-99E1-05AC1A667EA4}"/>
+              </a:ext>
+            </a:extLst>
+          </p:cNvPr>
+          <p:cNvSpPr>
+            <a:spLocks noGrp="1"/>
+          </p:cNvSpPr>
+          <p:nvPr>
+            <p:ph type="title"/>
+          </p:nvPr>
+        </p:nvSpPr>
+        <p:spPr>
+          <a:xfrm>
+            <a:off x="1009650" y="0"/>
+            <a:ext cx="10172700" cy="1493517"/>
+          </a:xfrm>
+        </p:spPr>
+        <p:txBody>
+          <a:bodyPr>
+            <a:normAutofit/>
+          </a:bodyPr>
+          <a:lstStyle/>
+          <a:p>
+            <a:r>
+              <a:rPr lang="hu-HU" sz="9600" dirty="0" err="1">
+                <a:latin typeface="Bodoni MT Condensed" panose="02070606080606020203" pitchFamily="18" charset="0"/>
+              </a:rPr>
+              <a:t>DRIVEus</a:t>
+            </a:r>
+            <a:endParaRPr lang="hu-HU" sz="9600" dirty="0">
+              <a:latin typeface="Bodoni MT Condensed" panose="02070606080606020203" pitchFamily="18" charset="0"/>
+            </a:endParaRPr>
+          </a:p>
+        </p:txBody>
+      </p:sp>
+      <p:sp>
+        <p:nvSpPr>
+          <p:cNvPr id="3" name="Szöveg helye 2">
+            <a:extLst>
+              <a:ext uri="{FF2B5EF4-FFF2-40B4-BE49-F238E27FC236}">
+                <a16:creationId xmlns:a16="http://schemas.microsoft.com/office/drawing/2014/main" id="{2A066B12-822F-4795-829B-C76A5792BC42}"/>
+              </a:ext>
+            </a:extLst>
+          </p:cNvPr>
+          <p:cNvSpPr>
+            <a:spLocks noGrp="1"/>
+          </p:cNvSpPr>
+          <p:nvPr>
+            <p:ph type="body" idx="1"/>
+          </p:nvPr>
+        </p:nvSpPr>
+        <p:spPr>
+          <a:xfrm>
+            <a:off x="5618826" y="368424"/>
+            <a:ext cx="4800600" cy="632529"/>
+          </a:xfrm>
+        </p:spPr>
+        <p:txBody>
+          <a:bodyPr/>
+          <a:lstStyle/>
+          <a:p>
+            <a:r>
+              <a:rPr lang="hu-HU" sz="2800" dirty="0" err="1">
+                <a:latin typeface="Bodoni MT Condensed" panose="02070606080606020203" pitchFamily="18" charset="0"/>
+              </a:rPr>
+              <a:t>database</a:t>
+            </a:r>
+            <a:endParaRPr lang="hu-HU" sz="2800" dirty="0">
+              <a:latin typeface="Bodoni MT Condensed" panose="02070606080606020203" pitchFamily="18" charset="0"/>
+            </a:endParaRPr>
+          </a:p>
+        </p:txBody>
+      </p:sp>
+      <p:pic>
+        <p:nvPicPr>
+          <p:cNvPr id="5" name="Tartalom helye 4">
+            <a:extLst>
+              <a:ext uri="{FF2B5EF4-FFF2-40B4-BE49-F238E27FC236}">
+                <a16:creationId xmlns:a16="http://schemas.microsoft.com/office/drawing/2014/main" id="{4A74BC3A-293A-47F5-9FE9-1D98EE515B82}"/>
+              </a:ext>
+            </a:extLst>
+          </p:cNvPr>
+          <p:cNvPicPr>
+            <a:picLocks noGrp="1" noChangeAspect="1"/>
+          </p:cNvPicPr>
+          <p:nvPr>
+            <p:ph sz="half" idx="2"/>
+          </p:nvPr>
+        </p:nvPicPr>
+        <p:blipFill>
+          <a:blip r:embed="rId2"/>
+          <a:stretch>
+            <a:fillRect/>
+          </a:stretch>
+        </p:blipFill>
+        <p:spPr>
+          <a:xfrm>
+            <a:off x="1009650" y="1493517"/>
+            <a:ext cx="10584101" cy="4996059"/>
+          </a:xfrm>
+          <a:prstGeom prst="rect">
+            <a:avLst/>
+          </a:prstGeom>
+        </p:spPr>
+      </p:pic>
+    </p:spTree>
+    <p:extLst>
+      <p:ext uri="{BB962C8B-B14F-4D97-AF65-F5344CB8AC3E}">
+        <p14:creationId xmlns:p14="http://schemas.microsoft.com/office/powerpoint/2010/main" val="3609012417"/>
+      </p:ext>
+    </p:extLst>
+  </p:cSld>
+  <p:clrMapOvr>
+    <a:masterClrMapping/>
+  </p:clrMapOvr>
+</p:sld>
+</file>
+
+<file path=ppt/slides/slide12.xml><?xml version="1.0" encoding="utf-8"?>
+<p:sld xmlns:a="http://schemas.openxmlformats.org/drawingml/2006/main" xmlns:r="http://schemas.openxmlformats.org/officeDocument/2006/relationships" xmlns:p="http://schemas.openxmlformats.org/presentationml/2006/main">
+  <p:cSld>
+    <p:spTree>
+      <p:nvGrpSpPr>
+        <p:cNvPr id="1" name=""/>
+        <p:cNvGrpSpPr/>
+        <p:nvPr/>
+      </p:nvGrpSpPr>
+      <p:grpSpPr>
+        <a:xfrm>
+          <a:off x="0" y="0"/>
+          <a:ext cx="0" cy="0"/>
+          <a:chOff x="0" y="0"/>
+          <a:chExt cx="0" cy="0"/>
+        </a:xfrm>
+      </p:grpSpPr>
+      <p:sp>
+        <p:nvSpPr>
+          <p:cNvPr id="2" name="Cím 1">
+            <a:extLst>
+              <a:ext uri="{FF2B5EF4-FFF2-40B4-BE49-F238E27FC236}">
+                <a16:creationId xmlns:a16="http://schemas.microsoft.com/office/drawing/2014/main" id="{87933A0E-9625-4A4D-99E1-05AC1A667EA4}"/>
+              </a:ext>
+            </a:extLst>
+          </p:cNvPr>
+          <p:cNvSpPr>
+            <a:spLocks noGrp="1"/>
+          </p:cNvSpPr>
+          <p:nvPr>
+            <p:ph type="title"/>
+          </p:nvPr>
+        </p:nvSpPr>
+        <p:spPr>
+          <a:xfrm>
+            <a:off x="1009650" y="0"/>
+            <a:ext cx="10172700" cy="1493517"/>
+          </a:xfrm>
+        </p:spPr>
+        <p:txBody>
+          <a:bodyPr>
+            <a:normAutofit/>
+          </a:bodyPr>
+          <a:lstStyle/>
+          <a:p>
+            <a:r>
+              <a:rPr lang="hu-HU" sz="9600" dirty="0" err="1">
+                <a:latin typeface="Bodoni MT Condensed" panose="02070606080606020203" pitchFamily="18" charset="0"/>
+              </a:rPr>
+              <a:t>DRIVEus</a:t>
+            </a:r>
+            <a:endParaRPr lang="hu-HU" sz="9600" dirty="0">
+              <a:latin typeface="Bodoni MT Condensed" panose="02070606080606020203" pitchFamily="18" charset="0"/>
+            </a:endParaRPr>
+          </a:p>
+        </p:txBody>
+      </p:sp>
+      <p:sp>
+        <p:nvSpPr>
+          <p:cNvPr id="3" name="Szöveg helye 2">
+            <a:extLst>
+              <a:ext uri="{FF2B5EF4-FFF2-40B4-BE49-F238E27FC236}">
+                <a16:creationId xmlns:a16="http://schemas.microsoft.com/office/drawing/2014/main" id="{2A066B12-822F-4795-829B-C76A5792BC42}"/>
+              </a:ext>
+            </a:extLst>
+          </p:cNvPr>
+          <p:cNvSpPr>
+            <a:spLocks noGrp="1"/>
+          </p:cNvSpPr>
+          <p:nvPr>
+            <p:ph type="body" idx="1"/>
+          </p:nvPr>
+        </p:nvSpPr>
+        <p:spPr>
+          <a:xfrm>
+            <a:off x="4899734" y="319971"/>
+            <a:ext cx="4800600" cy="632529"/>
+          </a:xfrm>
+        </p:spPr>
+        <p:txBody>
+          <a:bodyPr/>
+          <a:lstStyle/>
+          <a:p>
+            <a:r>
+              <a:rPr lang="hu-HU" sz="2800" dirty="0" err="1">
+                <a:latin typeface="Bodoni MT Condensed" panose="02070606080606020203" pitchFamily="18" charset="0"/>
+              </a:rPr>
+              <a:t>Without</a:t>
+            </a:r>
+            <a:r>
+              <a:rPr lang="hu-HU" sz="2800" dirty="0">
+                <a:latin typeface="Bodoni MT Condensed" panose="02070606080606020203" pitchFamily="18" charset="0"/>
+              </a:rPr>
+              <a:t> </a:t>
+            </a:r>
+            <a:r>
+              <a:rPr lang="hu-HU" sz="2800" dirty="0" err="1">
+                <a:latin typeface="Bodoni MT Condensed" panose="02070606080606020203" pitchFamily="18" charset="0"/>
+              </a:rPr>
+              <a:t>responsivity</a:t>
+            </a:r>
+            <a:endParaRPr lang="hu-HU" sz="2800" dirty="0">
+              <a:latin typeface="Bodoni MT Condensed" panose="02070606080606020203" pitchFamily="18" charset="0"/>
+            </a:endParaRPr>
+          </a:p>
+        </p:txBody>
+      </p:sp>
+      <p:pic>
+        <p:nvPicPr>
+          <p:cNvPr id="5" name="Tartalom helye 4">
+            <a:extLst>
+              <a:ext uri="{FF2B5EF4-FFF2-40B4-BE49-F238E27FC236}">
+                <a16:creationId xmlns:a16="http://schemas.microsoft.com/office/drawing/2014/main" id="{37106696-EBDA-4C64-A845-E0CE8F55DF06}"/>
+              </a:ext>
+            </a:extLst>
+          </p:cNvPr>
+          <p:cNvPicPr>
+            <a:picLocks noGrp="1" noChangeAspect="1"/>
+          </p:cNvPicPr>
+          <p:nvPr>
+            <p:ph sz="half" idx="2"/>
+          </p:nvPr>
+        </p:nvPicPr>
+        <p:blipFill>
+          <a:blip r:embed="rId2"/>
+          <a:stretch>
+            <a:fillRect/>
+          </a:stretch>
+        </p:blipFill>
+        <p:spPr>
+          <a:xfrm>
+            <a:off x="1009650" y="1186573"/>
+            <a:ext cx="5625104" cy="2864608"/>
+          </a:xfrm>
+          <a:prstGeom prst="rect">
+            <a:avLst/>
+          </a:prstGeom>
+        </p:spPr>
+      </p:pic>
+      <p:pic>
+        <p:nvPicPr>
+          <p:cNvPr id="6" name="Kép 5">
+            <a:extLst>
+              <a:ext uri="{FF2B5EF4-FFF2-40B4-BE49-F238E27FC236}">
+                <a16:creationId xmlns:a16="http://schemas.microsoft.com/office/drawing/2014/main" id="{F7D86067-E54C-4198-9FE9-613E66F63ABA}"/>
+              </a:ext>
+            </a:extLst>
+          </p:cNvPr>
+          <p:cNvPicPr>
+            <a:picLocks noChangeAspect="1"/>
+          </p:cNvPicPr>
+          <p:nvPr/>
+        </p:nvPicPr>
+        <p:blipFill>
+          <a:blip r:embed="rId3"/>
+          <a:stretch>
+            <a:fillRect/>
+          </a:stretch>
+        </p:blipFill>
+        <p:spPr>
+          <a:xfrm>
+            <a:off x="6184777" y="3923259"/>
+            <a:ext cx="5666358" cy="2864608"/>
+          </a:xfrm>
+          <a:prstGeom prst="rect">
+            <a:avLst/>
+          </a:prstGeom>
+        </p:spPr>
+      </p:pic>
     </p:spTree>
     <p:extLst>
       <p:ext uri="{BB962C8B-B14F-4D97-AF65-F5344CB8AC3E}">
         <p14:creationId xmlns:p14="http://schemas.microsoft.com/office/powerpoint/2010/main" val="3425129537"/>
+      </p:ext>
+    </p:extLst>
+  </p:cSld>
+  <p:clrMapOvr>
+    <a:masterClrMapping/>
+  </p:clrMapOvr>
+</p:sld>
+</file>
+
+<file path=ppt/slides/slide13.xml><?xml version="1.0" encoding="utf-8"?>
+<p:sld xmlns:a="http://schemas.openxmlformats.org/drawingml/2006/main" xmlns:r="http://schemas.openxmlformats.org/officeDocument/2006/relationships" xmlns:p="http://schemas.openxmlformats.org/presentationml/2006/main">
+  <p:cSld>
+    <p:spTree>
+      <p:nvGrpSpPr>
+        <p:cNvPr id="1" name=""/>
+        <p:cNvGrpSpPr/>
+        <p:nvPr/>
+      </p:nvGrpSpPr>
+      <p:grpSpPr>
+        <a:xfrm>
+          <a:off x="0" y="0"/>
+          <a:ext cx="0" cy="0"/>
+          <a:chOff x="0" y="0"/>
+          <a:chExt cx="0" cy="0"/>
+        </a:xfrm>
+      </p:grpSpPr>
+      <p:sp>
+        <p:nvSpPr>
+          <p:cNvPr id="2" name="Cím 1">
+            <a:extLst>
+              <a:ext uri="{FF2B5EF4-FFF2-40B4-BE49-F238E27FC236}">
+                <a16:creationId xmlns:a16="http://schemas.microsoft.com/office/drawing/2014/main" id="{87933A0E-9625-4A4D-99E1-05AC1A667EA4}"/>
+              </a:ext>
+            </a:extLst>
+          </p:cNvPr>
+          <p:cNvSpPr>
+            <a:spLocks noGrp="1"/>
+          </p:cNvSpPr>
+          <p:nvPr>
+            <p:ph type="title"/>
+          </p:nvPr>
+        </p:nvSpPr>
+        <p:spPr>
+          <a:xfrm>
+            <a:off x="1009650" y="0"/>
+            <a:ext cx="10172700" cy="1493517"/>
+          </a:xfrm>
+        </p:spPr>
+        <p:txBody>
+          <a:bodyPr>
+            <a:normAutofit/>
+          </a:bodyPr>
+          <a:lstStyle/>
+          <a:p>
+            <a:r>
+              <a:rPr lang="hu-HU" sz="9600" dirty="0" err="1">
+                <a:latin typeface="Bodoni MT Condensed" panose="02070606080606020203" pitchFamily="18" charset="0"/>
+              </a:rPr>
+              <a:t>DRIVEus</a:t>
+            </a:r>
+            <a:endParaRPr lang="hu-HU" sz="9600" dirty="0">
+              <a:latin typeface="Bodoni MT Condensed" panose="02070606080606020203" pitchFamily="18" charset="0"/>
+            </a:endParaRPr>
+          </a:p>
+        </p:txBody>
+      </p:sp>
+      <p:sp>
+        <p:nvSpPr>
+          <p:cNvPr id="3" name="Szöveg helye 2">
+            <a:extLst>
+              <a:ext uri="{FF2B5EF4-FFF2-40B4-BE49-F238E27FC236}">
+                <a16:creationId xmlns:a16="http://schemas.microsoft.com/office/drawing/2014/main" id="{2A066B12-822F-4795-829B-C76A5792BC42}"/>
+              </a:ext>
+            </a:extLst>
+          </p:cNvPr>
+          <p:cNvSpPr>
+            <a:spLocks noGrp="1"/>
+          </p:cNvSpPr>
+          <p:nvPr>
+            <p:ph type="body" idx="1"/>
+          </p:nvPr>
+        </p:nvSpPr>
+        <p:spPr>
+          <a:xfrm>
+            <a:off x="4855346" y="315158"/>
+            <a:ext cx="4800600" cy="632529"/>
+          </a:xfrm>
+        </p:spPr>
+        <p:txBody>
+          <a:bodyPr/>
+          <a:lstStyle/>
+          <a:p>
+            <a:r>
+              <a:rPr lang="hu-HU" sz="2800" dirty="0" err="1">
+                <a:latin typeface="Bodoni MT Condensed" panose="02070606080606020203" pitchFamily="18" charset="0"/>
+              </a:rPr>
+              <a:t>With</a:t>
+            </a:r>
+            <a:r>
+              <a:rPr lang="hu-HU" sz="2800" dirty="0">
+                <a:latin typeface="Bodoni MT Condensed" panose="02070606080606020203" pitchFamily="18" charset="0"/>
+              </a:rPr>
+              <a:t> </a:t>
+            </a:r>
+            <a:r>
+              <a:rPr lang="hu-HU" sz="2800" dirty="0" err="1">
+                <a:latin typeface="Bodoni MT Condensed" panose="02070606080606020203" pitchFamily="18" charset="0"/>
+              </a:rPr>
+              <a:t>responsivity</a:t>
+            </a:r>
+            <a:endParaRPr lang="hu-HU" sz="2800" dirty="0">
+              <a:latin typeface="Bodoni MT Condensed" panose="02070606080606020203" pitchFamily="18" charset="0"/>
+            </a:endParaRPr>
+          </a:p>
+        </p:txBody>
+      </p:sp>
+      <p:pic>
+        <p:nvPicPr>
+          <p:cNvPr id="6" name="Tartalom helye 5">
+            <a:extLst>
+              <a:ext uri="{FF2B5EF4-FFF2-40B4-BE49-F238E27FC236}">
+                <a16:creationId xmlns:a16="http://schemas.microsoft.com/office/drawing/2014/main" id="{7829CE67-0CC2-4B4F-9B06-A4AD865C8E33}"/>
+              </a:ext>
+            </a:extLst>
+          </p:cNvPr>
+          <p:cNvPicPr>
+            <a:picLocks noGrp="1" noChangeAspect="1"/>
+          </p:cNvPicPr>
+          <p:nvPr>
+            <p:ph sz="half" idx="2"/>
+          </p:nvPr>
+        </p:nvPicPr>
+        <p:blipFill>
+          <a:blip r:embed="rId2"/>
+          <a:stretch>
+            <a:fillRect/>
+          </a:stretch>
+        </p:blipFill>
+        <p:spPr>
+          <a:xfrm>
+            <a:off x="1908843" y="1431163"/>
+            <a:ext cx="3709983" cy="4964605"/>
+          </a:xfrm>
+          <a:prstGeom prst="rect">
+            <a:avLst/>
+          </a:prstGeom>
+        </p:spPr>
+      </p:pic>
+      <p:pic>
+        <p:nvPicPr>
+          <p:cNvPr id="7" name="Kép 6">
+            <a:extLst>
+              <a:ext uri="{FF2B5EF4-FFF2-40B4-BE49-F238E27FC236}">
+                <a16:creationId xmlns:a16="http://schemas.microsoft.com/office/drawing/2014/main" id="{EB3363C9-D96E-4B70-8FBC-D05C0FC59293}"/>
+              </a:ext>
+            </a:extLst>
+          </p:cNvPr>
+          <p:cNvPicPr>
+            <a:picLocks noChangeAspect="1"/>
+          </p:cNvPicPr>
+          <p:nvPr/>
+        </p:nvPicPr>
+        <p:blipFill>
+          <a:blip r:embed="rId3"/>
+          <a:stretch>
+            <a:fillRect/>
+          </a:stretch>
+        </p:blipFill>
+        <p:spPr>
+          <a:xfrm>
+            <a:off x="6318269" y="1420484"/>
+            <a:ext cx="3709984" cy="4975284"/>
+          </a:xfrm>
+          <a:prstGeom prst="rect">
+            <a:avLst/>
+          </a:prstGeom>
+        </p:spPr>
+      </p:pic>
+      <p:sp>
+        <p:nvSpPr>
+          <p:cNvPr id="4" name="Téglalap 3">
+            <a:extLst>
+              <a:ext uri="{FF2B5EF4-FFF2-40B4-BE49-F238E27FC236}">
+                <a16:creationId xmlns:a16="http://schemas.microsoft.com/office/drawing/2014/main" id="{F7444CD1-71E2-4DF8-A5A9-6217DE2AAA63}"/>
+              </a:ext>
+            </a:extLst>
+          </p:cNvPr>
+          <p:cNvSpPr/>
+          <p:nvPr/>
+        </p:nvSpPr>
+        <p:spPr>
+          <a:xfrm>
+            <a:off x="6531884" y="462232"/>
+            <a:ext cx="6855641" cy="461665"/>
+          </a:xfrm>
+          <a:prstGeom prst="rect">
+            <a:avLst/>
+          </a:prstGeom>
+          <a:noFill/>
+        </p:spPr>
+        <p:txBody>
+          <a:bodyPr wrap="square" lIns="91440" tIns="45720" rIns="91440" bIns="45720">
+            <a:spAutoFit/>
+          </a:bodyPr>
+          <a:lstStyle/>
+          <a:p>
+            <a:pPr marL="685800" indent="-685800" algn="ctr">
+              <a:buFont typeface="Arial" panose="020B0604020202020204" pitchFamily="34" charset="0"/>
+              <a:buChar char="•"/>
+            </a:pPr>
+            <a:r>
+              <a:rPr lang="hu-HU" sz="1200" dirty="0" err="1">
+                <a:ln w="0"/>
+                <a:effectLst>
+                  <a:outerShdw blurRad="38100" dist="19050" dir="2700000" algn="tl" rotWithShape="0">
+                    <a:schemeClr val="dk1">
+                      <a:alpha val="40000"/>
+                    </a:schemeClr>
+                  </a:outerShdw>
+                </a:effectLst>
+              </a:rPr>
+              <a:t>Optimized</a:t>
+            </a:r>
+            <a:r>
+              <a:rPr lang="hu-HU" sz="1200" dirty="0">
+                <a:ln w="0"/>
+                <a:effectLst>
+                  <a:outerShdw blurRad="38100" dist="19050" dir="2700000" algn="tl" rotWithShape="0">
+                    <a:schemeClr val="dk1">
+                      <a:alpha val="40000"/>
+                    </a:schemeClr>
+                  </a:outerShdw>
+                </a:effectLst>
+              </a:rPr>
+              <a:t> </a:t>
+            </a:r>
+            <a:r>
+              <a:rPr lang="hu-HU" sz="1200" dirty="0" err="1">
+                <a:ln w="0"/>
+                <a:effectLst>
+                  <a:outerShdw blurRad="38100" dist="19050" dir="2700000" algn="tl" rotWithShape="0">
+                    <a:schemeClr val="dk1">
+                      <a:alpha val="40000"/>
+                    </a:schemeClr>
+                  </a:outerShdw>
+                </a:effectLst>
+              </a:rPr>
+              <a:t>for</a:t>
+            </a:r>
+            <a:r>
+              <a:rPr lang="hu-HU" sz="1200" dirty="0">
+                <a:ln w="0"/>
+                <a:effectLst>
+                  <a:outerShdw blurRad="38100" dist="19050" dir="2700000" algn="tl" rotWithShape="0">
+                    <a:schemeClr val="dk1">
+                      <a:alpha val="40000"/>
+                    </a:schemeClr>
+                  </a:outerShdw>
+                </a:effectLst>
+              </a:rPr>
+              <a:t> mobile </a:t>
+            </a:r>
+            <a:r>
+              <a:rPr lang="hu-HU" sz="1200" dirty="0" err="1">
+                <a:ln w="0"/>
+                <a:effectLst>
+                  <a:outerShdw blurRad="38100" dist="19050" dir="2700000" algn="tl" rotWithShape="0">
+                    <a:schemeClr val="dk1">
+                      <a:alpha val="40000"/>
+                    </a:schemeClr>
+                  </a:outerShdw>
+                </a:effectLst>
+              </a:rPr>
+              <a:t>devices</a:t>
+            </a:r>
+            <a:endParaRPr lang="hu-HU" sz="1200" dirty="0">
+              <a:ln w="0"/>
+              <a:effectLst>
+                <a:outerShdw blurRad="38100" dist="19050" dir="2700000" algn="tl" rotWithShape="0">
+                  <a:schemeClr val="dk1">
+                    <a:alpha val="40000"/>
+                  </a:schemeClr>
+                </a:outerShdw>
+              </a:effectLst>
+            </a:endParaRPr>
+          </a:p>
+          <a:p>
+            <a:pPr marL="685800" indent="-685800" algn="ctr">
+              <a:buFont typeface="Arial" panose="020B0604020202020204" pitchFamily="34" charset="0"/>
+              <a:buChar char="•"/>
+            </a:pPr>
+            <a:r>
+              <a:rPr lang="hu-HU" sz="1200" dirty="0">
+                <a:ln w="0"/>
+                <a:effectLst>
+                  <a:outerShdw blurRad="38100" dist="19050" dir="2700000" algn="tl" rotWithShape="0">
+                    <a:schemeClr val="dk1">
+                      <a:alpha val="40000"/>
+                    </a:schemeClr>
+                  </a:outerShdw>
+                </a:effectLst>
+              </a:rPr>
+              <a:t>Access </a:t>
+            </a:r>
+            <a:r>
+              <a:rPr lang="hu-HU" sz="1200" dirty="0" err="1">
+                <a:ln w="0"/>
+                <a:effectLst>
+                  <a:outerShdw blurRad="38100" dist="19050" dir="2700000" algn="tl" rotWithShape="0">
+                    <a:schemeClr val="dk1">
+                      <a:alpha val="40000"/>
+                    </a:schemeClr>
+                  </a:outerShdw>
+                </a:effectLst>
+              </a:rPr>
+              <a:t>from</a:t>
+            </a:r>
+            <a:r>
+              <a:rPr lang="hu-HU" sz="1200" dirty="0">
+                <a:ln w="0"/>
+                <a:effectLst>
+                  <a:outerShdw blurRad="38100" dist="19050" dir="2700000" algn="tl" rotWithShape="0">
+                    <a:schemeClr val="dk1">
+                      <a:alpha val="40000"/>
+                    </a:schemeClr>
+                  </a:outerShdw>
+                </a:effectLst>
+              </a:rPr>
+              <a:t> </a:t>
+            </a:r>
+            <a:r>
+              <a:rPr lang="hu-HU" sz="1200" dirty="0" err="1">
+                <a:ln w="0"/>
+                <a:effectLst>
+                  <a:outerShdw blurRad="38100" dist="19050" dir="2700000" algn="tl" rotWithShape="0">
+                    <a:schemeClr val="dk1">
+                      <a:alpha val="40000"/>
+                    </a:schemeClr>
+                  </a:outerShdw>
+                </a:effectLst>
+              </a:rPr>
+              <a:t>anywhere</a:t>
+            </a:r>
+            <a:r>
+              <a:rPr lang="hu-HU" sz="1200" dirty="0">
+                <a:ln w="0"/>
+                <a:effectLst>
+                  <a:outerShdw blurRad="38100" dist="19050" dir="2700000" algn="tl" rotWithShape="0">
+                    <a:schemeClr val="dk1">
+                      <a:alpha val="40000"/>
+                    </a:schemeClr>
+                  </a:outerShdw>
+                </a:effectLst>
+              </a:rPr>
+              <a:t> </a:t>
+            </a:r>
+            <a:r>
+              <a:rPr lang="hu-HU" sz="1200" dirty="0" err="1">
+                <a:ln w="0"/>
+                <a:effectLst>
+                  <a:outerShdw blurRad="38100" dist="19050" dir="2700000" algn="tl" rotWithShape="0">
+                    <a:schemeClr val="dk1">
+                      <a:alpha val="40000"/>
+                    </a:schemeClr>
+                  </a:outerShdw>
+                </a:effectLst>
+              </a:rPr>
+              <a:t>on</a:t>
+            </a:r>
+            <a:r>
+              <a:rPr lang="hu-HU" sz="1200" dirty="0">
+                <a:ln w="0"/>
+                <a:effectLst>
+                  <a:outerShdw blurRad="38100" dist="19050" dir="2700000" algn="tl" rotWithShape="0">
+                    <a:schemeClr val="dk1">
+                      <a:alpha val="40000"/>
+                    </a:schemeClr>
+                  </a:outerShdw>
+                </a:effectLst>
+              </a:rPr>
+              <a:t> </a:t>
+            </a:r>
+            <a:r>
+              <a:rPr lang="hu-HU" sz="1200" dirty="0" err="1">
+                <a:ln w="0"/>
+                <a:effectLst>
+                  <a:outerShdw blurRad="38100" dist="19050" dir="2700000" algn="tl" rotWithShape="0">
+                    <a:schemeClr val="dk1">
+                      <a:alpha val="40000"/>
+                    </a:schemeClr>
+                  </a:outerShdw>
+                </a:effectLst>
+              </a:rPr>
+              <a:t>any</a:t>
+            </a:r>
+            <a:r>
+              <a:rPr lang="hu-HU" sz="1200" dirty="0">
+                <a:ln w="0"/>
+                <a:effectLst>
+                  <a:outerShdw blurRad="38100" dist="19050" dir="2700000" algn="tl" rotWithShape="0">
+                    <a:schemeClr val="dk1">
+                      <a:alpha val="40000"/>
+                    </a:schemeClr>
+                  </a:outerShdw>
+                </a:effectLst>
+              </a:rPr>
+              <a:t> </a:t>
+            </a:r>
+            <a:r>
+              <a:rPr lang="hu-HU" sz="1200" dirty="0" err="1">
+                <a:ln w="0"/>
+                <a:effectLst>
+                  <a:outerShdw blurRad="38100" dist="19050" dir="2700000" algn="tl" rotWithShape="0">
+                    <a:schemeClr val="dk1">
+                      <a:alpha val="40000"/>
+                    </a:schemeClr>
+                  </a:outerShdw>
+                </a:effectLst>
+              </a:rPr>
+              <a:t>device</a:t>
+            </a:r>
+            <a:r>
+              <a:rPr lang="hu-HU" sz="1200" dirty="0">
+                <a:ln w="0"/>
+                <a:effectLst>
+                  <a:outerShdw blurRad="38100" dist="19050" dir="2700000" algn="tl" rotWithShape="0">
+                    <a:schemeClr val="dk1">
+                      <a:alpha val="40000"/>
+                    </a:schemeClr>
+                  </a:outerShdw>
+                </a:effectLst>
+              </a:rPr>
+              <a:t> </a:t>
+            </a:r>
+            <a:endParaRPr lang="hu-HU" sz="1200" b="0" cap="none" spc="0" dirty="0">
+              <a:ln w="0"/>
+              <a:solidFill>
+                <a:schemeClr val="tx1"/>
+              </a:solidFill>
+              <a:effectLst>
+                <a:outerShdw blurRad="38100" dist="19050" dir="2700000" algn="tl" rotWithShape="0">
+                  <a:schemeClr val="dk1">
+                    <a:alpha val="40000"/>
+                  </a:schemeClr>
+                </a:outerShdw>
+              </a:effectLst>
+            </a:endParaRPr>
+          </a:p>
+        </p:txBody>
+      </p:sp>
+    </p:spTree>
+    <p:extLst>
+      <p:ext uri="{BB962C8B-B14F-4D97-AF65-F5344CB8AC3E}">
+        <p14:creationId xmlns:p14="http://schemas.microsoft.com/office/powerpoint/2010/main" val="3957017547"/>
+      </p:ext>
+    </p:extLst>
+  </p:cSld>
+  <p:clrMapOvr>
+    <a:masterClrMapping/>
+  </p:clrMapOvr>
+</p:sld>
+</file>
+
+<file path=ppt/slides/slide14.xml><?xml version="1.0" encoding="utf-8"?>
+<p:sld xmlns:a="http://schemas.openxmlformats.org/drawingml/2006/main" xmlns:r="http://schemas.openxmlformats.org/officeDocument/2006/relationships" xmlns:p="http://schemas.openxmlformats.org/presentationml/2006/main">
+  <p:cSld>
+    <p:spTree>
+      <p:nvGrpSpPr>
+        <p:cNvPr id="1" name=""/>
+        <p:cNvGrpSpPr/>
+        <p:nvPr/>
+      </p:nvGrpSpPr>
+      <p:grpSpPr>
+        <a:xfrm>
+          <a:off x="0" y="0"/>
+          <a:ext cx="0" cy="0"/>
+          <a:chOff x="0" y="0"/>
+          <a:chExt cx="0" cy="0"/>
+        </a:xfrm>
+      </p:grpSpPr>
+      <p:sp>
+        <p:nvSpPr>
+          <p:cNvPr id="2" name="Cím 1">
+            <a:extLst>
+              <a:ext uri="{FF2B5EF4-FFF2-40B4-BE49-F238E27FC236}">
+                <a16:creationId xmlns:a16="http://schemas.microsoft.com/office/drawing/2014/main" id="{87933A0E-9625-4A4D-99E1-05AC1A667EA4}"/>
+              </a:ext>
+            </a:extLst>
+          </p:cNvPr>
+          <p:cNvSpPr>
+            <a:spLocks noGrp="1"/>
+          </p:cNvSpPr>
+          <p:nvPr>
+            <p:ph type="title"/>
+          </p:nvPr>
+        </p:nvSpPr>
+        <p:spPr>
+          <a:xfrm>
+            <a:off x="1009650" y="66873"/>
+            <a:ext cx="10172700" cy="1493517"/>
+          </a:xfrm>
+        </p:spPr>
+        <p:txBody>
+          <a:bodyPr>
+            <a:normAutofit/>
+          </a:bodyPr>
+          <a:lstStyle/>
+          <a:p>
+            <a:r>
+              <a:rPr lang="hu-HU" sz="9600" dirty="0" err="1">
+                <a:latin typeface="Bodoni MT Condensed" panose="02070606080606020203" pitchFamily="18" charset="0"/>
+              </a:rPr>
+              <a:t>DRIVEus</a:t>
+            </a:r>
+            <a:endParaRPr lang="hu-HU" sz="9600" dirty="0">
+              <a:latin typeface="Bodoni MT Condensed" panose="02070606080606020203" pitchFamily="18" charset="0"/>
+            </a:endParaRPr>
+          </a:p>
+        </p:txBody>
+      </p:sp>
+      <p:sp>
+        <p:nvSpPr>
+          <p:cNvPr id="3" name="Szöveg helye 2">
+            <a:extLst>
+              <a:ext uri="{FF2B5EF4-FFF2-40B4-BE49-F238E27FC236}">
+                <a16:creationId xmlns:a16="http://schemas.microsoft.com/office/drawing/2014/main" id="{2A066B12-822F-4795-829B-C76A5792BC42}"/>
+              </a:ext>
+            </a:extLst>
+          </p:cNvPr>
+          <p:cNvSpPr>
+            <a:spLocks noGrp="1"/>
+          </p:cNvSpPr>
+          <p:nvPr>
+            <p:ph type="body" idx="1"/>
+          </p:nvPr>
+        </p:nvSpPr>
+        <p:spPr>
+          <a:xfrm>
+            <a:off x="1542471" y="2290790"/>
+            <a:ext cx="4800600" cy="632529"/>
+          </a:xfrm>
+        </p:spPr>
+        <p:txBody>
+          <a:bodyPr/>
+          <a:lstStyle/>
+          <a:p>
+            <a:r>
+              <a:rPr lang="hu-HU" sz="2800" dirty="0">
+                <a:latin typeface="Bodoni MT Condensed" panose="02070606080606020203" pitchFamily="18" charset="0"/>
+              </a:rPr>
+              <a:t>Frontend</a:t>
+            </a:r>
+          </a:p>
+        </p:txBody>
+      </p:sp>
+      <p:sp>
+        <p:nvSpPr>
+          <p:cNvPr id="4" name="Tartalom helye 3">
+            <a:extLst>
+              <a:ext uri="{FF2B5EF4-FFF2-40B4-BE49-F238E27FC236}">
+                <a16:creationId xmlns:a16="http://schemas.microsoft.com/office/drawing/2014/main" id="{9EA5D02B-5ABA-4969-A302-4A2A9EAD84A0}"/>
+              </a:ext>
+            </a:extLst>
+          </p:cNvPr>
+          <p:cNvSpPr>
+            <a:spLocks noGrp="1"/>
+          </p:cNvSpPr>
+          <p:nvPr>
+            <p:ph sz="half" idx="2"/>
+          </p:nvPr>
+        </p:nvSpPr>
+        <p:spPr>
+          <a:xfrm>
+            <a:off x="1295400" y="3467739"/>
+            <a:ext cx="4800600" cy="2996398"/>
+          </a:xfrm>
+        </p:spPr>
+        <p:txBody>
+          <a:bodyPr/>
+          <a:lstStyle/>
+          <a:p>
+            <a:r>
+              <a:rPr lang="hu-HU" dirty="0" err="1"/>
+              <a:t>Only</a:t>
+            </a:r>
+            <a:r>
+              <a:rPr lang="hu-HU" dirty="0"/>
+              <a:t> </a:t>
+            </a:r>
+            <a:r>
+              <a:rPr lang="hu-HU" dirty="0" err="1"/>
+              <a:t>call</a:t>
+            </a:r>
+            <a:r>
+              <a:rPr lang="hu-HU" dirty="0"/>
+              <a:t> </a:t>
+            </a:r>
+            <a:r>
+              <a:rPr lang="hu-HU" dirty="0" err="1"/>
+              <a:t>based</a:t>
+            </a:r>
+            <a:r>
+              <a:rPr lang="hu-HU" dirty="0"/>
+              <a:t> </a:t>
+            </a:r>
+            <a:r>
+              <a:rPr lang="hu-HU" dirty="0" err="1"/>
+              <a:t>reservations</a:t>
+            </a:r>
+            <a:endParaRPr lang="hu-HU" dirty="0"/>
+          </a:p>
+          <a:p>
+            <a:r>
+              <a:rPr lang="hu-HU" dirty="0"/>
+              <a:t>The </a:t>
+            </a:r>
+            <a:r>
+              <a:rPr lang="hu-HU" dirty="0" err="1"/>
+              <a:t>quality</a:t>
+            </a:r>
+            <a:r>
+              <a:rPr lang="hu-HU" dirty="0"/>
+              <a:t> of </a:t>
+            </a:r>
+            <a:r>
+              <a:rPr lang="hu-HU" dirty="0" err="1"/>
+              <a:t>the</a:t>
+            </a:r>
+            <a:r>
+              <a:rPr lang="hu-HU" dirty="0"/>
+              <a:t> </a:t>
+            </a:r>
+            <a:r>
+              <a:rPr lang="hu-HU" dirty="0" err="1"/>
+              <a:t>cars</a:t>
+            </a:r>
+            <a:endParaRPr lang="hu-HU" dirty="0"/>
+          </a:p>
+          <a:p>
+            <a:r>
+              <a:rPr lang="hu-HU" dirty="0"/>
+              <a:t>No platform </a:t>
+            </a:r>
+            <a:r>
+              <a:rPr lang="hu-HU" dirty="0" err="1"/>
+              <a:t>for</a:t>
+            </a:r>
+            <a:r>
+              <a:rPr lang="hu-HU" dirty="0"/>
+              <a:t> </a:t>
+            </a:r>
+            <a:r>
+              <a:rPr lang="hu-HU" dirty="0" err="1"/>
+              <a:t>the</a:t>
+            </a:r>
+            <a:r>
+              <a:rPr lang="hu-HU" dirty="0"/>
+              <a:t> </a:t>
+            </a:r>
+            <a:r>
+              <a:rPr lang="hu-HU" dirty="0" err="1"/>
+              <a:t>renting</a:t>
+            </a:r>
+            <a:r>
+              <a:rPr lang="hu-HU" dirty="0"/>
+              <a:t> </a:t>
+            </a:r>
+            <a:r>
+              <a:rPr lang="hu-HU" dirty="0" err="1"/>
+              <a:t>informations</a:t>
+            </a:r>
+            <a:endParaRPr lang="hu-HU" dirty="0"/>
+          </a:p>
+          <a:p>
+            <a:endParaRPr lang="hu-HU" dirty="0"/>
+          </a:p>
+        </p:txBody>
+      </p:sp>
+      <p:sp>
+        <p:nvSpPr>
+          <p:cNvPr id="5" name="Szöveg helye 4">
+            <a:extLst>
+              <a:ext uri="{FF2B5EF4-FFF2-40B4-BE49-F238E27FC236}">
+                <a16:creationId xmlns:a16="http://schemas.microsoft.com/office/drawing/2014/main" id="{F1DA47AF-91B2-4DE7-BC82-8611434C7D85}"/>
+              </a:ext>
+            </a:extLst>
+          </p:cNvPr>
+          <p:cNvSpPr>
+            <a:spLocks noGrp="1"/>
+          </p:cNvSpPr>
+          <p:nvPr>
+            <p:ph type="body" sz="quarter" idx="3"/>
+          </p:nvPr>
+        </p:nvSpPr>
+        <p:spPr>
+          <a:xfrm>
+            <a:off x="6661296" y="2290789"/>
+            <a:ext cx="4800600" cy="632529"/>
+          </a:xfrm>
+        </p:spPr>
+        <p:txBody>
+          <a:bodyPr/>
+          <a:lstStyle/>
+          <a:p>
+            <a:r>
+              <a:rPr lang="hu-HU" sz="2800" dirty="0">
+                <a:latin typeface="Bodoni MT Condensed" panose="02070606080606020203" pitchFamily="18" charset="0"/>
+              </a:rPr>
+              <a:t>backend</a:t>
+            </a:r>
+          </a:p>
+        </p:txBody>
+      </p:sp>
+      <p:sp>
+        <p:nvSpPr>
+          <p:cNvPr id="6" name="Tartalom helye 5">
+            <a:extLst>
+              <a:ext uri="{FF2B5EF4-FFF2-40B4-BE49-F238E27FC236}">
+                <a16:creationId xmlns:a16="http://schemas.microsoft.com/office/drawing/2014/main" id="{CF66838F-02F9-413B-B369-8985BC063E7A}"/>
+              </a:ext>
+            </a:extLst>
+          </p:cNvPr>
+          <p:cNvSpPr>
+            <a:spLocks noGrp="1"/>
+          </p:cNvSpPr>
+          <p:nvPr>
+            <p:ph sz="quarter" idx="4"/>
+          </p:nvPr>
+        </p:nvSpPr>
+        <p:spPr>
+          <a:xfrm>
+            <a:off x="6505848" y="3196517"/>
+            <a:ext cx="4800600" cy="2996398"/>
+          </a:xfrm>
+        </p:spPr>
+        <p:txBody>
+          <a:bodyPr/>
+          <a:lstStyle/>
+          <a:p>
+            <a:r>
+              <a:rPr lang="hu-HU" dirty="0" err="1"/>
+              <a:t>DriveUs</a:t>
+            </a:r>
+            <a:endParaRPr lang="hu-HU" dirty="0"/>
+          </a:p>
+          <a:p>
+            <a:r>
+              <a:rPr lang="hu-HU" dirty="0" err="1"/>
+              <a:t>Available</a:t>
+            </a:r>
+            <a:r>
+              <a:rPr lang="hu-HU" dirty="0"/>
+              <a:t> </a:t>
+            </a:r>
+            <a:r>
+              <a:rPr lang="hu-HU" dirty="0" err="1"/>
+              <a:t>for</a:t>
+            </a:r>
+            <a:r>
+              <a:rPr lang="hu-HU" dirty="0"/>
+              <a:t> </a:t>
+            </a:r>
+            <a:r>
+              <a:rPr lang="hu-HU" dirty="0" err="1"/>
+              <a:t>anyone</a:t>
+            </a:r>
+            <a:r>
+              <a:rPr lang="hu-HU" dirty="0"/>
+              <a:t> </a:t>
+            </a:r>
+            <a:r>
+              <a:rPr lang="hu-HU" dirty="0" err="1"/>
+              <a:t>anywhere</a:t>
+            </a:r>
+            <a:r>
+              <a:rPr lang="hu-HU" dirty="0"/>
+              <a:t> and </a:t>
+            </a:r>
+            <a:r>
+              <a:rPr lang="hu-HU" dirty="0" err="1"/>
+              <a:t>anytime</a:t>
+            </a:r>
+            <a:endParaRPr lang="hu-HU" dirty="0"/>
+          </a:p>
+          <a:p>
+            <a:r>
+              <a:rPr lang="hu-HU" dirty="0" err="1"/>
+              <a:t>Easy</a:t>
+            </a:r>
+            <a:r>
+              <a:rPr lang="hu-HU" dirty="0"/>
+              <a:t> </a:t>
+            </a:r>
+            <a:r>
+              <a:rPr lang="hu-HU" dirty="0" err="1"/>
+              <a:t>communicaton</a:t>
+            </a:r>
+            <a:r>
+              <a:rPr lang="hu-HU" dirty="0"/>
+              <a:t> over </a:t>
+            </a:r>
+            <a:r>
+              <a:rPr lang="hu-HU" dirty="0" err="1"/>
+              <a:t>the</a:t>
+            </a:r>
+            <a:r>
+              <a:rPr lang="hu-HU" dirty="0"/>
+              <a:t> platform</a:t>
+            </a:r>
+          </a:p>
+          <a:p>
+            <a:r>
+              <a:rPr lang="hu-HU" dirty="0" err="1"/>
+              <a:t>Information</a:t>
+            </a:r>
+            <a:r>
+              <a:rPr lang="hu-HU" dirty="0"/>
+              <a:t> </a:t>
+            </a:r>
+            <a:r>
+              <a:rPr lang="hu-HU" dirty="0" err="1"/>
+              <a:t>pages</a:t>
+            </a:r>
+            <a:r>
+              <a:rPr lang="hu-HU" dirty="0"/>
+              <a:t> </a:t>
+            </a:r>
+          </a:p>
+          <a:p>
+            <a:r>
+              <a:rPr lang="en-US" dirty="0"/>
+              <a:t>Intuitive and easy to use</a:t>
+            </a:r>
+            <a:r>
+              <a:rPr lang="hu-HU" dirty="0"/>
+              <a:t> and </a:t>
+            </a:r>
+            <a:r>
+              <a:rPr lang="hu-HU" dirty="0" err="1"/>
+              <a:t>user-friendly</a:t>
+            </a:r>
+            <a:endParaRPr lang="hu-HU" dirty="0"/>
+          </a:p>
+          <a:p>
+            <a:endParaRPr lang="hu-HU" dirty="0"/>
+          </a:p>
+        </p:txBody>
+      </p:sp>
+      <p:sp>
+        <p:nvSpPr>
+          <p:cNvPr id="7" name="Téglalap 6">
+            <a:extLst>
+              <a:ext uri="{FF2B5EF4-FFF2-40B4-BE49-F238E27FC236}">
+                <a16:creationId xmlns:a16="http://schemas.microsoft.com/office/drawing/2014/main" id="{CF5A5A71-4F75-44CA-997E-4BBCC057809A}"/>
+              </a:ext>
+            </a:extLst>
+          </p:cNvPr>
+          <p:cNvSpPr/>
+          <p:nvPr/>
+        </p:nvSpPr>
+        <p:spPr>
+          <a:xfrm>
+            <a:off x="5331789" y="540798"/>
+            <a:ext cx="1528421" cy="707886"/>
+          </a:xfrm>
+          <a:prstGeom prst="rect">
+            <a:avLst/>
+          </a:prstGeom>
+          <a:noFill/>
+        </p:spPr>
+        <p:txBody>
+          <a:bodyPr wrap="square" lIns="91440" tIns="45720" rIns="91440" bIns="45720">
+            <a:spAutoFit/>
+          </a:bodyPr>
+          <a:lstStyle/>
+          <a:p>
+            <a:pPr algn="ctr"/>
+            <a:r>
+              <a:rPr lang="hu-HU" sz="4000" dirty="0">
+                <a:ln w="0"/>
+                <a:effectLst>
+                  <a:outerShdw blurRad="38100" dist="19050" dir="2700000" algn="tl" rotWithShape="0">
+                    <a:schemeClr val="dk1">
+                      <a:alpha val="40000"/>
+                    </a:schemeClr>
+                  </a:outerShdw>
+                </a:effectLst>
+                <a:latin typeface="Bodoni MT Condensed" panose="02070606080606020203" pitchFamily="18" charset="0"/>
+              </a:rPr>
+              <a:t>TESTS</a:t>
+            </a:r>
+            <a:endParaRPr lang="hu-HU" sz="4000" b="0" cap="none" spc="0" dirty="0">
+              <a:ln w="0"/>
+              <a:solidFill>
+                <a:schemeClr val="tx1"/>
+              </a:solidFill>
+              <a:effectLst>
+                <a:outerShdw blurRad="38100" dist="19050" dir="2700000" algn="tl" rotWithShape="0">
+                  <a:schemeClr val="dk1">
+                    <a:alpha val="40000"/>
+                  </a:schemeClr>
+                </a:outerShdw>
+              </a:effectLst>
+              <a:latin typeface="Bodoni MT Condensed" panose="02070606080606020203" pitchFamily="18" charset="0"/>
+            </a:endParaRPr>
+          </a:p>
+        </p:txBody>
+      </p:sp>
+    </p:spTree>
+    <p:extLst>
+      <p:ext uri="{BB962C8B-B14F-4D97-AF65-F5344CB8AC3E}">
+        <p14:creationId xmlns:p14="http://schemas.microsoft.com/office/powerpoint/2010/main" val="3060760233"/>
+      </p:ext>
+    </p:extLst>
+  </p:cSld>
+  <p:clrMapOvr>
+    <a:masterClrMapping/>
+  </p:clrMapOvr>
+</p:sld>
+</file>
+
+<file path=ppt/slides/slide15.xml><?xml version="1.0" encoding="utf-8"?>
+<p:sld xmlns:a="http://schemas.openxmlformats.org/drawingml/2006/main" xmlns:r="http://schemas.openxmlformats.org/officeDocument/2006/relationships" xmlns:p="http://schemas.openxmlformats.org/presentationml/2006/main">
+  <p:cSld>
+    <p:spTree>
+      <p:nvGrpSpPr>
+        <p:cNvPr id="1" name=""/>
+        <p:cNvGrpSpPr/>
+        <p:nvPr/>
+      </p:nvGrpSpPr>
+      <p:grpSpPr>
+        <a:xfrm>
+          <a:off x="0" y="0"/>
+          <a:ext cx="0" cy="0"/>
+          <a:chOff x="0" y="0"/>
+          <a:chExt cx="0" cy="0"/>
+        </a:xfrm>
+      </p:grpSpPr>
+      <p:sp>
+        <p:nvSpPr>
+          <p:cNvPr id="2" name="Cím 1">
+            <a:extLst>
+              <a:ext uri="{FF2B5EF4-FFF2-40B4-BE49-F238E27FC236}">
+                <a16:creationId xmlns:a16="http://schemas.microsoft.com/office/drawing/2014/main" id="{87933A0E-9625-4A4D-99E1-05AC1A667EA4}"/>
+              </a:ext>
+            </a:extLst>
+          </p:cNvPr>
+          <p:cNvSpPr>
+            <a:spLocks noGrp="1"/>
+          </p:cNvSpPr>
+          <p:nvPr>
+            <p:ph type="title"/>
+          </p:nvPr>
+        </p:nvSpPr>
+        <p:spPr>
+          <a:xfrm>
+            <a:off x="1009650" y="57224"/>
+            <a:ext cx="10172700" cy="1493517"/>
+          </a:xfrm>
+        </p:spPr>
+        <p:txBody>
+          <a:bodyPr>
+            <a:normAutofit/>
+          </a:bodyPr>
+          <a:lstStyle/>
+          <a:p>
+            <a:r>
+              <a:rPr lang="hu-HU" sz="9600" dirty="0" err="1">
+                <a:latin typeface="Bodoni MT Condensed" panose="02070606080606020203" pitchFamily="18" charset="0"/>
+              </a:rPr>
+              <a:t>DRIVEus</a:t>
+            </a:r>
+            <a:endParaRPr lang="hu-HU" sz="9600" dirty="0">
+              <a:latin typeface="Bodoni MT Condensed" panose="02070606080606020203" pitchFamily="18" charset="0"/>
+            </a:endParaRPr>
+          </a:p>
+        </p:txBody>
+      </p:sp>
+      <p:sp>
+        <p:nvSpPr>
+          <p:cNvPr id="3" name="Szöveg helye 2">
+            <a:extLst>
+              <a:ext uri="{FF2B5EF4-FFF2-40B4-BE49-F238E27FC236}">
+                <a16:creationId xmlns:a16="http://schemas.microsoft.com/office/drawing/2014/main" id="{2A066B12-822F-4795-829B-C76A5792BC42}"/>
+              </a:ext>
+            </a:extLst>
+          </p:cNvPr>
+          <p:cNvSpPr>
+            <a:spLocks noGrp="1"/>
+          </p:cNvSpPr>
+          <p:nvPr>
+            <p:ph type="body" idx="1"/>
+          </p:nvPr>
+        </p:nvSpPr>
+        <p:spPr>
+          <a:xfrm>
+            <a:off x="5228548" y="487717"/>
+            <a:ext cx="4800600" cy="632529"/>
+          </a:xfrm>
+        </p:spPr>
+        <p:txBody>
+          <a:bodyPr/>
+          <a:lstStyle/>
+          <a:p>
+            <a:r>
+              <a:rPr lang="hu-HU" sz="2800" dirty="0" err="1">
+                <a:latin typeface="Bodoni MT Condensed" panose="02070606080606020203" pitchFamily="18" charset="0"/>
+              </a:rPr>
+              <a:t>Teamwork</a:t>
+            </a:r>
+            <a:endParaRPr lang="hu-HU" sz="2800" dirty="0">
+              <a:latin typeface="Bodoni MT Condensed" panose="02070606080606020203" pitchFamily="18" charset="0"/>
+            </a:endParaRPr>
+          </a:p>
+        </p:txBody>
+      </p:sp>
+      <p:sp>
+        <p:nvSpPr>
+          <p:cNvPr id="4" name="Tartalom helye 3">
+            <a:extLst>
+              <a:ext uri="{FF2B5EF4-FFF2-40B4-BE49-F238E27FC236}">
+                <a16:creationId xmlns:a16="http://schemas.microsoft.com/office/drawing/2014/main" id="{9EA5D02B-5ABA-4969-A302-4A2A9EAD84A0}"/>
+              </a:ext>
+            </a:extLst>
+          </p:cNvPr>
+          <p:cNvSpPr>
+            <a:spLocks noGrp="1"/>
+          </p:cNvSpPr>
+          <p:nvPr>
+            <p:ph sz="half" idx="2"/>
+          </p:nvPr>
+        </p:nvSpPr>
+        <p:spPr>
+          <a:xfrm>
+            <a:off x="1295400" y="2655937"/>
+            <a:ext cx="4800600" cy="3317962"/>
+          </a:xfrm>
+        </p:spPr>
+        <p:txBody>
+          <a:bodyPr>
+            <a:normAutofit/>
+          </a:bodyPr>
+          <a:lstStyle/>
+          <a:p>
+            <a:r>
+              <a:rPr lang="hu-HU" dirty="0"/>
+              <a:t>GitHub</a:t>
+            </a:r>
+          </a:p>
+          <a:p>
+            <a:r>
+              <a:rPr lang="hu-HU" dirty="0"/>
+              <a:t>Google Drive</a:t>
+            </a:r>
+          </a:p>
+          <a:p>
+            <a:r>
+              <a:rPr lang="hu-HU" dirty="0"/>
+              <a:t>Microsoft </a:t>
+            </a:r>
+            <a:r>
+              <a:rPr lang="hu-HU" dirty="0" err="1"/>
+              <a:t>Teams</a:t>
+            </a:r>
+            <a:endParaRPr lang="hu-HU" dirty="0"/>
+          </a:p>
+          <a:p>
+            <a:r>
+              <a:rPr lang="hu-HU" dirty="0" err="1"/>
+              <a:t>Trello</a:t>
+            </a:r>
+            <a:endParaRPr lang="hu-HU" dirty="0"/>
+          </a:p>
+          <a:p>
+            <a:r>
+              <a:rPr lang="hu-HU" dirty="0" err="1"/>
+              <a:t>Live</a:t>
+            </a:r>
+            <a:r>
+              <a:rPr lang="hu-HU" dirty="0"/>
+              <a:t> </a:t>
+            </a:r>
+            <a:r>
+              <a:rPr lang="hu-HU" dirty="0" err="1"/>
+              <a:t>communication</a:t>
+            </a:r>
+            <a:endParaRPr lang="hu-HU" dirty="0"/>
+          </a:p>
+        </p:txBody>
+      </p:sp>
+      <p:pic>
+        <p:nvPicPr>
+          <p:cNvPr id="6" name="Kép 5">
+            <a:extLst>
+              <a:ext uri="{FF2B5EF4-FFF2-40B4-BE49-F238E27FC236}">
+                <a16:creationId xmlns:a16="http://schemas.microsoft.com/office/drawing/2014/main" id="{08CA17DD-CA4B-479F-8D53-93D109975766}"/>
+              </a:ext>
+            </a:extLst>
+          </p:cNvPr>
+          <p:cNvPicPr>
+            <a:picLocks noChangeAspect="1"/>
+          </p:cNvPicPr>
+          <p:nvPr/>
+        </p:nvPicPr>
+        <p:blipFill>
+          <a:blip r:embed="rId2"/>
+          <a:stretch>
+            <a:fillRect/>
+          </a:stretch>
+        </p:blipFill>
+        <p:spPr>
+          <a:xfrm>
+            <a:off x="3882316" y="1553108"/>
+            <a:ext cx="4427368" cy="2490395"/>
+          </a:xfrm>
+          <a:prstGeom prst="rect">
+            <a:avLst/>
+          </a:prstGeom>
+        </p:spPr>
+      </p:pic>
+      <p:pic>
+        <p:nvPicPr>
+          <p:cNvPr id="8" name="Kép 7">
+            <a:extLst>
+              <a:ext uri="{FF2B5EF4-FFF2-40B4-BE49-F238E27FC236}">
+                <a16:creationId xmlns:a16="http://schemas.microsoft.com/office/drawing/2014/main" id="{F250EB92-E52C-4232-A381-93D68D4CB2DB}"/>
+              </a:ext>
+            </a:extLst>
+          </p:cNvPr>
+          <p:cNvPicPr>
+            <a:picLocks noChangeAspect="1"/>
+          </p:cNvPicPr>
+          <p:nvPr/>
+        </p:nvPicPr>
+        <p:blipFill>
+          <a:blip r:embed="rId3"/>
+          <a:stretch>
+            <a:fillRect/>
+          </a:stretch>
+        </p:blipFill>
+        <p:spPr>
+          <a:xfrm>
+            <a:off x="7039006" y="1431398"/>
+            <a:ext cx="5152994" cy="2898559"/>
+          </a:xfrm>
+          <a:prstGeom prst="rect">
+            <a:avLst/>
+          </a:prstGeom>
+        </p:spPr>
+      </p:pic>
+      <p:pic>
+        <p:nvPicPr>
+          <p:cNvPr id="10" name="Kép 9">
+            <a:extLst>
+              <a:ext uri="{FF2B5EF4-FFF2-40B4-BE49-F238E27FC236}">
+                <a16:creationId xmlns:a16="http://schemas.microsoft.com/office/drawing/2014/main" id="{8364BA49-7178-44F7-80C0-9C147B2E9E15}"/>
+              </a:ext>
+            </a:extLst>
+          </p:cNvPr>
+          <p:cNvPicPr>
+            <a:picLocks noChangeAspect="1"/>
+          </p:cNvPicPr>
+          <p:nvPr/>
+        </p:nvPicPr>
+        <p:blipFill>
+          <a:blip r:embed="rId4"/>
+          <a:stretch>
+            <a:fillRect/>
+          </a:stretch>
+        </p:blipFill>
+        <p:spPr>
+          <a:xfrm>
+            <a:off x="5053984" y="4456590"/>
+            <a:ext cx="3735594" cy="2146117"/>
+          </a:xfrm>
+          <a:prstGeom prst="rect">
+            <a:avLst/>
+          </a:prstGeom>
+        </p:spPr>
+      </p:pic>
+    </p:spTree>
+    <p:extLst>
+      <p:ext uri="{BB962C8B-B14F-4D97-AF65-F5344CB8AC3E}">
+        <p14:creationId xmlns:p14="http://schemas.microsoft.com/office/powerpoint/2010/main" val="3490993108"/>
+      </p:ext>
+    </p:extLst>
+  </p:cSld>
+  <p:clrMapOvr>
+    <a:masterClrMapping/>
+  </p:clrMapOvr>
+</p:sld>
+</file>
+
+<file path=ppt/slides/slide16.xml><?xml version="1.0" encoding="utf-8"?>
+<p:sld xmlns:a="http://schemas.openxmlformats.org/drawingml/2006/main" xmlns:r="http://schemas.openxmlformats.org/officeDocument/2006/relationships" xmlns:p="http://schemas.openxmlformats.org/presentationml/2006/main">
+  <p:cSld>
+    <p:spTree>
+      <p:nvGrpSpPr>
+        <p:cNvPr id="1" name=""/>
+        <p:cNvGrpSpPr/>
+        <p:nvPr/>
+      </p:nvGrpSpPr>
+      <p:grpSpPr>
+        <a:xfrm>
+          <a:off x="0" y="0"/>
+          <a:ext cx="0" cy="0"/>
+          <a:chOff x="0" y="0"/>
+          <a:chExt cx="0" cy="0"/>
+        </a:xfrm>
+      </p:grpSpPr>
+      <p:sp>
+        <p:nvSpPr>
+          <p:cNvPr id="2" name="Cím 1">
+            <a:extLst>
+              <a:ext uri="{FF2B5EF4-FFF2-40B4-BE49-F238E27FC236}">
+                <a16:creationId xmlns:a16="http://schemas.microsoft.com/office/drawing/2014/main" id="{87933A0E-9625-4A4D-99E1-05AC1A667EA4}"/>
+              </a:ext>
+            </a:extLst>
+          </p:cNvPr>
+          <p:cNvSpPr>
+            <a:spLocks noGrp="1"/>
+          </p:cNvSpPr>
+          <p:nvPr>
+            <p:ph type="title"/>
+          </p:nvPr>
+        </p:nvSpPr>
+        <p:spPr>
+          <a:xfrm>
+            <a:off x="1009650" y="66873"/>
+            <a:ext cx="10172700" cy="1493517"/>
+          </a:xfrm>
+        </p:spPr>
+        <p:txBody>
+          <a:bodyPr>
+            <a:normAutofit/>
+          </a:bodyPr>
+          <a:lstStyle/>
+          <a:p>
+            <a:r>
+              <a:rPr lang="hu-HU" sz="9600" dirty="0" err="1">
+                <a:latin typeface="Bodoni MT Condensed" panose="02070606080606020203" pitchFamily="18" charset="0"/>
+              </a:rPr>
+              <a:t>DRIVEus</a:t>
+            </a:r>
+            <a:endParaRPr lang="hu-HU" sz="9600" dirty="0">
+              <a:latin typeface="Bodoni MT Condensed" panose="02070606080606020203" pitchFamily="18" charset="0"/>
+            </a:endParaRPr>
+          </a:p>
+        </p:txBody>
+      </p:sp>
+      <p:sp>
+        <p:nvSpPr>
+          <p:cNvPr id="3" name="Szöveg helye 2">
+            <a:extLst>
+              <a:ext uri="{FF2B5EF4-FFF2-40B4-BE49-F238E27FC236}">
+                <a16:creationId xmlns:a16="http://schemas.microsoft.com/office/drawing/2014/main" id="{2A066B12-822F-4795-829B-C76A5792BC42}"/>
+              </a:ext>
+            </a:extLst>
+          </p:cNvPr>
+          <p:cNvSpPr>
+            <a:spLocks noGrp="1"/>
+          </p:cNvSpPr>
+          <p:nvPr>
+            <p:ph type="body" idx="1"/>
+          </p:nvPr>
+        </p:nvSpPr>
+        <p:spPr>
+          <a:xfrm>
+            <a:off x="1705248" y="1982617"/>
+            <a:ext cx="4800600" cy="632529"/>
+          </a:xfrm>
+        </p:spPr>
+        <p:txBody>
+          <a:bodyPr/>
+          <a:lstStyle/>
+          <a:p>
+            <a:r>
+              <a:rPr lang="hu-HU" sz="2800" dirty="0">
+                <a:latin typeface="Bodoni MT Condensed" panose="02070606080606020203" pitchFamily="18" charset="0"/>
+              </a:rPr>
+              <a:t>BAKOS HENRIETT</a:t>
+            </a:r>
+          </a:p>
+        </p:txBody>
+      </p:sp>
+      <p:sp>
+        <p:nvSpPr>
+          <p:cNvPr id="4" name="Tartalom helye 3">
+            <a:extLst>
+              <a:ext uri="{FF2B5EF4-FFF2-40B4-BE49-F238E27FC236}">
+                <a16:creationId xmlns:a16="http://schemas.microsoft.com/office/drawing/2014/main" id="{9EA5D02B-5ABA-4969-A302-4A2A9EAD84A0}"/>
+              </a:ext>
+            </a:extLst>
+          </p:cNvPr>
+          <p:cNvSpPr>
+            <a:spLocks noGrp="1"/>
+          </p:cNvSpPr>
+          <p:nvPr>
+            <p:ph sz="half" idx="2"/>
+          </p:nvPr>
+        </p:nvSpPr>
+        <p:spPr>
+          <a:xfrm>
+            <a:off x="1783672" y="3367969"/>
+            <a:ext cx="1367901" cy="2958109"/>
+          </a:xfrm>
+        </p:spPr>
+        <p:txBody>
+          <a:bodyPr/>
+          <a:lstStyle/>
+          <a:p>
+            <a:endParaRPr lang="hu-HU" dirty="0"/>
+          </a:p>
+        </p:txBody>
+      </p:sp>
+      <p:sp>
+        <p:nvSpPr>
+          <p:cNvPr id="5" name="Szöveg helye 4">
+            <a:extLst>
+              <a:ext uri="{FF2B5EF4-FFF2-40B4-BE49-F238E27FC236}">
+                <a16:creationId xmlns:a16="http://schemas.microsoft.com/office/drawing/2014/main" id="{F1DA47AF-91B2-4DE7-BC82-8611434C7D85}"/>
+              </a:ext>
+            </a:extLst>
+          </p:cNvPr>
+          <p:cNvSpPr>
+            <a:spLocks noGrp="1"/>
+          </p:cNvSpPr>
+          <p:nvPr>
+            <p:ph type="body" sz="quarter" idx="3"/>
+          </p:nvPr>
+        </p:nvSpPr>
+        <p:spPr>
+          <a:xfrm>
+            <a:off x="5375244" y="2029902"/>
+            <a:ext cx="4800600" cy="632529"/>
+          </a:xfrm>
+        </p:spPr>
+        <p:txBody>
+          <a:bodyPr/>
+          <a:lstStyle/>
+          <a:p>
+            <a:r>
+              <a:rPr lang="hu-HU" sz="2800" dirty="0">
+                <a:latin typeface="Bodoni MT Condensed" panose="02070606080606020203" pitchFamily="18" charset="0"/>
+              </a:rPr>
+              <a:t>GYURA GABRIELLA</a:t>
+            </a:r>
+          </a:p>
+        </p:txBody>
+      </p:sp>
+      <p:sp>
+        <p:nvSpPr>
+          <p:cNvPr id="6" name="Tartalom helye 5">
+            <a:extLst>
+              <a:ext uri="{FF2B5EF4-FFF2-40B4-BE49-F238E27FC236}">
+                <a16:creationId xmlns:a16="http://schemas.microsoft.com/office/drawing/2014/main" id="{CF66838F-02F9-413B-B369-8985BC063E7A}"/>
+              </a:ext>
+            </a:extLst>
+          </p:cNvPr>
+          <p:cNvSpPr>
+            <a:spLocks noGrp="1"/>
+          </p:cNvSpPr>
+          <p:nvPr>
+            <p:ph sz="quarter" idx="4"/>
+          </p:nvPr>
+        </p:nvSpPr>
+        <p:spPr>
+          <a:xfrm>
+            <a:off x="6096000" y="3367969"/>
+            <a:ext cx="1367901" cy="2958110"/>
+          </a:xfrm>
+        </p:spPr>
+        <p:txBody>
+          <a:bodyPr/>
+          <a:lstStyle/>
+          <a:p>
+            <a:pPr marL="0" indent="0">
+              <a:buNone/>
+            </a:pPr>
+            <a:endParaRPr lang="hu-HU" dirty="0"/>
+          </a:p>
+        </p:txBody>
+      </p:sp>
+      <p:sp>
+        <p:nvSpPr>
+          <p:cNvPr id="7" name="Téglalap 6">
+            <a:extLst>
+              <a:ext uri="{FF2B5EF4-FFF2-40B4-BE49-F238E27FC236}">
+                <a16:creationId xmlns:a16="http://schemas.microsoft.com/office/drawing/2014/main" id="{CF5A5A71-4F75-44CA-997E-4BBCC057809A}"/>
+              </a:ext>
+            </a:extLst>
+          </p:cNvPr>
+          <p:cNvSpPr/>
+          <p:nvPr/>
+        </p:nvSpPr>
+        <p:spPr>
+          <a:xfrm>
+            <a:off x="4479894" y="531921"/>
+            <a:ext cx="4051908" cy="719831"/>
+          </a:xfrm>
+          <a:prstGeom prst="rect">
+            <a:avLst/>
+          </a:prstGeom>
+          <a:noFill/>
+        </p:spPr>
+        <p:txBody>
+          <a:bodyPr wrap="square" lIns="91440" tIns="45720" rIns="91440" bIns="45720">
+            <a:spAutoFit/>
+          </a:bodyPr>
+          <a:lstStyle/>
+          <a:p>
+            <a:pPr algn="ctr"/>
+            <a:r>
+              <a:rPr lang="hu-HU" sz="4000" dirty="0">
+                <a:ln w="0"/>
+                <a:effectLst>
+                  <a:outerShdw blurRad="38100" dist="19050" dir="2700000" algn="tl" rotWithShape="0">
+                    <a:schemeClr val="dk1">
+                      <a:alpha val="40000"/>
+                    </a:schemeClr>
+                  </a:outerShdw>
+                </a:effectLst>
+                <a:latin typeface="Bodoni MT Condensed" panose="02070606080606020203" pitchFamily="18" charset="0"/>
+              </a:rPr>
+              <a:t>TEAMWORK - BACKEND</a:t>
+            </a:r>
+            <a:endParaRPr lang="hu-HU" sz="4000" b="0" cap="none" spc="0" dirty="0">
+              <a:ln w="0"/>
+              <a:solidFill>
+                <a:schemeClr val="tx1"/>
+              </a:solidFill>
+              <a:effectLst>
+                <a:outerShdw blurRad="38100" dist="19050" dir="2700000" algn="tl" rotWithShape="0">
+                  <a:schemeClr val="dk1">
+                    <a:alpha val="40000"/>
+                  </a:schemeClr>
+                </a:outerShdw>
+              </a:effectLst>
+              <a:latin typeface="Bodoni MT Condensed" panose="02070606080606020203" pitchFamily="18" charset="0"/>
+            </a:endParaRPr>
+          </a:p>
+        </p:txBody>
+      </p:sp>
+      <p:sp>
+        <p:nvSpPr>
+          <p:cNvPr id="8" name="Téglalap 7">
+            <a:extLst>
+              <a:ext uri="{FF2B5EF4-FFF2-40B4-BE49-F238E27FC236}">
+                <a16:creationId xmlns:a16="http://schemas.microsoft.com/office/drawing/2014/main" id="{7F099F5B-6366-4CBF-8C85-681CE8A3E656}"/>
+              </a:ext>
+            </a:extLst>
+          </p:cNvPr>
+          <p:cNvSpPr/>
+          <p:nvPr/>
+        </p:nvSpPr>
+        <p:spPr>
+          <a:xfrm>
+            <a:off x="7586485" y="2139211"/>
+            <a:ext cx="4904397" cy="523220"/>
+          </a:xfrm>
+          <a:prstGeom prst="rect">
+            <a:avLst/>
+          </a:prstGeom>
+          <a:noFill/>
+        </p:spPr>
+        <p:txBody>
+          <a:bodyPr wrap="square" lIns="91440" tIns="45720" rIns="91440" bIns="45720">
+            <a:spAutoFit/>
+          </a:bodyPr>
+          <a:lstStyle/>
+          <a:p>
+            <a:pPr algn="ctr"/>
+            <a:r>
+              <a:rPr lang="hu-HU" sz="2800" b="0" cap="none" spc="0" dirty="0">
+                <a:ln w="0"/>
+                <a:solidFill>
+                  <a:schemeClr val="tx1"/>
+                </a:solidFill>
+                <a:effectLst>
+                  <a:outerShdw blurRad="38100" dist="19050" dir="2700000" algn="tl" rotWithShape="0">
+                    <a:schemeClr val="dk1">
+                      <a:alpha val="40000"/>
+                    </a:schemeClr>
+                  </a:outerShdw>
+                </a:effectLst>
+                <a:latin typeface="Bodoni MT Condensed" panose="02070606080606020203" pitchFamily="18" charset="0"/>
+              </a:rPr>
+              <a:t>NAGY LAURA</a:t>
+            </a:r>
+          </a:p>
+        </p:txBody>
+      </p:sp>
+    </p:spTree>
+    <p:extLst>
+      <p:ext uri="{BB962C8B-B14F-4D97-AF65-F5344CB8AC3E}">
+        <p14:creationId xmlns:p14="http://schemas.microsoft.com/office/powerpoint/2010/main" val="698353481"/>
+      </p:ext>
+    </p:extLst>
+  </p:cSld>
+  <p:clrMapOvr>
+    <a:masterClrMapping/>
+  </p:clrMapOvr>
+</p:sld>
+</file>
+
+<file path=ppt/slides/slide17.xml><?xml version="1.0" encoding="utf-8"?>
+<p:sld xmlns:a="http://schemas.openxmlformats.org/drawingml/2006/main" xmlns:r="http://schemas.openxmlformats.org/officeDocument/2006/relationships" xmlns:p="http://schemas.openxmlformats.org/presentationml/2006/main">
+  <p:cSld>
+    <p:spTree>
+      <p:nvGrpSpPr>
+        <p:cNvPr id="1" name=""/>
+        <p:cNvGrpSpPr/>
+        <p:nvPr/>
+      </p:nvGrpSpPr>
+      <p:grpSpPr>
+        <a:xfrm>
+          <a:off x="0" y="0"/>
+          <a:ext cx="0" cy="0"/>
+          <a:chOff x="0" y="0"/>
+          <a:chExt cx="0" cy="0"/>
+        </a:xfrm>
+      </p:grpSpPr>
+      <p:sp>
+        <p:nvSpPr>
+          <p:cNvPr id="2" name="Cím 1">
+            <a:extLst>
+              <a:ext uri="{FF2B5EF4-FFF2-40B4-BE49-F238E27FC236}">
+                <a16:creationId xmlns:a16="http://schemas.microsoft.com/office/drawing/2014/main" id="{87933A0E-9625-4A4D-99E1-05AC1A667EA4}"/>
+              </a:ext>
+            </a:extLst>
+          </p:cNvPr>
+          <p:cNvSpPr>
+            <a:spLocks noGrp="1"/>
+          </p:cNvSpPr>
+          <p:nvPr>
+            <p:ph type="title"/>
+          </p:nvPr>
+        </p:nvSpPr>
+        <p:spPr>
+          <a:xfrm>
+            <a:off x="1009650" y="66873"/>
+            <a:ext cx="10172700" cy="1493517"/>
+          </a:xfrm>
+        </p:spPr>
+        <p:txBody>
+          <a:bodyPr>
+            <a:normAutofit/>
+          </a:bodyPr>
+          <a:lstStyle/>
+          <a:p>
+            <a:r>
+              <a:rPr lang="hu-HU" sz="9600" dirty="0" err="1">
+                <a:latin typeface="Bodoni MT Condensed" panose="02070606080606020203" pitchFamily="18" charset="0"/>
+              </a:rPr>
+              <a:t>DRIVEus</a:t>
+            </a:r>
+            <a:endParaRPr lang="hu-HU" sz="9600" dirty="0">
+              <a:latin typeface="Bodoni MT Condensed" panose="02070606080606020203" pitchFamily="18" charset="0"/>
+            </a:endParaRPr>
+          </a:p>
+        </p:txBody>
+      </p:sp>
+      <p:sp>
+        <p:nvSpPr>
+          <p:cNvPr id="3" name="Szöveg helye 2">
+            <a:extLst>
+              <a:ext uri="{FF2B5EF4-FFF2-40B4-BE49-F238E27FC236}">
+                <a16:creationId xmlns:a16="http://schemas.microsoft.com/office/drawing/2014/main" id="{2A066B12-822F-4795-829B-C76A5792BC42}"/>
+              </a:ext>
+            </a:extLst>
+          </p:cNvPr>
+          <p:cNvSpPr>
+            <a:spLocks noGrp="1"/>
+          </p:cNvSpPr>
+          <p:nvPr>
+            <p:ph type="body" idx="1"/>
+          </p:nvPr>
+        </p:nvSpPr>
+        <p:spPr>
+          <a:xfrm>
+            <a:off x="1705248" y="1982617"/>
+            <a:ext cx="4800600" cy="632529"/>
+          </a:xfrm>
+        </p:spPr>
+        <p:txBody>
+          <a:bodyPr/>
+          <a:lstStyle/>
+          <a:p>
+            <a:r>
+              <a:rPr lang="hu-HU" sz="2800" dirty="0">
+                <a:latin typeface="Bodoni MT Condensed" panose="02070606080606020203" pitchFamily="18" charset="0"/>
+              </a:rPr>
+              <a:t>BAKOS HENRIETT</a:t>
+            </a:r>
+          </a:p>
+        </p:txBody>
+      </p:sp>
+      <p:sp>
+        <p:nvSpPr>
+          <p:cNvPr id="4" name="Tartalom helye 3">
+            <a:extLst>
+              <a:ext uri="{FF2B5EF4-FFF2-40B4-BE49-F238E27FC236}">
+                <a16:creationId xmlns:a16="http://schemas.microsoft.com/office/drawing/2014/main" id="{9EA5D02B-5ABA-4969-A302-4A2A9EAD84A0}"/>
+              </a:ext>
+            </a:extLst>
+          </p:cNvPr>
+          <p:cNvSpPr>
+            <a:spLocks noGrp="1"/>
+          </p:cNvSpPr>
+          <p:nvPr>
+            <p:ph sz="half" idx="2"/>
+          </p:nvPr>
+        </p:nvSpPr>
+        <p:spPr>
+          <a:xfrm>
+            <a:off x="1783672" y="3367969"/>
+            <a:ext cx="1367901" cy="2958109"/>
+          </a:xfrm>
+        </p:spPr>
+        <p:txBody>
+          <a:bodyPr/>
+          <a:lstStyle/>
+          <a:p>
+            <a:endParaRPr lang="hu-HU" dirty="0"/>
+          </a:p>
+        </p:txBody>
+      </p:sp>
+      <p:sp>
+        <p:nvSpPr>
+          <p:cNvPr id="5" name="Szöveg helye 4">
+            <a:extLst>
+              <a:ext uri="{FF2B5EF4-FFF2-40B4-BE49-F238E27FC236}">
+                <a16:creationId xmlns:a16="http://schemas.microsoft.com/office/drawing/2014/main" id="{F1DA47AF-91B2-4DE7-BC82-8611434C7D85}"/>
+              </a:ext>
+            </a:extLst>
+          </p:cNvPr>
+          <p:cNvSpPr>
+            <a:spLocks noGrp="1"/>
+          </p:cNvSpPr>
+          <p:nvPr>
+            <p:ph type="body" sz="quarter" idx="3"/>
+          </p:nvPr>
+        </p:nvSpPr>
+        <p:spPr>
+          <a:xfrm>
+            <a:off x="5375244" y="2029902"/>
+            <a:ext cx="4800600" cy="632529"/>
+          </a:xfrm>
+        </p:spPr>
+        <p:txBody>
+          <a:bodyPr/>
+          <a:lstStyle/>
+          <a:p>
+            <a:r>
+              <a:rPr lang="hu-HU" sz="2800" dirty="0">
+                <a:latin typeface="Bodoni MT Condensed" panose="02070606080606020203" pitchFamily="18" charset="0"/>
+              </a:rPr>
+              <a:t>GYURA GABRIELLA</a:t>
+            </a:r>
+          </a:p>
+        </p:txBody>
+      </p:sp>
+      <p:sp>
+        <p:nvSpPr>
+          <p:cNvPr id="6" name="Tartalom helye 5">
+            <a:extLst>
+              <a:ext uri="{FF2B5EF4-FFF2-40B4-BE49-F238E27FC236}">
+                <a16:creationId xmlns:a16="http://schemas.microsoft.com/office/drawing/2014/main" id="{CF66838F-02F9-413B-B369-8985BC063E7A}"/>
+              </a:ext>
+            </a:extLst>
+          </p:cNvPr>
+          <p:cNvSpPr>
+            <a:spLocks noGrp="1"/>
+          </p:cNvSpPr>
+          <p:nvPr>
+            <p:ph sz="quarter" idx="4"/>
+          </p:nvPr>
+        </p:nvSpPr>
+        <p:spPr>
+          <a:xfrm>
+            <a:off x="6096000" y="3367969"/>
+            <a:ext cx="1367901" cy="2958110"/>
+          </a:xfrm>
+        </p:spPr>
+        <p:txBody>
+          <a:bodyPr/>
+          <a:lstStyle/>
+          <a:p>
+            <a:pPr marL="0" indent="0">
+              <a:buNone/>
+            </a:pPr>
+            <a:endParaRPr lang="hu-HU" dirty="0"/>
+          </a:p>
+        </p:txBody>
+      </p:sp>
+      <p:sp>
+        <p:nvSpPr>
+          <p:cNvPr id="7" name="Téglalap 6">
+            <a:extLst>
+              <a:ext uri="{FF2B5EF4-FFF2-40B4-BE49-F238E27FC236}">
+                <a16:creationId xmlns:a16="http://schemas.microsoft.com/office/drawing/2014/main" id="{CF5A5A71-4F75-44CA-997E-4BBCC057809A}"/>
+              </a:ext>
+            </a:extLst>
+          </p:cNvPr>
+          <p:cNvSpPr/>
+          <p:nvPr/>
+        </p:nvSpPr>
+        <p:spPr>
+          <a:xfrm>
+            <a:off x="4479894" y="531921"/>
+            <a:ext cx="4051908" cy="719831"/>
+          </a:xfrm>
+          <a:prstGeom prst="rect">
+            <a:avLst/>
+          </a:prstGeom>
+          <a:noFill/>
+        </p:spPr>
+        <p:txBody>
+          <a:bodyPr wrap="square" lIns="91440" tIns="45720" rIns="91440" bIns="45720">
+            <a:spAutoFit/>
+          </a:bodyPr>
+          <a:lstStyle/>
+          <a:p>
+            <a:pPr algn="ctr"/>
+            <a:r>
+              <a:rPr lang="hu-HU" sz="4000" dirty="0">
+                <a:ln w="0"/>
+                <a:effectLst>
+                  <a:outerShdw blurRad="38100" dist="19050" dir="2700000" algn="tl" rotWithShape="0">
+                    <a:schemeClr val="dk1">
+                      <a:alpha val="40000"/>
+                    </a:schemeClr>
+                  </a:outerShdw>
+                </a:effectLst>
+                <a:latin typeface="Bodoni MT Condensed" panose="02070606080606020203" pitchFamily="18" charset="0"/>
+              </a:rPr>
+              <a:t>TEAMWORK - FRONTEND</a:t>
+            </a:r>
+            <a:endParaRPr lang="hu-HU" sz="4000" b="0" cap="none" spc="0" dirty="0">
+              <a:ln w="0"/>
+              <a:solidFill>
+                <a:schemeClr val="tx1"/>
+              </a:solidFill>
+              <a:effectLst>
+                <a:outerShdw blurRad="38100" dist="19050" dir="2700000" algn="tl" rotWithShape="0">
+                  <a:schemeClr val="dk1">
+                    <a:alpha val="40000"/>
+                  </a:schemeClr>
+                </a:outerShdw>
+              </a:effectLst>
+              <a:latin typeface="Bodoni MT Condensed" panose="02070606080606020203" pitchFamily="18" charset="0"/>
+            </a:endParaRPr>
+          </a:p>
+        </p:txBody>
+      </p:sp>
+      <p:sp>
+        <p:nvSpPr>
+          <p:cNvPr id="8" name="Téglalap 7">
+            <a:extLst>
+              <a:ext uri="{FF2B5EF4-FFF2-40B4-BE49-F238E27FC236}">
+                <a16:creationId xmlns:a16="http://schemas.microsoft.com/office/drawing/2014/main" id="{7F099F5B-6366-4CBF-8C85-681CE8A3E656}"/>
+              </a:ext>
+            </a:extLst>
+          </p:cNvPr>
+          <p:cNvSpPr/>
+          <p:nvPr/>
+        </p:nvSpPr>
+        <p:spPr>
+          <a:xfrm>
+            <a:off x="7586485" y="2139211"/>
+            <a:ext cx="4904397" cy="523220"/>
+          </a:xfrm>
+          <a:prstGeom prst="rect">
+            <a:avLst/>
+          </a:prstGeom>
+          <a:noFill/>
+        </p:spPr>
+        <p:txBody>
+          <a:bodyPr wrap="square" lIns="91440" tIns="45720" rIns="91440" bIns="45720">
+            <a:spAutoFit/>
+          </a:bodyPr>
+          <a:lstStyle/>
+          <a:p>
+            <a:pPr algn="ctr"/>
+            <a:r>
+              <a:rPr lang="hu-HU" sz="2800" b="0" cap="none" spc="0" dirty="0">
+                <a:ln w="0"/>
+                <a:solidFill>
+                  <a:schemeClr val="tx1"/>
+                </a:solidFill>
+                <a:effectLst>
+                  <a:outerShdw blurRad="38100" dist="19050" dir="2700000" algn="tl" rotWithShape="0">
+                    <a:schemeClr val="dk1">
+                      <a:alpha val="40000"/>
+                    </a:schemeClr>
+                  </a:outerShdw>
+                </a:effectLst>
+                <a:latin typeface="Bodoni MT Condensed" panose="02070606080606020203" pitchFamily="18" charset="0"/>
+              </a:rPr>
+              <a:t>NAGY LAURA</a:t>
+            </a:r>
+          </a:p>
+        </p:txBody>
+      </p:sp>
+    </p:spTree>
+    <p:extLst>
+      <p:ext uri="{BB962C8B-B14F-4D97-AF65-F5344CB8AC3E}">
+        <p14:creationId xmlns:p14="http://schemas.microsoft.com/office/powerpoint/2010/main" val="1810387938"/>
+      </p:ext>
+    </p:extLst>
+  </p:cSld>
+  <p:clrMapOvr>
+    <a:masterClrMapping/>
+  </p:clrMapOvr>
+</p:sld>
+</file>
+
+<file path=ppt/slides/slide18.xml><?xml version="1.0" encoding="utf-8"?>
+<p:sld xmlns:a="http://schemas.openxmlformats.org/drawingml/2006/main" xmlns:r="http://schemas.openxmlformats.org/officeDocument/2006/relationships" xmlns:p="http://schemas.openxmlformats.org/presentationml/2006/main">
+  <p:cSld>
+    <p:spTree>
+      <p:nvGrpSpPr>
+        <p:cNvPr id="1" name=""/>
+        <p:cNvGrpSpPr/>
+        <p:nvPr/>
+      </p:nvGrpSpPr>
+      <p:grpSpPr>
+        <a:xfrm>
+          <a:off x="0" y="0"/>
+          <a:ext cx="0" cy="0"/>
+          <a:chOff x="0" y="0"/>
+          <a:chExt cx="0" cy="0"/>
+        </a:xfrm>
+      </p:grpSpPr>
+      <p:sp>
+        <p:nvSpPr>
+          <p:cNvPr id="2" name="Cím 1">
+            <a:extLst>
+              <a:ext uri="{FF2B5EF4-FFF2-40B4-BE49-F238E27FC236}">
+                <a16:creationId xmlns:a16="http://schemas.microsoft.com/office/drawing/2014/main" id="{87933A0E-9625-4A4D-99E1-05AC1A667EA4}"/>
+              </a:ext>
+            </a:extLst>
+          </p:cNvPr>
+          <p:cNvSpPr>
+            <a:spLocks noGrp="1"/>
+          </p:cNvSpPr>
+          <p:nvPr>
+            <p:ph type="title"/>
+          </p:nvPr>
+        </p:nvSpPr>
+        <p:spPr>
+          <a:xfrm>
+            <a:off x="1009650" y="0"/>
+            <a:ext cx="10172700" cy="1493517"/>
+          </a:xfrm>
+        </p:spPr>
+        <p:txBody>
+          <a:bodyPr>
+            <a:normAutofit/>
+          </a:bodyPr>
+          <a:lstStyle/>
+          <a:p>
+            <a:r>
+              <a:rPr lang="hu-HU" sz="9600" dirty="0" err="1">
+                <a:latin typeface="Bodoni MT Condensed" panose="02070606080606020203" pitchFamily="18" charset="0"/>
+              </a:rPr>
+              <a:t>DRIVEus</a:t>
+            </a:r>
+            <a:endParaRPr lang="hu-HU" sz="9600" dirty="0">
+              <a:latin typeface="Bodoni MT Condensed" panose="02070606080606020203" pitchFamily="18" charset="0"/>
+            </a:endParaRPr>
+          </a:p>
+        </p:txBody>
+      </p:sp>
+      <p:sp>
+        <p:nvSpPr>
+          <p:cNvPr id="3" name="Szöveg helye 2">
+            <a:extLst>
+              <a:ext uri="{FF2B5EF4-FFF2-40B4-BE49-F238E27FC236}">
+                <a16:creationId xmlns:a16="http://schemas.microsoft.com/office/drawing/2014/main" id="{2A066B12-822F-4795-829B-C76A5792BC42}"/>
+              </a:ext>
+            </a:extLst>
+          </p:cNvPr>
+          <p:cNvSpPr>
+            <a:spLocks noGrp="1"/>
+          </p:cNvSpPr>
+          <p:nvPr>
+            <p:ph type="body" idx="1"/>
+          </p:nvPr>
+        </p:nvSpPr>
+        <p:spPr>
+          <a:xfrm>
+            <a:off x="5672091" y="385535"/>
+            <a:ext cx="4800600" cy="632529"/>
+          </a:xfrm>
+        </p:spPr>
+        <p:txBody>
+          <a:bodyPr/>
+          <a:lstStyle/>
+          <a:p>
+            <a:r>
+              <a:rPr lang="hu-HU" sz="2800" dirty="0">
+                <a:latin typeface="Bodoni MT Condensed" panose="02070606080606020203" pitchFamily="18" charset="0"/>
+              </a:rPr>
+              <a:t>PUBLICATION</a:t>
+            </a:r>
+          </a:p>
+        </p:txBody>
+      </p:sp>
+      <p:sp>
+        <p:nvSpPr>
+          <p:cNvPr id="4" name="Tartalom helye 3">
+            <a:extLst>
+              <a:ext uri="{FF2B5EF4-FFF2-40B4-BE49-F238E27FC236}">
+                <a16:creationId xmlns:a16="http://schemas.microsoft.com/office/drawing/2014/main" id="{9EA5D02B-5ABA-4969-A302-4A2A9EAD84A0}"/>
+              </a:ext>
+            </a:extLst>
+          </p:cNvPr>
+          <p:cNvSpPr>
+            <a:spLocks noGrp="1"/>
+          </p:cNvSpPr>
+          <p:nvPr>
+            <p:ph sz="half" idx="2"/>
+          </p:nvPr>
+        </p:nvSpPr>
+        <p:spPr>
+          <a:xfrm>
+            <a:off x="3439343" y="2257858"/>
+            <a:ext cx="4800600" cy="3317962"/>
+          </a:xfrm>
+        </p:spPr>
+        <p:txBody>
+          <a:bodyPr>
+            <a:normAutofit/>
+          </a:bodyPr>
+          <a:lstStyle/>
+          <a:p>
+            <a:pPr lvl="4"/>
+            <a:r>
+              <a:rPr lang="hu-HU" sz="2800" dirty="0"/>
+              <a:t>GitHub </a:t>
+            </a:r>
+            <a:r>
+              <a:rPr lang="hu-HU" sz="2800" dirty="0" err="1"/>
+              <a:t>actions</a:t>
+            </a:r>
+            <a:endParaRPr lang="hu-HU" sz="2800" dirty="0"/>
+          </a:p>
+        </p:txBody>
+      </p:sp>
+    </p:spTree>
+    <p:extLst>
+      <p:ext uri="{BB962C8B-B14F-4D97-AF65-F5344CB8AC3E}">
+        <p14:creationId xmlns:p14="http://schemas.microsoft.com/office/powerpoint/2010/main" val="107580917"/>
+      </p:ext>
+    </p:extLst>
+  </p:cSld>
+  <p:clrMapOvr>
+    <a:masterClrMapping/>
+  </p:clrMapOvr>
+</p:sld>
+</file>
+
+<file path=ppt/slides/slide19.xml><?xml version="1.0" encoding="utf-8"?>
+<p:sld xmlns:a="http://schemas.openxmlformats.org/drawingml/2006/main" xmlns:r="http://schemas.openxmlformats.org/officeDocument/2006/relationships" xmlns:p="http://schemas.openxmlformats.org/presentationml/2006/main">
+  <p:cSld>
+    <p:spTree>
+      <p:nvGrpSpPr>
+        <p:cNvPr id="1" name=""/>
+        <p:cNvGrpSpPr/>
+        <p:nvPr/>
+      </p:nvGrpSpPr>
+      <p:grpSpPr>
+        <a:xfrm>
+          <a:off x="0" y="0"/>
+          <a:ext cx="0" cy="0"/>
+          <a:chOff x="0" y="0"/>
+          <a:chExt cx="0" cy="0"/>
+        </a:xfrm>
+      </p:grpSpPr>
+      <p:sp>
+        <p:nvSpPr>
+          <p:cNvPr id="2" name="Cím 1">
+            <a:extLst>
+              <a:ext uri="{FF2B5EF4-FFF2-40B4-BE49-F238E27FC236}">
+                <a16:creationId xmlns:a16="http://schemas.microsoft.com/office/drawing/2014/main" id="{87933A0E-9625-4A4D-99E1-05AC1A667EA4}"/>
+              </a:ext>
+            </a:extLst>
+          </p:cNvPr>
+          <p:cNvSpPr>
+            <a:spLocks noGrp="1"/>
+          </p:cNvSpPr>
+          <p:nvPr>
+            <p:ph type="title"/>
+          </p:nvPr>
+        </p:nvSpPr>
+        <p:spPr>
+          <a:xfrm>
+            <a:off x="1009650" y="0"/>
+            <a:ext cx="10172700" cy="1493517"/>
+          </a:xfrm>
+        </p:spPr>
+        <p:txBody>
+          <a:bodyPr>
+            <a:normAutofit/>
+          </a:bodyPr>
+          <a:lstStyle/>
+          <a:p>
+            <a:r>
+              <a:rPr lang="hu-HU" sz="9600" dirty="0" err="1">
+                <a:latin typeface="Bodoni MT Condensed" panose="02070606080606020203" pitchFamily="18" charset="0"/>
+              </a:rPr>
+              <a:t>DRIVEus</a:t>
+            </a:r>
+            <a:endParaRPr lang="hu-HU" sz="9600" dirty="0">
+              <a:latin typeface="Bodoni MT Condensed" panose="02070606080606020203" pitchFamily="18" charset="0"/>
+            </a:endParaRPr>
+          </a:p>
+        </p:txBody>
+      </p:sp>
+      <p:sp>
+        <p:nvSpPr>
+          <p:cNvPr id="3" name="Szöveg helye 2">
+            <a:extLst>
+              <a:ext uri="{FF2B5EF4-FFF2-40B4-BE49-F238E27FC236}">
+                <a16:creationId xmlns:a16="http://schemas.microsoft.com/office/drawing/2014/main" id="{2A066B12-822F-4795-829B-C76A5792BC42}"/>
+              </a:ext>
+            </a:extLst>
+          </p:cNvPr>
+          <p:cNvSpPr>
+            <a:spLocks noGrp="1"/>
+          </p:cNvSpPr>
+          <p:nvPr>
+            <p:ph type="body" idx="1"/>
+          </p:nvPr>
+        </p:nvSpPr>
+        <p:spPr>
+          <a:xfrm>
+            <a:off x="5672091" y="385535"/>
+            <a:ext cx="4800600" cy="632529"/>
+          </a:xfrm>
+        </p:spPr>
+        <p:txBody>
+          <a:bodyPr/>
+          <a:lstStyle/>
+          <a:p>
+            <a:r>
+              <a:rPr lang="hu-HU" sz="2800" dirty="0">
+                <a:latin typeface="Bodoni MT Condensed" panose="02070606080606020203" pitchFamily="18" charset="0"/>
+              </a:rPr>
+              <a:t>FUTURE PLANS</a:t>
+            </a:r>
+          </a:p>
+        </p:txBody>
+      </p:sp>
+      <p:sp>
+        <p:nvSpPr>
+          <p:cNvPr id="4" name="Tartalom helye 3">
+            <a:extLst>
+              <a:ext uri="{FF2B5EF4-FFF2-40B4-BE49-F238E27FC236}">
+                <a16:creationId xmlns:a16="http://schemas.microsoft.com/office/drawing/2014/main" id="{9EA5D02B-5ABA-4969-A302-4A2A9EAD84A0}"/>
+              </a:ext>
+            </a:extLst>
+          </p:cNvPr>
+          <p:cNvSpPr>
+            <a:spLocks noGrp="1"/>
+          </p:cNvSpPr>
+          <p:nvPr>
+            <p:ph sz="half" idx="2"/>
+          </p:nvPr>
+        </p:nvSpPr>
+        <p:spPr>
+          <a:xfrm>
+            <a:off x="3439343" y="2257858"/>
+            <a:ext cx="4800600" cy="3317962"/>
+          </a:xfrm>
+        </p:spPr>
+        <p:txBody>
+          <a:bodyPr>
+            <a:normAutofit/>
+          </a:bodyPr>
+          <a:lstStyle/>
+          <a:p>
+            <a:pPr lvl="4"/>
+            <a:r>
+              <a:rPr lang="hu-HU" sz="2800" dirty="0"/>
+              <a:t>Mobile </a:t>
+            </a:r>
+            <a:r>
+              <a:rPr lang="hu-HU" sz="2800" dirty="0" err="1"/>
+              <a:t>application</a:t>
+            </a:r>
+            <a:endParaRPr lang="hu-HU" sz="2800" dirty="0"/>
+          </a:p>
+          <a:p>
+            <a:pPr lvl="4"/>
+            <a:r>
+              <a:rPr lang="hu-HU" sz="2800" dirty="0" err="1"/>
+              <a:t>Advertisements</a:t>
+            </a:r>
+            <a:endParaRPr lang="hu-HU" sz="2800" dirty="0"/>
+          </a:p>
+        </p:txBody>
+      </p:sp>
+    </p:spTree>
+    <p:extLst>
+      <p:ext uri="{BB962C8B-B14F-4D97-AF65-F5344CB8AC3E}">
+        <p14:creationId xmlns:p14="http://schemas.microsoft.com/office/powerpoint/2010/main" val="1986620271"/>
       </p:ext>
     </p:extLst>
   </p:cSld>
@@ -11596,6 +14218,161 @@
 </p:sld>
 </file>
 
+<file path=ppt/slides/slide20.xml><?xml version="1.0" encoding="utf-8"?>
+<p:sld xmlns:a="http://schemas.openxmlformats.org/drawingml/2006/main" xmlns:r="http://schemas.openxmlformats.org/officeDocument/2006/relationships" xmlns:p="http://schemas.openxmlformats.org/presentationml/2006/main">
+  <p:cSld>
+    <p:spTree>
+      <p:nvGrpSpPr>
+        <p:cNvPr id="1" name=""/>
+        <p:cNvGrpSpPr/>
+        <p:nvPr/>
+      </p:nvGrpSpPr>
+      <p:grpSpPr>
+        <a:xfrm>
+          <a:off x="0" y="0"/>
+          <a:ext cx="0" cy="0"/>
+          <a:chOff x="0" y="0"/>
+          <a:chExt cx="0" cy="0"/>
+        </a:xfrm>
+      </p:grpSpPr>
+      <p:sp>
+        <p:nvSpPr>
+          <p:cNvPr id="2" name="Cím 1">
+            <a:extLst>
+              <a:ext uri="{FF2B5EF4-FFF2-40B4-BE49-F238E27FC236}">
+                <a16:creationId xmlns:a16="http://schemas.microsoft.com/office/drawing/2014/main" id="{10CE6518-4BE9-4116-A177-F26ADCA37BEA}"/>
+              </a:ext>
+            </a:extLst>
+          </p:cNvPr>
+          <p:cNvSpPr>
+            <a:spLocks noGrp="1"/>
+          </p:cNvSpPr>
+          <p:nvPr>
+            <p:ph type="title"/>
+          </p:nvPr>
+        </p:nvSpPr>
+        <p:spPr/>
+        <p:txBody>
+          <a:bodyPr/>
+          <a:lstStyle/>
+          <a:p>
+            <a:endParaRPr lang="hu-HU"/>
+          </a:p>
+        </p:txBody>
+      </p:sp>
+      <p:sp>
+        <p:nvSpPr>
+          <p:cNvPr id="3" name="Szöveg helye 2">
+            <a:extLst>
+              <a:ext uri="{FF2B5EF4-FFF2-40B4-BE49-F238E27FC236}">
+                <a16:creationId xmlns:a16="http://schemas.microsoft.com/office/drawing/2014/main" id="{86A197DD-BC05-4910-86D3-648818756FFA}"/>
+              </a:ext>
+            </a:extLst>
+          </p:cNvPr>
+          <p:cNvSpPr>
+            <a:spLocks noGrp="1"/>
+          </p:cNvSpPr>
+          <p:nvPr>
+            <p:ph type="body" idx="1"/>
+          </p:nvPr>
+        </p:nvSpPr>
+        <p:spPr/>
+        <p:txBody>
+          <a:bodyPr/>
+          <a:lstStyle/>
+          <a:p>
+            <a:endParaRPr lang="hu-HU"/>
+          </a:p>
+        </p:txBody>
+      </p:sp>
+      <p:sp>
+        <p:nvSpPr>
+          <p:cNvPr id="4" name="Tartalom helye 3">
+            <a:extLst>
+              <a:ext uri="{FF2B5EF4-FFF2-40B4-BE49-F238E27FC236}">
+                <a16:creationId xmlns:a16="http://schemas.microsoft.com/office/drawing/2014/main" id="{93625C81-4877-4419-BB2D-BDFE978FC9C7}"/>
+              </a:ext>
+            </a:extLst>
+          </p:cNvPr>
+          <p:cNvSpPr>
+            <a:spLocks noGrp="1"/>
+          </p:cNvSpPr>
+          <p:nvPr>
+            <p:ph sz="half" idx="2"/>
+          </p:nvPr>
+        </p:nvSpPr>
+        <p:spPr/>
+        <p:txBody>
+          <a:bodyPr/>
+          <a:lstStyle/>
+          <a:p>
+            <a:endParaRPr lang="hu-HU"/>
+          </a:p>
+        </p:txBody>
+      </p:sp>
+      <p:sp>
+        <p:nvSpPr>
+          <p:cNvPr id="5" name="Szöveg helye 4">
+            <a:extLst>
+              <a:ext uri="{FF2B5EF4-FFF2-40B4-BE49-F238E27FC236}">
+                <a16:creationId xmlns:a16="http://schemas.microsoft.com/office/drawing/2014/main" id="{EBA295F5-8E84-461C-A2E6-EC4E1CF3ADBB}"/>
+              </a:ext>
+            </a:extLst>
+          </p:cNvPr>
+          <p:cNvSpPr>
+            <a:spLocks noGrp="1"/>
+          </p:cNvSpPr>
+          <p:nvPr>
+            <p:ph type="body" sz="quarter" idx="3"/>
+          </p:nvPr>
+        </p:nvSpPr>
+        <p:spPr/>
+        <p:txBody>
+          <a:bodyPr/>
+          <a:lstStyle/>
+          <a:p>
+            <a:endParaRPr lang="hu-HU"/>
+          </a:p>
+        </p:txBody>
+      </p:sp>
+      <p:sp>
+        <p:nvSpPr>
+          <p:cNvPr id="6" name="Tartalom helye 5">
+            <a:extLst>
+              <a:ext uri="{FF2B5EF4-FFF2-40B4-BE49-F238E27FC236}">
+                <a16:creationId xmlns:a16="http://schemas.microsoft.com/office/drawing/2014/main" id="{D225BFB2-BFA8-4E08-879E-B0E3F149A912}"/>
+              </a:ext>
+            </a:extLst>
+          </p:cNvPr>
+          <p:cNvSpPr>
+            <a:spLocks noGrp="1"/>
+          </p:cNvSpPr>
+          <p:nvPr>
+            <p:ph sz="quarter" idx="4"/>
+          </p:nvPr>
+        </p:nvSpPr>
+        <p:spPr/>
+        <p:txBody>
+          <a:bodyPr/>
+          <a:lstStyle/>
+          <a:p>
+            <a:endParaRPr lang="hu-HU"/>
+          </a:p>
+        </p:txBody>
+      </p:sp>
+    </p:spTree>
+    <p:extLst>
+      <p:ext uri="{BB962C8B-B14F-4D97-AF65-F5344CB8AC3E}">
+        <p14:creationId xmlns:p14="http://schemas.microsoft.com/office/powerpoint/2010/main" val="1977090695"/>
+      </p:ext>
+    </p:extLst>
+  </p:cSld>
+  <p:clrMapOvr>
+    <a:masterClrMapping/>
+  </p:clrMapOvr>
+</p:sld>
+</file>
+
 <file path=ppt/slides/slide3.xml><?xml version="1.0" encoding="utf-8"?>
 <p:sld xmlns:a="http://schemas.openxmlformats.org/drawingml/2006/main" xmlns:r="http://schemas.openxmlformats.org/officeDocument/2006/relationships" xmlns:p="http://schemas.openxmlformats.org/presentationml/2006/main">
   <p:cSld>
@@ -12680,7 +15457,7 @@
         </p:nvSpPr>
         <p:spPr>
           <a:xfrm>
-            <a:off x="5672091" y="385535"/>
+            <a:off x="5760869" y="385535"/>
             <a:ext cx="4800600" cy="632529"/>
           </a:xfrm>
         </p:spPr>
@@ -12689,11 +15466,14 @@
           <a:lstStyle/>
           <a:p>
             <a:r>
-              <a:rPr lang="hu-HU" sz="2800" dirty="0">
+              <a:rPr lang="hu-HU" sz="2800" dirty="0" err="1">
                 <a:latin typeface="Bodoni MT Condensed" panose="02070606080606020203" pitchFamily="18" charset="0"/>
               </a:rPr>
-              <a:t>frontend</a:t>
-            </a:r>
+              <a:t>Models</a:t>
+            </a:r>
+            <a:endParaRPr lang="hu-HU" sz="2800" dirty="0">
+              <a:latin typeface="Bodoni MT Condensed" panose="02070606080606020203" pitchFamily="18" charset="0"/>
+            </a:endParaRPr>
           </a:p>
         </p:txBody>
       </p:sp>
@@ -12733,7 +15513,7 @@
     </p:spTree>
     <p:extLst>
       <p:ext uri="{BB962C8B-B14F-4D97-AF65-F5344CB8AC3E}">
-        <p14:creationId xmlns:p14="http://schemas.microsoft.com/office/powerpoint/2010/main" val="395487620"/>
+        <p14:creationId xmlns:p14="http://schemas.microsoft.com/office/powerpoint/2010/main" val="1500538982"/>
       </p:ext>
     </p:extLst>
   </p:cSld>
@@ -12818,7 +15598,7 @@
         </p:nvSpPr>
         <p:spPr>
           <a:xfrm>
-            <a:off x="5618826" y="368424"/>
+            <a:off x="5760869" y="385535"/>
             <a:ext cx="4800600" cy="632529"/>
           </a:xfrm>
         </p:spPr>
@@ -12830,7 +15610,7 @@
               <a:rPr lang="hu-HU" sz="2800" dirty="0" err="1">
                 <a:latin typeface="Bodoni MT Condensed" panose="02070606080606020203" pitchFamily="18" charset="0"/>
               </a:rPr>
-              <a:t>database</a:t>
+              <a:t>controllers</a:t>
             </a:r>
             <a:endParaRPr lang="hu-HU" sz="2800" dirty="0">
               <a:latin typeface="Bodoni MT Condensed" panose="02070606080606020203" pitchFamily="18" charset="0"/>
@@ -12838,42 +15618,43 @@
           </a:p>
         </p:txBody>
       </p:sp>
-      <p:pic>
-        <p:nvPicPr>
-          <p:cNvPr id="5" name="Tartalom helye 4">
+      <p:sp>
+        <p:nvSpPr>
+          <p:cNvPr id="4" name="Tartalom helye 3">
             <a:extLst>
               <a:ext uri="{FF2B5EF4-FFF2-40B4-BE49-F238E27FC236}">
-                <a16:creationId xmlns:a16="http://schemas.microsoft.com/office/drawing/2014/main" id="{4A74BC3A-293A-47F5-9FE9-1D98EE515B82}"/>
+                <a16:creationId xmlns:a16="http://schemas.microsoft.com/office/drawing/2014/main" id="{9EA5D02B-5ABA-4969-A302-4A2A9EAD84A0}"/>
               </a:ext>
             </a:extLst>
           </p:cNvPr>
-          <p:cNvPicPr>
-            <a:picLocks noGrp="1" noChangeAspect="1"/>
-          </p:cNvPicPr>
+          <p:cNvSpPr>
+            <a:spLocks noGrp="1"/>
+          </p:cNvSpPr>
           <p:nvPr>
             <p:ph sz="half" idx="2"/>
           </p:nvPr>
-        </p:nvPicPr>
-        <p:blipFill>
-          <a:blip r:embed="rId2"/>
-          <a:stretch>
-            <a:fillRect/>
-          </a:stretch>
-        </p:blipFill>
+        </p:nvSpPr>
         <p:spPr>
           <a:xfrm>
-            <a:off x="1009650" y="1493517"/>
-            <a:ext cx="10584101" cy="4996059"/>
+            <a:off x="3936492" y="3154503"/>
+            <a:ext cx="4800600" cy="3317962"/>
           </a:xfrm>
-          <a:prstGeom prst="rect">
-            <a:avLst/>
-          </a:prstGeom>
         </p:spPr>
-      </p:pic>
+        <p:txBody>
+          <a:bodyPr/>
+          <a:lstStyle/>
+          <a:p>
+            <a:pPr marL="1828800" lvl="4" indent="0">
+              <a:buNone/>
+            </a:pPr>
+            <a:endParaRPr lang="hu-HU" dirty="0"/>
+          </a:p>
+        </p:txBody>
+      </p:sp>
     </p:spTree>
     <p:extLst>
       <p:ext uri="{BB962C8B-B14F-4D97-AF65-F5344CB8AC3E}">
-        <p14:creationId xmlns:p14="http://schemas.microsoft.com/office/powerpoint/2010/main" val="3609012417"/>
+        <p14:creationId xmlns:p14="http://schemas.microsoft.com/office/powerpoint/2010/main" val="1755202786"/>
       </p:ext>
     </p:extLst>
   </p:cSld>
@@ -12958,7 +15739,7 @@
         </p:nvSpPr>
         <p:spPr>
           <a:xfrm>
-            <a:off x="5618826" y="368424"/>
+            <a:off x="5672091" y="385535"/>
             <a:ext cx="4800600" cy="632529"/>
           </a:xfrm>
         </p:spPr>
@@ -12967,83 +15748,51 @@
           <a:lstStyle/>
           <a:p>
             <a:r>
-              <a:rPr lang="hu-HU" sz="2800" dirty="0" err="1">
+              <a:rPr lang="hu-HU" sz="2800" dirty="0">
                 <a:latin typeface="Bodoni MT Condensed" panose="02070606080606020203" pitchFamily="18" charset="0"/>
               </a:rPr>
-              <a:t>responsivity</a:t>
-            </a:r>
-            <a:endParaRPr lang="hu-HU" sz="2800" dirty="0">
-              <a:latin typeface="Bodoni MT Condensed" panose="02070606080606020203" pitchFamily="18" charset="0"/>
-            </a:endParaRPr>
-          </a:p>
-        </p:txBody>
-      </p:sp>
-      <p:pic>
-        <p:nvPicPr>
-          <p:cNvPr id="6" name="Tartalom helye 5">
+              <a:t>frontend</a:t>
+            </a:r>
+          </a:p>
+        </p:txBody>
+      </p:sp>
+      <p:sp>
+        <p:nvSpPr>
+          <p:cNvPr id="4" name="Tartalom helye 3">
             <a:extLst>
               <a:ext uri="{FF2B5EF4-FFF2-40B4-BE49-F238E27FC236}">
-                <a16:creationId xmlns:a16="http://schemas.microsoft.com/office/drawing/2014/main" id="{7829CE67-0CC2-4B4F-9B06-A4AD865C8E33}"/>
+                <a16:creationId xmlns:a16="http://schemas.microsoft.com/office/drawing/2014/main" id="{9EA5D02B-5ABA-4969-A302-4A2A9EAD84A0}"/>
               </a:ext>
             </a:extLst>
           </p:cNvPr>
-          <p:cNvPicPr>
-            <a:picLocks noGrp="1" noChangeAspect="1"/>
-          </p:cNvPicPr>
+          <p:cNvSpPr>
+            <a:spLocks noGrp="1"/>
+          </p:cNvSpPr>
           <p:nvPr>
             <p:ph sz="half" idx="2"/>
           </p:nvPr>
-        </p:nvPicPr>
-        <p:blipFill>
-          <a:blip r:embed="rId2"/>
-          <a:stretch>
-            <a:fillRect/>
-          </a:stretch>
-        </p:blipFill>
+        </p:nvSpPr>
         <p:spPr>
           <a:xfrm>
-            <a:off x="1908843" y="1431163"/>
-            <a:ext cx="3709983" cy="4964605"/>
+            <a:off x="3936492" y="3154503"/>
+            <a:ext cx="4800600" cy="3317962"/>
           </a:xfrm>
-          <a:prstGeom prst="rect">
-            <a:avLst/>
-          </a:prstGeom>
         </p:spPr>
-      </p:pic>
-      <p:pic>
-        <p:nvPicPr>
-          <p:cNvPr id="7" name="Kép 6">
-            <a:extLst>
-              <a:ext uri="{FF2B5EF4-FFF2-40B4-BE49-F238E27FC236}">
-                <a16:creationId xmlns:a16="http://schemas.microsoft.com/office/drawing/2014/main" id="{EB3363C9-D96E-4B70-8FBC-D05C0FC59293}"/>
-              </a:ext>
-            </a:extLst>
-          </p:cNvPr>
-          <p:cNvPicPr>
-            <a:picLocks noChangeAspect="1"/>
-          </p:cNvPicPr>
-          <p:nvPr/>
-        </p:nvPicPr>
-        <p:blipFill>
-          <a:blip r:embed="rId3"/>
-          <a:stretch>
-            <a:fillRect/>
-          </a:stretch>
-        </p:blipFill>
-        <p:spPr>
-          <a:xfrm>
-            <a:off x="6318269" y="1420484"/>
-            <a:ext cx="3709984" cy="4975284"/>
-          </a:xfrm>
-          <a:prstGeom prst="rect">
-            <a:avLst/>
-          </a:prstGeom>
-        </p:spPr>
-      </p:pic>
+        <p:txBody>
+          <a:bodyPr/>
+          <a:lstStyle/>
+          <a:p>
+            <a:pPr marL="1828800" lvl="4" indent="0">
+              <a:buNone/>
+            </a:pPr>
+            <a:endParaRPr lang="hu-HU" dirty="0"/>
+          </a:p>
+        </p:txBody>
+      </p:sp>
     </p:spTree>
     <p:extLst>
       <p:ext uri="{BB962C8B-B14F-4D97-AF65-F5344CB8AC3E}">
-        <p14:creationId xmlns:p14="http://schemas.microsoft.com/office/powerpoint/2010/main" val="3957017547"/>
+        <p14:creationId xmlns:p14="http://schemas.microsoft.com/office/powerpoint/2010/main" val="395487620"/>
       </p:ext>
     </p:extLst>
   </p:cSld>
@@ -13878,6 +16627,15 @@
 </file>
 
 <file path=customXml/item2.xml><?xml version="1.0" encoding="utf-8"?>
+<?mso-contentType ?>
+<FormTemplates xmlns="http://schemas.microsoft.com/sharepoint/v3/contenttype/forms">
+  <Display>DocumentLibraryForm</Display>
+  <Edit>DocumentLibraryForm</Edit>
+  <New>DocumentLibraryForm</New>
+</FormTemplates>
+</file>
+
+<file path=customXml/item3.xml><?xml version="1.0" encoding="utf-8"?>
 <ct:contentTypeSchema xmlns:ct="http://schemas.microsoft.com/office/2006/metadata/contentType" xmlns:ma="http://schemas.microsoft.com/office/2006/metadata/properties/metaAttributes" ct:_="" ma:_="" ma:contentTypeName="Document" ma:contentTypeID="0x01010079F111ED35F8CC479449609E8A0923A6" ma:contentTypeVersion="11" ma:contentTypeDescription="Create a new document." ma:contentTypeScope="" ma:versionID="9677210f24a1be23c92c90fd886aa0aa">
   <xsd:schema xmlns:xsd="http://www.w3.org/2001/XMLSchema" xmlns:xs="http://www.w3.org/2001/XMLSchema" xmlns:p="http://schemas.microsoft.com/office/2006/metadata/properties" xmlns:ns2="71af3243-3dd4-4a8d-8c0d-dd76da1f02a5" xmlns:ns3="16c05727-aa75-4e4a-9b5f-8a80a1165891" targetNamespace="http://schemas.microsoft.com/office/2006/metadata/properties" ma:root="true" ma:fieldsID="60e05723c5c1908df1a1a4ebf11d344e" ns2:_="" ns3:_="">
     <xsd:import namespace="71af3243-3dd4-4a8d-8c0d-dd76da1f02a5"/>
@@ -14088,15 +16846,6 @@
 </ct:contentTypeSchema>
 </file>
 
-<file path=customXml/item3.xml><?xml version="1.0" encoding="utf-8"?>
-<?mso-contentType ?>
-<FormTemplates xmlns="http://schemas.microsoft.com/sharepoint/v3/contenttype/forms">
-  <Display>DocumentLibraryForm</Display>
-  <Edit>DocumentLibraryForm</Edit>
-  <New>DocumentLibraryForm</New>
-</FormTemplates>
-</file>
-
 <file path=customXml/itemProps1.xml><?xml version="1.0" encoding="utf-8"?>
 <ds:datastoreItem xmlns:ds="http://schemas.openxmlformats.org/officeDocument/2006/customXml" ds:itemID="{055D5C12-9048-448D-A69C-F00736C0732E}">
   <ds:schemaRefs>
@@ -14115,6 +16864,14 @@
 </file>
 
 <file path=customXml/itemProps2.xml><?xml version="1.0" encoding="utf-8"?>
+<ds:datastoreItem xmlns:ds="http://schemas.openxmlformats.org/officeDocument/2006/customXml" ds:itemID="{032C9D10-CA80-4BC9-9D59-B4B9486E9328}">
+  <ds:schemaRefs>
+    <ds:schemaRef ds:uri="http://schemas.microsoft.com/sharepoint/v3/contenttype/forms"/>
+  </ds:schemaRefs>
+</ds:datastoreItem>
+</file>
+
+<file path=customXml/itemProps3.xml><?xml version="1.0" encoding="utf-8"?>
 <ds:datastoreItem xmlns:ds="http://schemas.openxmlformats.org/officeDocument/2006/customXml" ds:itemID="{DD0DBFED-7AB5-403D-9982-F81C20C3F5BA}">
   <ds:schemaRefs>
     <ds:schemaRef ds:uri="http://schemas.microsoft.com/office/2006/metadata/contentType"/>
@@ -14131,12 +16888,4 @@
     <ds:schemaRef ds:uri="http://schemas.microsoft.com/internal/obd"/>
   </ds:schemaRefs>
 </ds:datastoreItem>
-</file>
-
-<file path=customXml/itemProps3.xml><?xml version="1.0" encoding="utf-8"?>
-<ds:datastoreItem xmlns:ds="http://schemas.openxmlformats.org/officeDocument/2006/customXml" ds:itemID="{032C9D10-CA80-4BC9-9D59-B4B9486E9328}">
-  <ds:schemaRefs>
-    <ds:schemaRef ds:uri="http://schemas.microsoft.com/sharepoint/v3/contenttype/forms"/>
-  </ds:schemaRefs>
-</ds:datastoreItem>
 </file>